--- a/ppt/Python_2_기본.pptx
+++ b/ppt/Python_2_기본.pptx
@@ -40,8 +40,7 @@
     <p:sldId id="295" r:id="rId34"/>
     <p:sldId id="296" r:id="rId35"/>
     <p:sldId id="283" r:id="rId36"/>
-    <p:sldId id="284" r:id="rId37"/>
-    <p:sldId id="285" r:id="rId38"/>
+    <p:sldId id="285" r:id="rId37"/>
   </p:sldIdLst>
   <p:sldSz cx="12192000" cy="6858000"/>
   <p:notesSz cx="6858000" cy="9144000"/>
@@ -279,7 +278,7 @@
           <a:p>
             <a:fld id="{0EBE7A2E-2C36-44EF-96FF-F99AC74D6CC3}" type="datetimeFigureOut">
               <a:rPr lang="ko-KR" altLang="en-US" smtClean="0"/>
-              <a:t>2017-03-14</a:t>
+              <a:t>2018-02-26</a:t>
             </a:fld>
             <a:endParaRPr lang="ko-KR" altLang="en-US"/>
           </a:p>
@@ -449,7 +448,7 @@
           <a:p>
             <a:fld id="{0EBE7A2E-2C36-44EF-96FF-F99AC74D6CC3}" type="datetimeFigureOut">
               <a:rPr lang="ko-KR" altLang="en-US" smtClean="0"/>
-              <a:t>2017-03-14</a:t>
+              <a:t>2018-02-26</a:t>
             </a:fld>
             <a:endParaRPr lang="ko-KR" altLang="en-US"/>
           </a:p>
@@ -629,7 +628,7 @@
           <a:p>
             <a:fld id="{0EBE7A2E-2C36-44EF-96FF-F99AC74D6CC3}" type="datetimeFigureOut">
               <a:rPr lang="ko-KR" altLang="en-US" smtClean="0"/>
-              <a:t>2017-03-14</a:t>
+              <a:t>2018-02-26</a:t>
             </a:fld>
             <a:endParaRPr lang="ko-KR" altLang="en-US"/>
           </a:p>
@@ -799,7 +798,7 @@
           <a:p>
             <a:fld id="{0EBE7A2E-2C36-44EF-96FF-F99AC74D6CC3}" type="datetimeFigureOut">
               <a:rPr lang="ko-KR" altLang="en-US" smtClean="0"/>
-              <a:t>2017-03-14</a:t>
+              <a:t>2018-02-26</a:t>
             </a:fld>
             <a:endParaRPr lang="ko-KR" altLang="en-US"/>
           </a:p>
@@ -1045,7 +1044,7 @@
           <a:p>
             <a:fld id="{0EBE7A2E-2C36-44EF-96FF-F99AC74D6CC3}" type="datetimeFigureOut">
               <a:rPr lang="ko-KR" altLang="en-US" smtClean="0"/>
-              <a:t>2017-03-14</a:t>
+              <a:t>2018-02-26</a:t>
             </a:fld>
             <a:endParaRPr lang="ko-KR" altLang="en-US"/>
           </a:p>
@@ -1277,7 +1276,7 @@
           <a:p>
             <a:fld id="{0EBE7A2E-2C36-44EF-96FF-F99AC74D6CC3}" type="datetimeFigureOut">
               <a:rPr lang="ko-KR" altLang="en-US" smtClean="0"/>
-              <a:t>2017-03-14</a:t>
+              <a:t>2018-02-26</a:t>
             </a:fld>
             <a:endParaRPr lang="ko-KR" altLang="en-US"/>
           </a:p>
@@ -1644,7 +1643,7 @@
           <a:p>
             <a:fld id="{0EBE7A2E-2C36-44EF-96FF-F99AC74D6CC3}" type="datetimeFigureOut">
               <a:rPr lang="ko-KR" altLang="en-US" smtClean="0"/>
-              <a:t>2017-03-14</a:t>
+              <a:t>2018-02-26</a:t>
             </a:fld>
             <a:endParaRPr lang="ko-KR" altLang="en-US"/>
           </a:p>
@@ -1762,7 +1761,7 @@
           <a:p>
             <a:fld id="{0EBE7A2E-2C36-44EF-96FF-F99AC74D6CC3}" type="datetimeFigureOut">
               <a:rPr lang="ko-KR" altLang="en-US" smtClean="0"/>
-              <a:t>2017-03-14</a:t>
+              <a:t>2018-02-26</a:t>
             </a:fld>
             <a:endParaRPr lang="ko-KR" altLang="en-US"/>
           </a:p>
@@ -1857,7 +1856,7 @@
           <a:p>
             <a:fld id="{0EBE7A2E-2C36-44EF-96FF-F99AC74D6CC3}" type="datetimeFigureOut">
               <a:rPr lang="ko-KR" altLang="en-US" smtClean="0"/>
-              <a:t>2017-03-14</a:t>
+              <a:t>2018-02-26</a:t>
             </a:fld>
             <a:endParaRPr lang="ko-KR" altLang="en-US"/>
           </a:p>
@@ -2134,7 +2133,7 @@
           <a:p>
             <a:fld id="{0EBE7A2E-2C36-44EF-96FF-F99AC74D6CC3}" type="datetimeFigureOut">
               <a:rPr lang="ko-KR" altLang="en-US" smtClean="0"/>
-              <a:t>2017-03-14</a:t>
+              <a:t>2018-02-26</a:t>
             </a:fld>
             <a:endParaRPr lang="ko-KR" altLang="en-US"/>
           </a:p>
@@ -2387,7 +2386,7 @@
           <a:p>
             <a:fld id="{0EBE7A2E-2C36-44EF-96FF-F99AC74D6CC3}" type="datetimeFigureOut">
               <a:rPr lang="ko-KR" altLang="en-US" smtClean="0"/>
-              <a:t>2017-03-14</a:t>
+              <a:t>2018-02-26</a:t>
             </a:fld>
             <a:endParaRPr lang="ko-KR" altLang="en-US"/>
           </a:p>
@@ -2600,7 +2599,7 @@
           <a:p>
             <a:fld id="{0EBE7A2E-2C36-44EF-96FF-F99AC74D6CC3}" type="datetimeFigureOut">
               <a:rPr lang="ko-KR" altLang="en-US" smtClean="0"/>
-              <a:t>2017-03-14</a:t>
+              <a:t>2018-02-26</a:t>
             </a:fld>
             <a:endParaRPr lang="ko-KR" altLang="en-US"/>
           </a:p>
@@ -4663,8 +4662,20 @@
                     <a:tableStyleId>{5C22544A-7EE6-4342-B048-85BDC9FD1C3A}</a:tableStyleId>
                   </a:tblPr>
                   <a:tblGrid>
-                    <a:gridCol w="2237946"/>
-                    <a:gridCol w="2237946"/>
+                    <a:gridCol w="2237946">
+                      <a:extLst>
+                        <a:ext uri="{9D8B030D-6E8A-4147-A177-3AD203B41FA5}">
+                          <a16:colId xmlns:a16="http://schemas.microsoft.com/office/drawing/2014/main" val="20000"/>
+                        </a:ext>
+                      </a:extLst>
+                    </a:gridCol>
+                    <a:gridCol w="2237946">
+                      <a:extLst>
+                        <a:ext uri="{9D8B030D-6E8A-4147-A177-3AD203B41FA5}">
+                          <a16:colId xmlns:a16="http://schemas.microsoft.com/office/drawing/2014/main" val="20001"/>
+                        </a:ext>
+                      </a:extLst>
+                    </a:gridCol>
                   </a:tblGrid>
                   <a:tr h="361438">
                     <a:tc>
@@ -4697,6 +4708,11 @@
                       </a:txBody>
                       <a:tcPr/>
                     </a:tc>
+                    <a:extLst>
+                      <a:ext uri="{0D108BD9-81ED-4DB2-BD59-A6C34878D82A}">
+                        <a16:rowId xmlns:a16="http://schemas.microsoft.com/office/drawing/2014/main" val="10000"/>
+                      </a:ext>
+                    </a:extLst>
                   </a:tr>
                   <a:tr h="366458">
                     <a:tc>
@@ -4741,6 +4757,11 @@
                       </a:txBody>
                       <a:tcPr/>
                     </a:tc>
+                    <a:extLst>
+                      <a:ext uri="{0D108BD9-81ED-4DB2-BD59-A6C34878D82A}">
+                        <a16:rowId xmlns:a16="http://schemas.microsoft.com/office/drawing/2014/main" val="10001"/>
+                      </a:ext>
+                    </a:extLst>
                   </a:tr>
                   <a:tr h="366458">
                     <a:tc>
@@ -4784,6 +4805,11 @@
                       </a:txBody>
                       <a:tcPr/>
                     </a:tc>
+                    <a:extLst>
+                      <a:ext uri="{0D108BD9-81ED-4DB2-BD59-A6C34878D82A}">
+                        <a16:rowId xmlns:a16="http://schemas.microsoft.com/office/drawing/2014/main" val="10002"/>
+                      </a:ext>
+                    </a:extLst>
                   </a:tr>
                   <a:tr h="366458">
                     <a:tc>
@@ -4828,6 +4854,11 @@
                       </a:txBody>
                       <a:tcPr/>
                     </a:tc>
+                    <a:extLst>
+                      <a:ext uri="{0D108BD9-81ED-4DB2-BD59-A6C34878D82A}">
+                        <a16:rowId xmlns:a16="http://schemas.microsoft.com/office/drawing/2014/main" val="10003"/>
+                      </a:ext>
+                    </a:extLst>
                   </a:tr>
                   <a:tr h="366458">
                     <a:tc>
@@ -4871,6 +4902,11 @@
                       </a:txBody>
                       <a:tcPr/>
                     </a:tc>
+                    <a:extLst>
+                      <a:ext uri="{0D108BD9-81ED-4DB2-BD59-A6C34878D82A}">
+                        <a16:rowId xmlns:a16="http://schemas.microsoft.com/office/drawing/2014/main" val="10004"/>
+                      </a:ext>
+                    </a:extLst>
                   </a:tr>
                   <a:tr h="366458">
                     <a:tc>
@@ -4914,6 +4950,11 @@
                       </a:txBody>
                       <a:tcPr/>
                     </a:tc>
+                    <a:extLst>
+                      <a:ext uri="{0D108BD9-81ED-4DB2-BD59-A6C34878D82A}">
+                        <a16:rowId xmlns:a16="http://schemas.microsoft.com/office/drawing/2014/main" val="10005"/>
+                      </a:ext>
+                    </a:extLst>
                   </a:tr>
                   <a:tr h="366458">
                     <a:tc>
@@ -4958,6 +4999,11 @@
                       </a:txBody>
                       <a:tcPr/>
                     </a:tc>
+                    <a:extLst>
+                      <a:ext uri="{0D108BD9-81ED-4DB2-BD59-A6C34878D82A}">
+                        <a16:rowId xmlns:a16="http://schemas.microsoft.com/office/drawing/2014/main" val="10006"/>
+                      </a:ext>
+                    </a:extLst>
                   </a:tr>
                 </a:tbl>
               </a:graphicData>
@@ -9149,157 +9195,6 @@
 </file>
 
 <file path=ppt/slides/slide36.xml><?xml version="1.0" encoding="utf-8"?>
-<p:sld xmlns:a="http://schemas.openxmlformats.org/drawingml/2006/main" xmlns:r="http://schemas.openxmlformats.org/officeDocument/2006/relationships" xmlns:p="http://schemas.openxmlformats.org/presentationml/2006/main" show="0">
-  <p:cSld>
-    <p:spTree>
-      <p:nvGrpSpPr>
-        <p:cNvPr id="1" name=""/>
-        <p:cNvGrpSpPr/>
-        <p:nvPr/>
-      </p:nvGrpSpPr>
-      <p:grpSpPr>
-        <a:xfrm>
-          <a:off x="0" y="0"/>
-          <a:ext cx="0" cy="0"/>
-          <a:chOff x="0" y="0"/>
-          <a:chExt cx="0" cy="0"/>
-        </a:xfrm>
-      </p:grpSpPr>
-      <p:sp>
-        <p:nvSpPr>
-          <p:cNvPr id="2" name="제목 1"/>
-          <p:cNvSpPr>
-            <a:spLocks noGrp="1"/>
-          </p:cNvSpPr>
-          <p:nvPr>
-            <p:ph type="title"/>
-          </p:nvPr>
-        </p:nvSpPr>
-        <p:spPr/>
-        <p:txBody>
-          <a:bodyPr/>
-          <a:lstStyle/>
-          <a:p>
-            <a:r>
-              <a:rPr lang="ko-KR" altLang="en-US" dirty="0" smtClean="0"/>
-              <a:t>스크립트 실행 </a:t>
-            </a:r>
-            <a:r>
-              <a:rPr lang="en-US" altLang="ko-KR" dirty="0" smtClean="0"/>
-              <a:t>– </a:t>
-            </a:r>
-            <a:r>
-              <a:rPr lang="ko-KR" altLang="en-US" dirty="0" smtClean="0"/>
-              <a:t>다른 방법</a:t>
-            </a:r>
-            <a:endParaRPr lang="ko-KR" altLang="en-US" dirty="0"/>
-          </a:p>
-        </p:txBody>
-      </p:sp>
-      <p:sp>
-        <p:nvSpPr>
-          <p:cNvPr id="3" name="내용 개체 틀 2"/>
-          <p:cNvSpPr>
-            <a:spLocks noGrp="1"/>
-          </p:cNvSpPr>
-          <p:nvPr>
-            <p:ph idx="1"/>
-          </p:nvPr>
-        </p:nvSpPr>
-        <p:spPr/>
-        <p:txBody>
-          <a:bodyPr/>
-          <a:lstStyle/>
-          <a:p>
-            <a:r>
-              <a:rPr lang="ko-KR" altLang="en-US" spc="-150" dirty="0" smtClean="0"/>
-              <a:t>실행</a:t>
-            </a:r>
-            <a:r>
-              <a:rPr lang="en-US" altLang="ko-KR" spc="-150" dirty="0" smtClean="0"/>
-              <a:t>-&gt;</a:t>
-            </a:r>
-            <a:r>
-              <a:rPr lang="en-US" altLang="ko-KR" spc="-150" dirty="0" err="1" smtClean="0"/>
-              <a:t>cmd</a:t>
-            </a:r>
-            <a:r>
-              <a:rPr lang="ko-KR" altLang="en-US" spc="-150" dirty="0"/>
-              <a:t>를 통해 실행되는 </a:t>
-            </a:r>
-            <a:r>
-              <a:rPr lang="en-US" altLang="ko-KR" spc="-150" dirty="0"/>
-              <a:t>Windows</a:t>
-            </a:r>
-            <a:r>
-              <a:rPr lang="ko-KR" altLang="en-US" spc="-150" dirty="0"/>
-              <a:t> 커맨드 창에서 </a:t>
-            </a:r>
-            <a:r>
-              <a:rPr lang="en-US" altLang="ko-KR" spc="-150" dirty="0"/>
-              <a:t/>
-            </a:r>
-            <a:br>
-              <a:rPr lang="en-US" altLang="ko-KR" spc="-150" dirty="0"/>
-            </a:br>
-            <a:r>
-              <a:rPr lang="en-US" altLang="ko-KR" spc="-150" dirty="0" smtClean="0"/>
-              <a:t>python example.py </a:t>
-            </a:r>
-            <a:r>
-              <a:rPr lang="ko-KR" altLang="en-US" spc="-150" smtClean="0"/>
-              <a:t>등의 명령어를 통해 스크립트 실행</a:t>
-            </a:r>
-            <a:endParaRPr lang="ko-KR" altLang="en-US" dirty="0"/>
-          </a:p>
-        </p:txBody>
-      </p:sp>
-      <p:pic>
-        <p:nvPicPr>
-          <p:cNvPr id="4" name="그림 3"/>
-          <p:cNvPicPr>
-            <a:picLocks noChangeAspect="1"/>
-          </p:cNvPicPr>
-          <p:nvPr/>
-        </p:nvPicPr>
-        <p:blipFill>
-          <a:blip r:embed="rId2"/>
-          <a:stretch>
-            <a:fillRect/>
-          </a:stretch>
-        </p:blipFill>
-        <p:spPr>
-          <a:xfrm>
-            <a:off x="2361042" y="2718100"/>
-            <a:ext cx="6148645" cy="4023412"/>
-          </a:xfrm>
-          <a:prstGeom prst="rect">
-            <a:avLst/>
-          </a:prstGeom>
-        </p:spPr>
-      </p:pic>
-    </p:spTree>
-    <p:extLst>
-      <p:ext uri="{BB962C8B-B14F-4D97-AF65-F5344CB8AC3E}">
-        <p14:creationId xmlns:p14="http://schemas.microsoft.com/office/powerpoint/2010/main" val="866147362"/>
-      </p:ext>
-    </p:extLst>
-  </p:cSld>
-  <p:clrMapOvr>
-    <a:masterClrMapping/>
-  </p:clrMapOvr>
-  <mc:AlternateContent xmlns:mc="http://schemas.openxmlformats.org/markup-compatibility/2006" xmlns:p14="http://schemas.microsoft.com/office/powerpoint/2010/main">
-    <mc:Choice Requires="p14">
-      <p:transition spd="slow" p14:dur="2000"/>
-    </mc:Choice>
-    <mc:Fallback xmlns="">
-      <p:transition spd="slow"/>
-    </mc:Fallback>
-  </mc:AlternateContent>
-</p:sld>
-</file>
-
-<file path=ppt/slides/slide37.xml><?xml version="1.0" encoding="utf-8"?>
 <p:sld xmlns:a="http://schemas.openxmlformats.org/drawingml/2006/main" xmlns:r="http://schemas.openxmlformats.org/officeDocument/2006/relationships" xmlns:p="http://schemas.openxmlformats.org/presentationml/2006/main">
   <p:cSld>
     <p:spTree>

--- a/ppt/Python_2_기본.pptx
+++ b/ppt/Python_2_기본.pptx
@@ -9,38 +9,39 @@
     <p:sldId id="287" r:id="rId3"/>
     <p:sldId id="276" r:id="rId4"/>
     <p:sldId id="289" r:id="rId5"/>
-    <p:sldId id="258" r:id="rId6"/>
-    <p:sldId id="292" r:id="rId7"/>
-    <p:sldId id="286" r:id="rId8"/>
-    <p:sldId id="259" r:id="rId9"/>
-    <p:sldId id="277" r:id="rId10"/>
-    <p:sldId id="261" r:id="rId11"/>
-    <p:sldId id="290" r:id="rId12"/>
-    <p:sldId id="291" r:id="rId13"/>
-    <p:sldId id="278" r:id="rId14"/>
-    <p:sldId id="282" r:id="rId15"/>
-    <p:sldId id="260" r:id="rId16"/>
-    <p:sldId id="263" r:id="rId17"/>
-    <p:sldId id="281" r:id="rId18"/>
-    <p:sldId id="264" r:id="rId19"/>
-    <p:sldId id="265" r:id="rId20"/>
-    <p:sldId id="266" r:id="rId21"/>
-    <p:sldId id="267" r:id="rId22"/>
-    <p:sldId id="280" r:id="rId23"/>
-    <p:sldId id="279" r:id="rId24"/>
-    <p:sldId id="293" r:id="rId25"/>
-    <p:sldId id="294" r:id="rId26"/>
-    <p:sldId id="268" r:id="rId27"/>
-    <p:sldId id="269" r:id="rId28"/>
-    <p:sldId id="270" r:id="rId29"/>
-    <p:sldId id="271" r:id="rId30"/>
-    <p:sldId id="272" r:id="rId31"/>
-    <p:sldId id="273" r:id="rId32"/>
-    <p:sldId id="275" r:id="rId33"/>
-    <p:sldId id="295" r:id="rId34"/>
-    <p:sldId id="296" r:id="rId35"/>
-    <p:sldId id="283" r:id="rId36"/>
-    <p:sldId id="285" r:id="rId37"/>
+    <p:sldId id="297" r:id="rId6"/>
+    <p:sldId id="298" r:id="rId7"/>
+    <p:sldId id="292" r:id="rId8"/>
+    <p:sldId id="286" r:id="rId9"/>
+    <p:sldId id="259" r:id="rId10"/>
+    <p:sldId id="277" r:id="rId11"/>
+    <p:sldId id="299" r:id="rId12"/>
+    <p:sldId id="290" r:id="rId13"/>
+    <p:sldId id="291" r:id="rId14"/>
+    <p:sldId id="278" r:id="rId15"/>
+    <p:sldId id="282" r:id="rId16"/>
+    <p:sldId id="260" r:id="rId17"/>
+    <p:sldId id="263" r:id="rId18"/>
+    <p:sldId id="281" r:id="rId19"/>
+    <p:sldId id="264" r:id="rId20"/>
+    <p:sldId id="265" r:id="rId21"/>
+    <p:sldId id="266" r:id="rId22"/>
+    <p:sldId id="267" r:id="rId23"/>
+    <p:sldId id="280" r:id="rId24"/>
+    <p:sldId id="279" r:id="rId25"/>
+    <p:sldId id="293" r:id="rId26"/>
+    <p:sldId id="294" r:id="rId27"/>
+    <p:sldId id="268" r:id="rId28"/>
+    <p:sldId id="269" r:id="rId29"/>
+    <p:sldId id="270" r:id="rId30"/>
+    <p:sldId id="271" r:id="rId31"/>
+    <p:sldId id="272" r:id="rId32"/>
+    <p:sldId id="273" r:id="rId33"/>
+    <p:sldId id="275" r:id="rId34"/>
+    <p:sldId id="295" r:id="rId35"/>
+    <p:sldId id="296" r:id="rId36"/>
+    <p:sldId id="283" r:id="rId37"/>
+    <p:sldId id="285" r:id="rId38"/>
   </p:sldIdLst>
   <p:sldSz cx="12192000" cy="6858000"/>
   <p:notesSz cx="6858000" cy="9144000"/>
@@ -3096,8 +3097,8 @@
           <a:lstStyle/>
           <a:p>
             <a:r>
-              <a:rPr lang="ko-KR" altLang="en-US" dirty="0" smtClean="0"/>
-              <a:t>변수 재지정</a:t>
+              <a:rPr lang="en-US" altLang="ko-KR" dirty="0" smtClean="0"/>
+              <a:t>Dynamic types</a:t>
             </a:r>
             <a:endParaRPr lang="ko-KR" altLang="en-US" dirty="0"/>
           </a:p>
@@ -3115,103 +3116,137 @@
         </p:nvSpPr>
         <p:spPr/>
         <p:txBody>
-          <a:bodyPr/>
-          <a:lstStyle/>
-          <a:p>
-            <a:r>
-              <a:rPr lang="ko-KR" altLang="en-US" dirty="0" smtClean="0"/>
-              <a:t>한 번 지정한 </a:t>
-            </a:r>
-            <a:r>
-              <a:rPr lang="ko-KR" altLang="en-US" dirty="0" err="1" smtClean="0"/>
-              <a:t>변수값을</a:t>
-            </a:r>
-            <a:r>
-              <a:rPr lang="ko-KR" altLang="en-US" dirty="0" smtClean="0"/>
-              <a:t> 얼마든지 새 변수로 바꿀 수 있음</a:t>
+          <a:bodyPr>
+            <a:normAutofit/>
+          </a:bodyPr>
+          <a:lstStyle/>
+          <a:p>
+            <a:r>
+              <a:rPr lang="en-US" altLang="ko-KR" dirty="0" smtClean="0"/>
+              <a:t>Python</a:t>
+            </a:r>
+            <a:r>
+              <a:rPr lang="ko-KR" altLang="en-US" dirty="0" smtClean="0"/>
+              <a:t>에서는 데이터 </a:t>
+            </a:r>
+            <a:r>
+              <a:rPr lang="en-US" altLang="ko-KR" dirty="0" smtClean="0"/>
+              <a:t>type</a:t>
+            </a:r>
+            <a:r>
+              <a:rPr lang="ko-KR" altLang="en-US" dirty="0" smtClean="0"/>
+              <a:t>을 따로 명시하는 것이 아니기 때문에</a:t>
+            </a:r>
+            <a:r>
+              <a:rPr lang="en-US" altLang="ko-KR" dirty="0" smtClean="0"/>
+              <a:t>, </a:t>
+            </a:r>
+            <a:r>
+              <a:rPr lang="ko-KR" altLang="en-US" dirty="0" smtClean="0"/>
+              <a:t>프로그램 중간에 데이터 </a:t>
+            </a:r>
+            <a:r>
+              <a:rPr lang="en-US" altLang="ko-KR" dirty="0" smtClean="0"/>
+              <a:t>type</a:t>
+            </a:r>
+            <a:r>
+              <a:rPr lang="ko-KR" altLang="en-US" dirty="0" smtClean="0"/>
+              <a:t>이 바뀔 수 있음</a:t>
             </a:r>
             <a:endParaRPr lang="en-US" altLang="ko-KR" dirty="0" smtClean="0"/>
           </a:p>
           <a:p>
-            <a:r>
-              <a:rPr lang="en-US" altLang="ko-KR" spc="-150" dirty="0" smtClean="0">
-                <a:latin typeface="Consolas" panose="020B0609020204030204" pitchFamily="49" charset="0"/>
-                <a:cs typeface="Consolas" panose="020B0609020204030204" pitchFamily="49" charset="0"/>
-              </a:rPr>
-              <a:t>a = 1</a:t>
-            </a:r>
-          </a:p>
-          <a:p>
-            <a:r>
-              <a:rPr lang="en-US" altLang="ko-KR" spc="-150" dirty="0" smtClean="0">
-                <a:latin typeface="Consolas" panose="020B0609020204030204" pitchFamily="49" charset="0"/>
-                <a:cs typeface="Consolas" panose="020B0609020204030204" pitchFamily="49" charset="0"/>
-              </a:rPr>
-              <a:t>a = 2</a:t>
-            </a:r>
-          </a:p>
-          <a:p>
-            <a:r>
-              <a:rPr lang="en-US" altLang="ko-KR" spc="-150" dirty="0" smtClean="0">
-                <a:latin typeface="Consolas" panose="020B0609020204030204" pitchFamily="49" charset="0"/>
-                <a:cs typeface="Consolas" panose="020B0609020204030204" pitchFamily="49" charset="0"/>
-              </a:rPr>
-              <a:t>a = 2.1</a:t>
-            </a:r>
-          </a:p>
-          <a:p>
-            <a:r>
-              <a:rPr lang="en-US" altLang="ko-KR" spc="-150" dirty="0" smtClean="0">
-                <a:latin typeface="Consolas" panose="020B0609020204030204" pitchFamily="49" charset="0"/>
-                <a:cs typeface="Consolas" panose="020B0609020204030204" pitchFamily="49" charset="0"/>
-              </a:rPr>
-              <a:t>b = "Hi"</a:t>
-            </a:r>
-          </a:p>
-          <a:p>
-            <a:r>
-              <a:rPr lang="en-US" altLang="ko-KR" spc="-150" dirty="0" smtClean="0">
-                <a:latin typeface="Consolas" panose="020B0609020204030204" pitchFamily="49" charset="0"/>
-                <a:cs typeface="Consolas" panose="020B0609020204030204" pitchFamily="49" charset="0"/>
-              </a:rPr>
-              <a:t>b = "Hello"</a:t>
-            </a:r>
-          </a:p>
-          <a:p>
-            <a:r>
-              <a:rPr lang="en-US" altLang="ko-KR" spc="-150" dirty="0">
-                <a:latin typeface="Consolas" panose="020B0609020204030204" pitchFamily="49" charset="0"/>
-                <a:cs typeface="Consolas" panose="020B0609020204030204" pitchFamily="49" charset="0"/>
-              </a:rPr>
-              <a:t>c</a:t>
-            </a:r>
-            <a:r>
-              <a:rPr lang="en-US" altLang="ko-KR" spc="-150" dirty="0" smtClean="0">
-                <a:latin typeface="Consolas" panose="020B0609020204030204" pitchFamily="49" charset="0"/>
-                <a:cs typeface="Consolas" panose="020B0609020204030204" pitchFamily="49" charset="0"/>
-              </a:rPr>
-              <a:t> = True</a:t>
-            </a:r>
-          </a:p>
-          <a:p>
-            <a:r>
-              <a:rPr lang="en-US" altLang="ko-KR" spc="-150" dirty="0" smtClean="0">
-                <a:latin typeface="Consolas" panose="020B0609020204030204" pitchFamily="49" charset="0"/>
-                <a:cs typeface="Consolas" panose="020B0609020204030204" pitchFamily="49" charset="0"/>
-              </a:rPr>
-              <a:t>c = False</a:t>
-            </a:r>
-            <a:endParaRPr lang="ko-KR" altLang="en-US" spc="-150" dirty="0">
-              <a:latin typeface="Consolas" panose="020B0609020204030204" pitchFamily="49" charset="0"/>
-              <a:cs typeface="Consolas" panose="020B0609020204030204" pitchFamily="49" charset="0"/>
-            </a:endParaRPr>
+            <a:pPr lvl="1"/>
+            <a:r>
+              <a:rPr lang="en-US" altLang="ko-KR" spc="-150" dirty="0" smtClean="0">
+                <a:latin typeface="Consolas" panose="020B0609020204030204" pitchFamily="49" charset="0"/>
+                <a:cs typeface="Consolas" panose="020B0609020204030204" pitchFamily="49" charset="0"/>
+              </a:rPr>
+              <a:t>x = 10</a:t>
+            </a:r>
+            <a:r>
+              <a:rPr lang="en-US" altLang="ko-KR" dirty="0" smtClean="0"/>
+              <a:t/>
+            </a:r>
+            <a:br>
+              <a:rPr lang="en-US" altLang="ko-KR" dirty="0" smtClean="0"/>
+            </a:br>
+            <a:r>
+              <a:rPr lang="en-US" altLang="ko-KR" dirty="0" smtClean="0"/>
+              <a:t>…</a:t>
+            </a:r>
+            <a:br>
+              <a:rPr lang="en-US" altLang="ko-KR" dirty="0" smtClean="0"/>
+            </a:br>
+            <a:r>
+              <a:rPr lang="en-US" altLang="ko-KR" spc="-150" dirty="0" smtClean="0">
+                <a:latin typeface="Consolas" panose="020B0609020204030204" pitchFamily="49" charset="0"/>
+                <a:cs typeface="Consolas" panose="020B0609020204030204" pitchFamily="49" charset="0"/>
+              </a:rPr>
+              <a:t>x = 'John'</a:t>
+            </a:r>
+            <a:br>
+              <a:rPr lang="en-US" altLang="ko-KR" spc="-150" dirty="0" smtClean="0">
+                <a:latin typeface="Consolas" panose="020B0609020204030204" pitchFamily="49" charset="0"/>
+                <a:cs typeface="Consolas" panose="020B0609020204030204" pitchFamily="49" charset="0"/>
+              </a:rPr>
+            </a:br>
+            <a:r>
+              <a:rPr lang="en-US" altLang="ko-KR" dirty="0" smtClean="0"/>
+              <a:t>…</a:t>
+            </a:r>
+            <a:br>
+              <a:rPr lang="en-US" altLang="ko-KR" dirty="0" smtClean="0"/>
+            </a:br>
+            <a:r>
+              <a:rPr lang="en-US" altLang="ko-KR" spc="-150" dirty="0" smtClean="0">
+                <a:latin typeface="Consolas" panose="020B0609020204030204" pitchFamily="49" charset="0"/>
+                <a:cs typeface="Consolas" panose="020B0609020204030204" pitchFamily="49" charset="0"/>
+              </a:rPr>
+              <a:t>x = True</a:t>
+            </a:r>
+          </a:p>
+          <a:p>
+            <a:pPr lvl="1"/>
+            <a:endParaRPr lang="en-US" altLang="ko-KR" dirty="0"/>
+          </a:p>
+          <a:p>
+            <a:r>
+              <a:rPr lang="ko-KR" altLang="en-US" spc="-150" dirty="0" smtClean="0"/>
+              <a:t>그러나</a:t>
+            </a:r>
+            <a:r>
+              <a:rPr lang="en-US" altLang="ko-KR" spc="-150" dirty="0" smtClean="0"/>
+              <a:t>, </a:t>
+            </a:r>
+            <a:r>
+              <a:rPr lang="ko-KR" altLang="en-US" spc="-150" dirty="0" smtClean="0"/>
+              <a:t>하나의 변수가 한 프로그램 내에서 데이터 타입이 변하는 것은 바람직하지 않으며</a:t>
+            </a:r>
+            <a:r>
+              <a:rPr lang="en-US" altLang="ko-KR" spc="-150" dirty="0" smtClean="0"/>
+              <a:t>, </a:t>
+            </a:r>
+            <a:r>
+              <a:rPr lang="ko-KR" altLang="en-US" spc="-150" dirty="0" smtClean="0"/>
+              <a:t>동일한 데이터 타입을 유지하도록 함</a:t>
+            </a:r>
+            <a:endParaRPr lang="en-US" altLang="ko-KR" spc="-150" dirty="0" smtClean="0"/>
+          </a:p>
+          <a:p>
+            <a:pPr lvl="1"/>
+            <a:r>
+              <a:rPr lang="ko-KR" altLang="en-US" dirty="0" smtClean="0"/>
+              <a:t>반면 변수의 값은 계속 변할 수 있음</a:t>
+            </a:r>
+            <a:endParaRPr lang="en-US" altLang="ko-KR" dirty="0" smtClean="0"/>
           </a:p>
         </p:txBody>
       </p:sp>
     </p:spTree>
     <p:extLst>
       <p:ext uri="{BB962C8B-B14F-4D97-AF65-F5344CB8AC3E}">
-        <p14:creationId xmlns:p14="http://schemas.microsoft.com/office/powerpoint/2010/main" val="117146100"/>
+        <p14:creationId xmlns:p14="http://schemas.microsoft.com/office/powerpoint/2010/main" val="1148200273"/>
       </p:ext>
     </p:extLst>
   </p:cSld>
@@ -3238,6 +3273,62 @@
           <a:chExt cx="0" cy="0"/>
         </a:xfrm>
       </p:grpSpPr>
+      <p:pic>
+        <p:nvPicPr>
+          <p:cNvPr id="4" name="내용 개체 틀 3"/>
+          <p:cNvPicPr>
+            <a:picLocks noGrp="1" noChangeAspect="1"/>
+          </p:cNvPicPr>
+          <p:nvPr>
+            <p:ph idx="1"/>
+          </p:nvPr>
+        </p:nvPicPr>
+        <p:blipFill>
+          <a:blip r:embed="rId2"/>
+          <a:stretch>
+            <a:fillRect/>
+          </a:stretch>
+        </p:blipFill>
+        <p:spPr>
+          <a:xfrm>
+            <a:off x="627648" y="584652"/>
+            <a:ext cx="11064706" cy="5862802"/>
+          </a:xfrm>
+          <a:prstGeom prst="rect">
+            <a:avLst/>
+          </a:prstGeom>
+        </p:spPr>
+      </p:pic>
+    </p:spTree>
+    <p:extLst>
+      <p:ext uri="{BB962C8B-B14F-4D97-AF65-F5344CB8AC3E}">
+        <p14:creationId xmlns:p14="http://schemas.microsoft.com/office/powerpoint/2010/main" val="2794274330"/>
+      </p:ext>
+    </p:extLst>
+  </p:cSld>
+  <p:clrMapOvr>
+    <a:masterClrMapping/>
+  </p:clrMapOvr>
+</p:sld>
+</file>
+
+<file path=ppt/slides/slide12.xml><?xml version="1.0" encoding="utf-8"?>
+<p:sld xmlns:a="http://schemas.openxmlformats.org/drawingml/2006/main" xmlns:r="http://schemas.openxmlformats.org/officeDocument/2006/relationships" xmlns:p="http://schemas.openxmlformats.org/presentationml/2006/main">
+  <p:cSld>
+    <p:spTree>
+      <p:nvGrpSpPr>
+        <p:cNvPr id="1" name=""/>
+        <p:cNvGrpSpPr/>
+        <p:nvPr/>
+      </p:nvGrpSpPr>
+      <p:grpSpPr>
+        <a:xfrm>
+          <a:off x="0" y="0"/>
+          <a:ext cx="0" cy="0"/>
+          <a:chOff x="0" y="0"/>
+          <a:chExt cx="0" cy="0"/>
+        </a:xfrm>
+      </p:grpSpPr>
       <p:sp>
         <p:nvSpPr>
           <p:cNvPr id="2" name="제목 1"/>
@@ -3261,57 +3352,32 @@
           </a:p>
         </p:txBody>
       </p:sp>
-      <p:sp>
-        <p:nvSpPr>
-          <p:cNvPr id="3" name="내용 개체 틀 2"/>
-          <p:cNvSpPr>
-            <a:spLocks noGrp="1"/>
-          </p:cNvSpPr>
+      <p:pic>
+        <p:nvPicPr>
+          <p:cNvPr id="5" name="내용 개체 틀 4"/>
+          <p:cNvPicPr>
+            <a:picLocks noGrp="1" noChangeAspect="1"/>
+          </p:cNvPicPr>
           <p:nvPr>
             <p:ph idx="1"/>
           </p:nvPr>
-        </p:nvSpPr>
-        <p:spPr/>
-        <p:txBody>
-          <a:bodyPr/>
-          <a:lstStyle/>
-          <a:p>
-            <a:r>
-              <a:rPr lang="en-US" altLang="ko-KR" spc="-150" dirty="0" smtClean="0">
-                <a:latin typeface="Consolas" panose="020B0609020204030204" pitchFamily="49" charset="0"/>
-              </a:rPr>
-              <a:t>pi = 3.14</a:t>
-            </a:r>
-          </a:p>
-          <a:p>
-            <a:r>
-              <a:rPr lang="en-US" altLang="ko-KR" spc="-150" dirty="0" smtClean="0">
-                <a:latin typeface="Consolas" panose="020B0609020204030204" pitchFamily="49" charset="0"/>
-              </a:rPr>
-              <a:t>radius = 11</a:t>
-            </a:r>
-          </a:p>
-          <a:p>
-            <a:r>
-              <a:rPr lang="en-US" altLang="ko-KR" spc="-150" dirty="0" smtClean="0">
-                <a:latin typeface="Consolas" panose="020B0609020204030204" pitchFamily="49" charset="0"/>
-              </a:rPr>
-              <a:t>area = pi * (radius**2)</a:t>
-            </a:r>
-          </a:p>
-          <a:p>
-            <a:r>
-              <a:rPr lang="en-US" altLang="ko-KR" spc="-150" dirty="0" smtClean="0">
-                <a:latin typeface="Consolas" panose="020B0609020204030204" pitchFamily="49" charset="0"/>
-              </a:rPr>
-              <a:t>radius = 14</a:t>
-            </a:r>
-            <a:endParaRPr lang="ko-KR" altLang="en-US" spc="-150" dirty="0">
-              <a:latin typeface="Consolas" panose="020B0609020204030204" pitchFamily="49" charset="0"/>
-            </a:endParaRPr>
-          </a:p>
-        </p:txBody>
-      </p:sp>
+        </p:nvPicPr>
+        <p:blipFill>
+          <a:blip r:embed="rId2"/>
+          <a:stretch>
+            <a:fillRect/>
+          </a:stretch>
+        </p:blipFill>
+        <p:spPr>
+          <a:xfrm>
+            <a:off x="728954" y="1802185"/>
+            <a:ext cx="4323049" cy="2200647"/>
+          </a:xfrm>
+          <a:prstGeom prst="rect">
+            <a:avLst/>
+          </a:prstGeom>
+        </p:spPr>
+      </p:pic>
       <p:pic>
         <p:nvPicPr>
           <p:cNvPr id="4" name="그림 3"/>
@@ -3321,7 +3387,7 @@
           <p:nvPr/>
         </p:nvPicPr>
         <p:blipFill>
-          <a:blip r:embed="rId2"/>
+          <a:blip r:embed="rId3"/>
           <a:stretch>
             <a:fillRect/>
           </a:stretch>
@@ -3349,148 +3415,6 @@
 </p:sld>
 </file>
 
-<file path=ppt/slides/slide12.xml><?xml version="1.0" encoding="utf-8"?>
-<p:sld xmlns:a="http://schemas.openxmlformats.org/drawingml/2006/main" xmlns:r="http://schemas.openxmlformats.org/officeDocument/2006/relationships" xmlns:p="http://schemas.openxmlformats.org/presentationml/2006/main">
-  <p:cSld>
-    <p:spTree>
-      <p:nvGrpSpPr>
-        <p:cNvPr id="1" name=""/>
-        <p:cNvGrpSpPr/>
-        <p:nvPr/>
-      </p:nvGrpSpPr>
-      <p:grpSpPr>
-        <a:xfrm>
-          <a:off x="0" y="0"/>
-          <a:ext cx="0" cy="0"/>
-          <a:chOff x="0" y="0"/>
-          <a:chExt cx="0" cy="0"/>
-        </a:xfrm>
-      </p:grpSpPr>
-      <p:sp>
-        <p:nvSpPr>
-          <p:cNvPr id="2" name="제목 1"/>
-          <p:cNvSpPr>
-            <a:spLocks noGrp="1"/>
-          </p:cNvSpPr>
-          <p:nvPr>
-            <p:ph type="title"/>
-          </p:nvPr>
-        </p:nvSpPr>
-        <p:spPr/>
-        <p:txBody>
-          <a:bodyPr/>
-          <a:lstStyle/>
-          <a:p>
-            <a:r>
-              <a:rPr lang="en-US" altLang="ko-KR" dirty="0" smtClean="0"/>
-              <a:t>multiple assignment</a:t>
-            </a:r>
-            <a:endParaRPr lang="ko-KR" altLang="en-US" dirty="0"/>
-          </a:p>
-        </p:txBody>
-      </p:sp>
-      <p:sp>
-        <p:nvSpPr>
-          <p:cNvPr id="3" name="내용 개체 틀 2"/>
-          <p:cNvSpPr>
-            <a:spLocks noGrp="1"/>
-          </p:cNvSpPr>
-          <p:nvPr>
-            <p:ph idx="1"/>
-          </p:nvPr>
-        </p:nvSpPr>
-        <p:spPr/>
-        <p:txBody>
-          <a:bodyPr/>
-          <a:lstStyle/>
-          <a:p>
-            <a:r>
-              <a:rPr lang="en-US" altLang="ko-KR" dirty="0" smtClean="0"/>
-              <a:t>Python</a:t>
-            </a:r>
-            <a:r>
-              <a:rPr lang="ko-KR" altLang="en-US" dirty="0" smtClean="0"/>
-              <a:t>에서는 다음과 같이 여러 개의 변수에 한 번에 값들을 지정할 수 있다</a:t>
-            </a:r>
-            <a:r>
-              <a:rPr lang="en-US" altLang="ko-KR" dirty="0" smtClean="0"/>
-              <a:t>.</a:t>
-            </a:r>
-          </a:p>
-          <a:p>
-            <a:endParaRPr lang="en-US" altLang="ko-KR" dirty="0"/>
-          </a:p>
-          <a:p>
-            <a:r>
-              <a:rPr lang="en-US" altLang="ko-KR" spc="-150" dirty="0" smtClean="0">
-                <a:latin typeface="Consolas" panose="020B0609020204030204" pitchFamily="49" charset="0"/>
-              </a:rPr>
-              <a:t>x, y = 2, 3</a:t>
-            </a:r>
-          </a:p>
-          <a:p>
-            <a:r>
-              <a:rPr lang="en-US" altLang="ko-KR" spc="-150" dirty="0" smtClean="0">
-                <a:latin typeface="Consolas" panose="020B0609020204030204" pitchFamily="49" charset="0"/>
-              </a:rPr>
-              <a:t>x, y = y, x</a:t>
-            </a:r>
-          </a:p>
-          <a:p>
-            <a:r>
-              <a:rPr lang="en-US" altLang="ko-KR" spc="-150" dirty="0" smtClean="0">
-                <a:latin typeface="Consolas" panose="020B0609020204030204" pitchFamily="49" charset="0"/>
-              </a:rPr>
-              <a:t>print 'x = ', x</a:t>
-            </a:r>
-          </a:p>
-          <a:p>
-            <a:r>
-              <a:rPr lang="en-US" altLang="ko-KR" spc="-150" dirty="0">
-                <a:latin typeface="Consolas" panose="020B0609020204030204" pitchFamily="49" charset="0"/>
-              </a:rPr>
-              <a:t>print </a:t>
-            </a:r>
-            <a:r>
-              <a:rPr lang="en-US" altLang="ko-KR" spc="-150" dirty="0" smtClean="0">
-                <a:latin typeface="Consolas" panose="020B0609020204030204" pitchFamily="49" charset="0"/>
-              </a:rPr>
-              <a:t>'y </a:t>
-            </a:r>
-            <a:r>
-              <a:rPr lang="en-US" altLang="ko-KR" spc="-150" dirty="0">
-                <a:latin typeface="Consolas" panose="020B0609020204030204" pitchFamily="49" charset="0"/>
-              </a:rPr>
-              <a:t>= ', </a:t>
-            </a:r>
-            <a:r>
-              <a:rPr lang="en-US" altLang="ko-KR" spc="-150" dirty="0" smtClean="0">
-                <a:latin typeface="Consolas" panose="020B0609020204030204" pitchFamily="49" charset="0"/>
-              </a:rPr>
-              <a:t>y</a:t>
-            </a:r>
-            <a:endParaRPr lang="en-US" altLang="ko-KR" spc="-150" dirty="0">
-              <a:latin typeface="Consolas" panose="020B0609020204030204" pitchFamily="49" charset="0"/>
-            </a:endParaRPr>
-          </a:p>
-          <a:p>
-            <a:endParaRPr lang="ko-KR" altLang="en-US" dirty="0"/>
-          </a:p>
-        </p:txBody>
-      </p:sp>
-    </p:spTree>
-    <p:extLst>
-      <p:ext uri="{BB962C8B-B14F-4D97-AF65-F5344CB8AC3E}">
-        <p14:creationId xmlns:p14="http://schemas.microsoft.com/office/powerpoint/2010/main" val="1465500497"/>
-      </p:ext>
-    </p:extLst>
-  </p:cSld>
-  <p:clrMapOvr>
-    <a:masterClrMapping/>
-  </p:clrMapOvr>
-</p:sld>
-</file>
-
 <file path=ppt/slides/slide13.xml><?xml version="1.0" encoding="utf-8"?>
 <p:sld xmlns:a="http://schemas.openxmlformats.org/drawingml/2006/main" xmlns:r="http://schemas.openxmlformats.org/officeDocument/2006/relationships" xmlns:p="http://schemas.openxmlformats.org/presentationml/2006/main">
   <p:cSld>
@@ -3524,8 +3448,8 @@
           <a:lstStyle/>
           <a:p>
             <a:r>
-              <a:rPr lang="ko-KR" altLang="en-US" dirty="0" smtClean="0"/>
-              <a:t>문자열 출력해보기</a:t>
+              <a:rPr lang="en-US" altLang="ko-KR" dirty="0" smtClean="0"/>
+              <a:t>multiple assignment</a:t>
             </a:r>
             <a:endParaRPr lang="ko-KR" altLang="en-US" dirty="0"/>
           </a:p>
@@ -3547,82 +3471,75 @@
           <a:lstStyle/>
           <a:p>
             <a:r>
-              <a:rPr lang="ko-KR" altLang="en-US" dirty="0" smtClean="0"/>
-              <a:t>프로그래밍의 가장 기본 예제를 연습해 보자</a:t>
-            </a:r>
-            <a:endParaRPr lang="en-US" altLang="ko-KR" dirty="0" smtClean="0"/>
-          </a:p>
-          <a:p>
-            <a:r>
-              <a:rPr lang="en-US" altLang="ko-KR" spc="-150" dirty="0" smtClean="0">
-                <a:latin typeface="Consolas" panose="020B0609020204030204" pitchFamily="49" charset="0"/>
-                <a:cs typeface="Consolas" panose="020B0609020204030204" pitchFamily="49" charset="0"/>
-              </a:rPr>
-              <a:t>print "Hello, world!"</a:t>
-            </a:r>
-          </a:p>
-          <a:p>
-            <a:r>
-              <a:rPr lang="en-US" altLang="ko-KR" spc="-150" dirty="0" smtClean="0">
-                <a:latin typeface="Consolas" panose="020B0609020204030204" pitchFamily="49" charset="0"/>
-                <a:cs typeface="Consolas" panose="020B0609020204030204" pitchFamily="49" charset="0"/>
-              </a:rPr>
-              <a:t>print 'Hello, world!'</a:t>
-            </a:r>
-          </a:p>
-          <a:p>
-            <a:r>
-              <a:rPr lang="ko-KR" altLang="en-US" dirty="0" smtClean="0"/>
-              <a:t>따옴표는 문자열을 의미</a:t>
-            </a:r>
-            <a:endParaRPr lang="en-US" altLang="ko-KR" dirty="0" smtClean="0"/>
-          </a:p>
-          <a:p>
-            <a:pPr lvl="1"/>
-            <a:r>
-              <a:rPr lang="ko-KR" altLang="en-US" dirty="0" smtClean="0"/>
-              <a:t>큰 따옴표</a:t>
-            </a:r>
-            <a:r>
-              <a:rPr lang="en-US" altLang="ko-KR" dirty="0" smtClean="0"/>
-              <a:t>,</a:t>
-            </a:r>
-            <a:r>
-              <a:rPr lang="ko-KR" altLang="en-US" dirty="0" smtClean="0"/>
-              <a:t> 작은 따옴표 모두 가능</a:t>
-            </a:r>
-            <a:endParaRPr lang="en-US" altLang="ko-KR" dirty="0" smtClean="0"/>
-          </a:p>
-          <a:p>
-            <a:r>
-              <a:rPr lang="en-US" altLang="ko-KR" spc="-150" dirty="0" smtClean="0">
-                <a:latin typeface="Consolas" panose="020B0609020204030204" pitchFamily="49" charset="0"/>
-              </a:rPr>
-              <a:t>print</a:t>
-            </a:r>
-            <a:r>
-              <a:rPr lang="ko-KR" altLang="en-US" dirty="0"/>
-              <a:t> </a:t>
-            </a:r>
-            <a:r>
-              <a:rPr lang="ko-KR" altLang="en-US" dirty="0" smtClean="0"/>
-              <a:t>명령에 괄호를 사용할 수도 있음</a:t>
-            </a:r>
-            <a:endParaRPr lang="en-US" altLang="ko-KR" dirty="0" smtClean="0"/>
-          </a:p>
-          <a:p>
-            <a:r>
-              <a:rPr lang="en-US" altLang="ko-KR" spc="-150" dirty="0" smtClean="0">
-                <a:latin typeface="Consolas" panose="020B0609020204030204" pitchFamily="49" charset="0"/>
-                <a:cs typeface="Consolas" panose="020B0609020204030204" pitchFamily="49" charset="0"/>
-              </a:rPr>
-              <a:t>print("Hello, world!")</a:t>
-            </a:r>
-          </a:p>
-          <a:p>
-            <a:pPr marL="0" indent="0">
-              <a:buNone/>
-            </a:pPr>
+              <a:rPr lang="en-US" altLang="ko-KR" dirty="0" smtClean="0"/>
+              <a:t>Python</a:t>
+            </a:r>
+            <a:r>
+              <a:rPr lang="ko-KR" altLang="en-US" dirty="0" smtClean="0"/>
+              <a:t>에서는 다음과 같이 여러 개의 변수에 한 번에 값들을 지정할 수 있다</a:t>
+            </a:r>
+            <a:r>
+              <a:rPr lang="en-US" altLang="ko-KR" dirty="0" smtClean="0"/>
+              <a:t>.</a:t>
+            </a:r>
+          </a:p>
+          <a:p>
+            <a:endParaRPr lang="en-US" altLang="ko-KR" dirty="0"/>
+          </a:p>
+          <a:p>
+            <a:r>
+              <a:rPr lang="en-US" altLang="ko-KR" spc="-150" dirty="0" smtClean="0">
+                <a:latin typeface="Consolas" panose="020B0609020204030204" pitchFamily="49" charset="0"/>
+              </a:rPr>
+              <a:t>x, y = 2, 3</a:t>
+            </a:r>
+          </a:p>
+          <a:p>
+            <a:r>
+              <a:rPr lang="en-US" altLang="ko-KR" spc="-150" dirty="0" smtClean="0">
+                <a:latin typeface="Consolas" panose="020B0609020204030204" pitchFamily="49" charset="0"/>
+              </a:rPr>
+              <a:t>x, y = y, x</a:t>
+            </a:r>
+          </a:p>
+          <a:p>
+            <a:r>
+              <a:rPr lang="en-US" altLang="ko-KR" spc="-150" dirty="0" smtClean="0">
+                <a:latin typeface="Consolas" panose="020B0609020204030204" pitchFamily="49" charset="0"/>
+              </a:rPr>
+              <a:t>print 'x = ', x</a:t>
+            </a:r>
+          </a:p>
+          <a:p>
+            <a:r>
+              <a:rPr lang="en-US" altLang="ko-KR" spc="-150" dirty="0">
+                <a:latin typeface="Consolas" panose="020B0609020204030204" pitchFamily="49" charset="0"/>
+              </a:rPr>
+              <a:t>print </a:t>
+            </a:r>
+            <a:r>
+              <a:rPr lang="en-US" altLang="ko-KR" spc="-150" dirty="0" smtClean="0">
+                <a:latin typeface="Consolas" panose="020B0609020204030204" pitchFamily="49" charset="0"/>
+              </a:rPr>
+              <a:t>'y </a:t>
+            </a:r>
+            <a:r>
+              <a:rPr lang="en-US" altLang="ko-KR" spc="-150" dirty="0">
+                <a:latin typeface="Consolas" panose="020B0609020204030204" pitchFamily="49" charset="0"/>
+              </a:rPr>
+              <a:t>= ', </a:t>
+            </a:r>
+            <a:r>
+              <a:rPr lang="en-US" altLang="ko-KR" spc="-150" dirty="0" smtClean="0">
+                <a:latin typeface="Consolas" panose="020B0609020204030204" pitchFamily="49" charset="0"/>
+              </a:rPr>
+              <a:t>y</a:t>
+            </a:r>
+            <a:endParaRPr lang="en-US" altLang="ko-KR" spc="-150" dirty="0">
+              <a:latin typeface="Consolas" panose="020B0609020204030204" pitchFamily="49" charset="0"/>
+            </a:endParaRPr>
+          </a:p>
+          <a:p>
             <a:endParaRPr lang="ko-KR" altLang="en-US" dirty="0"/>
           </a:p>
         </p:txBody>
@@ -3630,7 +3547,7 @@
     </p:spTree>
     <p:extLst>
       <p:ext uri="{BB962C8B-B14F-4D97-AF65-F5344CB8AC3E}">
-        <p14:creationId xmlns:p14="http://schemas.microsoft.com/office/powerpoint/2010/main" val="2638075857"/>
+        <p14:creationId xmlns:p14="http://schemas.microsoft.com/office/powerpoint/2010/main" val="1465500497"/>
       </p:ext>
     </p:extLst>
   </p:cSld>
@@ -3674,7 +3591,7 @@
           <a:p>
             <a:r>
               <a:rPr lang="ko-KR" altLang="en-US" dirty="0" smtClean="0"/>
-              <a:t>문자열 입력 받기</a:t>
+              <a:t>문자열 출력해보기</a:t>
             </a:r>
             <a:endParaRPr lang="ko-KR" altLang="en-US" dirty="0"/>
           </a:p>
@@ -3696,122 +3613,49 @@
           <a:lstStyle/>
           <a:p>
             <a:r>
-              <a:rPr lang="en-US" altLang="ko-KR" spc="-150" dirty="0" err="1" smtClean="0">
-                <a:latin typeface="Consolas" panose="020B0609020204030204" pitchFamily="49" charset="0"/>
-                <a:cs typeface="Consolas" panose="020B0609020204030204" pitchFamily="49" charset="0"/>
-              </a:rPr>
-              <a:t>input_string</a:t>
-            </a:r>
-            <a:r>
-              <a:rPr lang="en-US" altLang="ko-KR" spc="-150" dirty="0" smtClean="0">
-                <a:latin typeface="Consolas" panose="020B0609020204030204" pitchFamily="49" charset="0"/>
-                <a:cs typeface="Consolas" panose="020B0609020204030204" pitchFamily="49" charset="0"/>
-              </a:rPr>
-              <a:t> = </a:t>
-            </a:r>
-            <a:r>
-              <a:rPr lang="en-US" altLang="ko-KR" spc="-150" dirty="0" err="1" smtClean="0">
-                <a:latin typeface="Consolas" panose="020B0609020204030204" pitchFamily="49" charset="0"/>
-                <a:cs typeface="Consolas" panose="020B0609020204030204" pitchFamily="49" charset="0"/>
-              </a:rPr>
-              <a:t>raw_input</a:t>
-            </a:r>
-            <a:r>
-              <a:rPr lang="en-US" altLang="ko-KR" spc="-150" dirty="0" smtClean="0">
-                <a:latin typeface="Consolas" panose="020B0609020204030204" pitchFamily="49" charset="0"/>
-                <a:cs typeface="Consolas" panose="020B0609020204030204" pitchFamily="49" charset="0"/>
-              </a:rPr>
-              <a:t>("Input any string : ")</a:t>
-            </a:r>
-            <a:br>
-              <a:rPr lang="en-US" altLang="ko-KR" spc="-150" dirty="0" smtClean="0">
-                <a:latin typeface="Consolas" panose="020B0609020204030204" pitchFamily="49" charset="0"/>
-                <a:cs typeface="Consolas" panose="020B0609020204030204" pitchFamily="49" charset="0"/>
-              </a:rPr>
-            </a:br>
-            <a:r>
-              <a:rPr lang="en-US" altLang="ko-KR" spc="-150" dirty="0" smtClean="0">
-                <a:latin typeface="Consolas" panose="020B0609020204030204" pitchFamily="49" charset="0"/>
-                <a:cs typeface="Consolas" panose="020B0609020204030204" pitchFamily="49" charset="0"/>
-              </a:rPr>
-              <a:t>print </a:t>
-            </a:r>
-            <a:r>
-              <a:rPr lang="en-US" altLang="ko-KR" spc="-150" dirty="0" err="1" smtClean="0">
-                <a:latin typeface="Consolas" panose="020B0609020204030204" pitchFamily="49" charset="0"/>
-                <a:cs typeface="Consolas" panose="020B0609020204030204" pitchFamily="49" charset="0"/>
-              </a:rPr>
-              <a:t>input_string</a:t>
-            </a:r>
-            <a:endParaRPr lang="en-US" altLang="ko-KR" spc="-150" dirty="0" smtClean="0">
-              <a:latin typeface="Consolas" panose="020B0609020204030204" pitchFamily="49" charset="0"/>
-              <a:cs typeface="Consolas" panose="020B0609020204030204" pitchFamily="49" charset="0"/>
-            </a:endParaRPr>
-          </a:p>
-          <a:p>
-            <a:endParaRPr lang="en-US" altLang="ko-KR" dirty="0"/>
-          </a:p>
-          <a:p>
-            <a:r>
-              <a:rPr lang="en-US" altLang="ko-KR" spc="-150" dirty="0" err="1" smtClean="0">
-                <a:latin typeface="Consolas" panose="020B0609020204030204" pitchFamily="49" charset="0"/>
-                <a:cs typeface="Consolas" panose="020B0609020204030204" pitchFamily="49" charset="0"/>
-              </a:rPr>
-              <a:t>raw_input</a:t>
-            </a:r>
-            <a:r>
-              <a:rPr lang="ko-KR" altLang="en-US" dirty="0" smtClean="0"/>
-              <a:t>을 사용하여 콘솔로부터 입력을 받을 수 있음</a:t>
+              <a:rPr lang="ko-KR" altLang="en-US" dirty="0" smtClean="0"/>
+              <a:t>프로그래밍의 가장 기본 예제를 연습해 보자</a:t>
             </a:r>
             <a:endParaRPr lang="en-US" altLang="ko-KR" dirty="0" smtClean="0"/>
           </a:p>
           <a:p>
             <a:r>
-              <a:rPr lang="en-US" altLang="ko-KR" dirty="0" smtClean="0"/>
-              <a:t>"</a:t>
-            </a:r>
-            <a:r>
-              <a:rPr lang="en-US" altLang="ko-KR" spc="-150" dirty="0" smtClean="0">
-                <a:latin typeface="Consolas" panose="020B0609020204030204" pitchFamily="49" charset="0"/>
-                <a:cs typeface="Consolas" panose="020B0609020204030204" pitchFamily="49" charset="0"/>
-              </a:rPr>
-              <a:t>Input </a:t>
-            </a:r>
-            <a:r>
-              <a:rPr lang="en-US" altLang="ko-KR" spc="-150" dirty="0">
-                <a:latin typeface="Consolas" panose="020B0609020204030204" pitchFamily="49" charset="0"/>
-                <a:cs typeface="Consolas" panose="020B0609020204030204" pitchFamily="49" charset="0"/>
-              </a:rPr>
-              <a:t>any string : </a:t>
-            </a:r>
-            <a:r>
-              <a:rPr lang="en-US" altLang="ko-KR" spc="-150" dirty="0" smtClean="0">
-                <a:latin typeface="Consolas" panose="020B0609020204030204" pitchFamily="49" charset="0"/>
-                <a:cs typeface="Consolas" panose="020B0609020204030204" pitchFamily="49" charset="0"/>
-              </a:rPr>
-              <a:t>" </a:t>
-            </a:r>
-            <a:r>
-              <a:rPr lang="ko-KR" altLang="en-US" dirty="0" smtClean="0"/>
-              <a:t>부분은 콘솔 창에 나타나는 부분으로 원하는 대로 바꾸어 쓸 수 있음</a:t>
+              <a:rPr lang="en-US" altLang="ko-KR" spc="-150" dirty="0" smtClean="0">
+                <a:latin typeface="Consolas" panose="020B0609020204030204" pitchFamily="49" charset="0"/>
+                <a:cs typeface="Consolas" panose="020B0609020204030204" pitchFamily="49" charset="0"/>
+              </a:rPr>
+              <a:t>print "Hello, world!"</a:t>
+            </a:r>
+          </a:p>
+          <a:p>
+            <a:r>
+              <a:rPr lang="en-US" altLang="ko-KR" spc="-150" dirty="0" smtClean="0">
+                <a:latin typeface="Consolas" panose="020B0609020204030204" pitchFamily="49" charset="0"/>
+                <a:cs typeface="Consolas" panose="020B0609020204030204" pitchFamily="49" charset="0"/>
+              </a:rPr>
+              <a:t>print 'Hello, world!'</a:t>
+            </a:r>
+          </a:p>
+          <a:p>
+            <a:r>
+              <a:rPr lang="ko-KR" altLang="en-US" dirty="0" smtClean="0"/>
+              <a:t>따옴표는 문자열을 의미</a:t>
             </a:r>
             <a:endParaRPr lang="en-US" altLang="ko-KR" dirty="0" smtClean="0"/>
           </a:p>
           <a:p>
-            <a:r>
-              <a:rPr lang="ko-KR" altLang="en-US" dirty="0" smtClean="0"/>
-              <a:t>입력한 문자열은 </a:t>
-            </a:r>
-            <a:r>
-              <a:rPr lang="en-US" altLang="ko-KR" spc="-150" dirty="0" err="1" smtClean="0">
-                <a:latin typeface="Consolas" panose="020B0609020204030204" pitchFamily="49" charset="0"/>
-                <a:cs typeface="Consolas" panose="020B0609020204030204" pitchFamily="49" charset="0"/>
-              </a:rPr>
-              <a:t>input_string</a:t>
-            </a:r>
-            <a:r>
-              <a:rPr lang="ko-KR" altLang="en-US" dirty="0" smtClean="0"/>
-              <a:t>에 저장됨</a:t>
+            <a:pPr lvl="1"/>
+            <a:r>
+              <a:rPr lang="ko-KR" altLang="en-US" dirty="0" smtClean="0"/>
+              <a:t>큰 따옴표</a:t>
+            </a:r>
+            <a:r>
+              <a:rPr lang="en-US" altLang="ko-KR" dirty="0" smtClean="0"/>
+              <a:t>,</a:t>
+            </a:r>
+            <a:r>
+              <a:rPr lang="ko-KR" altLang="en-US" dirty="0" smtClean="0"/>
+              <a:t> 작은 따옴표 모두 가능</a:t>
             </a:r>
             <a:endParaRPr lang="en-US" altLang="ko-KR" dirty="0" smtClean="0"/>
           </a:p>
@@ -3819,22 +3663,40 @@
             <a:r>
               <a:rPr lang="en-US" altLang="ko-KR" spc="-150" dirty="0" smtClean="0">
                 <a:latin typeface="Consolas" panose="020B0609020204030204" pitchFamily="49" charset="0"/>
-                <a:cs typeface="Consolas" panose="020B0609020204030204" pitchFamily="49" charset="0"/>
-              </a:rPr>
-              <a:t>print input</a:t>
-            </a:r>
-            <a:r>
-              <a:rPr lang="ko-KR" altLang="en-US" dirty="0" smtClean="0"/>
-              <a:t>을 이용하여 저장된 내용을 다시 출력</a:t>
+              </a:rPr>
+              <a:t>print</a:t>
+            </a:r>
+            <a:r>
+              <a:rPr lang="ko-KR" altLang="en-US" dirty="0"/>
+              <a:t> </a:t>
+            </a:r>
+            <a:r>
+              <a:rPr lang="ko-KR" altLang="en-US" dirty="0" smtClean="0"/>
+              <a:t>명령에 괄호를 사용할 수도 있음</a:t>
             </a:r>
             <a:endParaRPr lang="en-US" altLang="ko-KR" dirty="0" smtClean="0"/>
+          </a:p>
+          <a:p>
+            <a:r>
+              <a:rPr lang="en-US" altLang="ko-KR" spc="-150" dirty="0" smtClean="0">
+                <a:latin typeface="Consolas" panose="020B0609020204030204" pitchFamily="49" charset="0"/>
+                <a:cs typeface="Consolas" panose="020B0609020204030204" pitchFamily="49" charset="0"/>
+              </a:rPr>
+              <a:t>print("Hello, world!")</a:t>
+            </a:r>
+          </a:p>
+          <a:p>
+            <a:pPr marL="0" indent="0">
+              <a:buNone/>
+            </a:pPr>
+            <a:endParaRPr lang="ko-KR" altLang="en-US" dirty="0"/>
           </a:p>
         </p:txBody>
       </p:sp>
     </p:spTree>
     <p:extLst>
       <p:ext uri="{BB962C8B-B14F-4D97-AF65-F5344CB8AC3E}">
-        <p14:creationId xmlns:p14="http://schemas.microsoft.com/office/powerpoint/2010/main" val="1509224185"/>
+        <p14:creationId xmlns:p14="http://schemas.microsoft.com/office/powerpoint/2010/main" val="2638075857"/>
       </p:ext>
     </p:extLst>
   </p:cSld>
@@ -3877,16 +3739,8 @@
           <a:lstStyle/>
           <a:p>
             <a:r>
-              <a:rPr lang="ko-KR" altLang="en-US" dirty="0" err="1" smtClean="0"/>
-              <a:t>부울</a:t>
-            </a:r>
-            <a:r>
-              <a:rPr lang="en-US" altLang="ko-KR" dirty="0" smtClean="0"/>
-              <a:t>(Boolean)</a:t>
-            </a:r>
-            <a:r>
-              <a:rPr lang="ko-KR" altLang="en-US" dirty="0" smtClean="0"/>
-              <a:t>형</a:t>
+              <a:rPr lang="ko-KR" altLang="en-US" dirty="0" smtClean="0"/>
+              <a:t>문자열 입력 받기</a:t>
             </a:r>
             <a:endParaRPr lang="ko-KR" altLang="en-US" dirty="0"/>
           </a:p>
@@ -3904,148 +3758,149 @@
         </p:nvSpPr>
         <p:spPr/>
         <p:txBody>
-          <a:bodyPr>
-            <a:normAutofit fontScale="77500" lnSpcReduction="20000"/>
-          </a:bodyPr>
-          <a:lstStyle/>
-          <a:p>
-            <a:r>
-              <a:rPr lang="en-US" altLang="ko-KR" spc="-150" dirty="0" smtClean="0">
-                <a:latin typeface="Consolas" panose="020B0609020204030204" pitchFamily="49" charset="0"/>
-                <a:cs typeface="Consolas" panose="020B0609020204030204" pitchFamily="49" charset="0"/>
-              </a:rPr>
-              <a:t>True</a:t>
-            </a:r>
-            <a:r>
-              <a:rPr lang="en-US" altLang="ko-KR" dirty="0" smtClean="0"/>
-              <a:t> or </a:t>
-            </a:r>
-            <a:r>
-              <a:rPr lang="en-US" altLang="ko-KR" spc="-150" dirty="0" smtClean="0">
-                <a:latin typeface="Consolas" panose="020B0609020204030204" pitchFamily="49" charset="0"/>
-                <a:cs typeface="Consolas" panose="020B0609020204030204" pitchFamily="49" charset="0"/>
-              </a:rPr>
-              <a:t>False</a:t>
-            </a:r>
-          </a:p>
-          <a:p>
-            <a:r>
-              <a:rPr lang="en-US" altLang="ko-KR" dirty="0" smtClean="0"/>
-              <a:t>Boolean type</a:t>
-            </a:r>
-            <a:r>
-              <a:rPr lang="ko-KR" altLang="en-US" dirty="0" smtClean="0"/>
-              <a:t>의 변수는 프로그래밍에서 중요한 역할을 담당</a:t>
+          <a:bodyPr/>
+          <a:lstStyle/>
+          <a:p>
+            <a:r>
+              <a:rPr lang="en-US" altLang="ko-KR" spc="-150" dirty="0" err="1" smtClean="0">
+                <a:latin typeface="Consolas" panose="020B0609020204030204" pitchFamily="49" charset="0"/>
+                <a:cs typeface="Consolas" panose="020B0609020204030204" pitchFamily="49" charset="0"/>
+              </a:rPr>
+              <a:t>input_string</a:t>
+            </a:r>
+            <a:r>
+              <a:rPr lang="en-US" altLang="ko-KR" spc="-150" dirty="0" smtClean="0">
+                <a:latin typeface="Consolas" panose="020B0609020204030204" pitchFamily="49" charset="0"/>
+                <a:cs typeface="Consolas" panose="020B0609020204030204" pitchFamily="49" charset="0"/>
+              </a:rPr>
+              <a:t> = </a:t>
+            </a:r>
+            <a:r>
+              <a:rPr lang="en-US" altLang="ko-KR" spc="-150" dirty="0" err="1" smtClean="0">
+                <a:latin typeface="Consolas" panose="020B0609020204030204" pitchFamily="49" charset="0"/>
+                <a:cs typeface="Consolas" panose="020B0609020204030204" pitchFamily="49" charset="0"/>
+              </a:rPr>
+              <a:t>raw_input</a:t>
+            </a:r>
+            <a:r>
+              <a:rPr lang="en-US" altLang="ko-KR" spc="-150" dirty="0" smtClean="0">
+                <a:latin typeface="Consolas" panose="020B0609020204030204" pitchFamily="49" charset="0"/>
+                <a:cs typeface="Consolas" panose="020B0609020204030204" pitchFamily="49" charset="0"/>
+              </a:rPr>
+              <a:t>("Input any string : ")</a:t>
+            </a:r>
+            <a:br>
+              <a:rPr lang="en-US" altLang="ko-KR" spc="-150" dirty="0" smtClean="0">
+                <a:latin typeface="Consolas" panose="020B0609020204030204" pitchFamily="49" charset="0"/>
+                <a:cs typeface="Consolas" panose="020B0609020204030204" pitchFamily="49" charset="0"/>
+              </a:rPr>
+            </a:br>
+            <a:r>
+              <a:rPr lang="en-US" altLang="ko-KR" spc="-150" dirty="0" smtClean="0">
+                <a:latin typeface="Consolas" panose="020B0609020204030204" pitchFamily="49" charset="0"/>
+                <a:cs typeface="Consolas" panose="020B0609020204030204" pitchFamily="49" charset="0"/>
+              </a:rPr>
+              <a:t>print </a:t>
+            </a:r>
+            <a:r>
+              <a:rPr lang="en-US" altLang="ko-KR" spc="-150" dirty="0" err="1" smtClean="0">
+                <a:latin typeface="Consolas" panose="020B0609020204030204" pitchFamily="49" charset="0"/>
+                <a:cs typeface="Consolas" panose="020B0609020204030204" pitchFamily="49" charset="0"/>
+              </a:rPr>
+              <a:t>input_string</a:t>
+            </a:r>
+            <a:endParaRPr lang="en-US" altLang="ko-KR" spc="-150" dirty="0" smtClean="0">
+              <a:latin typeface="Consolas" panose="020B0609020204030204" pitchFamily="49" charset="0"/>
+              <a:cs typeface="Consolas" panose="020B0609020204030204" pitchFamily="49" charset="0"/>
+            </a:endParaRPr>
+          </a:p>
+          <a:p>
+            <a:endParaRPr lang="en-US" altLang="ko-KR" dirty="0"/>
+          </a:p>
+          <a:p>
+            <a:r>
+              <a:rPr lang="en-US" altLang="ko-KR" spc="-150" dirty="0" err="1" smtClean="0">
+                <a:latin typeface="Consolas" panose="020B0609020204030204" pitchFamily="49" charset="0"/>
+                <a:cs typeface="Consolas" panose="020B0609020204030204" pitchFamily="49" charset="0"/>
+              </a:rPr>
+              <a:t>raw_input</a:t>
+            </a:r>
+            <a:r>
+              <a:rPr lang="ko-KR" altLang="en-US" dirty="0" smtClean="0"/>
+              <a:t>을 사용하여 콘솔로부터 입력을 받을 수 있음</a:t>
             </a:r>
             <a:endParaRPr lang="en-US" altLang="ko-KR" dirty="0" smtClean="0"/>
           </a:p>
           <a:p>
-            <a:pPr lvl="1"/>
-            <a:r>
-              <a:rPr lang="ko-KR" altLang="en-US" dirty="0" smtClean="0"/>
-              <a:t>조건에 따라 처리를 달리하는 프로그램을 작성할 때 유용</a:t>
+            <a:r>
+              <a:rPr lang="en-US" altLang="ko-KR" dirty="0" smtClean="0"/>
+              <a:t>"</a:t>
+            </a:r>
+            <a:r>
+              <a:rPr lang="en-US" altLang="ko-KR" spc="-150" dirty="0" smtClean="0">
+                <a:latin typeface="Consolas" panose="020B0609020204030204" pitchFamily="49" charset="0"/>
+                <a:cs typeface="Consolas" panose="020B0609020204030204" pitchFamily="49" charset="0"/>
+              </a:rPr>
+              <a:t>Input </a:t>
+            </a:r>
+            <a:r>
+              <a:rPr lang="en-US" altLang="ko-KR" spc="-150" dirty="0">
+                <a:latin typeface="Consolas" panose="020B0609020204030204" pitchFamily="49" charset="0"/>
+                <a:cs typeface="Consolas" panose="020B0609020204030204" pitchFamily="49" charset="0"/>
+              </a:rPr>
+              <a:t>any string : </a:t>
+            </a:r>
+            <a:r>
+              <a:rPr lang="en-US" altLang="ko-KR" spc="-150" dirty="0" smtClean="0">
+                <a:latin typeface="Consolas" panose="020B0609020204030204" pitchFamily="49" charset="0"/>
+                <a:cs typeface="Consolas" panose="020B0609020204030204" pitchFamily="49" charset="0"/>
+              </a:rPr>
+              <a:t>" </a:t>
+            </a:r>
+            <a:r>
+              <a:rPr lang="ko-KR" altLang="en-US" dirty="0" smtClean="0"/>
+              <a:t>부분은 콘솔 창에 나타나는 부분으로 원하는 대로 바꾸어 쓸 수 있음</a:t>
             </a:r>
             <a:endParaRPr lang="en-US" altLang="ko-KR" dirty="0" smtClean="0"/>
           </a:p>
           <a:p>
+            <a:r>
+              <a:rPr lang="ko-KR" altLang="en-US" dirty="0" smtClean="0"/>
+              <a:t>입력한 문자열은 </a:t>
+            </a:r>
+            <a:r>
+              <a:rPr lang="en-US" altLang="ko-KR" spc="-150" dirty="0" err="1" smtClean="0">
+                <a:latin typeface="Consolas" panose="020B0609020204030204" pitchFamily="49" charset="0"/>
+                <a:cs typeface="Consolas" panose="020B0609020204030204" pitchFamily="49" charset="0"/>
+              </a:rPr>
+              <a:t>input_string</a:t>
+            </a:r>
+            <a:r>
+              <a:rPr lang="ko-KR" altLang="en-US" dirty="0" smtClean="0"/>
+              <a:t>에 저장됨</a:t>
+            </a:r>
             <a:endParaRPr lang="en-US" altLang="ko-KR" dirty="0" smtClean="0"/>
           </a:p>
           <a:p>
             <a:r>
-              <a:rPr lang="en-US" altLang="ko-KR" dirty="0" smtClean="0">
-                <a:latin typeface="Consolas" panose="020B0609020204030204" pitchFamily="49" charset="0"/>
-                <a:cs typeface="Consolas" panose="020B0609020204030204" pitchFamily="49" charset="0"/>
-              </a:rPr>
-              <a:t>2&gt;0.9</a:t>
-            </a:r>
-          </a:p>
-          <a:p>
-            <a:pPr lvl="1"/>
-            <a:r>
-              <a:rPr lang="en-US" altLang="ko-KR" spc="-150" dirty="0" smtClean="0">
-                <a:latin typeface="Consolas" panose="020B0609020204030204" pitchFamily="49" charset="0"/>
-                <a:cs typeface="Consolas" panose="020B0609020204030204" pitchFamily="49" charset="0"/>
-              </a:rPr>
-              <a:t>True</a:t>
-            </a:r>
-          </a:p>
-          <a:p>
-            <a:r>
-              <a:rPr lang="en-US" altLang="ko-KR" dirty="0" smtClean="0">
-                <a:latin typeface="Consolas" panose="020B0609020204030204" pitchFamily="49" charset="0"/>
-                <a:cs typeface="Consolas" panose="020B0609020204030204" pitchFamily="49" charset="0"/>
-              </a:rPr>
-              <a:t>3&lt;-3</a:t>
-            </a:r>
-          </a:p>
-          <a:p>
-            <a:pPr lvl="1"/>
-            <a:r>
-              <a:rPr lang="en-US" altLang="ko-KR" spc="-150" dirty="0" smtClean="0">
-                <a:latin typeface="Consolas" panose="020B0609020204030204" pitchFamily="49" charset="0"/>
-                <a:cs typeface="Consolas" panose="020B0609020204030204" pitchFamily="49" charset="0"/>
-              </a:rPr>
-              <a:t>False</a:t>
-            </a:r>
-          </a:p>
-          <a:p>
-            <a:endParaRPr lang="en-US" altLang="ko-KR" dirty="0"/>
-          </a:p>
-          <a:p>
-            <a:r>
-              <a:rPr lang="en-US" altLang="ko-KR" spc="-150" dirty="0" smtClean="0">
-                <a:latin typeface="Consolas" panose="020B0609020204030204" pitchFamily="49" charset="0"/>
-                <a:cs typeface="Consolas" panose="020B0609020204030204" pitchFamily="49" charset="0"/>
-              </a:rPr>
-              <a:t>a = True</a:t>
-            </a:r>
-          </a:p>
-          <a:p>
-            <a:pPr lvl="1"/>
-            <a:r>
-              <a:rPr lang="en-US" altLang="ko-KR" dirty="0" smtClean="0"/>
-              <a:t>True</a:t>
-            </a:r>
-            <a:r>
-              <a:rPr lang="ko-KR" altLang="en-US" dirty="0" smtClean="0"/>
-              <a:t>의 값을 가지는 변수 </a:t>
-            </a:r>
-            <a:r>
-              <a:rPr lang="en-US" altLang="ko-KR" dirty="0" smtClean="0"/>
-              <a:t>a</a:t>
-            </a:r>
-          </a:p>
-          <a:p>
-            <a:r>
-              <a:rPr lang="en-US" altLang="ko-KR" spc="-150" dirty="0" smtClean="0">
-                <a:latin typeface="Consolas" panose="020B0609020204030204" pitchFamily="49" charset="0"/>
-                <a:cs typeface="Consolas" panose="020B0609020204030204" pitchFamily="49" charset="0"/>
-              </a:rPr>
-              <a:t>b = False</a:t>
-            </a:r>
-          </a:p>
-          <a:p>
-            <a:pPr lvl="1"/>
-            <a:r>
-              <a:rPr lang="en-US" altLang="ko-KR" dirty="0" smtClean="0"/>
-              <a:t>False</a:t>
-            </a:r>
-            <a:r>
-              <a:rPr lang="ko-KR" altLang="en-US" dirty="0" smtClean="0"/>
-              <a:t>의 값을 가지는 변수 </a:t>
-            </a:r>
-            <a:r>
-              <a:rPr lang="en-US" altLang="ko-KR" dirty="0" smtClean="0"/>
-              <a:t>b</a:t>
-            </a:r>
-            <a:endParaRPr lang="ko-KR" altLang="en-US" dirty="0"/>
+              <a:rPr lang="en-US" altLang="ko-KR" spc="-150" dirty="0" smtClean="0">
+                <a:latin typeface="Consolas" panose="020B0609020204030204" pitchFamily="49" charset="0"/>
+                <a:cs typeface="Consolas" panose="020B0609020204030204" pitchFamily="49" charset="0"/>
+              </a:rPr>
+              <a:t>print input</a:t>
+            </a:r>
+            <a:r>
+              <a:rPr lang="ko-KR" altLang="en-US" dirty="0" smtClean="0"/>
+              <a:t>을 이용하여 저장된 내용을 다시 출력</a:t>
+            </a:r>
+            <a:endParaRPr lang="en-US" altLang="ko-KR" dirty="0" smtClean="0"/>
           </a:p>
         </p:txBody>
       </p:sp>
     </p:spTree>
     <p:extLst>
       <p:ext uri="{BB962C8B-B14F-4D97-AF65-F5344CB8AC3E}">
-        <p14:creationId xmlns:p14="http://schemas.microsoft.com/office/powerpoint/2010/main" val="2079799512"/>
+        <p14:creationId xmlns:p14="http://schemas.microsoft.com/office/powerpoint/2010/main" val="1509224185"/>
       </p:ext>
     </p:extLst>
   </p:cSld>
@@ -4074,7 +3929,7 @@
       </p:grpSpPr>
       <p:sp>
         <p:nvSpPr>
-          <p:cNvPr id="5" name="제목 4"/>
+          <p:cNvPr id="2" name="제목 1"/>
           <p:cNvSpPr>
             <a:spLocks noGrp="1"/>
           </p:cNvSpPr>
@@ -4088,8 +3943,16 @@
           <a:lstStyle/>
           <a:p>
             <a:r>
-              <a:rPr lang="ko-KR" altLang="en-US" dirty="0" smtClean="0"/>
-              <a:t>비교연산과 대입연산</a:t>
+              <a:rPr lang="ko-KR" altLang="en-US" dirty="0" err="1" smtClean="0"/>
+              <a:t>부울</a:t>
+            </a:r>
+            <a:r>
+              <a:rPr lang="en-US" altLang="ko-KR" dirty="0" smtClean="0"/>
+              <a:t>(Boolean)</a:t>
+            </a:r>
+            <a:r>
+              <a:rPr lang="ko-KR" altLang="en-US" dirty="0" smtClean="0"/>
+              <a:t>형</a:t>
             </a:r>
             <a:endParaRPr lang="ko-KR" altLang="en-US" dirty="0"/>
           </a:p>
@@ -4097,7 +3960,7 @@
       </p:sp>
       <p:sp>
         <p:nvSpPr>
-          <p:cNvPr id="6" name="내용 개체 틀 5"/>
+          <p:cNvPr id="3" name="내용 개체 틀 2"/>
           <p:cNvSpPr>
             <a:spLocks noGrp="1"/>
           </p:cNvSpPr>
@@ -4108,165 +3971,94 @@
         <p:spPr/>
         <p:txBody>
           <a:bodyPr>
-            <a:normAutofit lnSpcReduction="10000"/>
+            <a:normAutofit fontScale="77500" lnSpcReduction="20000"/>
           </a:bodyPr>
           <a:lstStyle/>
           <a:p>
             <a:r>
-              <a:rPr lang="ko-KR" altLang="en-US" dirty="0" smtClean="0"/>
-              <a:t>등호를 하나만 사용하는 경우 이를 대입연산자라 함</a:t>
+              <a:rPr lang="en-US" altLang="ko-KR" spc="-150" dirty="0" smtClean="0">
+                <a:latin typeface="Consolas" panose="020B0609020204030204" pitchFamily="49" charset="0"/>
+                <a:cs typeface="Consolas" panose="020B0609020204030204" pitchFamily="49" charset="0"/>
+              </a:rPr>
+              <a:t>True</a:t>
+            </a:r>
+            <a:r>
+              <a:rPr lang="en-US" altLang="ko-KR" dirty="0" smtClean="0"/>
+              <a:t> or </a:t>
+            </a:r>
+            <a:r>
+              <a:rPr lang="en-US" altLang="ko-KR" spc="-150" dirty="0" smtClean="0">
+                <a:latin typeface="Consolas" panose="020B0609020204030204" pitchFamily="49" charset="0"/>
+                <a:cs typeface="Consolas" panose="020B0609020204030204" pitchFamily="49" charset="0"/>
+              </a:rPr>
+              <a:t>False</a:t>
+            </a:r>
+          </a:p>
+          <a:p>
+            <a:r>
+              <a:rPr lang="en-US" altLang="ko-KR" dirty="0" smtClean="0"/>
+              <a:t>Boolean type</a:t>
+            </a:r>
+            <a:r>
+              <a:rPr lang="ko-KR" altLang="en-US" dirty="0" smtClean="0"/>
+              <a:t>의 변수는 프로그래밍에서 중요한 역할을 담당</a:t>
             </a:r>
             <a:endParaRPr lang="en-US" altLang="ko-KR" dirty="0" smtClean="0"/>
           </a:p>
           <a:p>
             <a:pPr lvl="1"/>
             <a:r>
-              <a:rPr lang="en-US" altLang="ko-KR" spc="-150" dirty="0" smtClean="0">
-                <a:latin typeface="Consolas" panose="020B0609020204030204" pitchFamily="49" charset="0"/>
-                <a:cs typeface="Consolas" panose="020B0609020204030204" pitchFamily="49" charset="0"/>
-              </a:rPr>
-              <a:t>x=5</a:t>
-            </a:r>
-          </a:p>
-          <a:p>
-            <a:pPr lvl="1"/>
-            <a:r>
-              <a:rPr lang="en-US" altLang="ko-KR" spc="-150" dirty="0" smtClean="0">
-                <a:latin typeface="Consolas" panose="020B0609020204030204" pitchFamily="49" charset="0"/>
-                <a:cs typeface="Consolas" panose="020B0609020204030204" pitchFamily="49" charset="0"/>
-              </a:rPr>
-              <a:t>x</a:t>
-            </a:r>
-            <a:r>
-              <a:rPr lang="ko-KR" altLang="en-US" dirty="0" smtClean="0"/>
-              <a:t>라는 변수에 </a:t>
-            </a:r>
-            <a:r>
-              <a:rPr lang="en-US" altLang="ko-KR" spc="-150" dirty="0" smtClean="0">
-                <a:latin typeface="Consolas" panose="020B0609020204030204" pitchFamily="49" charset="0"/>
-                <a:cs typeface="Consolas" panose="020B0609020204030204" pitchFamily="49" charset="0"/>
-              </a:rPr>
-              <a:t>5</a:t>
-            </a:r>
-            <a:r>
-              <a:rPr lang="ko-KR" altLang="en-US" dirty="0" smtClean="0"/>
-              <a:t>라는 정수를 대입</a:t>
+              <a:rPr lang="ko-KR" altLang="en-US" dirty="0" smtClean="0"/>
+              <a:t>조건에 따라 처리를 달리하는 프로그램을 작성할 때 유용</a:t>
             </a:r>
             <a:endParaRPr lang="en-US" altLang="ko-KR" dirty="0" smtClean="0"/>
           </a:p>
           <a:p>
-            <a:r>
-              <a:rPr lang="ko-KR" altLang="en-US" dirty="0" smtClean="0"/>
-              <a:t>따라서 </a:t>
-            </a:r>
-            <a:r>
-              <a:rPr lang="en-US" altLang="ko-KR" dirty="0" smtClean="0"/>
-              <a:t>4=4</a:t>
-            </a:r>
-            <a:r>
-              <a:rPr lang="ko-KR" altLang="en-US" dirty="0" smtClean="0"/>
-              <a:t>와 같은 문장은 잘못된 문장</a:t>
-            </a:r>
             <a:endParaRPr lang="en-US" altLang="ko-KR" dirty="0" smtClean="0"/>
           </a:p>
           <a:p>
-            <a:pPr lvl="1"/>
-            <a:r>
-              <a:rPr lang="en-US" altLang="ko-KR" dirty="0" smtClean="0"/>
-              <a:t>4</a:t>
-            </a:r>
-            <a:r>
-              <a:rPr lang="ko-KR" altLang="en-US" dirty="0" smtClean="0"/>
-              <a:t>에 </a:t>
-            </a:r>
-            <a:r>
-              <a:rPr lang="en-US" altLang="ko-KR" dirty="0" smtClean="0"/>
-              <a:t>4</a:t>
-            </a:r>
-            <a:r>
-              <a:rPr lang="ko-KR" altLang="en-US" dirty="0" smtClean="0"/>
-              <a:t>를 대입할 수 없음</a:t>
-            </a:r>
-            <a:endParaRPr lang="en-US" altLang="ko-KR" dirty="0" smtClean="0"/>
-          </a:p>
-          <a:p>
-            <a:pPr lvl="1"/>
-            <a:endParaRPr lang="en-US" altLang="ko-KR" dirty="0"/>
-          </a:p>
-          <a:p>
-            <a:r>
-              <a:rPr lang="ko-KR" altLang="en-US" dirty="0" smtClean="0"/>
-              <a:t>등호를 두 개를 연속해서 사용하는 경우 </a:t>
-            </a:r>
-            <a:r>
-              <a:rPr lang="en-US" altLang="ko-KR" dirty="0" smtClean="0"/>
-              <a:t>: </a:t>
-            </a:r>
-            <a:r>
-              <a:rPr lang="ko-KR" altLang="en-US" dirty="0" smtClean="0"/>
-              <a:t>비교연산</a:t>
-            </a:r>
-            <a:endParaRPr lang="en-US" altLang="ko-KR" dirty="0" smtClean="0"/>
-          </a:p>
-          <a:p>
-            <a:pPr lvl="1"/>
-            <a:r>
-              <a:rPr lang="en-US" altLang="ko-KR" spc="-150" dirty="0" smtClean="0">
-                <a:latin typeface="Consolas" panose="020B0609020204030204" pitchFamily="49" charset="0"/>
-                <a:cs typeface="Consolas" panose="020B0609020204030204" pitchFamily="49" charset="0"/>
-              </a:rPr>
-              <a:t>4==4</a:t>
-            </a:r>
-          </a:p>
-          <a:p>
-            <a:pPr lvl="2"/>
-            <a:r>
-              <a:rPr lang="en-US" altLang="ko-KR" spc="-150" dirty="0" smtClean="0">
-                <a:latin typeface="Consolas" panose="020B0609020204030204" pitchFamily="49" charset="0"/>
-                <a:cs typeface="Consolas" panose="020B0609020204030204" pitchFamily="49" charset="0"/>
-              </a:rPr>
-              <a:t>True</a:t>
-            </a:r>
-          </a:p>
-          <a:p>
-            <a:pPr lvl="1"/>
-            <a:r>
-              <a:rPr lang="en-US" altLang="ko-KR" spc="-150" dirty="0" smtClean="0">
-                <a:latin typeface="Consolas" panose="020B0609020204030204" pitchFamily="49" charset="0"/>
-                <a:cs typeface="Consolas" panose="020B0609020204030204" pitchFamily="49" charset="0"/>
-              </a:rPr>
-              <a:t>"Korea" </a:t>
-            </a:r>
-            <a:r>
-              <a:rPr lang="en-US" altLang="ko-KR" sz="2700" spc="-150" dirty="0">
-                <a:latin typeface="Consolas" panose="020B0609020204030204" pitchFamily="49" charset="0"/>
-                <a:cs typeface="Consolas" panose="020B0609020204030204" pitchFamily="49" charset="0"/>
-              </a:rPr>
-              <a:t>==</a:t>
-            </a:r>
-            <a:r>
-              <a:rPr lang="en-US" altLang="ko-KR" spc="-150" dirty="0">
-                <a:latin typeface="Consolas" panose="020B0609020204030204" pitchFamily="49" charset="0"/>
-                <a:cs typeface="Consolas" panose="020B0609020204030204" pitchFamily="49" charset="0"/>
-              </a:rPr>
-              <a:t> </a:t>
-            </a:r>
-            <a:r>
-              <a:rPr lang="en-US" altLang="ko-KR" spc="-150" dirty="0" smtClean="0">
-                <a:latin typeface="Consolas" panose="020B0609020204030204" pitchFamily="49" charset="0"/>
-                <a:cs typeface="Consolas" panose="020B0609020204030204" pitchFamily="49" charset="0"/>
-              </a:rPr>
-              <a:t>"Japan"</a:t>
-            </a:r>
-            <a:endParaRPr lang="en-US" altLang="ko-KR" spc="-150" dirty="0">
+            <a:r>
+              <a:rPr lang="en-US" altLang="ko-KR" dirty="0" smtClean="0">
+                <a:latin typeface="Consolas" panose="020B0609020204030204" pitchFamily="49" charset="0"/>
+                <a:cs typeface="Consolas" panose="020B0609020204030204" pitchFamily="49" charset="0"/>
+              </a:rPr>
+              <a:t>2 &gt; 0.9</a:t>
+            </a:r>
+            <a:endParaRPr lang="en-US" altLang="ko-KR" dirty="0" smtClean="0">
               <a:latin typeface="Consolas" panose="020B0609020204030204" pitchFamily="49" charset="0"/>
               <a:cs typeface="Consolas" panose="020B0609020204030204" pitchFamily="49" charset="0"/>
             </a:endParaRPr>
           </a:p>
           <a:p>
-            <a:pPr lvl="2"/>
-            <a:r>
-              <a:rPr lang="en-US" altLang="ko-KR" spc="-150" dirty="0">
+            <a:pPr lvl="1"/>
+            <a:r>
+              <a:rPr lang="en-US" altLang="ko-KR" spc="-150" dirty="0" smtClean="0">
+                <a:latin typeface="Consolas" panose="020B0609020204030204" pitchFamily="49" charset="0"/>
+                <a:cs typeface="Consolas" panose="020B0609020204030204" pitchFamily="49" charset="0"/>
+              </a:rPr>
+              <a:t>True</a:t>
+            </a:r>
+          </a:p>
+          <a:p>
+            <a:r>
+              <a:rPr lang="en-US" altLang="ko-KR" dirty="0" smtClean="0">
+                <a:latin typeface="Consolas" panose="020B0609020204030204" pitchFamily="49" charset="0"/>
+                <a:cs typeface="Consolas" panose="020B0609020204030204" pitchFamily="49" charset="0"/>
+              </a:rPr>
+              <a:t>3 &lt; -</a:t>
+            </a:r>
+            <a:r>
+              <a:rPr lang="en-US" altLang="ko-KR" dirty="0" smtClean="0">
+                <a:latin typeface="Consolas" panose="020B0609020204030204" pitchFamily="49" charset="0"/>
+                <a:cs typeface="Consolas" panose="020B0609020204030204" pitchFamily="49" charset="0"/>
+              </a:rPr>
+              <a:t>3</a:t>
+            </a:r>
+          </a:p>
+          <a:p>
+            <a:pPr lvl="1"/>
+            <a:r>
+              <a:rPr lang="en-US" altLang="ko-KR" spc="-150" dirty="0" smtClean="0">
                 <a:latin typeface="Consolas" panose="020B0609020204030204" pitchFamily="49" charset="0"/>
                 <a:cs typeface="Consolas" panose="020B0609020204030204" pitchFamily="49" charset="0"/>
               </a:rPr>
@@ -4274,15 +4066,63 @@
             </a:r>
           </a:p>
           <a:p>
+            <a:endParaRPr lang="en-US" altLang="ko-KR" dirty="0"/>
+          </a:p>
+          <a:p>
+            <a:r>
+              <a:rPr lang="en-US" altLang="ko-KR" spc="-150" dirty="0" smtClean="0">
+                <a:latin typeface="Consolas" panose="020B0609020204030204" pitchFamily="49" charset="0"/>
+                <a:cs typeface="Consolas" panose="020B0609020204030204" pitchFamily="49" charset="0"/>
+              </a:rPr>
+              <a:t>a = True</a:t>
+            </a:r>
+          </a:p>
+          <a:p>
             <a:pPr lvl="1"/>
-            <a:endParaRPr lang="en-US" altLang="ko-KR" dirty="0" smtClean="0"/>
+            <a:r>
+              <a:rPr lang="en-US" altLang="ko-KR" dirty="0" smtClean="0"/>
+              <a:t>True</a:t>
+            </a:r>
+            <a:r>
+              <a:rPr lang="ko-KR" altLang="en-US" dirty="0" smtClean="0"/>
+              <a:t>의 값을 가지는 변수 </a:t>
+            </a:r>
+            <a:r>
+              <a:rPr lang="en-US" altLang="ko-KR" dirty="0" smtClean="0"/>
+              <a:t>a</a:t>
+            </a:r>
+          </a:p>
+          <a:p>
+            <a:r>
+              <a:rPr lang="en-US" altLang="ko-KR" spc="-150" dirty="0" smtClean="0">
+                <a:latin typeface="Consolas" panose="020B0609020204030204" pitchFamily="49" charset="0"/>
+                <a:cs typeface="Consolas" panose="020B0609020204030204" pitchFamily="49" charset="0"/>
+              </a:rPr>
+              <a:t>b = False</a:t>
+            </a:r>
+          </a:p>
+          <a:p>
+            <a:pPr lvl="1"/>
+            <a:r>
+              <a:rPr lang="en-US" altLang="ko-KR" dirty="0" smtClean="0"/>
+              <a:t>False</a:t>
+            </a:r>
+            <a:r>
+              <a:rPr lang="ko-KR" altLang="en-US" dirty="0" smtClean="0"/>
+              <a:t>의 값을 가지는 변수 </a:t>
+            </a:r>
+            <a:r>
+              <a:rPr lang="en-US" altLang="ko-KR" dirty="0" smtClean="0"/>
+              <a:t>b</a:t>
+            </a:r>
+            <a:endParaRPr lang="ko-KR" altLang="en-US" dirty="0"/>
           </a:p>
         </p:txBody>
       </p:sp>
     </p:spTree>
     <p:extLst>
       <p:ext uri="{BB962C8B-B14F-4D97-AF65-F5344CB8AC3E}">
-        <p14:creationId xmlns:p14="http://schemas.microsoft.com/office/powerpoint/2010/main" val="3873822549"/>
+        <p14:creationId xmlns:p14="http://schemas.microsoft.com/office/powerpoint/2010/main" val="2079799512"/>
       </p:ext>
     </p:extLst>
   </p:cSld>
@@ -4311,6 +4151,251 @@
       </p:grpSpPr>
       <p:sp>
         <p:nvSpPr>
+          <p:cNvPr id="5" name="제목 4"/>
+          <p:cNvSpPr>
+            <a:spLocks noGrp="1"/>
+          </p:cNvSpPr>
+          <p:nvPr>
+            <p:ph type="title"/>
+          </p:nvPr>
+        </p:nvSpPr>
+        <p:spPr/>
+        <p:txBody>
+          <a:bodyPr/>
+          <a:lstStyle/>
+          <a:p>
+            <a:r>
+              <a:rPr lang="ko-KR" altLang="en-US" dirty="0" smtClean="0"/>
+              <a:t>비교연산과 대입연산</a:t>
+            </a:r>
+            <a:endParaRPr lang="ko-KR" altLang="en-US" dirty="0"/>
+          </a:p>
+        </p:txBody>
+      </p:sp>
+      <p:sp>
+        <p:nvSpPr>
+          <p:cNvPr id="6" name="내용 개체 틀 5"/>
+          <p:cNvSpPr>
+            <a:spLocks noGrp="1"/>
+          </p:cNvSpPr>
+          <p:nvPr>
+            <p:ph idx="1"/>
+          </p:nvPr>
+        </p:nvSpPr>
+        <p:spPr/>
+        <p:txBody>
+          <a:bodyPr>
+            <a:normAutofit lnSpcReduction="10000"/>
+          </a:bodyPr>
+          <a:lstStyle/>
+          <a:p>
+            <a:r>
+              <a:rPr lang="ko-KR" altLang="en-US" dirty="0" smtClean="0"/>
+              <a:t>등호를 하나만 사용하는 경우 이를 대입연산자라 함</a:t>
+            </a:r>
+            <a:endParaRPr lang="en-US" altLang="ko-KR" dirty="0" smtClean="0"/>
+          </a:p>
+          <a:p>
+            <a:pPr lvl="1"/>
+            <a:r>
+              <a:rPr lang="en-US" altLang="ko-KR" spc="-150" dirty="0" smtClean="0">
+                <a:latin typeface="Consolas" panose="020B0609020204030204" pitchFamily="49" charset="0"/>
+                <a:cs typeface="Consolas" panose="020B0609020204030204" pitchFamily="49" charset="0"/>
+              </a:rPr>
+              <a:t>x = 5</a:t>
+            </a:r>
+            <a:endParaRPr lang="en-US" altLang="ko-KR" spc="-150" dirty="0" smtClean="0">
+              <a:latin typeface="Consolas" panose="020B0609020204030204" pitchFamily="49" charset="0"/>
+              <a:cs typeface="Consolas" panose="020B0609020204030204" pitchFamily="49" charset="0"/>
+            </a:endParaRPr>
+          </a:p>
+          <a:p>
+            <a:pPr lvl="1"/>
+            <a:r>
+              <a:rPr lang="en-US" altLang="ko-KR" spc="-150" dirty="0" smtClean="0">
+                <a:latin typeface="Consolas" panose="020B0609020204030204" pitchFamily="49" charset="0"/>
+                <a:cs typeface="Consolas" panose="020B0609020204030204" pitchFamily="49" charset="0"/>
+              </a:rPr>
+              <a:t>x</a:t>
+            </a:r>
+            <a:r>
+              <a:rPr lang="ko-KR" altLang="en-US" dirty="0" smtClean="0"/>
+              <a:t>라는 변수에 </a:t>
+            </a:r>
+            <a:r>
+              <a:rPr lang="en-US" altLang="ko-KR" spc="-150" dirty="0" smtClean="0">
+                <a:latin typeface="Consolas" panose="020B0609020204030204" pitchFamily="49" charset="0"/>
+                <a:cs typeface="Consolas" panose="020B0609020204030204" pitchFamily="49" charset="0"/>
+              </a:rPr>
+              <a:t>5</a:t>
+            </a:r>
+            <a:r>
+              <a:rPr lang="ko-KR" altLang="en-US" dirty="0" smtClean="0"/>
+              <a:t>라는 정수를 대입</a:t>
+            </a:r>
+            <a:endParaRPr lang="en-US" altLang="ko-KR" dirty="0" smtClean="0"/>
+          </a:p>
+          <a:p>
+            <a:r>
+              <a:rPr lang="ko-KR" altLang="en-US" dirty="0" smtClean="0"/>
+              <a:t>따라서 </a:t>
+            </a:r>
+            <a:r>
+              <a:rPr lang="en-US" altLang="ko-KR" dirty="0" smtClean="0"/>
+              <a:t>4 = 4</a:t>
+            </a:r>
+            <a:r>
+              <a:rPr lang="ko-KR" altLang="en-US" dirty="0" smtClean="0"/>
+              <a:t>와 같은 문장은 잘못된 문장</a:t>
+            </a:r>
+            <a:endParaRPr lang="en-US" altLang="ko-KR" dirty="0" smtClean="0"/>
+          </a:p>
+          <a:p>
+            <a:pPr lvl="1"/>
+            <a:r>
+              <a:rPr lang="en-US" altLang="ko-KR" dirty="0" smtClean="0"/>
+              <a:t>4</a:t>
+            </a:r>
+            <a:r>
+              <a:rPr lang="ko-KR" altLang="en-US" dirty="0" smtClean="0"/>
+              <a:t>에 </a:t>
+            </a:r>
+            <a:r>
+              <a:rPr lang="en-US" altLang="ko-KR" dirty="0" smtClean="0"/>
+              <a:t>4</a:t>
+            </a:r>
+            <a:r>
+              <a:rPr lang="ko-KR" altLang="en-US" dirty="0" smtClean="0"/>
+              <a:t>를 대입할 수 없음</a:t>
+            </a:r>
+            <a:endParaRPr lang="en-US" altLang="ko-KR" dirty="0" smtClean="0"/>
+          </a:p>
+          <a:p>
+            <a:pPr lvl="1"/>
+            <a:endParaRPr lang="en-US" altLang="ko-KR" dirty="0"/>
+          </a:p>
+          <a:p>
+            <a:r>
+              <a:rPr lang="ko-KR" altLang="en-US" dirty="0" smtClean="0"/>
+              <a:t>등호를 두 개를 연속해서 사용하는 경우 </a:t>
+            </a:r>
+            <a:r>
+              <a:rPr lang="en-US" altLang="ko-KR" dirty="0" smtClean="0"/>
+              <a:t>: </a:t>
+            </a:r>
+            <a:r>
+              <a:rPr lang="ko-KR" altLang="en-US" dirty="0" smtClean="0"/>
+              <a:t>비교연산</a:t>
+            </a:r>
+            <a:endParaRPr lang="en-US" altLang="ko-KR" dirty="0" smtClean="0"/>
+          </a:p>
+          <a:p>
+            <a:pPr lvl="1"/>
+            <a:r>
+              <a:rPr lang="en-US" altLang="ko-KR" spc="-150" dirty="0" smtClean="0">
+                <a:latin typeface="Consolas" panose="020B0609020204030204" pitchFamily="49" charset="0"/>
+                <a:cs typeface="Consolas" panose="020B0609020204030204" pitchFamily="49" charset="0"/>
+              </a:rPr>
+              <a:t>4 == 4</a:t>
+            </a:r>
+            <a:endParaRPr lang="en-US" altLang="ko-KR" spc="-150" dirty="0" smtClean="0">
+              <a:latin typeface="Consolas" panose="020B0609020204030204" pitchFamily="49" charset="0"/>
+              <a:cs typeface="Consolas" panose="020B0609020204030204" pitchFamily="49" charset="0"/>
+            </a:endParaRPr>
+          </a:p>
+          <a:p>
+            <a:pPr lvl="2"/>
+            <a:r>
+              <a:rPr lang="en-US" altLang="ko-KR" spc="-150" dirty="0" smtClean="0">
+                <a:latin typeface="Consolas" panose="020B0609020204030204" pitchFamily="49" charset="0"/>
+                <a:cs typeface="Consolas" panose="020B0609020204030204" pitchFamily="49" charset="0"/>
+              </a:rPr>
+              <a:t>True</a:t>
+            </a:r>
+          </a:p>
+          <a:p>
+            <a:pPr lvl="1"/>
+            <a:r>
+              <a:rPr lang="en-US" altLang="ko-KR" spc="-150" dirty="0" smtClean="0">
+                <a:latin typeface="Consolas" panose="020B0609020204030204" pitchFamily="49" charset="0"/>
+                <a:cs typeface="Consolas" panose="020B0609020204030204" pitchFamily="49" charset="0"/>
+              </a:rPr>
+              <a:t>"Korea" </a:t>
+            </a:r>
+            <a:r>
+              <a:rPr lang="en-US" altLang="ko-KR" sz="2700" spc="-150" dirty="0">
+                <a:latin typeface="Consolas" panose="020B0609020204030204" pitchFamily="49" charset="0"/>
+                <a:cs typeface="Consolas" panose="020B0609020204030204" pitchFamily="49" charset="0"/>
+              </a:rPr>
+              <a:t>==</a:t>
+            </a:r>
+            <a:r>
+              <a:rPr lang="en-US" altLang="ko-KR" spc="-150" dirty="0">
+                <a:latin typeface="Consolas" panose="020B0609020204030204" pitchFamily="49" charset="0"/>
+                <a:cs typeface="Consolas" panose="020B0609020204030204" pitchFamily="49" charset="0"/>
+              </a:rPr>
+              <a:t> </a:t>
+            </a:r>
+            <a:r>
+              <a:rPr lang="en-US" altLang="ko-KR" spc="-150" dirty="0" smtClean="0">
+                <a:latin typeface="Consolas" panose="020B0609020204030204" pitchFamily="49" charset="0"/>
+                <a:cs typeface="Consolas" panose="020B0609020204030204" pitchFamily="49" charset="0"/>
+              </a:rPr>
+              <a:t>"Japan"</a:t>
+            </a:r>
+            <a:endParaRPr lang="en-US" altLang="ko-KR" spc="-150" dirty="0">
+              <a:latin typeface="Consolas" panose="020B0609020204030204" pitchFamily="49" charset="0"/>
+              <a:cs typeface="Consolas" panose="020B0609020204030204" pitchFamily="49" charset="0"/>
+            </a:endParaRPr>
+          </a:p>
+          <a:p>
+            <a:pPr lvl="2"/>
+            <a:r>
+              <a:rPr lang="en-US" altLang="ko-KR" spc="-150" dirty="0">
+                <a:latin typeface="Consolas" panose="020B0609020204030204" pitchFamily="49" charset="0"/>
+                <a:cs typeface="Consolas" panose="020B0609020204030204" pitchFamily="49" charset="0"/>
+              </a:rPr>
+              <a:t>False</a:t>
+            </a:r>
+          </a:p>
+          <a:p>
+            <a:pPr lvl="1"/>
+            <a:endParaRPr lang="en-US" altLang="ko-KR" dirty="0" smtClean="0"/>
+          </a:p>
+        </p:txBody>
+      </p:sp>
+    </p:spTree>
+    <p:extLst>
+      <p:ext uri="{BB962C8B-B14F-4D97-AF65-F5344CB8AC3E}">
+        <p14:creationId xmlns:p14="http://schemas.microsoft.com/office/powerpoint/2010/main" val="3873822549"/>
+      </p:ext>
+    </p:extLst>
+  </p:cSld>
+  <p:clrMapOvr>
+    <a:masterClrMapping/>
+  </p:clrMapOvr>
+</p:sld>
+</file>
+
+<file path=ppt/slides/slide18.xml><?xml version="1.0" encoding="utf-8"?>
+<p:sld xmlns:a="http://schemas.openxmlformats.org/drawingml/2006/main" xmlns:r="http://schemas.openxmlformats.org/officeDocument/2006/relationships" xmlns:p="http://schemas.openxmlformats.org/presentationml/2006/main">
+  <p:cSld>
+    <p:spTree>
+      <p:nvGrpSpPr>
+        <p:cNvPr id="1" name=""/>
+        <p:cNvGrpSpPr/>
+        <p:nvPr/>
+      </p:nvGrpSpPr>
+      <p:grpSpPr>
+        <a:xfrm>
+          <a:off x="0" y="0"/>
+          <a:ext cx="0" cy="0"/>
+          <a:chOff x="0" y="0"/>
+          <a:chExt cx="0" cy="0"/>
+        </a:xfrm>
+      </p:grpSpPr>
+      <p:sp>
+        <p:nvSpPr>
           <p:cNvPr id="2" name="제목 1"/>
           <p:cNvSpPr>
             <a:spLocks noGrp="1"/>
@@ -4431,7 +4516,7 @@
 </p:sld>
 </file>
 
-<file path=ppt/slides/slide18.xml><?xml version="1.0" encoding="utf-8"?>
+<file path=ppt/slides/slide19.xml><?xml version="1.0" encoding="utf-8"?>
 <p:sld xmlns:a="http://schemas.openxmlformats.org/drawingml/2006/main" xmlns:r="http://schemas.openxmlformats.org/officeDocument/2006/relationships" xmlns:p="http://schemas.openxmlformats.org/presentationml/2006/main">
   <p:cSld>
     <p:spTree>
@@ -5294,178 +5379,6 @@
 </p:sld>
 </file>
 
-<file path=ppt/slides/slide19.xml><?xml version="1.0" encoding="utf-8"?>
-<p:sld xmlns:a="http://schemas.openxmlformats.org/drawingml/2006/main" xmlns:r="http://schemas.openxmlformats.org/officeDocument/2006/relationships" xmlns:p="http://schemas.openxmlformats.org/presentationml/2006/main">
-  <p:cSld>
-    <p:spTree>
-      <p:nvGrpSpPr>
-        <p:cNvPr id="1" name=""/>
-        <p:cNvGrpSpPr/>
-        <p:nvPr/>
-      </p:nvGrpSpPr>
-      <p:grpSpPr>
-        <a:xfrm>
-          <a:off x="0" y="0"/>
-          <a:ext cx="0" cy="0"/>
-          <a:chOff x="0" y="0"/>
-          <a:chExt cx="0" cy="0"/>
-        </a:xfrm>
-      </p:grpSpPr>
-      <p:sp>
-        <p:nvSpPr>
-          <p:cNvPr id="5" name="제목 4"/>
-          <p:cNvSpPr>
-            <a:spLocks noGrp="1"/>
-          </p:cNvSpPr>
-          <p:nvPr>
-            <p:ph type="title"/>
-          </p:nvPr>
-        </p:nvSpPr>
-        <p:spPr/>
-        <p:txBody>
-          <a:bodyPr/>
-          <a:lstStyle/>
-          <a:p>
-            <a:r>
-              <a:rPr lang="ko-KR" altLang="en-US" dirty="0" smtClean="0"/>
-              <a:t>복합대입연산자</a:t>
-            </a:r>
-            <a:endParaRPr lang="ko-KR" altLang="en-US" dirty="0"/>
-          </a:p>
-        </p:txBody>
-      </p:sp>
-      <p:sp>
-        <p:nvSpPr>
-          <p:cNvPr id="6" name="내용 개체 틀 5"/>
-          <p:cNvSpPr>
-            <a:spLocks noGrp="1"/>
-          </p:cNvSpPr>
-          <p:nvPr>
-            <p:ph idx="1"/>
-          </p:nvPr>
-        </p:nvSpPr>
-        <p:spPr/>
-        <p:txBody>
-          <a:bodyPr/>
-          <a:lstStyle/>
-          <a:p>
-            <a:r>
-              <a:rPr lang="ko-KR" altLang="en-US" dirty="0" smtClean="0"/>
-              <a:t>연산과 대입을 동시에 할 수 있음</a:t>
-            </a:r>
-            <a:endParaRPr lang="en-US" altLang="ko-KR" dirty="0" smtClean="0"/>
-          </a:p>
-          <a:p>
-            <a:r>
-              <a:rPr lang="en-US" altLang="ko-KR" dirty="0" err="1" smtClean="0">
-                <a:latin typeface="Consolas" panose="020B0609020204030204" pitchFamily="49" charset="0"/>
-                <a:cs typeface="Consolas" panose="020B0609020204030204" pitchFamily="49" charset="0"/>
-              </a:rPr>
-              <a:t>i</a:t>
-            </a:r>
-            <a:r>
-              <a:rPr lang="en-US" altLang="ko-KR" dirty="0" smtClean="0">
-                <a:latin typeface="Consolas" panose="020B0609020204030204" pitchFamily="49" charset="0"/>
-                <a:cs typeface="Consolas" panose="020B0609020204030204" pitchFamily="49" charset="0"/>
-              </a:rPr>
-              <a:t>=1</a:t>
-            </a:r>
-          </a:p>
-          <a:p>
-            <a:r>
-              <a:rPr lang="en-US" altLang="ko-KR" dirty="0" err="1" smtClean="0">
-                <a:latin typeface="Consolas" panose="020B0609020204030204" pitchFamily="49" charset="0"/>
-                <a:cs typeface="Consolas" panose="020B0609020204030204" pitchFamily="49" charset="0"/>
-              </a:rPr>
-              <a:t>i</a:t>
-            </a:r>
-            <a:r>
-              <a:rPr lang="en-US" altLang="ko-KR" dirty="0" smtClean="0">
-                <a:latin typeface="Consolas" panose="020B0609020204030204" pitchFamily="49" charset="0"/>
-                <a:cs typeface="Consolas" panose="020B0609020204030204" pitchFamily="49" charset="0"/>
-              </a:rPr>
-              <a:t>+=2</a:t>
-            </a:r>
-          </a:p>
-          <a:p>
-            <a:r>
-              <a:rPr lang="en-US" altLang="ko-KR" dirty="0">
-                <a:latin typeface="Consolas" panose="020B0609020204030204" pitchFamily="49" charset="0"/>
-                <a:cs typeface="Consolas" panose="020B0609020204030204" pitchFamily="49" charset="0"/>
-              </a:rPr>
-              <a:t>i</a:t>
-            </a:r>
-            <a:endParaRPr lang="en-US" altLang="ko-KR" dirty="0" smtClean="0">
-              <a:latin typeface="Consolas" panose="020B0609020204030204" pitchFamily="49" charset="0"/>
-              <a:cs typeface="Consolas" panose="020B0609020204030204" pitchFamily="49" charset="0"/>
-            </a:endParaRPr>
-          </a:p>
-          <a:p>
-            <a:pPr lvl="1"/>
-            <a:r>
-              <a:rPr lang="en-US" altLang="ko-KR" dirty="0" smtClean="0">
-                <a:latin typeface="Consolas" panose="020B0609020204030204" pitchFamily="49" charset="0"/>
-                <a:cs typeface="Consolas" panose="020B0609020204030204" pitchFamily="49" charset="0"/>
-              </a:rPr>
-              <a:t>3</a:t>
-            </a:r>
-          </a:p>
-          <a:p>
-            <a:r>
-              <a:rPr lang="en-US" altLang="ko-KR" dirty="0" smtClean="0">
-                <a:latin typeface="Consolas" panose="020B0609020204030204" pitchFamily="49" charset="0"/>
-                <a:cs typeface="Consolas" panose="020B0609020204030204" pitchFamily="49" charset="0"/>
-              </a:rPr>
-              <a:t>j=10</a:t>
-            </a:r>
-          </a:p>
-          <a:p>
-            <a:r>
-              <a:rPr lang="en-US" altLang="ko-KR" dirty="0" smtClean="0">
-                <a:latin typeface="Consolas" panose="020B0609020204030204" pitchFamily="49" charset="0"/>
-                <a:cs typeface="Consolas" panose="020B0609020204030204" pitchFamily="49" charset="0"/>
-              </a:rPr>
-              <a:t>j-=1</a:t>
-            </a:r>
-          </a:p>
-          <a:p>
-            <a:r>
-              <a:rPr lang="en-US" altLang="ko-KR" dirty="0" smtClean="0">
-                <a:latin typeface="Consolas" panose="020B0609020204030204" pitchFamily="49" charset="0"/>
-                <a:cs typeface="Consolas" panose="020B0609020204030204" pitchFamily="49" charset="0"/>
-              </a:rPr>
-              <a:t>j</a:t>
-            </a:r>
-          </a:p>
-          <a:p>
-            <a:pPr lvl="1"/>
-            <a:r>
-              <a:rPr lang="en-US" altLang="ko-KR" dirty="0">
-                <a:latin typeface="Consolas" panose="020B0609020204030204" pitchFamily="49" charset="0"/>
-                <a:cs typeface="Consolas" panose="020B0609020204030204" pitchFamily="49" charset="0"/>
-              </a:rPr>
-              <a:t>9</a:t>
-            </a:r>
-            <a:endParaRPr lang="en-US" altLang="ko-KR" dirty="0" smtClean="0">
-              <a:latin typeface="Consolas" panose="020B0609020204030204" pitchFamily="49" charset="0"/>
-              <a:cs typeface="Consolas" panose="020B0609020204030204" pitchFamily="49" charset="0"/>
-            </a:endParaRPr>
-          </a:p>
-        </p:txBody>
-      </p:sp>
-    </p:spTree>
-    <p:extLst>
-      <p:ext uri="{BB962C8B-B14F-4D97-AF65-F5344CB8AC3E}">
-        <p14:creationId xmlns:p14="http://schemas.microsoft.com/office/powerpoint/2010/main" val="2049289581"/>
-      </p:ext>
-    </p:extLst>
-  </p:cSld>
-  <p:clrMapOvr>
-    <a:masterClrMapping/>
-  </p:clrMapOvr>
-</p:sld>
-</file>
-
 <file path=ppt/slides/slide2.xml><?xml version="1.0" encoding="utf-8"?>
 <p:sld xmlns:a="http://schemas.openxmlformats.org/drawingml/2006/main" xmlns:r="http://schemas.openxmlformats.org/officeDocument/2006/relationships" xmlns:p="http://schemas.openxmlformats.org/presentationml/2006/main">
   <p:cSld>
@@ -5493,7 +5406,12 @@
             <p:ph type="title"/>
           </p:nvPr>
         </p:nvSpPr>
-        <p:spPr/>
+        <p:spPr>
+          <a:xfrm>
+            <a:off x="838200" y="365126"/>
+            <a:ext cx="10515600" cy="948286"/>
+          </a:xfrm>
+        </p:spPr>
         <p:txBody>
           <a:bodyPr/>
           <a:lstStyle/>
@@ -5520,7 +5438,12 @@
             <p:ph idx="1"/>
           </p:nvPr>
         </p:nvSpPr>
-        <p:spPr/>
+        <p:spPr>
+          <a:xfrm>
+            <a:off x="838200" y="1446415"/>
+            <a:ext cx="10515600" cy="4730548"/>
+          </a:xfrm>
+        </p:spPr>
         <p:txBody>
           <a:bodyPr/>
           <a:lstStyle/>
@@ -5599,6 +5522,30 @@
           </a:p>
         </p:txBody>
       </p:sp>
+      <p:pic>
+        <p:nvPicPr>
+          <p:cNvPr id="4" name="그림 3"/>
+          <p:cNvPicPr>
+            <a:picLocks noChangeAspect="1"/>
+          </p:cNvPicPr>
+          <p:nvPr/>
+        </p:nvPicPr>
+        <p:blipFill>
+          <a:blip r:embed="rId2"/>
+          <a:stretch>
+            <a:fillRect/>
+          </a:stretch>
+        </p:blipFill>
+        <p:spPr>
+          <a:xfrm>
+            <a:off x="1055716" y="4964214"/>
+            <a:ext cx="7157259" cy="1345752"/>
+          </a:xfrm>
+          <a:prstGeom prst="rect">
+            <a:avLst/>
+          </a:prstGeom>
+        </p:spPr>
+      </p:pic>
     </p:spTree>
     <p:extLst>
       <p:ext uri="{BB962C8B-B14F-4D97-AF65-F5344CB8AC3E}">
@@ -5631,7 +5578,7 @@
       </p:grpSpPr>
       <p:sp>
         <p:nvSpPr>
-          <p:cNvPr id="2" name="제목 1"/>
+          <p:cNvPr id="5" name="제목 4"/>
           <p:cNvSpPr>
             <a:spLocks noGrp="1"/>
           </p:cNvSpPr>
@@ -5646,11 +5593,7 @@
           <a:p>
             <a:r>
               <a:rPr lang="ko-KR" altLang="en-US" dirty="0" smtClean="0"/>
-              <a:t>주석</a:t>
-            </a:r>
-            <a:r>
-              <a:rPr lang="en-US" altLang="ko-KR" dirty="0" smtClean="0"/>
-              <a:t>(comment)</a:t>
+              <a:t>복합대입연산자</a:t>
             </a:r>
             <a:endParaRPr lang="ko-KR" altLang="en-US" dirty="0"/>
           </a:p>
@@ -5658,7 +5601,7 @@
       </p:sp>
       <p:sp>
         <p:nvSpPr>
-          <p:cNvPr id="3" name="내용 개체 틀 2"/>
+          <p:cNvPr id="6" name="내용 개체 틀 5"/>
           <p:cNvSpPr>
             <a:spLocks noGrp="1"/>
           </p:cNvSpPr>
@@ -5673,104 +5616,128 @@
           <a:p>
             <a:r>
               <a:rPr lang="ko-KR" altLang="en-US" dirty="0" smtClean="0"/>
-              <a:t>코드에 설명을 넣고 싶을 때</a:t>
+              <a:t>연산과 대입을 동시에 할 수 있음</a:t>
             </a:r>
             <a:endParaRPr lang="en-US" altLang="ko-KR" dirty="0" smtClean="0"/>
           </a:p>
           <a:p>
             <a:r>
-              <a:rPr lang="ko-KR" altLang="en-US" dirty="0" smtClean="0"/>
-              <a:t>한 줄로 주석 넣기</a:t>
-            </a:r>
-            <a:r>
-              <a:rPr lang="en-US" altLang="ko-KR" dirty="0" smtClean="0"/>
-              <a:t>, #</a:t>
-            </a:r>
-            <a:r>
-              <a:rPr lang="ko-KR" altLang="en-US" dirty="0" smtClean="0"/>
-              <a:t>으로 시작</a:t>
-            </a:r>
-            <a:endParaRPr lang="en-US" altLang="ko-KR" dirty="0" smtClean="0"/>
+              <a:rPr lang="en-US" altLang="ko-KR" dirty="0" err="1" smtClean="0">
+                <a:latin typeface="Consolas" panose="020B0609020204030204" pitchFamily="49" charset="0"/>
+                <a:cs typeface="Consolas" panose="020B0609020204030204" pitchFamily="49" charset="0"/>
+              </a:rPr>
+              <a:t>i</a:t>
+            </a:r>
+            <a:r>
+              <a:rPr lang="en-US" altLang="ko-KR" dirty="0" smtClean="0">
+                <a:latin typeface="Consolas" panose="020B0609020204030204" pitchFamily="49" charset="0"/>
+                <a:cs typeface="Consolas" panose="020B0609020204030204" pitchFamily="49" charset="0"/>
+              </a:rPr>
+              <a:t> = 1</a:t>
+            </a:r>
+            <a:endParaRPr lang="en-US" altLang="ko-KR" dirty="0" smtClean="0">
+              <a:latin typeface="Consolas" panose="020B0609020204030204" pitchFamily="49" charset="0"/>
+              <a:cs typeface="Consolas" panose="020B0609020204030204" pitchFamily="49" charset="0"/>
+            </a:endParaRPr>
+          </a:p>
+          <a:p>
+            <a:r>
+              <a:rPr lang="en-US" altLang="ko-KR" dirty="0" err="1" smtClean="0">
+                <a:latin typeface="Consolas" panose="020B0609020204030204" pitchFamily="49" charset="0"/>
+                <a:cs typeface="Consolas" panose="020B0609020204030204" pitchFamily="49" charset="0"/>
+              </a:rPr>
+              <a:t>i</a:t>
+            </a:r>
+            <a:r>
+              <a:rPr lang="en-US" altLang="ko-KR" dirty="0" smtClean="0">
+                <a:latin typeface="Consolas" panose="020B0609020204030204" pitchFamily="49" charset="0"/>
+                <a:cs typeface="Consolas" panose="020B0609020204030204" pitchFamily="49" charset="0"/>
+              </a:rPr>
+              <a:t> += 2</a:t>
+            </a:r>
+            <a:endParaRPr lang="en-US" altLang="ko-KR" dirty="0" smtClean="0">
+              <a:latin typeface="Consolas" panose="020B0609020204030204" pitchFamily="49" charset="0"/>
+              <a:cs typeface="Consolas" panose="020B0609020204030204" pitchFamily="49" charset="0"/>
+            </a:endParaRPr>
+          </a:p>
+          <a:p>
+            <a:r>
+              <a:rPr lang="en-US" altLang="ko-KR" dirty="0">
+                <a:latin typeface="Consolas" panose="020B0609020204030204" pitchFamily="49" charset="0"/>
+                <a:cs typeface="Consolas" panose="020B0609020204030204" pitchFamily="49" charset="0"/>
+              </a:rPr>
+              <a:t>i</a:t>
+            </a:r>
+            <a:endParaRPr lang="en-US" altLang="ko-KR" dirty="0" smtClean="0">
+              <a:latin typeface="Consolas" panose="020B0609020204030204" pitchFamily="49" charset="0"/>
+              <a:cs typeface="Consolas" panose="020B0609020204030204" pitchFamily="49" charset="0"/>
+            </a:endParaRPr>
           </a:p>
           <a:p>
             <a:pPr lvl="1"/>
             <a:r>
-              <a:rPr lang="en-US" altLang="ko-KR" spc="-150" dirty="0" smtClean="0">
-                <a:latin typeface="Consolas" panose="020B0609020204030204" pitchFamily="49" charset="0"/>
-                <a:cs typeface="Consolas" panose="020B0609020204030204" pitchFamily="49" charset="0"/>
-              </a:rPr>
-              <a:t># This code solves the P vs NP problem.</a:t>
-            </a:r>
-          </a:p>
-          <a:p>
-            <a:r>
-              <a:rPr lang="ko-KR" altLang="en-US" dirty="0" smtClean="0"/>
-              <a:t>여러 줄에 걸쳐 주석을 넣을 때</a:t>
-            </a:r>
-            <a:r>
-              <a:rPr lang="en-US" altLang="ko-KR" dirty="0" smtClean="0"/>
-              <a:t>, """</a:t>
-            </a:r>
-            <a:r>
-              <a:rPr lang="ko-KR" altLang="en-US" dirty="0" smtClean="0"/>
-              <a:t>를 이용</a:t>
-            </a:r>
-            <a:endParaRPr lang="en-US" altLang="ko-KR" dirty="0" smtClean="0"/>
+              <a:rPr lang="en-US" altLang="ko-KR" dirty="0" smtClean="0">
+                <a:latin typeface="Consolas" panose="020B0609020204030204" pitchFamily="49" charset="0"/>
+                <a:cs typeface="Consolas" panose="020B0609020204030204" pitchFamily="49" charset="0"/>
+              </a:rPr>
+              <a:t>3</a:t>
+            </a:r>
+          </a:p>
+          <a:p>
+            <a:r>
+              <a:rPr lang="en-US" altLang="ko-KR" dirty="0" smtClean="0">
+                <a:latin typeface="Consolas" panose="020B0609020204030204" pitchFamily="49" charset="0"/>
+                <a:cs typeface="Consolas" panose="020B0609020204030204" pitchFamily="49" charset="0"/>
+              </a:rPr>
+              <a:t>j = 10</a:t>
+            </a:r>
+            <a:endParaRPr lang="en-US" altLang="ko-KR" dirty="0" smtClean="0">
+              <a:latin typeface="Consolas" panose="020B0609020204030204" pitchFamily="49" charset="0"/>
+              <a:cs typeface="Consolas" panose="020B0609020204030204" pitchFamily="49" charset="0"/>
+            </a:endParaRPr>
+          </a:p>
+          <a:p>
+            <a:r>
+              <a:rPr lang="en-US" altLang="ko-KR" dirty="0" smtClean="0">
+                <a:latin typeface="Consolas" panose="020B0609020204030204" pitchFamily="49" charset="0"/>
+                <a:cs typeface="Consolas" panose="020B0609020204030204" pitchFamily="49" charset="0"/>
+              </a:rPr>
+              <a:t>j -= 1</a:t>
+            </a:r>
+            <a:endParaRPr lang="en-US" altLang="ko-KR" dirty="0" smtClean="0">
+              <a:latin typeface="Consolas" panose="020B0609020204030204" pitchFamily="49" charset="0"/>
+              <a:cs typeface="Consolas" panose="020B0609020204030204" pitchFamily="49" charset="0"/>
+            </a:endParaRPr>
+          </a:p>
+          <a:p>
+            <a:r>
+              <a:rPr lang="en-US" altLang="ko-KR" dirty="0" smtClean="0">
+                <a:latin typeface="Consolas" panose="020B0609020204030204" pitchFamily="49" charset="0"/>
+                <a:cs typeface="Consolas" panose="020B0609020204030204" pitchFamily="49" charset="0"/>
+              </a:rPr>
+              <a:t>j</a:t>
+            </a:r>
           </a:p>
           <a:p>
             <a:pPr lvl="1"/>
             <a:r>
-              <a:rPr lang="en-US" altLang="ko-KR" dirty="0" smtClean="0"/>
-              <a:t>"""</a:t>
-            </a:r>
-            <a:br>
-              <a:rPr lang="en-US" altLang="ko-KR" dirty="0" smtClean="0"/>
-            </a:br>
-            <a:r>
-              <a:rPr lang="en-US" altLang="ko-KR" spc="-150" dirty="0" smtClean="0">
-                <a:latin typeface="Consolas" panose="020B0609020204030204" pitchFamily="49" charset="0"/>
-                <a:cs typeface="Consolas" panose="020B0609020204030204" pitchFamily="49" charset="0"/>
-              </a:rPr>
-              <a:t>Turing used this code to crack the Enigma.</a:t>
-            </a:r>
-            <a:br>
-              <a:rPr lang="en-US" altLang="ko-KR" spc="-150" dirty="0" smtClean="0">
-                <a:latin typeface="Consolas" panose="020B0609020204030204" pitchFamily="49" charset="0"/>
-                <a:cs typeface="Consolas" panose="020B0609020204030204" pitchFamily="49" charset="0"/>
-              </a:rPr>
-            </a:br>
-            <a:r>
-              <a:rPr lang="en-US" altLang="ko-KR" spc="-150" dirty="0" smtClean="0">
-                <a:latin typeface="Consolas" panose="020B0609020204030204" pitchFamily="49" charset="0"/>
-                <a:cs typeface="Consolas" panose="020B0609020204030204" pitchFamily="49" charset="0"/>
-              </a:rPr>
-              <a:t>With this code, anybody hack a server like a pro.</a:t>
-            </a:r>
-            <a:br>
-              <a:rPr lang="en-US" altLang="ko-KR" spc="-150" dirty="0" smtClean="0">
-                <a:latin typeface="Consolas" panose="020B0609020204030204" pitchFamily="49" charset="0"/>
-                <a:cs typeface="Consolas" panose="020B0609020204030204" pitchFamily="49" charset="0"/>
-              </a:rPr>
-            </a:br>
-            <a:r>
-              <a:rPr lang="en-US" altLang="ko-KR" dirty="0" smtClean="0"/>
-              <a:t>"""</a:t>
-            </a:r>
-            <a:br>
-              <a:rPr lang="en-US" altLang="ko-KR" dirty="0" smtClean="0"/>
-            </a:br>
-            <a:endParaRPr lang="en-US" altLang="ko-KR" dirty="0" smtClean="0"/>
-          </a:p>
-          <a:p>
-            <a:pPr lvl="1"/>
-            <a:endParaRPr lang="ko-KR" altLang="en-US" dirty="0"/>
+              <a:rPr lang="en-US" altLang="ko-KR" dirty="0">
+                <a:latin typeface="Consolas" panose="020B0609020204030204" pitchFamily="49" charset="0"/>
+                <a:cs typeface="Consolas" panose="020B0609020204030204" pitchFamily="49" charset="0"/>
+              </a:rPr>
+              <a:t>9</a:t>
+            </a:r>
+            <a:endParaRPr lang="en-US" altLang="ko-KR" dirty="0" smtClean="0">
+              <a:latin typeface="Consolas" panose="020B0609020204030204" pitchFamily="49" charset="0"/>
+              <a:cs typeface="Consolas" panose="020B0609020204030204" pitchFamily="49" charset="0"/>
+            </a:endParaRPr>
           </a:p>
         </p:txBody>
       </p:sp>
     </p:spTree>
     <p:extLst>
       <p:ext uri="{BB962C8B-B14F-4D97-AF65-F5344CB8AC3E}">
-        <p14:creationId xmlns:p14="http://schemas.microsoft.com/office/powerpoint/2010/main" val="1721104066"/>
+        <p14:creationId xmlns:p14="http://schemas.microsoft.com/office/powerpoint/2010/main" val="2049289581"/>
       </p:ext>
     </p:extLst>
   </p:cSld>
@@ -5814,11 +5781,11 @@
           <a:p>
             <a:r>
               <a:rPr lang="ko-KR" altLang="en-US" dirty="0" smtClean="0"/>
-              <a:t>문자열</a:t>
-            </a:r>
-            <a:r>
-              <a:rPr lang="en-US" altLang="ko-KR" dirty="0" smtClean="0"/>
-              <a:t>(string)</a:t>
+              <a:t>주석</a:t>
+            </a:r>
+            <a:r>
+              <a:rPr lang="en-US" altLang="ko-KR" dirty="0" smtClean="0"/>
+              <a:t>(comment)</a:t>
             </a:r>
             <a:endParaRPr lang="ko-KR" altLang="en-US" dirty="0"/>
           </a:p>
@@ -5840,112 +5807,105 @@
           <a:lstStyle/>
           <a:p>
             <a:r>
-              <a:rPr lang="ko-KR" altLang="en-US" dirty="0" err="1" smtClean="0"/>
-              <a:t>파이썬에서는</a:t>
-            </a:r>
-            <a:r>
-              <a:rPr lang="ko-KR" altLang="en-US" dirty="0" smtClean="0"/>
-              <a:t> 문자열</a:t>
-            </a:r>
-            <a:r>
-              <a:rPr lang="en-US" altLang="ko-KR" dirty="0" smtClean="0"/>
-              <a:t>(string)</a:t>
-            </a:r>
-            <a:r>
-              <a:rPr lang="ko-KR" altLang="en-US" dirty="0" smtClean="0"/>
-              <a:t>을 쉽게 다룰 수 있다</a:t>
-            </a:r>
-            <a:r>
-              <a:rPr lang="en-US" altLang="ko-KR" dirty="0" smtClean="0"/>
-              <a:t>.</a:t>
-            </a:r>
-          </a:p>
-          <a:p>
-            <a:r>
-              <a:rPr lang="en-US" altLang="ko-KR" spc="-150" dirty="0" smtClean="0">
-                <a:latin typeface="Consolas" panose="020B0609020204030204" pitchFamily="49" charset="0"/>
-                <a:cs typeface="Consolas" panose="020B0609020204030204" pitchFamily="49" charset="0"/>
-              </a:rPr>
-              <a:t>name = "</a:t>
-            </a:r>
-            <a:r>
-              <a:rPr lang="en-US" altLang="ko-KR" spc="-150" dirty="0" err="1" smtClean="0">
-                <a:latin typeface="Consolas" panose="020B0609020204030204" pitchFamily="49" charset="0"/>
-                <a:cs typeface="Consolas" panose="020B0609020204030204" pitchFamily="49" charset="0"/>
-              </a:rPr>
-              <a:t>Kyungsub</a:t>
-            </a:r>
-            <a:r>
-              <a:rPr lang="en-US" altLang="ko-KR" spc="-150" dirty="0" smtClean="0">
-                <a:latin typeface="Consolas" panose="020B0609020204030204" pitchFamily="49" charset="0"/>
-                <a:cs typeface="Consolas" panose="020B0609020204030204" pitchFamily="49" charset="0"/>
-              </a:rPr>
-              <a:t> Lee"</a:t>
-            </a:r>
-          </a:p>
-          <a:p>
-            <a:r>
-              <a:rPr lang="en-US" altLang="ko-KR" spc="-150" dirty="0" smtClean="0">
-                <a:latin typeface="Consolas" panose="020B0609020204030204" pitchFamily="49" charset="0"/>
-                <a:cs typeface="Consolas" panose="020B0609020204030204" pitchFamily="49" charset="0"/>
-              </a:rPr>
-              <a:t>print name</a:t>
-            </a:r>
-          </a:p>
-          <a:p>
+              <a:rPr lang="ko-KR" altLang="en-US" dirty="0" smtClean="0"/>
+              <a:t>코드에 설명을 넣고 싶을 때</a:t>
+            </a:r>
             <a:endParaRPr lang="en-US" altLang="ko-KR" dirty="0" smtClean="0"/>
           </a:p>
           <a:p>
             <a:r>
-              <a:rPr lang="ko-KR" altLang="en-US" spc="-150" dirty="0" smtClean="0"/>
-              <a:t>다음은 숫자 </a:t>
-            </a:r>
-            <a:r>
-              <a:rPr lang="en-US" altLang="ko-KR" spc="-150" dirty="0" smtClean="0"/>
-              <a:t>45</a:t>
-            </a:r>
-            <a:r>
-              <a:rPr lang="ko-KR" altLang="en-US" spc="-150" dirty="0" smtClean="0"/>
-              <a:t>가 아니라 문자열로서 </a:t>
-            </a:r>
-            <a:r>
-              <a:rPr lang="en-US" altLang="ko-KR" spc="-150" dirty="0" smtClean="0"/>
-              <a:t>"45"</a:t>
-            </a:r>
-            <a:r>
-              <a:rPr lang="ko-KR" altLang="en-US" spc="-150" dirty="0" smtClean="0"/>
-              <a:t>로 사용되었음을 유의</a:t>
-            </a:r>
-            <a:endParaRPr lang="en-US" altLang="ko-KR" spc="-150" dirty="0"/>
-          </a:p>
-          <a:p>
-            <a:r>
-              <a:rPr lang="en-US" altLang="ko-KR" spc="-150" dirty="0" smtClean="0">
-                <a:latin typeface="Consolas" panose="020B0609020204030204" pitchFamily="49" charset="0"/>
-                <a:cs typeface="Consolas" panose="020B0609020204030204" pitchFamily="49" charset="0"/>
-              </a:rPr>
-              <a:t>age = "45"</a:t>
-            </a:r>
-          </a:p>
-          <a:p>
-            <a:r>
-              <a:rPr lang="en-US" altLang="ko-KR" spc="-150" dirty="0" smtClean="0">
-                <a:latin typeface="Consolas" panose="020B0609020204030204" pitchFamily="49" charset="0"/>
-                <a:cs typeface="Consolas" panose="020B0609020204030204" pitchFamily="49" charset="0"/>
-              </a:rPr>
-              <a:t>print age</a:t>
-            </a:r>
-            <a:endParaRPr lang="ko-KR" altLang="en-US" spc="-150" dirty="0">
-              <a:latin typeface="Consolas" panose="020B0609020204030204" pitchFamily="49" charset="0"/>
-              <a:cs typeface="Consolas" panose="020B0609020204030204" pitchFamily="49" charset="0"/>
-            </a:endParaRPr>
+              <a:rPr lang="ko-KR" altLang="en-US" dirty="0" smtClean="0"/>
+              <a:t>한 줄로 주석 넣기</a:t>
+            </a:r>
+            <a:r>
+              <a:rPr lang="en-US" altLang="ko-KR" dirty="0" smtClean="0"/>
+              <a:t>, #</a:t>
+            </a:r>
+            <a:r>
+              <a:rPr lang="ko-KR" altLang="en-US" dirty="0" smtClean="0"/>
+              <a:t>으로 시작</a:t>
+            </a:r>
+            <a:endParaRPr lang="en-US" altLang="ko-KR" dirty="0" smtClean="0"/>
+          </a:p>
+          <a:p>
+            <a:pPr lvl="1"/>
+            <a:r>
+              <a:rPr lang="en-US" altLang="ko-KR" spc="-150" dirty="0" smtClean="0">
+                <a:latin typeface="Consolas" panose="020B0609020204030204" pitchFamily="49" charset="0"/>
+                <a:cs typeface="Consolas" panose="020B0609020204030204" pitchFamily="49" charset="0"/>
+              </a:rPr>
+              <a:t># This code solves the P vs NP problem.</a:t>
+            </a:r>
+          </a:p>
+          <a:p>
+            <a:r>
+              <a:rPr lang="ko-KR" altLang="en-US" dirty="0" smtClean="0"/>
+              <a:t>여러 줄에 걸쳐 주석을 넣을 때</a:t>
+            </a:r>
+            <a:r>
+              <a:rPr lang="en-US" altLang="ko-KR" dirty="0" smtClean="0"/>
+              <a:t>, """</a:t>
+            </a:r>
+            <a:r>
+              <a:rPr lang="ko-KR" altLang="en-US" dirty="0" smtClean="0"/>
+              <a:t>를 이용</a:t>
+            </a:r>
+            <a:endParaRPr lang="en-US" altLang="ko-KR" dirty="0" smtClean="0"/>
+          </a:p>
+          <a:p>
+            <a:pPr lvl="1"/>
+            <a:r>
+              <a:rPr lang="en-US" altLang="ko-KR" dirty="0" smtClean="0"/>
+              <a:t>"""</a:t>
+            </a:r>
+            <a:br>
+              <a:rPr lang="en-US" altLang="ko-KR" dirty="0" smtClean="0"/>
+            </a:br>
+            <a:r>
+              <a:rPr lang="en-US" altLang="ko-KR" spc="-150" dirty="0" smtClean="0">
+                <a:latin typeface="Consolas" panose="020B0609020204030204" pitchFamily="49" charset="0"/>
+                <a:cs typeface="Consolas" panose="020B0609020204030204" pitchFamily="49" charset="0"/>
+              </a:rPr>
+              <a:t>Turing used this code to crack the Enigma.</a:t>
+            </a:r>
+            <a:br>
+              <a:rPr lang="en-US" altLang="ko-KR" spc="-150" dirty="0" smtClean="0">
+                <a:latin typeface="Consolas" panose="020B0609020204030204" pitchFamily="49" charset="0"/>
+                <a:cs typeface="Consolas" panose="020B0609020204030204" pitchFamily="49" charset="0"/>
+              </a:rPr>
+            </a:br>
+            <a:r>
+              <a:rPr lang="en-US" altLang="ko-KR" spc="-150" dirty="0" smtClean="0">
+                <a:latin typeface="Consolas" panose="020B0609020204030204" pitchFamily="49" charset="0"/>
+                <a:cs typeface="Consolas" panose="020B0609020204030204" pitchFamily="49" charset="0"/>
+              </a:rPr>
+              <a:t>With this code, anybody hack a server like a pro.</a:t>
+            </a:r>
+            <a:br>
+              <a:rPr lang="en-US" altLang="ko-KR" spc="-150" dirty="0" smtClean="0">
+                <a:latin typeface="Consolas" panose="020B0609020204030204" pitchFamily="49" charset="0"/>
+                <a:cs typeface="Consolas" panose="020B0609020204030204" pitchFamily="49" charset="0"/>
+              </a:rPr>
+            </a:br>
+            <a:r>
+              <a:rPr lang="en-US" altLang="ko-KR" dirty="0" smtClean="0"/>
+              <a:t>"""</a:t>
+            </a:r>
+            <a:br>
+              <a:rPr lang="en-US" altLang="ko-KR" dirty="0" smtClean="0"/>
+            </a:br>
+            <a:endParaRPr lang="en-US" altLang="ko-KR" dirty="0" smtClean="0"/>
+          </a:p>
+          <a:p>
+            <a:pPr lvl="1"/>
+            <a:endParaRPr lang="ko-KR" altLang="en-US" dirty="0"/>
           </a:p>
         </p:txBody>
       </p:sp>
     </p:spTree>
     <p:extLst>
       <p:ext uri="{BB962C8B-B14F-4D97-AF65-F5344CB8AC3E}">
-        <p14:creationId xmlns:p14="http://schemas.microsoft.com/office/powerpoint/2010/main" val="2954657317"/>
+        <p14:creationId xmlns:p14="http://schemas.microsoft.com/office/powerpoint/2010/main" val="1721104066"/>
       </p:ext>
     </p:extLst>
   </p:cSld>
@@ -5993,15 +5953,7 @@
             </a:r>
             <a:r>
               <a:rPr lang="en-US" altLang="ko-KR" dirty="0" smtClean="0"/>
-              <a:t> </a:t>
-            </a:r>
-            <a:r>
-              <a:rPr lang="ko-KR" altLang="en-US" dirty="0" smtClean="0"/>
-              <a:t>연결 </a:t>
-            </a:r>
-            <a:r>
-              <a:rPr lang="en-US" altLang="ko-KR" dirty="0" smtClean="0"/>
-              <a:t>(concatenation)</a:t>
+              <a:t>(string)</a:t>
             </a:r>
             <a:endParaRPr lang="ko-KR" altLang="en-US" dirty="0"/>
           </a:p>
@@ -6023,20 +5975,20 @@
           <a:lstStyle/>
           <a:p>
             <a:r>
-              <a:rPr lang="en-US" altLang="ko-KR" dirty="0" smtClean="0"/>
-              <a:t>Python</a:t>
-            </a:r>
-            <a:r>
-              <a:rPr lang="ko-KR" altLang="en-US" dirty="0" smtClean="0"/>
-              <a:t>에서 문자열은 </a:t>
-            </a:r>
-            <a:r>
-              <a:rPr lang="en-US" altLang="ko-KR" dirty="0" smtClean="0"/>
-              <a:t>+ </a:t>
-            </a:r>
-            <a:r>
-              <a:rPr lang="ko-KR" altLang="en-US" dirty="0" smtClean="0"/>
-              <a:t>기호를 이용하여 쉽게 연결할 수 있다</a:t>
+              <a:rPr lang="ko-KR" altLang="en-US" dirty="0" err="1" smtClean="0"/>
+              <a:t>파이썬에서는</a:t>
+            </a:r>
+            <a:r>
+              <a:rPr lang="ko-KR" altLang="en-US" dirty="0" smtClean="0"/>
+              <a:t> 문자열</a:t>
+            </a:r>
+            <a:r>
+              <a:rPr lang="en-US" altLang="ko-KR" dirty="0" smtClean="0"/>
+              <a:t>(string)</a:t>
+            </a:r>
+            <a:r>
+              <a:rPr lang="ko-KR" altLang="en-US" dirty="0" smtClean="0"/>
+              <a:t>을 쉽게 다룰 수 있다</a:t>
             </a:r>
             <a:r>
               <a:rPr lang="en-US" altLang="ko-KR" dirty="0" smtClean="0"/>
@@ -6044,28 +5996,18 @@
             </a:r>
           </a:p>
           <a:p>
-            <a:endParaRPr lang="en-US" altLang="ko-KR" dirty="0"/>
-          </a:p>
-          <a:p>
+            <a:r>
+              <a:rPr lang="en-US" altLang="ko-KR" spc="-150" dirty="0" smtClean="0">
+                <a:latin typeface="Consolas" panose="020B0609020204030204" pitchFamily="49" charset="0"/>
+                <a:cs typeface="Consolas" panose="020B0609020204030204" pitchFamily="49" charset="0"/>
+              </a:rPr>
+              <a:t>name = "</a:t>
+            </a:r>
             <a:r>
               <a:rPr lang="en-US" altLang="ko-KR" spc="-150" dirty="0" err="1" smtClean="0">
                 <a:latin typeface="Consolas" panose="020B0609020204030204" pitchFamily="49" charset="0"/>
                 <a:cs typeface="Consolas" panose="020B0609020204030204" pitchFamily="49" charset="0"/>
               </a:rPr>
-              <a:t>first_name</a:t>
-            </a:r>
-            <a:r>
-              <a:rPr lang="en-US" altLang="ko-KR" spc="-150" dirty="0" smtClean="0">
-                <a:latin typeface="Consolas" panose="020B0609020204030204" pitchFamily="49" charset="0"/>
-                <a:cs typeface="Consolas" panose="020B0609020204030204" pitchFamily="49" charset="0"/>
-              </a:rPr>
-              <a:t> = "</a:t>
-            </a:r>
-            <a:r>
-              <a:rPr lang="en-US" altLang="ko-KR" spc="-150" dirty="0" err="1" smtClean="0">
-                <a:latin typeface="Consolas" panose="020B0609020204030204" pitchFamily="49" charset="0"/>
-                <a:cs typeface="Consolas" panose="020B0609020204030204" pitchFamily="49" charset="0"/>
-              </a:rPr>
               <a:t>Kyungsub</a:t>
             </a:r>
             <a:r>
@@ -6073,125 +6015,60 @@
                 <a:latin typeface="Consolas" panose="020B0609020204030204" pitchFamily="49" charset="0"/>
                 <a:cs typeface="Consolas" panose="020B0609020204030204" pitchFamily="49" charset="0"/>
               </a:rPr>
-              <a:t>"</a:t>
-            </a:r>
-            <a:br>
-              <a:rPr lang="en-US" altLang="ko-KR" spc="-150" dirty="0" smtClean="0">
-                <a:latin typeface="Consolas" panose="020B0609020204030204" pitchFamily="49" charset="0"/>
-                <a:cs typeface="Consolas" panose="020B0609020204030204" pitchFamily="49" charset="0"/>
-              </a:rPr>
-            </a:br>
-            <a:r>
-              <a:rPr lang="en-US" altLang="ko-KR" spc="-150" dirty="0" err="1" smtClean="0">
-                <a:latin typeface="Consolas" panose="020B0609020204030204" pitchFamily="49" charset="0"/>
-                <a:cs typeface="Consolas" panose="020B0609020204030204" pitchFamily="49" charset="0"/>
-              </a:rPr>
-              <a:t>family_name</a:t>
-            </a:r>
-            <a:r>
-              <a:rPr lang="en-US" altLang="ko-KR" spc="-150" dirty="0" smtClean="0">
-                <a:latin typeface="Consolas" panose="020B0609020204030204" pitchFamily="49" charset="0"/>
-                <a:cs typeface="Consolas" panose="020B0609020204030204" pitchFamily="49" charset="0"/>
-              </a:rPr>
-              <a:t> = "Lee"</a:t>
-            </a:r>
-            <a:br>
-              <a:rPr lang="en-US" altLang="ko-KR" spc="-150" dirty="0" smtClean="0">
-                <a:latin typeface="Consolas" panose="020B0609020204030204" pitchFamily="49" charset="0"/>
-                <a:cs typeface="Consolas" panose="020B0609020204030204" pitchFamily="49" charset="0"/>
-              </a:rPr>
-            </a:br>
-            <a:r>
-              <a:rPr lang="en-US" altLang="ko-KR" spc="-150" dirty="0" err="1" smtClean="0">
-                <a:latin typeface="Consolas" panose="020B0609020204030204" pitchFamily="49" charset="0"/>
-                <a:cs typeface="Consolas" panose="020B0609020204030204" pitchFamily="49" charset="0"/>
-              </a:rPr>
-              <a:t>full_name</a:t>
-            </a:r>
-            <a:r>
-              <a:rPr lang="en-US" altLang="ko-KR" spc="-150" dirty="0" smtClean="0">
-                <a:latin typeface="Consolas" panose="020B0609020204030204" pitchFamily="49" charset="0"/>
-                <a:cs typeface="Consolas" panose="020B0609020204030204" pitchFamily="49" charset="0"/>
-              </a:rPr>
-              <a:t> = </a:t>
-            </a:r>
-            <a:r>
-              <a:rPr lang="en-US" altLang="ko-KR" spc="-150" dirty="0" err="1" smtClean="0">
-                <a:latin typeface="Consolas" panose="020B0609020204030204" pitchFamily="49" charset="0"/>
-                <a:cs typeface="Consolas" panose="020B0609020204030204" pitchFamily="49" charset="0"/>
-              </a:rPr>
-              <a:t>first_name</a:t>
-            </a:r>
-            <a:r>
-              <a:rPr lang="en-US" altLang="ko-KR" spc="-150" dirty="0" smtClean="0">
-                <a:latin typeface="Consolas" panose="020B0609020204030204" pitchFamily="49" charset="0"/>
-                <a:cs typeface="Consolas" panose="020B0609020204030204" pitchFamily="49" charset="0"/>
-              </a:rPr>
-              <a:t> + " " + </a:t>
-            </a:r>
-            <a:r>
-              <a:rPr lang="en-US" altLang="ko-KR" spc="-150" dirty="0" err="1" smtClean="0">
-                <a:latin typeface="Consolas" panose="020B0609020204030204" pitchFamily="49" charset="0"/>
-                <a:cs typeface="Consolas" panose="020B0609020204030204" pitchFamily="49" charset="0"/>
-              </a:rPr>
-              <a:t>family_name</a:t>
-            </a:r>
-            <a:r>
-              <a:rPr lang="en-US" altLang="ko-KR" spc="-150" dirty="0">
-                <a:latin typeface="Consolas" panose="020B0609020204030204" pitchFamily="49" charset="0"/>
-                <a:cs typeface="Consolas" panose="020B0609020204030204" pitchFamily="49" charset="0"/>
-              </a:rPr>
-              <a:t/>
-            </a:r>
-            <a:br>
-              <a:rPr lang="en-US" altLang="ko-KR" spc="-150" dirty="0">
-                <a:latin typeface="Consolas" panose="020B0609020204030204" pitchFamily="49" charset="0"/>
-                <a:cs typeface="Consolas" panose="020B0609020204030204" pitchFamily="49" charset="0"/>
-              </a:rPr>
-            </a:br>
-            <a:r>
-              <a:rPr lang="en-US" altLang="ko-KR" spc="-150" dirty="0" smtClean="0">
-                <a:latin typeface="Consolas" panose="020B0609020204030204" pitchFamily="49" charset="0"/>
-                <a:cs typeface="Consolas" panose="020B0609020204030204" pitchFamily="49" charset="0"/>
-              </a:rPr>
-              <a:t>print </a:t>
-            </a:r>
-            <a:r>
-              <a:rPr lang="en-US" altLang="ko-KR" spc="-150" dirty="0" err="1" smtClean="0">
-                <a:latin typeface="Consolas" panose="020B0609020204030204" pitchFamily="49" charset="0"/>
-                <a:cs typeface="Consolas" panose="020B0609020204030204" pitchFamily="49" charset="0"/>
-              </a:rPr>
-              <a:t>full_name</a:t>
-            </a:r>
-            <a:endParaRPr lang="en-US" altLang="ko-KR" spc="-150" dirty="0" smtClean="0">
-              <a:latin typeface="Consolas" panose="020B0609020204030204" pitchFamily="49" charset="0"/>
-              <a:cs typeface="Consolas" panose="020B0609020204030204" pitchFamily="49" charset="0"/>
-            </a:endParaRPr>
-          </a:p>
-          <a:p>
-            <a:endParaRPr lang="en-US" altLang="ko-KR" dirty="0"/>
-          </a:p>
-          <a:p>
-            <a:r>
-              <a:rPr lang="en-US" altLang="ko-KR" spc="-150" dirty="0" smtClean="0">
-                <a:latin typeface="Consolas" panose="020B0609020204030204" pitchFamily="49" charset="0"/>
-                <a:cs typeface="Consolas" panose="020B0609020204030204" pitchFamily="49" charset="0"/>
-              </a:rPr>
-              <a:t>print "My age is " + </a:t>
-            </a:r>
-            <a:r>
-              <a:rPr lang="en-US" altLang="ko-KR" spc="-150" dirty="0" err="1" smtClean="0">
-                <a:latin typeface="Consolas" panose="020B0609020204030204" pitchFamily="49" charset="0"/>
-                <a:cs typeface="Consolas" panose="020B0609020204030204" pitchFamily="49" charset="0"/>
-              </a:rPr>
-              <a:t>str</a:t>
-            </a:r>
-            <a:r>
-              <a:rPr lang="en-US" altLang="ko-KR" spc="-150" dirty="0" smtClean="0">
-                <a:latin typeface="Consolas" panose="020B0609020204030204" pitchFamily="49" charset="0"/>
-                <a:cs typeface="Consolas" panose="020B0609020204030204" pitchFamily="49" charset="0"/>
-              </a:rPr>
-              <a:t>(20) + "."</a:t>
+              <a:t> Lee"</a:t>
+            </a:r>
+          </a:p>
+          <a:p>
+            <a:r>
+              <a:rPr lang="en-US" altLang="ko-KR" spc="-150" dirty="0" smtClean="0">
+                <a:latin typeface="Consolas" panose="020B0609020204030204" pitchFamily="49" charset="0"/>
+                <a:cs typeface="Consolas" panose="020B0609020204030204" pitchFamily="49" charset="0"/>
+              </a:rPr>
+              <a:t>print name</a:t>
+            </a:r>
+          </a:p>
+          <a:p>
+            <a:endParaRPr lang="en-US" altLang="ko-KR" dirty="0" smtClean="0"/>
+          </a:p>
+          <a:p>
+            <a:r>
+              <a:rPr lang="ko-KR" altLang="en-US" spc="-150" dirty="0" smtClean="0"/>
+              <a:t>다음은 숫자 </a:t>
+            </a:r>
+            <a:r>
+              <a:rPr lang="en-US" altLang="ko-KR" spc="-150" dirty="0" smtClean="0"/>
+              <a:t>45</a:t>
+            </a:r>
+            <a:r>
+              <a:rPr lang="ko-KR" altLang="en-US" spc="-150" dirty="0" smtClean="0"/>
+              <a:t>가 아니라 문자열로서 </a:t>
+            </a:r>
+            <a:r>
+              <a:rPr lang="en-US" altLang="ko-KR" spc="-150" dirty="0" smtClean="0"/>
+              <a:t>"45"</a:t>
+            </a:r>
+            <a:r>
+              <a:rPr lang="ko-KR" altLang="en-US" spc="-150" dirty="0" smtClean="0"/>
+              <a:t>로 사용되었음을 유의</a:t>
+            </a:r>
+            <a:endParaRPr lang="en-US" altLang="ko-KR" spc="-150" dirty="0"/>
+          </a:p>
+          <a:p>
+            <a:r>
+              <a:rPr lang="en-US" altLang="ko-KR" spc="-150" dirty="0" smtClean="0">
+                <a:latin typeface="Consolas" panose="020B0609020204030204" pitchFamily="49" charset="0"/>
+                <a:cs typeface="Consolas" panose="020B0609020204030204" pitchFamily="49" charset="0"/>
+              </a:rPr>
+              <a:t>age = "45"</a:t>
+            </a:r>
+          </a:p>
+          <a:p>
+            <a:r>
+              <a:rPr lang="en-US" altLang="ko-KR" spc="-150" dirty="0" smtClean="0">
+                <a:latin typeface="Consolas" panose="020B0609020204030204" pitchFamily="49" charset="0"/>
+                <a:cs typeface="Consolas" panose="020B0609020204030204" pitchFamily="49" charset="0"/>
+              </a:rPr>
+              <a:t>print age</a:t>
             </a:r>
             <a:endParaRPr lang="ko-KR" altLang="en-US" spc="-150" dirty="0">
               <a:latin typeface="Consolas" panose="020B0609020204030204" pitchFamily="49" charset="0"/>
@@ -6203,7 +6080,7 @@
     </p:spTree>
     <p:extLst>
       <p:ext uri="{BB962C8B-B14F-4D97-AF65-F5344CB8AC3E}">
-        <p14:creationId xmlns:p14="http://schemas.microsoft.com/office/powerpoint/2010/main" val="1016620266"/>
+        <p14:creationId xmlns:p14="http://schemas.microsoft.com/office/powerpoint/2010/main" val="2954657317"/>
       </p:ext>
     </p:extLst>
   </p:cSld>
@@ -6247,7 +6124,19 @@
           <a:p>
             <a:r>
               <a:rPr lang="ko-KR" altLang="en-US" dirty="0" smtClean="0"/>
-              <a:t>문자열 관련 예제</a:t>
+              <a:t>문자열</a:t>
+            </a:r>
+            <a:r>
+              <a:rPr lang="en-US" altLang="ko-KR" dirty="0" smtClean="0"/>
+              <a:t> </a:t>
+            </a:r>
+            <a:r>
+              <a:rPr lang="ko-KR" altLang="en-US" dirty="0" smtClean="0"/>
+              <a:t>연결 </a:t>
+            </a:r>
+            <a:r>
+              <a:rPr lang="en-US" altLang="ko-KR" dirty="0" smtClean="0"/>
+              <a:t>(concatenation)</a:t>
             </a:r>
             <a:endParaRPr lang="ko-KR" altLang="en-US" dirty="0"/>
           </a:p>
@@ -6265,112 +6154,191 @@
         </p:nvSpPr>
         <p:spPr/>
         <p:txBody>
-          <a:bodyPr>
-            <a:normAutofit fontScale="85000" lnSpcReduction="20000"/>
-          </a:bodyPr>
-          <a:lstStyle/>
-          <a:p>
-            <a:r>
-              <a:rPr lang="ko-KR" altLang="en-US" dirty="0" smtClean="0"/>
-              <a:t>다음의 결과를 테스트해 보자</a:t>
-            </a:r>
-            <a:endParaRPr lang="en-US" altLang="ko-KR" dirty="0" smtClean="0"/>
-          </a:p>
-          <a:p>
-            <a:endParaRPr lang="en-US" altLang="ko-KR" dirty="0" smtClean="0"/>
-          </a:p>
-          <a:p>
-            <a:r>
-              <a:rPr lang="en-US" altLang="ko-KR" spc="-150" dirty="0" smtClean="0">
-                <a:latin typeface="Consolas" panose="020B0609020204030204" pitchFamily="49" charset="0"/>
-                <a:cs typeface="Consolas" panose="020B0609020204030204" pitchFamily="49" charset="0"/>
-              </a:rPr>
-              <a:t>'a'+'</a:t>
-            </a:r>
+          <a:bodyPr/>
+          <a:lstStyle/>
+          <a:p>
+            <a:r>
+              <a:rPr lang="en-US" altLang="ko-KR" dirty="0" smtClean="0"/>
+              <a:t>Python</a:t>
+            </a:r>
+            <a:r>
+              <a:rPr lang="ko-KR" altLang="en-US" dirty="0" smtClean="0"/>
+              <a:t>에서 문자열은 </a:t>
+            </a:r>
+            <a:r>
+              <a:rPr lang="en-US" altLang="ko-KR" dirty="0" smtClean="0"/>
+              <a:t>+ </a:t>
+            </a:r>
+            <a:r>
+              <a:rPr lang="ko-KR" altLang="en-US" dirty="0" smtClean="0"/>
+              <a:t>기호를 이용하여 쉽게 연결할 수 있다</a:t>
+            </a:r>
+            <a:r>
+              <a:rPr lang="en-US" altLang="ko-KR" dirty="0" smtClean="0"/>
+              <a:t>.</a:t>
+            </a:r>
+          </a:p>
+          <a:p>
+            <a:endParaRPr lang="en-US" altLang="ko-KR" dirty="0"/>
+          </a:p>
+          <a:p>
             <a:r>
               <a:rPr lang="en-US" altLang="ko-KR" spc="-150" dirty="0" err="1" smtClean="0">
                 <a:latin typeface="Consolas" panose="020B0609020204030204" pitchFamily="49" charset="0"/>
                 <a:cs typeface="Consolas" panose="020B0609020204030204" pitchFamily="49" charset="0"/>
               </a:rPr>
-              <a:t>bcde</a:t>
-            </a:r>
-            <a:r>
-              <a:rPr lang="en-US" altLang="ko-KR" spc="-150" dirty="0" smtClean="0">
-                <a:latin typeface="Consolas" panose="020B0609020204030204" pitchFamily="49" charset="0"/>
-                <a:cs typeface="Consolas" panose="020B0609020204030204" pitchFamily="49" charset="0"/>
-              </a:rPr>
-              <a:t>'</a:t>
-            </a:r>
-          </a:p>
-          <a:p>
+              <a:t>first_name</a:t>
+            </a:r>
+            <a:r>
+              <a:rPr lang="en-US" altLang="ko-KR" spc="-150" dirty="0" smtClean="0">
+                <a:latin typeface="Consolas" panose="020B0609020204030204" pitchFamily="49" charset="0"/>
+                <a:cs typeface="Consolas" panose="020B0609020204030204" pitchFamily="49" charset="0"/>
+              </a:rPr>
+              <a:t> = "</a:t>
+            </a:r>
+            <a:r>
+              <a:rPr lang="en-US" altLang="ko-KR" spc="-150" dirty="0" err="1" smtClean="0">
+                <a:latin typeface="Consolas" panose="020B0609020204030204" pitchFamily="49" charset="0"/>
+                <a:cs typeface="Consolas" panose="020B0609020204030204" pitchFamily="49" charset="0"/>
+              </a:rPr>
+              <a:t>Kyungsub</a:t>
+            </a:r>
+            <a:r>
+              <a:rPr lang="en-US" altLang="ko-KR" spc="-150" dirty="0" smtClean="0">
+                <a:latin typeface="Consolas" panose="020B0609020204030204" pitchFamily="49" charset="0"/>
+                <a:cs typeface="Consolas" panose="020B0609020204030204" pitchFamily="49" charset="0"/>
+              </a:rPr>
+              <a:t>"</a:t>
+            </a:r>
+            <a:br>
+              <a:rPr lang="en-US" altLang="ko-KR" spc="-150" dirty="0" smtClean="0">
+                <a:latin typeface="Consolas" panose="020B0609020204030204" pitchFamily="49" charset="0"/>
+                <a:cs typeface="Consolas" panose="020B0609020204030204" pitchFamily="49" charset="0"/>
+              </a:rPr>
+            </a:br>
+            <a:r>
+              <a:rPr lang="en-US" altLang="ko-KR" spc="-150" dirty="0" err="1" smtClean="0">
+                <a:latin typeface="Consolas" panose="020B0609020204030204" pitchFamily="49" charset="0"/>
+                <a:cs typeface="Consolas" panose="020B0609020204030204" pitchFamily="49" charset="0"/>
+              </a:rPr>
+              <a:t>family_name</a:t>
+            </a:r>
+            <a:r>
+              <a:rPr lang="en-US" altLang="ko-KR" spc="-150" dirty="0" smtClean="0">
+                <a:latin typeface="Consolas" panose="020B0609020204030204" pitchFamily="49" charset="0"/>
+                <a:cs typeface="Consolas" panose="020B0609020204030204" pitchFamily="49" charset="0"/>
+              </a:rPr>
+              <a:t> = "Lee"</a:t>
+            </a:r>
+            <a:br>
+              <a:rPr lang="en-US" altLang="ko-KR" spc="-150" dirty="0" smtClean="0">
+                <a:latin typeface="Consolas" panose="020B0609020204030204" pitchFamily="49" charset="0"/>
+                <a:cs typeface="Consolas" panose="020B0609020204030204" pitchFamily="49" charset="0"/>
+              </a:rPr>
+            </a:br>
+            <a:r>
+              <a:rPr lang="en-US" altLang="ko-KR" spc="-150" dirty="0" err="1" smtClean="0">
+                <a:latin typeface="Consolas" panose="020B0609020204030204" pitchFamily="49" charset="0"/>
+                <a:cs typeface="Consolas" panose="020B0609020204030204" pitchFamily="49" charset="0"/>
+              </a:rPr>
+              <a:t>full_name</a:t>
+            </a:r>
+            <a:r>
+              <a:rPr lang="en-US" altLang="ko-KR" spc="-150" dirty="0" smtClean="0">
+                <a:latin typeface="Consolas" panose="020B0609020204030204" pitchFamily="49" charset="0"/>
+                <a:cs typeface="Consolas" panose="020B0609020204030204" pitchFamily="49" charset="0"/>
+              </a:rPr>
+              <a:t> = </a:t>
+            </a:r>
+            <a:r>
+              <a:rPr lang="en-US" altLang="ko-KR" spc="-150" dirty="0" err="1" smtClean="0">
+                <a:latin typeface="Consolas" panose="020B0609020204030204" pitchFamily="49" charset="0"/>
+                <a:cs typeface="Consolas" panose="020B0609020204030204" pitchFamily="49" charset="0"/>
+              </a:rPr>
+              <a:t>first_name</a:t>
+            </a:r>
+            <a:r>
+              <a:rPr lang="en-US" altLang="ko-KR" spc="-150" dirty="0" smtClean="0">
+                <a:latin typeface="Consolas" panose="020B0609020204030204" pitchFamily="49" charset="0"/>
+                <a:cs typeface="Consolas" panose="020B0609020204030204" pitchFamily="49" charset="0"/>
+              </a:rPr>
+              <a:t> + " " + </a:t>
+            </a:r>
+            <a:r>
+              <a:rPr lang="en-US" altLang="ko-KR" spc="-150" dirty="0" err="1" smtClean="0">
+                <a:latin typeface="Consolas" panose="020B0609020204030204" pitchFamily="49" charset="0"/>
+                <a:cs typeface="Consolas" panose="020B0609020204030204" pitchFamily="49" charset="0"/>
+              </a:rPr>
+              <a:t>family_name</a:t>
+            </a:r>
+            <a:r>
+              <a:rPr lang="en-US" altLang="ko-KR" spc="-150" dirty="0">
+                <a:latin typeface="Consolas" panose="020B0609020204030204" pitchFamily="49" charset="0"/>
+                <a:cs typeface="Consolas" panose="020B0609020204030204" pitchFamily="49" charset="0"/>
+              </a:rPr>
+              <a:t/>
+            </a:r>
+            <a:br>
+              <a:rPr lang="en-US" altLang="ko-KR" spc="-150" dirty="0">
+                <a:latin typeface="Consolas" panose="020B0609020204030204" pitchFamily="49" charset="0"/>
+                <a:cs typeface="Consolas" panose="020B0609020204030204" pitchFamily="49" charset="0"/>
+              </a:rPr>
+            </a:br>
+            <a:r>
+              <a:rPr lang="en-US" altLang="ko-KR" spc="-150" dirty="0" smtClean="0">
+                <a:latin typeface="Consolas" panose="020B0609020204030204" pitchFamily="49" charset="0"/>
+                <a:cs typeface="Consolas" panose="020B0609020204030204" pitchFamily="49" charset="0"/>
+              </a:rPr>
+              <a:t>print </a:t>
+            </a:r>
+            <a:r>
+              <a:rPr lang="en-US" altLang="ko-KR" spc="-150" dirty="0" err="1" smtClean="0">
+                <a:latin typeface="Consolas" panose="020B0609020204030204" pitchFamily="49" charset="0"/>
+                <a:cs typeface="Consolas" panose="020B0609020204030204" pitchFamily="49" charset="0"/>
+              </a:rPr>
+              <a:t>full_name</a:t>
+            </a:r>
             <a:endParaRPr lang="en-US" altLang="ko-KR" spc="-150" dirty="0" smtClean="0">
               <a:latin typeface="Consolas" panose="020B0609020204030204" pitchFamily="49" charset="0"/>
               <a:cs typeface="Consolas" panose="020B0609020204030204" pitchFamily="49" charset="0"/>
             </a:endParaRPr>
           </a:p>
           <a:p>
-            <a:r>
-              <a:rPr lang="en-US" altLang="ko-KR" spc="-150" dirty="0" smtClean="0">
-                <a:latin typeface="Consolas" panose="020B0609020204030204" pitchFamily="49" charset="0"/>
-                <a:cs typeface="Consolas" panose="020B0609020204030204" pitchFamily="49" charset="0"/>
-              </a:rPr>
-              <a:t>5*'ab'</a:t>
-            </a:r>
-          </a:p>
-          <a:p>
-            <a:endParaRPr lang="en-US" altLang="ko-KR" spc="-150" dirty="0">
+            <a:endParaRPr lang="en-US" altLang="ko-KR" dirty="0"/>
+          </a:p>
+          <a:p>
+            <a:r>
+              <a:rPr lang="en-US" altLang="ko-KR" spc="-150" dirty="0" smtClean="0">
+                <a:latin typeface="Consolas" panose="020B0609020204030204" pitchFamily="49" charset="0"/>
+                <a:cs typeface="Consolas" panose="020B0609020204030204" pitchFamily="49" charset="0"/>
+              </a:rPr>
+              <a:t>print "My age is " + </a:t>
+            </a:r>
+            <a:r>
+              <a:rPr lang="en-US" altLang="ko-KR" spc="-150" dirty="0" err="1" smtClean="0">
+                <a:latin typeface="Consolas" panose="020B0609020204030204" pitchFamily="49" charset="0"/>
+                <a:cs typeface="Consolas" panose="020B0609020204030204" pitchFamily="49" charset="0"/>
+              </a:rPr>
+              <a:t>str</a:t>
+            </a:r>
+            <a:r>
+              <a:rPr lang="en-US" altLang="ko-KR" spc="-150" dirty="0" smtClean="0">
+                <a:latin typeface="Consolas" panose="020B0609020204030204" pitchFamily="49" charset="0"/>
+                <a:cs typeface="Consolas" panose="020B0609020204030204" pitchFamily="49" charset="0"/>
+              </a:rPr>
+              <a:t>(20) + "."</a:t>
+            </a:r>
+            <a:endParaRPr lang="ko-KR" altLang="en-US" spc="-150" dirty="0">
               <a:latin typeface="Consolas" panose="020B0609020204030204" pitchFamily="49" charset="0"/>
               <a:cs typeface="Consolas" panose="020B0609020204030204" pitchFamily="49" charset="0"/>
             </a:endParaRPr>
           </a:p>
-          <a:p>
-            <a:r>
-              <a:rPr lang="en-US" altLang="ko-KR" spc="-150" dirty="0" smtClean="0">
-                <a:latin typeface="Consolas" panose="020B0609020204030204" pitchFamily="49" charset="0"/>
-                <a:cs typeface="Consolas" panose="020B0609020204030204" pitchFamily="49" charset="0"/>
-              </a:rPr>
-              <a:t>3+'three'</a:t>
-            </a:r>
-          </a:p>
-          <a:p>
-            <a:endParaRPr lang="en-US" altLang="ko-KR" spc="-150" dirty="0">
-              <a:latin typeface="Consolas" panose="020B0609020204030204" pitchFamily="49" charset="0"/>
-              <a:cs typeface="Consolas" panose="020B0609020204030204" pitchFamily="49" charset="0"/>
-            </a:endParaRPr>
-          </a:p>
-          <a:p>
-            <a:r>
-              <a:rPr lang="en-US" altLang="ko-KR" spc="-150" dirty="0" smtClean="0">
-                <a:latin typeface="Consolas" panose="020B0609020204030204" pitchFamily="49" charset="0"/>
-                <a:cs typeface="Consolas" panose="020B0609020204030204" pitchFamily="49" charset="0"/>
-              </a:rPr>
-              <a:t>'a' &lt; 3</a:t>
-            </a:r>
-          </a:p>
-          <a:p>
-            <a:endParaRPr lang="en-US" altLang="ko-KR" spc="-150" dirty="0">
-              <a:latin typeface="Consolas" panose="020B0609020204030204" pitchFamily="49" charset="0"/>
-              <a:cs typeface="Consolas" panose="020B0609020204030204" pitchFamily="49" charset="0"/>
-            </a:endParaRPr>
-          </a:p>
-          <a:p>
-            <a:r>
-              <a:rPr lang="en-US" altLang="ko-KR" spc="-150" dirty="0" smtClean="0">
-                <a:latin typeface="Consolas" panose="020B0609020204030204" pitchFamily="49" charset="0"/>
-                <a:cs typeface="Consolas" panose="020B0609020204030204" pitchFamily="49" charset="0"/>
-              </a:rPr>
-              <a:t>'3' &gt; 3</a:t>
-            </a:r>
-          </a:p>
-          <a:p>
-            <a:endParaRPr lang="ko-KR" altLang="en-US" dirty="0"/>
-          </a:p>
         </p:txBody>
       </p:sp>
     </p:spTree>
     <p:extLst>
       <p:ext uri="{BB962C8B-B14F-4D97-AF65-F5344CB8AC3E}">
-        <p14:creationId xmlns:p14="http://schemas.microsoft.com/office/powerpoint/2010/main" val="3901863653"/>
+        <p14:creationId xmlns:p14="http://schemas.microsoft.com/office/powerpoint/2010/main" val="1016620266"/>
       </p:ext>
     </p:extLst>
   </p:cSld>
@@ -6413,8 +6381,8 @@
           <a:lstStyle/>
           <a:p>
             <a:r>
-              <a:rPr lang="en-US" altLang="ko-KR" dirty="0" smtClean="0"/>
-              <a:t>overloading</a:t>
+              <a:rPr lang="ko-KR" altLang="en-US" dirty="0" smtClean="0"/>
+              <a:t>문자열 관련 예제</a:t>
             </a:r>
             <a:endParaRPr lang="ko-KR" altLang="en-US" dirty="0"/>
           </a:p>
@@ -6432,81 +6400,102 @@
         </p:nvSpPr>
         <p:spPr/>
         <p:txBody>
-          <a:bodyPr/>
-          <a:lstStyle/>
-          <a:p>
-            <a:r>
-              <a:rPr lang="en-US" altLang="ko-KR" dirty="0" smtClean="0"/>
-              <a:t>+ </a:t>
-            </a:r>
-            <a:r>
-              <a:rPr lang="ko-KR" altLang="en-US" dirty="0" smtClean="0"/>
-              <a:t>기호는 연산되는 변수의 타입에 따라 다르게 작동한다</a:t>
-            </a:r>
-            <a:r>
-              <a:rPr lang="en-US" altLang="ko-KR" dirty="0" smtClean="0"/>
-              <a:t>.</a:t>
-            </a:r>
-          </a:p>
-          <a:p>
-            <a:pPr lvl="1"/>
-            <a:r>
-              <a:rPr lang="en-US" altLang="ko-KR" dirty="0" smtClean="0"/>
-              <a:t> 3+4 : </a:t>
-            </a:r>
-            <a:r>
-              <a:rPr lang="ko-KR" altLang="en-US" dirty="0" smtClean="0"/>
-              <a:t>덧셈</a:t>
+          <a:bodyPr>
+            <a:normAutofit fontScale="85000" lnSpcReduction="20000"/>
+          </a:bodyPr>
+          <a:lstStyle/>
+          <a:p>
+            <a:r>
+              <a:rPr lang="ko-KR" altLang="en-US" dirty="0" smtClean="0"/>
+              <a:t>다음의 결과를 테스트해 보자</a:t>
             </a:r>
             <a:endParaRPr lang="en-US" altLang="ko-KR" dirty="0" smtClean="0"/>
           </a:p>
           <a:p>
-            <a:pPr lvl="1"/>
-            <a:r>
-              <a:rPr lang="en-US" altLang="ko-KR" dirty="0" smtClean="0"/>
-              <a:t>"</a:t>
-            </a:r>
-            <a:r>
-              <a:rPr lang="en-US" altLang="ko-KR" dirty="0" err="1" smtClean="0"/>
-              <a:t>ab"+"cd</a:t>
-            </a:r>
-            <a:r>
-              <a:rPr lang="en-US" altLang="ko-KR" dirty="0" smtClean="0"/>
-              <a:t>" : </a:t>
-            </a:r>
-            <a:r>
-              <a:rPr lang="ko-KR" altLang="en-US" dirty="0" smtClean="0"/>
-              <a:t>문자열 연결</a:t>
-            </a:r>
             <a:endParaRPr lang="en-US" altLang="ko-KR" dirty="0" smtClean="0"/>
           </a:p>
           <a:p>
-            <a:endParaRPr lang="en-US" altLang="ko-KR" dirty="0"/>
-          </a:p>
-          <a:p>
-            <a:r>
-              <a:rPr lang="ko-KR" altLang="en-US" dirty="0" smtClean="0"/>
-              <a:t>이를 연산자 </a:t>
-            </a:r>
-            <a:r>
-              <a:rPr lang="en-US" altLang="ko-KR" smtClean="0"/>
-              <a:t>overloading</a:t>
-            </a:r>
-            <a:r>
-              <a:rPr lang="ko-KR" altLang="en-US" smtClean="0"/>
-              <a:t>라고 </a:t>
-            </a:r>
-            <a:r>
-              <a:rPr lang="ko-KR" altLang="en-US" dirty="0" smtClean="0"/>
-              <a:t>한다</a:t>
-            </a:r>
-            <a:r>
-              <a:rPr lang="en-US" altLang="ko-KR" dirty="0" smtClean="0"/>
-              <a:t>.</a:t>
-            </a:r>
-          </a:p>
-          <a:p>
-            <a:endParaRPr lang="en-US" altLang="ko-KR" dirty="0"/>
+            <a:r>
+              <a:rPr lang="en-US" altLang="ko-KR" spc="-150" dirty="0" smtClean="0">
+                <a:latin typeface="Consolas" panose="020B0609020204030204" pitchFamily="49" charset="0"/>
+                <a:cs typeface="Consolas" panose="020B0609020204030204" pitchFamily="49" charset="0"/>
+              </a:rPr>
+              <a:t>'a'+'</a:t>
+            </a:r>
+            <a:r>
+              <a:rPr lang="en-US" altLang="ko-KR" spc="-150" dirty="0" err="1" smtClean="0">
+                <a:latin typeface="Consolas" panose="020B0609020204030204" pitchFamily="49" charset="0"/>
+                <a:cs typeface="Consolas" panose="020B0609020204030204" pitchFamily="49" charset="0"/>
+              </a:rPr>
+              <a:t>bcde</a:t>
+            </a:r>
+            <a:r>
+              <a:rPr lang="en-US" altLang="ko-KR" spc="-150" dirty="0" smtClean="0">
+                <a:latin typeface="Consolas" panose="020B0609020204030204" pitchFamily="49" charset="0"/>
+                <a:cs typeface="Consolas" panose="020B0609020204030204" pitchFamily="49" charset="0"/>
+              </a:rPr>
+              <a:t>'</a:t>
+            </a:r>
+          </a:p>
+          <a:p>
+            <a:endParaRPr lang="en-US" altLang="ko-KR" spc="-150" dirty="0" smtClean="0">
+              <a:latin typeface="Consolas" panose="020B0609020204030204" pitchFamily="49" charset="0"/>
+              <a:cs typeface="Consolas" panose="020B0609020204030204" pitchFamily="49" charset="0"/>
+            </a:endParaRPr>
+          </a:p>
+          <a:p>
+            <a:r>
+              <a:rPr lang="en-US" altLang="ko-KR" spc="-150" dirty="0" smtClean="0">
+                <a:latin typeface="Consolas" panose="020B0609020204030204" pitchFamily="49" charset="0"/>
+                <a:cs typeface="Consolas" panose="020B0609020204030204" pitchFamily="49" charset="0"/>
+              </a:rPr>
+              <a:t>5*'ab'</a:t>
+            </a:r>
+          </a:p>
+          <a:p>
+            <a:endParaRPr lang="en-US" altLang="ko-KR" spc="-150" dirty="0">
+              <a:latin typeface="Consolas" panose="020B0609020204030204" pitchFamily="49" charset="0"/>
+              <a:cs typeface="Consolas" panose="020B0609020204030204" pitchFamily="49" charset="0"/>
+            </a:endParaRPr>
+          </a:p>
+          <a:p>
+            <a:r>
+              <a:rPr lang="en-US" altLang="ko-KR" spc="-150" dirty="0" smtClean="0">
+                <a:latin typeface="Consolas" panose="020B0609020204030204" pitchFamily="49" charset="0"/>
+                <a:cs typeface="Consolas" panose="020B0609020204030204" pitchFamily="49" charset="0"/>
+              </a:rPr>
+              <a:t>3+'three'</a:t>
+            </a:r>
+          </a:p>
+          <a:p>
+            <a:endParaRPr lang="en-US" altLang="ko-KR" spc="-150" dirty="0">
+              <a:latin typeface="Consolas" panose="020B0609020204030204" pitchFamily="49" charset="0"/>
+              <a:cs typeface="Consolas" panose="020B0609020204030204" pitchFamily="49" charset="0"/>
+            </a:endParaRPr>
+          </a:p>
+          <a:p>
+            <a:r>
+              <a:rPr lang="en-US" altLang="ko-KR" spc="-150" dirty="0" smtClean="0">
+                <a:latin typeface="Consolas" panose="020B0609020204030204" pitchFamily="49" charset="0"/>
+                <a:cs typeface="Consolas" panose="020B0609020204030204" pitchFamily="49" charset="0"/>
+              </a:rPr>
+              <a:t>'a' &lt; 3</a:t>
+            </a:r>
+          </a:p>
+          <a:p>
+            <a:endParaRPr lang="en-US" altLang="ko-KR" spc="-150" dirty="0">
+              <a:latin typeface="Consolas" panose="020B0609020204030204" pitchFamily="49" charset="0"/>
+              <a:cs typeface="Consolas" panose="020B0609020204030204" pitchFamily="49" charset="0"/>
+            </a:endParaRPr>
+          </a:p>
+          <a:p>
+            <a:r>
+              <a:rPr lang="en-US" altLang="ko-KR" spc="-150" dirty="0" smtClean="0">
+                <a:latin typeface="Consolas" panose="020B0609020204030204" pitchFamily="49" charset="0"/>
+                <a:cs typeface="Consolas" panose="020B0609020204030204" pitchFamily="49" charset="0"/>
+              </a:rPr>
+              <a:t>'3' &gt; 3</a:t>
+            </a:r>
           </a:p>
           <a:p>
             <a:endParaRPr lang="ko-KR" altLang="en-US" dirty="0"/>
@@ -6516,7 +6505,7 @@
     </p:spTree>
     <p:extLst>
       <p:ext uri="{BB962C8B-B14F-4D97-AF65-F5344CB8AC3E}">
-        <p14:creationId xmlns:p14="http://schemas.microsoft.com/office/powerpoint/2010/main" val="1231651839"/>
+        <p14:creationId xmlns:p14="http://schemas.microsoft.com/office/powerpoint/2010/main" val="3901863653"/>
       </p:ext>
     </p:extLst>
   </p:cSld>
@@ -6560,7 +6549,7 @@
           <a:p>
             <a:r>
               <a:rPr lang="en-US" altLang="ko-KR" dirty="0" smtClean="0"/>
-              <a:t>type checking</a:t>
+              <a:t>overloading</a:t>
             </a:r>
             <a:endParaRPr lang="ko-KR" altLang="en-US" dirty="0"/>
           </a:p>
@@ -6582,82 +6571,87 @@
           <a:lstStyle/>
           <a:p>
             <a:r>
-              <a:rPr lang="en-US" altLang="ko-KR" spc="-150" dirty="0" smtClean="0">
-                <a:latin typeface="Consolas" panose="020B0609020204030204" pitchFamily="49" charset="0"/>
-              </a:rPr>
-              <a:t>'a' * 'a'</a:t>
+              <a:rPr lang="en-US" altLang="ko-KR" dirty="0" smtClean="0"/>
+              <a:t>+ </a:t>
+            </a:r>
+            <a:r>
+              <a:rPr lang="ko-KR" altLang="en-US" dirty="0" smtClean="0"/>
+              <a:t>기호는 연산되는 변수의 타입에 따라 다르게 작동한다</a:t>
+            </a:r>
+            <a:r>
+              <a:rPr lang="en-US" altLang="ko-KR" dirty="0" smtClean="0"/>
+              <a:t>.</a:t>
             </a:r>
           </a:p>
           <a:p>
             <a:pPr lvl="1"/>
             <a:r>
-              <a:rPr lang="en-US" altLang="ko-KR" spc="-150" dirty="0" err="1">
-                <a:latin typeface="Consolas" panose="020B0609020204030204" pitchFamily="49" charset="0"/>
-              </a:rPr>
-              <a:t>TypeError</a:t>
-            </a:r>
-            <a:r>
-              <a:rPr lang="en-US" altLang="ko-KR" spc="-150" dirty="0">
-                <a:latin typeface="Consolas" panose="020B0609020204030204" pitchFamily="49" charset="0"/>
-              </a:rPr>
-              <a:t>: can't multiply sequence by non-</a:t>
-            </a:r>
-            <a:r>
-              <a:rPr lang="en-US" altLang="ko-KR" spc="-150" dirty="0" err="1">
-                <a:latin typeface="Consolas" panose="020B0609020204030204" pitchFamily="49" charset="0"/>
-              </a:rPr>
-              <a:t>int</a:t>
-            </a:r>
-            <a:r>
-              <a:rPr lang="en-US" altLang="ko-KR" spc="-150" dirty="0">
-                <a:latin typeface="Consolas" panose="020B0609020204030204" pitchFamily="49" charset="0"/>
-              </a:rPr>
-              <a:t> of type '</a:t>
-            </a:r>
-            <a:r>
-              <a:rPr lang="en-US" altLang="ko-KR" spc="-150" dirty="0" err="1">
-                <a:latin typeface="Consolas" panose="020B0609020204030204" pitchFamily="49" charset="0"/>
-              </a:rPr>
-              <a:t>str</a:t>
-            </a:r>
-            <a:r>
-              <a:rPr lang="en-US" altLang="ko-KR" spc="-150" dirty="0" smtClean="0">
-                <a:latin typeface="Consolas" panose="020B0609020204030204" pitchFamily="49" charset="0"/>
-              </a:rPr>
-              <a:t>'</a:t>
-            </a:r>
+              <a:rPr lang="en-US" altLang="ko-KR" dirty="0" smtClean="0"/>
+              <a:t> 3+4 : </a:t>
+            </a:r>
+            <a:r>
+              <a:rPr lang="ko-KR" altLang="en-US" dirty="0" smtClean="0"/>
+              <a:t>덧셈</a:t>
+            </a:r>
+            <a:endParaRPr lang="en-US" altLang="ko-KR" dirty="0" smtClean="0"/>
           </a:p>
           <a:p>
             <a:pPr lvl="1"/>
-            <a:endParaRPr lang="en-US" altLang="ko-KR" spc="-150" dirty="0">
-              <a:latin typeface="Consolas" panose="020B0609020204030204" pitchFamily="49" charset="0"/>
-            </a:endParaRPr>
-          </a:p>
-          <a:p>
-            <a:r>
-              <a:rPr lang="ko-KR" altLang="en-US" spc="-150" dirty="0" smtClean="0"/>
-              <a:t>실수로  잘못 입력된 형태의 </a:t>
-            </a:r>
-            <a:r>
-              <a:rPr lang="en-US" altLang="ko-KR" spc="-150" dirty="0" smtClean="0"/>
-              <a:t>type</a:t>
-            </a:r>
-            <a:r>
-              <a:rPr lang="ko-KR" altLang="en-US" spc="-150" dirty="0" smtClean="0"/>
-              <a:t>을 찾아준다</a:t>
-            </a:r>
-            <a:r>
-              <a:rPr lang="en-US" altLang="ko-KR" spc="-150" smtClean="0"/>
+            <a:r>
+              <a:rPr lang="en-US" altLang="ko-KR" dirty="0" smtClean="0"/>
+              <a:t>"</a:t>
+            </a:r>
+            <a:r>
+              <a:rPr lang="en-US" altLang="ko-KR" dirty="0" err="1" smtClean="0"/>
+              <a:t>ab"+"cd</a:t>
+            </a:r>
+            <a:r>
+              <a:rPr lang="en-US" altLang="ko-KR" dirty="0" smtClean="0"/>
+              <a:t>" : </a:t>
+            </a:r>
+            <a:r>
+              <a:rPr lang="ko-KR" altLang="en-US" dirty="0" smtClean="0"/>
+              <a:t>문자열 연결</a:t>
+            </a:r>
+            <a:endParaRPr lang="en-US" altLang="ko-KR" dirty="0" smtClean="0"/>
+          </a:p>
+          <a:p>
+            <a:endParaRPr lang="en-US" altLang="ko-KR" dirty="0"/>
+          </a:p>
+          <a:p>
+            <a:r>
+              <a:rPr lang="ko-KR" altLang="en-US" dirty="0" smtClean="0"/>
+              <a:t>이를 연산자 </a:t>
+            </a:r>
+            <a:r>
+              <a:rPr lang="en-US" altLang="ko-KR" smtClean="0"/>
+              <a:t>overloading</a:t>
+            </a:r>
+            <a:r>
+              <a:rPr lang="ko-KR" altLang="en-US" smtClean="0"/>
+              <a:t>라고 </a:t>
+            </a:r>
+            <a:r>
+              <a:rPr lang="ko-KR" altLang="en-US" dirty="0" smtClean="0"/>
+              <a:t>한다</a:t>
+            </a:r>
+            <a:r>
+              <a:rPr lang="en-US" altLang="ko-KR" dirty="0" smtClean="0"/>
               <a:t>.</a:t>
             </a:r>
-            <a:endParaRPr lang="ko-KR" altLang="en-US" spc="-150" dirty="0"/>
+          </a:p>
+          <a:p>
+            <a:endParaRPr lang="en-US" altLang="ko-KR" dirty="0"/>
+          </a:p>
+          <a:p>
+            <a:endParaRPr lang="ko-KR" altLang="en-US" dirty="0"/>
           </a:p>
         </p:txBody>
       </p:sp>
     </p:spTree>
     <p:extLst>
       <p:ext uri="{BB962C8B-B14F-4D97-AF65-F5344CB8AC3E}">
-        <p14:creationId xmlns:p14="http://schemas.microsoft.com/office/powerpoint/2010/main" val="1046390027"/>
+        <p14:creationId xmlns:p14="http://schemas.microsoft.com/office/powerpoint/2010/main" val="1231651839"/>
       </p:ext>
     </p:extLst>
   </p:cSld>
@@ -6700,12 +6694,8 @@
           <a:lstStyle/>
           <a:p>
             <a:r>
-              <a:rPr lang="ko-KR" altLang="en-US" dirty="0" smtClean="0"/>
-              <a:t>확장 문자</a:t>
-            </a:r>
-            <a:r>
-              <a:rPr lang="en-US" altLang="ko-KR" dirty="0" smtClean="0"/>
-              <a:t>(escaping character)</a:t>
+              <a:rPr lang="en-US" altLang="ko-KR" dirty="0" smtClean="0"/>
+              <a:t>type checking</a:t>
             </a:r>
             <a:endParaRPr lang="ko-KR" altLang="en-US" dirty="0"/>
           </a:p>
@@ -6723,180 +6713,86 @@
         </p:nvSpPr>
         <p:spPr/>
         <p:txBody>
-          <a:bodyPr>
-            <a:normAutofit/>
-          </a:bodyPr>
-          <a:lstStyle/>
-          <a:p>
-            <a:r>
-              <a:rPr lang="ko-KR" altLang="en-US" dirty="0" smtClean="0"/>
-              <a:t>문자열 중간에 따옴표 </a:t>
-            </a:r>
-            <a:r>
-              <a:rPr lang="en-US" altLang="ko-KR" dirty="0" smtClean="0"/>
-              <a:t>' </a:t>
-            </a:r>
-            <a:r>
-              <a:rPr lang="ko-KR" altLang="en-US" dirty="0" smtClean="0"/>
-              <a:t>기호를 넣고 싶을 때</a:t>
-            </a:r>
-            <a:endParaRPr lang="en-US" altLang="ko-KR" dirty="0" smtClean="0"/>
-          </a:p>
-          <a:p>
-            <a:r>
-              <a:rPr lang="ko-KR" altLang="en-US" dirty="0" smtClean="0"/>
-              <a:t>잘못된 예</a:t>
-            </a:r>
-            <a:endParaRPr lang="en-US" altLang="ko-KR" dirty="0" smtClean="0"/>
+          <a:bodyPr/>
+          <a:lstStyle/>
+          <a:p>
+            <a:r>
+              <a:rPr lang="en-US" altLang="ko-KR" spc="-150" dirty="0" smtClean="0">
+                <a:latin typeface="Consolas" panose="020B0609020204030204" pitchFamily="49" charset="0"/>
+              </a:rPr>
+              <a:t>'a' * 'a'</a:t>
+            </a:r>
           </a:p>
           <a:p>
             <a:pPr lvl="1"/>
             <a:r>
-              <a:rPr lang="en-US" altLang="ko-KR" spc="-150" dirty="0" smtClean="0">
-                <a:latin typeface="Consolas" panose="020B0609020204030204" pitchFamily="49" charset="0"/>
-                <a:cs typeface="Consolas" panose="020B0609020204030204" pitchFamily="49" charset="0"/>
-              </a:rPr>
-              <a:t>'This isn't </a:t>
+              <a:rPr lang="en-US" altLang="ko-KR" spc="-150" dirty="0" err="1">
+                <a:latin typeface="Consolas" panose="020B0609020204030204" pitchFamily="49" charset="0"/>
+              </a:rPr>
+              <a:t>TypeError</a:t>
             </a:r>
             <a:r>
               <a:rPr lang="en-US" altLang="ko-KR" spc="-150" dirty="0">
                 <a:latin typeface="Consolas" panose="020B0609020204030204" pitchFamily="49" charset="0"/>
-                <a:cs typeface="Consolas" panose="020B0609020204030204" pitchFamily="49" charset="0"/>
-              </a:rPr>
-              <a:t>flying, this is falling with style</a:t>
-            </a:r>
-            <a:r>
-              <a:rPr lang="en-US" altLang="ko-KR" spc="-150" dirty="0" smtClean="0">
-                <a:latin typeface="Consolas" panose="020B0609020204030204" pitchFamily="49" charset="0"/>
-                <a:cs typeface="Consolas" panose="020B0609020204030204" pitchFamily="49" charset="0"/>
-              </a:rPr>
-              <a:t>!'</a:t>
-            </a:r>
-          </a:p>
-          <a:p>
-            <a:r>
-              <a:rPr lang="ko-KR" altLang="en-US" dirty="0" smtClean="0"/>
-              <a:t>올바른 예 </a:t>
-            </a:r>
-            <a:r>
-              <a:rPr lang="en-US" altLang="ko-KR" dirty="0" smtClean="0"/>
-              <a:t>: backslash </a:t>
-            </a:r>
-            <a:r>
-              <a:rPr lang="en-US" altLang="ko-KR" dirty="0" smtClean="0">
-                <a:latin typeface="Consolas" panose="020B0609020204030204" pitchFamily="49" charset="0"/>
-                <a:cs typeface="Consolas" panose="020B0609020204030204" pitchFamily="49" charset="0"/>
-              </a:rPr>
-              <a:t>\</a:t>
-            </a:r>
-            <a:r>
-              <a:rPr lang="ko-KR" altLang="en-US" dirty="0" smtClean="0"/>
-              <a:t>를 삽입하여 문자열 내의 따옴표 사용임을 알림</a:t>
-            </a:r>
-            <a:endParaRPr lang="en-US" altLang="ko-KR" dirty="0" smtClean="0"/>
+              </a:rPr>
+              <a:t>: can't multiply sequence by non-</a:t>
+            </a:r>
+            <a:r>
+              <a:rPr lang="en-US" altLang="ko-KR" spc="-150" dirty="0" err="1">
+                <a:latin typeface="Consolas" panose="020B0609020204030204" pitchFamily="49" charset="0"/>
+              </a:rPr>
+              <a:t>int</a:t>
+            </a:r>
+            <a:r>
+              <a:rPr lang="en-US" altLang="ko-KR" spc="-150" dirty="0">
+                <a:latin typeface="Consolas" panose="020B0609020204030204" pitchFamily="49" charset="0"/>
+              </a:rPr>
+              <a:t> of type '</a:t>
+            </a:r>
+            <a:r>
+              <a:rPr lang="en-US" altLang="ko-KR" spc="-150" dirty="0" err="1">
+                <a:latin typeface="Consolas" panose="020B0609020204030204" pitchFamily="49" charset="0"/>
+              </a:rPr>
+              <a:t>str</a:t>
+            </a:r>
+            <a:r>
+              <a:rPr lang="en-US" altLang="ko-KR" spc="-150" dirty="0" smtClean="0">
+                <a:latin typeface="Consolas" panose="020B0609020204030204" pitchFamily="49" charset="0"/>
+              </a:rPr>
+              <a:t>'</a:t>
+            </a:r>
           </a:p>
           <a:p>
             <a:pPr lvl="1"/>
-            <a:r>
-              <a:rPr lang="en-US" altLang="ko-KR" spc="-150" dirty="0" smtClean="0">
-                <a:latin typeface="Consolas" panose="020B0609020204030204" pitchFamily="49" charset="0"/>
-                <a:cs typeface="Consolas" panose="020B0609020204030204" pitchFamily="49" charset="0"/>
-              </a:rPr>
-              <a:t>'This </a:t>
-            </a:r>
-            <a:r>
-              <a:rPr lang="en-US" altLang="ko-KR" spc="-150" dirty="0" err="1" smtClean="0">
-                <a:latin typeface="Consolas" panose="020B0609020204030204" pitchFamily="49" charset="0"/>
-                <a:cs typeface="Consolas" panose="020B0609020204030204" pitchFamily="49" charset="0"/>
-              </a:rPr>
-              <a:t>isn</a:t>
-            </a:r>
-            <a:r>
-              <a:rPr lang="en-US" altLang="ko-KR" spc="-150" dirty="0" smtClean="0">
-                <a:latin typeface="Consolas" panose="020B0609020204030204" pitchFamily="49" charset="0"/>
-                <a:cs typeface="Consolas" panose="020B0609020204030204" pitchFamily="49" charset="0"/>
-              </a:rPr>
-              <a:t>\'t </a:t>
-            </a:r>
-            <a:r>
-              <a:rPr lang="en-US" altLang="ko-KR" spc="-150" dirty="0">
-                <a:latin typeface="Consolas" panose="020B0609020204030204" pitchFamily="49" charset="0"/>
-                <a:cs typeface="Consolas" panose="020B0609020204030204" pitchFamily="49" charset="0"/>
-              </a:rPr>
-              <a:t>flying, this is falling with style</a:t>
-            </a:r>
-            <a:r>
-              <a:rPr lang="en-US" altLang="ko-KR" spc="-150" dirty="0" smtClean="0">
-                <a:latin typeface="Consolas" panose="020B0609020204030204" pitchFamily="49" charset="0"/>
-                <a:cs typeface="Consolas" panose="020B0609020204030204" pitchFamily="49" charset="0"/>
-              </a:rPr>
-              <a:t>!'</a:t>
-            </a:r>
             <a:endParaRPr lang="en-US" altLang="ko-KR" spc="-150" dirty="0">
               <a:latin typeface="Consolas" panose="020B0609020204030204" pitchFamily="49" charset="0"/>
-              <a:cs typeface="Consolas" panose="020B0609020204030204" pitchFamily="49" charset="0"/>
             </a:endParaRPr>
           </a:p>
           <a:p>
-            <a:pPr lvl="1"/>
-            <a:endParaRPr lang="en-US" altLang="ko-KR" dirty="0" smtClean="0"/>
-          </a:p>
-          <a:p>
-            <a:r>
-              <a:rPr lang="en-US" altLang="ko-KR" dirty="0" smtClean="0">
-                <a:latin typeface="Consolas" panose="020B0609020204030204" pitchFamily="49" charset="0"/>
-                <a:cs typeface="Consolas" panose="020B0609020204030204" pitchFamily="49" charset="0"/>
-              </a:rPr>
-              <a:t>\"</a:t>
-            </a:r>
-            <a:r>
-              <a:rPr lang="en-US" altLang="ko-KR" dirty="0" smtClean="0"/>
-              <a:t> </a:t>
-            </a:r>
-            <a:r>
-              <a:rPr lang="en-US" altLang="ko-KR" dirty="0"/>
-              <a:t>: </a:t>
-            </a:r>
-            <a:r>
-              <a:rPr lang="ko-KR" altLang="en-US" dirty="0"/>
-              <a:t>큰 </a:t>
-            </a:r>
-            <a:r>
-              <a:rPr lang="ko-KR" altLang="en-US" dirty="0" smtClean="0"/>
-              <a:t>따옴표</a:t>
-            </a:r>
-            <a:endParaRPr lang="en-US" altLang="ko-KR" dirty="0" smtClean="0"/>
-          </a:p>
-          <a:p>
-            <a:r>
-              <a:rPr lang="en-US" altLang="ko-KR" dirty="0" smtClean="0">
-                <a:latin typeface="Consolas" panose="020B0609020204030204" pitchFamily="49" charset="0"/>
-                <a:cs typeface="Consolas" panose="020B0609020204030204" pitchFamily="49" charset="0"/>
-              </a:rPr>
-              <a:t>\\</a:t>
-            </a:r>
-            <a:r>
-              <a:rPr lang="en-US" altLang="ko-KR" dirty="0" smtClean="0"/>
-              <a:t> : backslash(</a:t>
-            </a:r>
-            <a:r>
-              <a:rPr lang="en-US" altLang="ko-KR" dirty="0" smtClean="0">
-                <a:latin typeface="Consolas" panose="020B0609020204030204" pitchFamily="49" charset="0"/>
-                <a:cs typeface="Consolas" panose="020B0609020204030204" pitchFamily="49" charset="0"/>
-              </a:rPr>
-              <a:t>\</a:t>
-            </a:r>
-            <a:r>
-              <a:rPr lang="en-US" altLang="ko-KR" dirty="0" smtClean="0"/>
-              <a:t>)</a:t>
-            </a:r>
+            <a:r>
+              <a:rPr lang="ko-KR" altLang="en-US" spc="-150" dirty="0" smtClean="0"/>
+              <a:t>실수로  잘못 입력된 형태의 </a:t>
+            </a:r>
+            <a:r>
+              <a:rPr lang="en-US" altLang="ko-KR" spc="-150" dirty="0" smtClean="0"/>
+              <a:t>type</a:t>
+            </a:r>
+            <a:r>
+              <a:rPr lang="ko-KR" altLang="en-US" spc="-150" dirty="0" smtClean="0"/>
+              <a:t>을 찾아준다</a:t>
+            </a:r>
+            <a:r>
+              <a:rPr lang="en-US" altLang="ko-KR" spc="-150" smtClean="0"/>
+              <a:t>.</a:t>
+            </a:r>
+            <a:endParaRPr lang="ko-KR" altLang="en-US" spc="-150" dirty="0"/>
           </a:p>
         </p:txBody>
       </p:sp>
     </p:spTree>
     <p:extLst>
       <p:ext uri="{BB962C8B-B14F-4D97-AF65-F5344CB8AC3E}">
-        <p14:creationId xmlns:p14="http://schemas.microsoft.com/office/powerpoint/2010/main" val="3792036375"/>
+        <p14:creationId xmlns:p14="http://schemas.microsoft.com/office/powerpoint/2010/main" val="1046390027"/>
       </p:ext>
     </p:extLst>
   </p:cSld>
@@ -6940,7 +6836,11 @@
           <a:p>
             <a:r>
               <a:rPr lang="ko-KR" altLang="en-US" dirty="0" smtClean="0"/>
-              <a:t>인덱스를 통한 특정 문자 접근</a:t>
+              <a:t>확장 문자</a:t>
+            </a:r>
+            <a:r>
+              <a:rPr lang="en-US" altLang="ko-KR" dirty="0" smtClean="0"/>
+              <a:t>(escaping character)</a:t>
             </a:r>
             <a:endParaRPr lang="ko-KR" altLang="en-US" dirty="0"/>
           </a:p>
@@ -6958,211 +6858,168 @@
         </p:nvSpPr>
         <p:spPr/>
         <p:txBody>
-          <a:bodyPr/>
-          <a:lstStyle/>
-          <a:p>
-            <a:r>
-              <a:rPr lang="ko-KR" altLang="en-US" dirty="0" smtClean="0"/>
-              <a:t>인덱스를 통하여 문자열의 특정 문자에 쉽게 접근</a:t>
+          <a:bodyPr>
+            <a:normAutofit/>
+          </a:bodyPr>
+          <a:lstStyle/>
+          <a:p>
+            <a:r>
+              <a:rPr lang="ko-KR" altLang="en-US" dirty="0" smtClean="0"/>
+              <a:t>문자열 중간에 따옴표 </a:t>
+            </a:r>
+            <a:r>
+              <a:rPr lang="en-US" altLang="ko-KR" dirty="0" smtClean="0"/>
+              <a:t>' </a:t>
+            </a:r>
+            <a:r>
+              <a:rPr lang="ko-KR" altLang="en-US" dirty="0" smtClean="0"/>
+              <a:t>기호를 넣고 싶을 때</a:t>
             </a:r>
             <a:endParaRPr lang="en-US" altLang="ko-KR" dirty="0" smtClean="0"/>
           </a:p>
           <a:p>
             <a:r>
+              <a:rPr lang="ko-KR" altLang="en-US" dirty="0" smtClean="0"/>
+              <a:t>잘못된 예</a:t>
+            </a:r>
+            <a:endParaRPr lang="en-US" altLang="ko-KR" dirty="0" smtClean="0"/>
+          </a:p>
+          <a:p>
+            <a:pPr lvl="1"/>
+            <a:r>
+              <a:rPr lang="en-US" altLang="ko-KR" spc="-150" dirty="0" smtClean="0">
+                <a:latin typeface="Consolas" panose="020B0609020204030204" pitchFamily="49" charset="0"/>
+                <a:cs typeface="Consolas" panose="020B0609020204030204" pitchFamily="49" charset="0"/>
+              </a:rPr>
+              <a:t>'This isn't </a:t>
+            </a:r>
+            <a:r>
+              <a:rPr lang="en-US" altLang="ko-KR" spc="-150" dirty="0">
+                <a:latin typeface="Consolas" panose="020B0609020204030204" pitchFamily="49" charset="0"/>
+                <a:cs typeface="Consolas" panose="020B0609020204030204" pitchFamily="49" charset="0"/>
+              </a:rPr>
+              <a:t>flying, this is falling with style</a:t>
+            </a:r>
+            <a:r>
+              <a:rPr lang="en-US" altLang="ko-KR" spc="-150" dirty="0" smtClean="0">
+                <a:latin typeface="Consolas" panose="020B0609020204030204" pitchFamily="49" charset="0"/>
+                <a:cs typeface="Consolas" panose="020B0609020204030204" pitchFamily="49" charset="0"/>
+              </a:rPr>
+              <a:t>!'</a:t>
+            </a:r>
+          </a:p>
+          <a:p>
+            <a:r>
+              <a:rPr lang="ko-KR" altLang="en-US" dirty="0" smtClean="0"/>
+              <a:t>올바른 예 </a:t>
+            </a:r>
+            <a:r>
+              <a:rPr lang="en-US" altLang="ko-KR" dirty="0" smtClean="0"/>
+              <a:t>: backslash </a:t>
+            </a:r>
+            <a:r>
+              <a:rPr lang="en-US" altLang="ko-KR" dirty="0" smtClean="0">
+                <a:latin typeface="Consolas" panose="020B0609020204030204" pitchFamily="49" charset="0"/>
+                <a:cs typeface="Consolas" panose="020B0609020204030204" pitchFamily="49" charset="0"/>
+              </a:rPr>
+              <a:t>\</a:t>
+            </a:r>
+            <a:r>
+              <a:rPr lang="ko-KR" altLang="en-US" dirty="0" smtClean="0"/>
+              <a:t>를 삽입하여 문자열 내의 따옴표 사용임을 알림</a:t>
+            </a:r>
+            <a:endParaRPr lang="en-US" altLang="ko-KR" dirty="0" smtClean="0"/>
+          </a:p>
+          <a:p>
+            <a:pPr lvl="1"/>
+            <a:r>
+              <a:rPr lang="en-US" altLang="ko-KR" spc="-150" dirty="0" smtClean="0">
+                <a:latin typeface="Consolas" panose="020B0609020204030204" pitchFamily="49" charset="0"/>
+                <a:cs typeface="Consolas" panose="020B0609020204030204" pitchFamily="49" charset="0"/>
+              </a:rPr>
+              <a:t>'This </a:t>
+            </a:r>
+            <a:r>
               <a:rPr lang="en-US" altLang="ko-KR" spc="-150" dirty="0" err="1" smtClean="0">
                 <a:latin typeface="Consolas" panose="020B0609020204030204" pitchFamily="49" charset="0"/>
                 <a:cs typeface="Consolas" panose="020B0609020204030204" pitchFamily="49" charset="0"/>
               </a:rPr>
-              <a:t>first_letter</a:t>
-            </a:r>
-            <a:r>
-              <a:rPr lang="en-US" altLang="ko-KR" spc="-150" dirty="0" smtClean="0">
-                <a:latin typeface="Consolas" panose="020B0609020204030204" pitchFamily="49" charset="0"/>
-                <a:cs typeface="Consolas" panose="020B0609020204030204" pitchFamily="49" charset="0"/>
-              </a:rPr>
-              <a:t> = "</a:t>
-            </a:r>
-            <a:r>
-              <a:rPr lang="en-US" altLang="ko-KR" spc="-150" dirty="0" err="1" smtClean="0">
-                <a:latin typeface="Consolas" panose="020B0609020204030204" pitchFamily="49" charset="0"/>
-                <a:cs typeface="Consolas" panose="020B0609020204030204" pitchFamily="49" charset="0"/>
-              </a:rPr>
-              <a:t>uncopywritable</a:t>
-            </a:r>
-            <a:r>
-              <a:rPr lang="en-US" altLang="ko-KR" spc="-150" dirty="0" smtClean="0">
-                <a:latin typeface="Consolas" panose="020B0609020204030204" pitchFamily="49" charset="0"/>
-                <a:cs typeface="Consolas" panose="020B0609020204030204" pitchFamily="49" charset="0"/>
-              </a:rPr>
-              <a:t>"[0]</a:t>
-            </a:r>
-            <a:br>
-              <a:rPr lang="en-US" altLang="ko-KR" spc="-150" dirty="0" smtClean="0">
-                <a:latin typeface="Consolas" panose="020B0609020204030204" pitchFamily="49" charset="0"/>
-                <a:cs typeface="Consolas" panose="020B0609020204030204" pitchFamily="49" charset="0"/>
-              </a:rPr>
-            </a:br>
-            <a:r>
-              <a:rPr lang="en-US" altLang="ko-KR" spc="-150" dirty="0" smtClean="0">
-                <a:latin typeface="Consolas" panose="020B0609020204030204" pitchFamily="49" charset="0"/>
-                <a:cs typeface="Consolas" panose="020B0609020204030204" pitchFamily="49" charset="0"/>
-              </a:rPr>
-              <a:t>print </a:t>
-            </a:r>
-            <a:r>
-              <a:rPr lang="en-US" altLang="ko-KR" spc="-150" dirty="0" err="1" smtClean="0">
-                <a:latin typeface="Consolas" panose="020B0609020204030204" pitchFamily="49" charset="0"/>
-                <a:cs typeface="Consolas" panose="020B0609020204030204" pitchFamily="49" charset="0"/>
-              </a:rPr>
-              <a:t>first_letter</a:t>
-            </a:r>
-            <a:endParaRPr lang="en-US" altLang="ko-KR" spc="-150" dirty="0" smtClean="0">
+              <a:t>isn</a:t>
+            </a:r>
+            <a:r>
+              <a:rPr lang="en-US" altLang="ko-KR" spc="-150" dirty="0" smtClean="0">
+                <a:latin typeface="Consolas" panose="020B0609020204030204" pitchFamily="49" charset="0"/>
+                <a:cs typeface="Consolas" panose="020B0609020204030204" pitchFamily="49" charset="0"/>
+              </a:rPr>
+              <a:t>\'t </a:t>
+            </a:r>
+            <a:r>
+              <a:rPr lang="en-US" altLang="ko-KR" spc="-150" dirty="0">
+                <a:latin typeface="Consolas" panose="020B0609020204030204" pitchFamily="49" charset="0"/>
+                <a:cs typeface="Consolas" panose="020B0609020204030204" pitchFamily="49" charset="0"/>
+              </a:rPr>
+              <a:t>flying, this is falling with style</a:t>
+            </a:r>
+            <a:r>
+              <a:rPr lang="en-US" altLang="ko-KR" spc="-150" dirty="0" smtClean="0">
+                <a:latin typeface="Consolas" panose="020B0609020204030204" pitchFamily="49" charset="0"/>
+                <a:cs typeface="Consolas" panose="020B0609020204030204" pitchFamily="49" charset="0"/>
+              </a:rPr>
+              <a:t>!'</a:t>
+            </a:r>
+            <a:endParaRPr lang="en-US" altLang="ko-KR" spc="-150" dirty="0">
               <a:latin typeface="Consolas" panose="020B0609020204030204" pitchFamily="49" charset="0"/>
               <a:cs typeface="Consolas" panose="020B0609020204030204" pitchFamily="49" charset="0"/>
             </a:endParaRPr>
           </a:p>
           <a:p>
             <a:pPr lvl="1"/>
-            <a:r>
-              <a:rPr lang="en-US" altLang="ko-KR" spc="-150" dirty="0" smtClean="0">
-                <a:latin typeface="Consolas" panose="020B0609020204030204" pitchFamily="49" charset="0"/>
-                <a:cs typeface="Consolas" panose="020B0609020204030204" pitchFamily="49" charset="0"/>
-              </a:rPr>
-              <a:t>u</a:t>
-            </a:r>
-          </a:p>
-          <a:p>
-            <a:r>
-              <a:rPr lang="en-US" altLang="ko-KR" spc="-150" dirty="0" err="1" smtClean="0">
-                <a:latin typeface="Consolas" panose="020B0609020204030204" pitchFamily="49" charset="0"/>
-                <a:cs typeface="Consolas" panose="020B0609020204030204" pitchFamily="49" charset="0"/>
-              </a:rPr>
-              <a:t>my_word</a:t>
-            </a:r>
-            <a:r>
-              <a:rPr lang="en-US" altLang="ko-KR" spc="-150" dirty="0" smtClean="0">
-                <a:latin typeface="Consolas" panose="020B0609020204030204" pitchFamily="49" charset="0"/>
-                <a:cs typeface="Consolas" panose="020B0609020204030204" pitchFamily="49" charset="0"/>
-              </a:rPr>
-              <a:t> = "</a:t>
-            </a:r>
-            <a:r>
-              <a:rPr lang="en-US" altLang="ko-KR" spc="-150" dirty="0" err="1" smtClean="0">
-                <a:latin typeface="Consolas" panose="020B0609020204030204" pitchFamily="49" charset="0"/>
-                <a:cs typeface="Consolas" panose="020B0609020204030204" pitchFamily="49" charset="0"/>
-              </a:rPr>
-              <a:t>uncopywritable</a:t>
-            </a:r>
-            <a:r>
-              <a:rPr lang="en-US" altLang="ko-KR" spc="-150" dirty="0" smtClean="0">
-                <a:latin typeface="Consolas" panose="020B0609020204030204" pitchFamily="49" charset="0"/>
-                <a:cs typeface="Consolas" panose="020B0609020204030204" pitchFamily="49" charset="0"/>
-              </a:rPr>
-              <a:t>"</a:t>
-            </a:r>
-            <a:r>
-              <a:rPr lang="en-US" altLang="ko-KR" spc="-150" dirty="0">
-                <a:latin typeface="Consolas" panose="020B0609020204030204" pitchFamily="49" charset="0"/>
-                <a:cs typeface="Consolas" panose="020B0609020204030204" pitchFamily="49" charset="0"/>
-              </a:rPr>
-              <a:t/>
-            </a:r>
-            <a:br>
-              <a:rPr lang="en-US" altLang="ko-KR" spc="-150" dirty="0">
-                <a:latin typeface="Consolas" panose="020B0609020204030204" pitchFamily="49" charset="0"/>
-                <a:cs typeface="Consolas" panose="020B0609020204030204" pitchFamily="49" charset="0"/>
-              </a:rPr>
-            </a:br>
-            <a:r>
-              <a:rPr lang="en-US" altLang="ko-KR" spc="-150" dirty="0" err="1" smtClean="0">
-                <a:latin typeface="Consolas" panose="020B0609020204030204" pitchFamily="49" charset="0"/>
-                <a:cs typeface="Consolas" panose="020B0609020204030204" pitchFamily="49" charset="0"/>
-              </a:rPr>
-              <a:t>second_letter</a:t>
-            </a:r>
-            <a:r>
-              <a:rPr lang="en-US" altLang="ko-KR" spc="-150" dirty="0" smtClean="0">
-                <a:latin typeface="Consolas" panose="020B0609020204030204" pitchFamily="49" charset="0"/>
-                <a:cs typeface="Consolas" panose="020B0609020204030204" pitchFamily="49" charset="0"/>
-              </a:rPr>
-              <a:t> = </a:t>
-            </a:r>
-            <a:r>
-              <a:rPr lang="en-US" altLang="ko-KR" spc="-150" dirty="0" err="1" smtClean="0">
-                <a:latin typeface="Consolas" panose="020B0609020204030204" pitchFamily="49" charset="0"/>
-                <a:cs typeface="Consolas" panose="020B0609020204030204" pitchFamily="49" charset="0"/>
-              </a:rPr>
-              <a:t>my_word</a:t>
-            </a:r>
-            <a:r>
-              <a:rPr lang="en-US" altLang="ko-KR" spc="-150" dirty="0" smtClean="0">
-                <a:latin typeface="Consolas" panose="020B0609020204030204" pitchFamily="49" charset="0"/>
-                <a:cs typeface="Consolas" panose="020B0609020204030204" pitchFamily="49" charset="0"/>
-              </a:rPr>
-              <a:t>[1]</a:t>
-            </a:r>
-            <a:r>
-              <a:rPr lang="en-US" altLang="ko-KR" spc="-150" dirty="0">
-                <a:latin typeface="Consolas" panose="020B0609020204030204" pitchFamily="49" charset="0"/>
-                <a:cs typeface="Consolas" panose="020B0609020204030204" pitchFamily="49" charset="0"/>
-              </a:rPr>
-              <a:t/>
-            </a:r>
-            <a:br>
-              <a:rPr lang="en-US" altLang="ko-KR" spc="-150" dirty="0">
-                <a:latin typeface="Consolas" panose="020B0609020204030204" pitchFamily="49" charset="0"/>
-                <a:cs typeface="Consolas" panose="020B0609020204030204" pitchFamily="49" charset="0"/>
-              </a:rPr>
-            </a:br>
-            <a:r>
-              <a:rPr lang="en-US" altLang="ko-KR" spc="-150" dirty="0" smtClean="0">
-                <a:latin typeface="Consolas" panose="020B0609020204030204" pitchFamily="49" charset="0"/>
-                <a:cs typeface="Consolas" panose="020B0609020204030204" pitchFamily="49" charset="0"/>
-              </a:rPr>
-              <a:t>print </a:t>
-            </a:r>
-            <a:r>
-              <a:rPr lang="en-US" altLang="ko-KR" spc="-150" dirty="0" err="1" smtClean="0">
-                <a:latin typeface="Consolas" panose="020B0609020204030204" pitchFamily="49" charset="0"/>
-                <a:cs typeface="Consolas" panose="020B0609020204030204" pitchFamily="49" charset="0"/>
-              </a:rPr>
-              <a:t>second_letter</a:t>
-            </a:r>
-            <a:endParaRPr lang="en-US" altLang="ko-KR" spc="-150" dirty="0" smtClean="0">
-              <a:latin typeface="Consolas" panose="020B0609020204030204" pitchFamily="49" charset="0"/>
-              <a:cs typeface="Consolas" panose="020B0609020204030204" pitchFamily="49" charset="0"/>
-            </a:endParaRPr>
-          </a:p>
-          <a:p>
-            <a:pPr lvl="1"/>
-            <a:r>
-              <a:rPr lang="en-US" altLang="ko-KR" spc="-150" dirty="0" smtClean="0">
-                <a:latin typeface="Consolas" panose="020B0609020204030204" pitchFamily="49" charset="0"/>
-                <a:cs typeface="Consolas" panose="020B0609020204030204" pitchFamily="49" charset="0"/>
-              </a:rPr>
-              <a:t>n</a:t>
-            </a:r>
-          </a:p>
-          <a:p>
-            <a:r>
-              <a:rPr lang="ko-KR" altLang="en-US" dirty="0" smtClean="0"/>
-              <a:t>첫 번째 문자의 인덱스는 </a:t>
-            </a:r>
-            <a:r>
-              <a:rPr lang="en-US" altLang="ko-KR" dirty="0" smtClean="0"/>
-              <a:t>0</a:t>
-            </a:r>
-            <a:r>
-              <a:rPr lang="ko-KR" altLang="en-US" dirty="0" smtClean="0"/>
-              <a:t>부터 시작함 </a:t>
-            </a:r>
-            <a:r>
-              <a:rPr lang="en-US" altLang="ko-KR" dirty="0" smtClean="0"/>
-              <a:t>(1</a:t>
-            </a:r>
-            <a:r>
-              <a:rPr lang="ko-KR" altLang="en-US" dirty="0" smtClean="0"/>
-              <a:t>이 아님</a:t>
+            <a:endParaRPr lang="en-US" altLang="ko-KR" dirty="0" smtClean="0"/>
+          </a:p>
+          <a:p>
+            <a:r>
+              <a:rPr lang="en-US" altLang="ko-KR" dirty="0" smtClean="0">
+                <a:latin typeface="Consolas" panose="020B0609020204030204" pitchFamily="49" charset="0"/>
+                <a:cs typeface="Consolas" panose="020B0609020204030204" pitchFamily="49" charset="0"/>
+              </a:rPr>
+              <a:t>\"</a:t>
+            </a:r>
+            <a:r>
+              <a:rPr lang="en-US" altLang="ko-KR" dirty="0" smtClean="0"/>
+              <a:t> </a:t>
+            </a:r>
+            <a:r>
+              <a:rPr lang="en-US" altLang="ko-KR" dirty="0"/>
+              <a:t>: </a:t>
+            </a:r>
+            <a:r>
+              <a:rPr lang="ko-KR" altLang="en-US" dirty="0"/>
+              <a:t>큰 </a:t>
+            </a:r>
+            <a:r>
+              <a:rPr lang="ko-KR" altLang="en-US" dirty="0" smtClean="0"/>
+              <a:t>따옴표</a:t>
+            </a:r>
+            <a:endParaRPr lang="en-US" altLang="ko-KR" dirty="0" smtClean="0"/>
+          </a:p>
+          <a:p>
+            <a:r>
+              <a:rPr lang="en-US" altLang="ko-KR" dirty="0" smtClean="0">
+                <a:latin typeface="Consolas" panose="020B0609020204030204" pitchFamily="49" charset="0"/>
+                <a:cs typeface="Consolas" panose="020B0609020204030204" pitchFamily="49" charset="0"/>
+              </a:rPr>
+              <a:t>\\</a:t>
+            </a:r>
+            <a:r>
+              <a:rPr lang="en-US" altLang="ko-KR" dirty="0" smtClean="0"/>
+              <a:t> : backslash(</a:t>
+            </a:r>
+            <a:r>
+              <a:rPr lang="en-US" altLang="ko-KR" dirty="0" smtClean="0">
+                <a:latin typeface="Consolas" panose="020B0609020204030204" pitchFamily="49" charset="0"/>
+                <a:cs typeface="Consolas" panose="020B0609020204030204" pitchFamily="49" charset="0"/>
+              </a:rPr>
+              <a:t>\</a:t>
             </a:r>
             <a:r>
               <a:rPr lang="en-US" altLang="ko-KR" dirty="0" smtClean="0"/>
@@ -7174,7 +7031,7 @@
     </p:spTree>
     <p:extLst>
       <p:ext uri="{BB962C8B-B14F-4D97-AF65-F5344CB8AC3E}">
-        <p14:creationId xmlns:p14="http://schemas.microsoft.com/office/powerpoint/2010/main" val="1693637094"/>
+        <p14:creationId xmlns:p14="http://schemas.microsoft.com/office/powerpoint/2010/main" val="3792036375"/>
       </p:ext>
     </p:extLst>
   </p:cSld>
@@ -7218,7 +7075,7 @@
           <a:p>
             <a:r>
               <a:rPr lang="ko-KR" altLang="en-US" dirty="0" smtClean="0"/>
-              <a:t>길이를 구하는 함수</a:t>
+              <a:t>인덱스를 통한 특정 문자 접근</a:t>
             </a:r>
             <a:endParaRPr lang="ko-KR" altLang="en-US" dirty="0"/>
           </a:p>
@@ -7240,58 +7097,39 @@
           <a:lstStyle/>
           <a:p>
             <a:r>
+              <a:rPr lang="ko-KR" altLang="en-US" dirty="0" smtClean="0"/>
+              <a:t>인덱스를 통하여 문자열의 특정 문자에 쉽게 접근</a:t>
+            </a:r>
+            <a:endParaRPr lang="en-US" altLang="ko-KR" dirty="0" smtClean="0"/>
+          </a:p>
+          <a:p>
+            <a:r>
               <a:rPr lang="en-US" altLang="ko-KR" spc="-150" dirty="0" err="1" smtClean="0">
                 <a:latin typeface="Consolas" panose="020B0609020204030204" pitchFamily="49" charset="0"/>
                 <a:cs typeface="Consolas" panose="020B0609020204030204" pitchFamily="49" charset="0"/>
               </a:rPr>
-              <a:t>len</a:t>
-            </a:r>
-            <a:r>
-              <a:rPr lang="en-US" altLang="ko-KR" spc="-150" dirty="0" smtClean="0">
-                <a:latin typeface="Consolas" panose="020B0609020204030204" pitchFamily="49" charset="0"/>
-                <a:cs typeface="Consolas" panose="020B0609020204030204" pitchFamily="49" charset="0"/>
-              </a:rPr>
-              <a:t>()</a:t>
-            </a:r>
-          </a:p>
-          <a:p>
-            <a:pPr lvl="1"/>
-            <a:r>
-              <a:rPr lang="en-US" altLang="ko-KR" dirty="0" smtClean="0"/>
-              <a:t>python</a:t>
-            </a:r>
-            <a:r>
-              <a:rPr lang="ko-KR" altLang="en-US" dirty="0" smtClean="0"/>
-              <a:t>에 미리 만들어진 </a:t>
-            </a:r>
-            <a:r>
-              <a:rPr lang="en-US" altLang="ko-KR" dirty="0" smtClean="0"/>
-              <a:t>built-in </a:t>
-            </a:r>
-            <a:r>
-              <a:rPr lang="ko-KR" altLang="en-US" dirty="0" smtClean="0"/>
-              <a:t>함수로 문자열이나 리스트의 길이를 구할 때 사용</a:t>
-            </a:r>
-            <a:endParaRPr lang="en-US" altLang="ko-KR" dirty="0" smtClean="0"/>
-          </a:p>
-          <a:p>
-            <a:pPr lvl="1"/>
-            <a:endParaRPr lang="en-US" altLang="ko-KR" dirty="0"/>
-          </a:p>
-          <a:p>
+              <a:t>first_letter</a:t>
+            </a:r>
+            <a:r>
+              <a:rPr lang="en-US" altLang="ko-KR" spc="-150" dirty="0" smtClean="0">
+                <a:latin typeface="Consolas" panose="020B0609020204030204" pitchFamily="49" charset="0"/>
+                <a:cs typeface="Consolas" panose="020B0609020204030204" pitchFamily="49" charset="0"/>
+              </a:rPr>
+              <a:t> = "</a:t>
+            </a:r>
             <a:r>
               <a:rPr lang="en-US" altLang="ko-KR" spc="-150" dirty="0" err="1" smtClean="0">
                 <a:latin typeface="Consolas" panose="020B0609020204030204" pitchFamily="49" charset="0"/>
                 <a:cs typeface="Consolas" panose="020B0609020204030204" pitchFamily="49" charset="0"/>
               </a:rPr>
-              <a:t>my_name</a:t>
-            </a:r>
-            <a:r>
-              <a:rPr lang="en-US" altLang="ko-KR" spc="-150" dirty="0" smtClean="0">
-                <a:latin typeface="Consolas" panose="020B0609020204030204" pitchFamily="49" charset="0"/>
-                <a:cs typeface="Consolas" panose="020B0609020204030204" pitchFamily="49" charset="0"/>
-              </a:rPr>
-              <a:t> = "KS Lee"</a:t>
+              <a:t>uncopywritable</a:t>
+            </a:r>
+            <a:r>
+              <a:rPr lang="en-US" altLang="ko-KR" spc="-150" dirty="0" smtClean="0">
+                <a:latin typeface="Consolas" panose="020B0609020204030204" pitchFamily="49" charset="0"/>
+                <a:cs typeface="Consolas" panose="020B0609020204030204" pitchFamily="49" charset="0"/>
+              </a:rPr>
+              <a:t>"[0]</a:t>
             </a:r>
             <a:br>
               <a:rPr lang="en-US" altLang="ko-KR" spc="-150" dirty="0" smtClean="0">
@@ -7311,40 +7149,167 @@
                 <a:latin typeface="Consolas" panose="020B0609020204030204" pitchFamily="49" charset="0"/>
                 <a:cs typeface="Consolas" panose="020B0609020204030204" pitchFamily="49" charset="0"/>
               </a:rPr>
-              <a:t>len</a:t>
-            </a:r>
-            <a:r>
-              <a:rPr lang="en-US" altLang="ko-KR" spc="-150" dirty="0" smtClean="0">
-                <a:latin typeface="Consolas" panose="020B0609020204030204" pitchFamily="49" charset="0"/>
-                <a:cs typeface="Consolas" panose="020B0609020204030204" pitchFamily="49" charset="0"/>
-              </a:rPr>
-              <a:t>(</a:t>
-            </a:r>
-            <a:r>
-              <a:rPr lang="en-US" altLang="ko-KR" spc="-150" dirty="0" err="1" smtClean="0">
-                <a:latin typeface="Consolas" panose="020B0609020204030204" pitchFamily="49" charset="0"/>
-                <a:cs typeface="Consolas" panose="020B0609020204030204" pitchFamily="49" charset="0"/>
-              </a:rPr>
-              <a:t>my_name</a:t>
-            </a:r>
-            <a:r>
-              <a:rPr lang="en-US" altLang="ko-KR" spc="-150" dirty="0" smtClean="0">
-                <a:latin typeface="Consolas" panose="020B0609020204030204" pitchFamily="49" charset="0"/>
-                <a:cs typeface="Consolas" panose="020B0609020204030204" pitchFamily="49" charset="0"/>
-              </a:rPr>
-              <a:t>)</a:t>
-            </a:r>
-            <a:endParaRPr lang="ko-KR" altLang="en-US" spc="-150" dirty="0">
+              <a:t>first_letter</a:t>
+            </a:r>
+            <a:endParaRPr lang="en-US" altLang="ko-KR" spc="-150" dirty="0" smtClean="0">
               <a:latin typeface="Consolas" panose="020B0609020204030204" pitchFamily="49" charset="0"/>
               <a:cs typeface="Consolas" panose="020B0609020204030204" pitchFamily="49" charset="0"/>
             </a:endParaRPr>
           </a:p>
+          <a:p>
+            <a:pPr lvl="1"/>
+            <a:r>
+              <a:rPr lang="en-US" altLang="ko-KR" spc="-150" dirty="0" smtClean="0">
+                <a:latin typeface="Consolas" panose="020B0609020204030204" pitchFamily="49" charset="0"/>
+                <a:cs typeface="Consolas" panose="020B0609020204030204" pitchFamily="49" charset="0"/>
+              </a:rPr>
+              <a:t>u</a:t>
+            </a:r>
+          </a:p>
+          <a:p>
+            <a:r>
+              <a:rPr lang="en-US" altLang="ko-KR" spc="-150" dirty="0" err="1" smtClean="0">
+                <a:latin typeface="Consolas" panose="020B0609020204030204" pitchFamily="49" charset="0"/>
+                <a:cs typeface="Consolas" panose="020B0609020204030204" pitchFamily="49" charset="0"/>
+              </a:rPr>
+              <a:t>my_word</a:t>
+            </a:r>
+            <a:r>
+              <a:rPr lang="en-US" altLang="ko-KR" spc="-150" dirty="0" smtClean="0">
+                <a:latin typeface="Consolas" panose="020B0609020204030204" pitchFamily="49" charset="0"/>
+                <a:cs typeface="Consolas" panose="020B0609020204030204" pitchFamily="49" charset="0"/>
+              </a:rPr>
+              <a:t> = "</a:t>
+            </a:r>
+            <a:r>
+              <a:rPr lang="en-US" altLang="ko-KR" spc="-150" dirty="0" err="1" smtClean="0">
+                <a:latin typeface="Consolas" panose="020B0609020204030204" pitchFamily="49" charset="0"/>
+                <a:cs typeface="Consolas" panose="020B0609020204030204" pitchFamily="49" charset="0"/>
+              </a:rPr>
+              <a:t>uncopywritable</a:t>
+            </a:r>
+            <a:r>
+              <a:rPr lang="en-US" altLang="ko-KR" spc="-150" dirty="0" smtClean="0">
+                <a:latin typeface="Consolas" panose="020B0609020204030204" pitchFamily="49" charset="0"/>
+                <a:cs typeface="Consolas" panose="020B0609020204030204" pitchFamily="49" charset="0"/>
+              </a:rPr>
+              <a:t>"</a:t>
+            </a:r>
+            <a:r>
+              <a:rPr lang="en-US" altLang="ko-KR" spc="-150" dirty="0">
+                <a:latin typeface="Consolas" panose="020B0609020204030204" pitchFamily="49" charset="0"/>
+                <a:cs typeface="Consolas" panose="020B0609020204030204" pitchFamily="49" charset="0"/>
+              </a:rPr>
+              <a:t/>
+            </a:r>
+            <a:br>
+              <a:rPr lang="en-US" altLang="ko-KR" spc="-150" dirty="0">
+                <a:latin typeface="Consolas" panose="020B0609020204030204" pitchFamily="49" charset="0"/>
+                <a:cs typeface="Consolas" panose="020B0609020204030204" pitchFamily="49" charset="0"/>
+              </a:rPr>
+            </a:br>
+            <a:r>
+              <a:rPr lang="en-US" altLang="ko-KR" spc="-150" dirty="0" err="1" smtClean="0">
+                <a:latin typeface="Consolas" panose="020B0609020204030204" pitchFamily="49" charset="0"/>
+                <a:cs typeface="Consolas" panose="020B0609020204030204" pitchFamily="49" charset="0"/>
+              </a:rPr>
+              <a:t>second_letter</a:t>
+            </a:r>
+            <a:r>
+              <a:rPr lang="en-US" altLang="ko-KR" spc="-150" dirty="0" smtClean="0">
+                <a:latin typeface="Consolas" panose="020B0609020204030204" pitchFamily="49" charset="0"/>
+                <a:cs typeface="Consolas" panose="020B0609020204030204" pitchFamily="49" charset="0"/>
+              </a:rPr>
+              <a:t> = </a:t>
+            </a:r>
+            <a:r>
+              <a:rPr lang="en-US" altLang="ko-KR" spc="-150" dirty="0" err="1" smtClean="0">
+                <a:latin typeface="Consolas" panose="020B0609020204030204" pitchFamily="49" charset="0"/>
+                <a:cs typeface="Consolas" panose="020B0609020204030204" pitchFamily="49" charset="0"/>
+              </a:rPr>
+              <a:t>my_word</a:t>
+            </a:r>
+            <a:r>
+              <a:rPr lang="en-US" altLang="ko-KR" spc="-150" dirty="0" smtClean="0">
+                <a:latin typeface="Consolas" panose="020B0609020204030204" pitchFamily="49" charset="0"/>
+                <a:cs typeface="Consolas" panose="020B0609020204030204" pitchFamily="49" charset="0"/>
+              </a:rPr>
+              <a:t>[1]</a:t>
+            </a:r>
+            <a:r>
+              <a:rPr lang="en-US" altLang="ko-KR" spc="-150" dirty="0">
+                <a:latin typeface="Consolas" panose="020B0609020204030204" pitchFamily="49" charset="0"/>
+                <a:cs typeface="Consolas" panose="020B0609020204030204" pitchFamily="49" charset="0"/>
+              </a:rPr>
+              <a:t/>
+            </a:r>
+            <a:br>
+              <a:rPr lang="en-US" altLang="ko-KR" spc="-150" dirty="0">
+                <a:latin typeface="Consolas" panose="020B0609020204030204" pitchFamily="49" charset="0"/>
+                <a:cs typeface="Consolas" panose="020B0609020204030204" pitchFamily="49" charset="0"/>
+              </a:rPr>
+            </a:br>
+            <a:r>
+              <a:rPr lang="en-US" altLang="ko-KR" spc="-150" dirty="0" smtClean="0">
+                <a:latin typeface="Consolas" panose="020B0609020204030204" pitchFamily="49" charset="0"/>
+                <a:cs typeface="Consolas" panose="020B0609020204030204" pitchFamily="49" charset="0"/>
+              </a:rPr>
+              <a:t>print </a:t>
+            </a:r>
+            <a:r>
+              <a:rPr lang="en-US" altLang="ko-KR" spc="-150" dirty="0" err="1" smtClean="0">
+                <a:latin typeface="Consolas" panose="020B0609020204030204" pitchFamily="49" charset="0"/>
+                <a:cs typeface="Consolas" panose="020B0609020204030204" pitchFamily="49" charset="0"/>
+              </a:rPr>
+              <a:t>second_letter</a:t>
+            </a:r>
+            <a:endParaRPr lang="en-US" altLang="ko-KR" spc="-150" dirty="0" smtClean="0">
+              <a:latin typeface="Consolas" panose="020B0609020204030204" pitchFamily="49" charset="0"/>
+              <a:cs typeface="Consolas" panose="020B0609020204030204" pitchFamily="49" charset="0"/>
+            </a:endParaRPr>
+          </a:p>
+          <a:p>
+            <a:pPr lvl="1"/>
+            <a:r>
+              <a:rPr lang="en-US" altLang="ko-KR" spc="-150" dirty="0" smtClean="0">
+                <a:latin typeface="Consolas" panose="020B0609020204030204" pitchFamily="49" charset="0"/>
+                <a:cs typeface="Consolas" panose="020B0609020204030204" pitchFamily="49" charset="0"/>
+              </a:rPr>
+              <a:t>n</a:t>
+            </a:r>
+          </a:p>
+          <a:p>
+            <a:r>
+              <a:rPr lang="ko-KR" altLang="en-US" dirty="0" smtClean="0"/>
+              <a:t>첫 번째 문자의 인덱스는 </a:t>
+            </a:r>
+            <a:r>
+              <a:rPr lang="en-US" altLang="ko-KR" dirty="0" smtClean="0"/>
+              <a:t>0</a:t>
+            </a:r>
+            <a:r>
+              <a:rPr lang="ko-KR" altLang="en-US" dirty="0" smtClean="0"/>
+              <a:t>부터 시작함 </a:t>
+            </a:r>
+            <a:r>
+              <a:rPr lang="en-US" altLang="ko-KR" dirty="0" smtClean="0"/>
+              <a:t>(1</a:t>
+            </a:r>
+            <a:r>
+              <a:rPr lang="ko-KR" altLang="en-US" dirty="0" smtClean="0"/>
+              <a:t>이 아님</a:t>
+            </a:r>
+            <a:r>
+              <a:rPr lang="en-US" altLang="ko-KR" dirty="0" smtClean="0"/>
+              <a:t>)</a:t>
+            </a:r>
+          </a:p>
         </p:txBody>
       </p:sp>
     </p:spTree>
     <p:extLst>
       <p:ext uri="{BB962C8B-B14F-4D97-AF65-F5344CB8AC3E}">
-        <p14:creationId xmlns:p14="http://schemas.microsoft.com/office/powerpoint/2010/main" val="955882286"/>
+        <p14:creationId xmlns:p14="http://schemas.microsoft.com/office/powerpoint/2010/main" val="1693637094"/>
       </p:ext>
     </p:extLst>
   </p:cSld>
@@ -7387,11 +7352,122 @@
           <a:lstStyle/>
           <a:p>
             <a:r>
-              <a:rPr lang="en-US" altLang="ko-KR" spc="-150" dirty="0" smtClean="0">
-                <a:latin typeface="Consolas" panose="020B0609020204030204" pitchFamily="49" charset="0"/>
-                <a:cs typeface="Consolas" panose="020B0609020204030204" pitchFamily="49" charset="0"/>
-              </a:rPr>
-              <a:t>lower(), upper()</a:t>
+              <a:rPr lang="ko-KR" altLang="en-US" dirty="0" smtClean="0"/>
+              <a:t>길이를 구하는 함수</a:t>
+            </a:r>
+            <a:endParaRPr lang="ko-KR" altLang="en-US" dirty="0"/>
+          </a:p>
+        </p:txBody>
+      </p:sp>
+      <p:sp>
+        <p:nvSpPr>
+          <p:cNvPr id="3" name="내용 개체 틀 2"/>
+          <p:cNvSpPr>
+            <a:spLocks noGrp="1"/>
+          </p:cNvSpPr>
+          <p:nvPr>
+            <p:ph idx="1"/>
+          </p:nvPr>
+        </p:nvSpPr>
+        <p:spPr/>
+        <p:txBody>
+          <a:bodyPr/>
+          <a:lstStyle/>
+          <a:p>
+            <a:r>
+              <a:rPr lang="en-US" altLang="ko-KR" spc="-150" dirty="0" err="1" smtClean="0">
+                <a:latin typeface="Consolas" panose="020B0609020204030204" pitchFamily="49" charset="0"/>
+                <a:cs typeface="Consolas" panose="020B0609020204030204" pitchFamily="49" charset="0"/>
+              </a:rPr>
+              <a:t>len</a:t>
+            </a:r>
+            <a:r>
+              <a:rPr lang="en-US" altLang="ko-KR" spc="-150" dirty="0" smtClean="0">
+                <a:latin typeface="Consolas" panose="020B0609020204030204" pitchFamily="49" charset="0"/>
+                <a:cs typeface="Consolas" panose="020B0609020204030204" pitchFamily="49" charset="0"/>
+              </a:rPr>
+              <a:t>()</a:t>
+            </a:r>
+          </a:p>
+          <a:p>
+            <a:pPr lvl="1"/>
+            <a:r>
+              <a:rPr lang="en-US" altLang="ko-KR" dirty="0" smtClean="0"/>
+              <a:t>python</a:t>
+            </a:r>
+            <a:r>
+              <a:rPr lang="ko-KR" altLang="en-US" dirty="0" smtClean="0"/>
+              <a:t>에 미리 만들어진 </a:t>
+            </a:r>
+            <a:r>
+              <a:rPr lang="en-US" altLang="ko-KR" dirty="0" smtClean="0"/>
+              <a:t>built-in </a:t>
+            </a:r>
+            <a:r>
+              <a:rPr lang="ko-KR" altLang="en-US" dirty="0" smtClean="0"/>
+              <a:t>함수로 문자열이나 리스트의 길이를 구할 때 사용</a:t>
+            </a:r>
+            <a:endParaRPr lang="en-US" altLang="ko-KR" dirty="0" smtClean="0"/>
+          </a:p>
+          <a:p>
+            <a:pPr lvl="1"/>
+            <a:endParaRPr lang="en-US" altLang="ko-KR" dirty="0"/>
+          </a:p>
+          <a:p>
+            <a:r>
+              <a:rPr lang="en-US" altLang="ko-KR" spc="-150" dirty="0" err="1" smtClean="0">
+                <a:latin typeface="Consolas" panose="020B0609020204030204" pitchFamily="49" charset="0"/>
+                <a:cs typeface="Consolas" panose="020B0609020204030204" pitchFamily="49" charset="0"/>
+              </a:rPr>
+              <a:t>my_name</a:t>
+            </a:r>
+            <a:r>
+              <a:rPr lang="en-US" altLang="ko-KR" spc="-150" dirty="0" smtClean="0">
+                <a:latin typeface="Consolas" panose="020B0609020204030204" pitchFamily="49" charset="0"/>
+                <a:cs typeface="Consolas" panose="020B0609020204030204" pitchFamily="49" charset="0"/>
+              </a:rPr>
+              <a:t> = "KS Lee"</a:t>
+            </a:r>
+            <a:br>
+              <a:rPr lang="en-US" altLang="ko-KR" spc="-150" dirty="0" smtClean="0">
+                <a:latin typeface="Consolas" panose="020B0609020204030204" pitchFamily="49" charset="0"/>
+                <a:cs typeface="Consolas" panose="020B0609020204030204" pitchFamily="49" charset="0"/>
+              </a:rPr>
+            </a:br>
+            <a:r>
+              <a:rPr lang="en-US" altLang="ko-KR" spc="-150" dirty="0" smtClean="0">
+                <a:latin typeface="Consolas" panose="020B0609020204030204" pitchFamily="49" charset="0"/>
+                <a:cs typeface="Consolas" panose="020B0609020204030204" pitchFamily="49" charset="0"/>
+              </a:rPr>
+              <a:t>print </a:t>
+            </a:r>
+            <a:r>
+              <a:rPr lang="en-US" altLang="ko-KR" spc="-150" dirty="0" err="1" smtClean="0">
+                <a:latin typeface="Consolas" panose="020B0609020204030204" pitchFamily="49" charset="0"/>
+                <a:cs typeface="Consolas" panose="020B0609020204030204" pitchFamily="49" charset="0"/>
+              </a:rPr>
+              <a:t>len</a:t>
+            </a:r>
+            <a:r>
+              <a:rPr lang="en-US" altLang="ko-KR" spc="-150" dirty="0" smtClean="0">
+                <a:latin typeface="Consolas" panose="020B0609020204030204" pitchFamily="49" charset="0"/>
+                <a:cs typeface="Consolas" panose="020B0609020204030204" pitchFamily="49" charset="0"/>
+              </a:rPr>
+              <a:t>(</a:t>
+            </a:r>
+            <a:r>
+              <a:rPr lang="en-US" altLang="ko-KR" spc="-150" dirty="0" err="1" smtClean="0">
+                <a:latin typeface="Consolas" panose="020B0609020204030204" pitchFamily="49" charset="0"/>
+                <a:cs typeface="Consolas" panose="020B0609020204030204" pitchFamily="49" charset="0"/>
+              </a:rPr>
+              <a:t>my_name</a:t>
+            </a:r>
+            <a:r>
+              <a:rPr lang="en-US" altLang="ko-KR" spc="-150" dirty="0" smtClean="0">
+                <a:latin typeface="Consolas" panose="020B0609020204030204" pitchFamily="49" charset="0"/>
+                <a:cs typeface="Consolas" panose="020B0609020204030204" pitchFamily="49" charset="0"/>
+              </a:rPr>
+              <a:t>)</a:t>
             </a:r>
             <a:endParaRPr lang="ko-KR" altLang="en-US" spc="-150" dirty="0">
               <a:latin typeface="Consolas" panose="020B0609020204030204" pitchFamily="49" charset="0"/>
@@ -7400,172 +7476,10 @@
           </a:p>
         </p:txBody>
       </p:sp>
-      <p:sp>
-        <p:nvSpPr>
-          <p:cNvPr id="3" name="내용 개체 틀 2"/>
-          <p:cNvSpPr>
-            <a:spLocks noGrp="1"/>
-          </p:cNvSpPr>
-          <p:nvPr>
-            <p:ph idx="1"/>
-          </p:nvPr>
-        </p:nvSpPr>
-        <p:spPr/>
-        <p:txBody>
-          <a:bodyPr/>
-          <a:lstStyle/>
-          <a:p>
-            <a:r>
-              <a:rPr lang="ko-KR" altLang="en-US" dirty="0" smtClean="0"/>
-              <a:t>소문자 혹은 대문자로 바꾸어주는 </a:t>
-            </a:r>
-            <a:r>
-              <a:rPr lang="en-US" altLang="ko-KR" dirty="0" smtClean="0"/>
-              <a:t>method</a:t>
-            </a:r>
-          </a:p>
-          <a:p>
-            <a:r>
-              <a:rPr lang="ko-KR" altLang="en-US" dirty="0" smtClean="0"/>
-              <a:t>문자열 뒤에 마침표</a:t>
-            </a:r>
-            <a:r>
-              <a:rPr lang="en-US" altLang="ko-KR" dirty="0" smtClean="0"/>
-              <a:t>(.)</a:t>
-            </a:r>
-            <a:r>
-              <a:rPr lang="ko-KR" altLang="en-US" dirty="0" smtClean="0"/>
-              <a:t>와 함께 사용</a:t>
-            </a:r>
-            <a:endParaRPr lang="en-US" altLang="ko-KR" dirty="0" smtClean="0"/>
-          </a:p>
-          <a:p>
-            <a:pPr lvl="1"/>
-            <a:r>
-              <a:rPr lang="en-US" altLang="ko-KR" spc="-150" dirty="0" smtClean="0">
-                <a:latin typeface="Consolas" panose="020B0609020204030204" pitchFamily="49" charset="0"/>
-                <a:cs typeface="Consolas" panose="020B0609020204030204" pitchFamily="49" charset="0"/>
-              </a:rPr>
-              <a:t>lower(), upper() </a:t>
-            </a:r>
-            <a:r>
-              <a:rPr lang="ko-KR" altLang="en-US" dirty="0" smtClean="0"/>
-              <a:t>등은 생성한 문자열에 종속된 </a:t>
-            </a:r>
-            <a:r>
-              <a:rPr lang="en-US" altLang="ko-KR" dirty="0" smtClean="0"/>
-              <a:t>method</a:t>
-            </a:r>
-            <a:r>
-              <a:rPr lang="ko-KR" altLang="en-US" dirty="0" smtClean="0"/>
-              <a:t>로써 </a:t>
-            </a:r>
-            <a:r>
-              <a:rPr lang="en-US" altLang="ko-KR" dirty="0" smtClean="0"/>
-              <a:t>python</a:t>
-            </a:r>
-            <a:r>
-              <a:rPr lang="ko-KR" altLang="en-US" dirty="0" smtClean="0"/>
-              <a:t>에서 제공함</a:t>
-            </a:r>
-            <a:endParaRPr lang="en-US" altLang="ko-KR" dirty="0" smtClean="0"/>
-          </a:p>
-          <a:p>
-            <a:r>
-              <a:rPr lang="en-US" altLang="ko-KR" spc="-150" dirty="0" smtClean="0">
-                <a:latin typeface="Consolas" panose="020B0609020204030204" pitchFamily="49" charset="0"/>
-                <a:cs typeface="Consolas" panose="020B0609020204030204" pitchFamily="49" charset="0"/>
-              </a:rPr>
-              <a:t>print "</a:t>
-            </a:r>
-            <a:r>
-              <a:rPr lang="en-US" altLang="ko-KR" spc="-150" dirty="0" err="1" smtClean="0">
-                <a:latin typeface="Consolas" panose="020B0609020204030204" pitchFamily="49" charset="0"/>
-                <a:cs typeface="Consolas" panose="020B0609020204030204" pitchFamily="49" charset="0"/>
-              </a:rPr>
-              <a:t>EGG".lower</a:t>
-            </a:r>
-            <a:r>
-              <a:rPr lang="en-US" altLang="ko-KR" spc="-150" dirty="0" smtClean="0">
-                <a:latin typeface="Consolas" panose="020B0609020204030204" pitchFamily="49" charset="0"/>
-                <a:cs typeface="Consolas" panose="020B0609020204030204" pitchFamily="49" charset="0"/>
-              </a:rPr>
-              <a:t>()</a:t>
-            </a:r>
-          </a:p>
-          <a:p>
-            <a:pPr lvl="1"/>
-            <a:r>
-              <a:rPr lang="en-US" altLang="ko-KR" spc="-150" dirty="0" smtClean="0">
-                <a:latin typeface="Consolas" panose="020B0609020204030204" pitchFamily="49" charset="0"/>
-                <a:cs typeface="Consolas" panose="020B0609020204030204" pitchFamily="49" charset="0"/>
-              </a:rPr>
-              <a:t>egg</a:t>
-            </a:r>
-          </a:p>
-          <a:p>
-            <a:r>
-              <a:rPr lang="en-US" altLang="ko-KR" spc="-150" dirty="0" err="1" smtClean="0">
-                <a:latin typeface="Consolas" panose="020B0609020204030204" pitchFamily="49" charset="0"/>
-                <a:cs typeface="Consolas" panose="020B0609020204030204" pitchFamily="49" charset="0"/>
-              </a:rPr>
-              <a:t>my_string</a:t>
-            </a:r>
-            <a:r>
-              <a:rPr lang="en-US" altLang="ko-KR" spc="-150" dirty="0" smtClean="0">
-                <a:latin typeface="Consolas" panose="020B0609020204030204" pitchFamily="49" charset="0"/>
-                <a:cs typeface="Consolas" panose="020B0609020204030204" pitchFamily="49" charset="0"/>
-              </a:rPr>
-              <a:t> = "spam"</a:t>
-            </a:r>
-            <a:br>
-              <a:rPr lang="en-US" altLang="ko-KR" spc="-150" dirty="0" smtClean="0">
-                <a:latin typeface="Consolas" panose="020B0609020204030204" pitchFamily="49" charset="0"/>
-                <a:cs typeface="Consolas" panose="020B0609020204030204" pitchFamily="49" charset="0"/>
-              </a:rPr>
-            </a:br>
-            <a:r>
-              <a:rPr lang="en-US" altLang="ko-KR" spc="-150" dirty="0" smtClean="0">
-                <a:latin typeface="Consolas" panose="020B0609020204030204" pitchFamily="49" charset="0"/>
-                <a:cs typeface="Consolas" panose="020B0609020204030204" pitchFamily="49" charset="0"/>
-              </a:rPr>
-              <a:t>print </a:t>
-            </a:r>
-            <a:r>
-              <a:rPr lang="en-US" altLang="ko-KR" spc="-150" dirty="0" err="1" smtClean="0">
-                <a:latin typeface="Consolas" panose="020B0609020204030204" pitchFamily="49" charset="0"/>
-                <a:cs typeface="Consolas" panose="020B0609020204030204" pitchFamily="49" charset="0"/>
-              </a:rPr>
-              <a:t>my_string.upper</a:t>
-            </a:r>
-            <a:r>
-              <a:rPr lang="en-US" altLang="ko-KR" spc="-150" dirty="0" smtClean="0">
-                <a:latin typeface="Consolas" panose="020B0609020204030204" pitchFamily="49" charset="0"/>
-                <a:cs typeface="Consolas" panose="020B0609020204030204" pitchFamily="49" charset="0"/>
-              </a:rPr>
-              <a:t>()</a:t>
-            </a:r>
-          </a:p>
-          <a:p>
-            <a:pPr lvl="1"/>
-            <a:r>
-              <a:rPr lang="en-US" altLang="ko-KR" spc="-150" dirty="0" smtClean="0">
-                <a:latin typeface="Consolas" panose="020B0609020204030204" pitchFamily="49" charset="0"/>
-                <a:cs typeface="Consolas" panose="020B0609020204030204" pitchFamily="49" charset="0"/>
-              </a:rPr>
-              <a:t>SPAM</a:t>
-            </a:r>
-            <a:endParaRPr lang="ko-KR" altLang="en-US" spc="-150" dirty="0">
-              <a:latin typeface="Consolas" panose="020B0609020204030204" pitchFamily="49" charset="0"/>
-              <a:cs typeface="Consolas" panose="020B0609020204030204" pitchFamily="49" charset="0"/>
-            </a:endParaRPr>
-          </a:p>
-        </p:txBody>
-      </p:sp>
     </p:spTree>
     <p:extLst>
       <p:ext uri="{BB962C8B-B14F-4D97-AF65-F5344CB8AC3E}">
-        <p14:creationId xmlns:p14="http://schemas.microsoft.com/office/powerpoint/2010/main" val="4021731051"/>
+        <p14:creationId xmlns:p14="http://schemas.microsoft.com/office/powerpoint/2010/main" val="955882286"/>
       </p:ext>
     </p:extLst>
   </p:cSld>
@@ -7791,18 +7705,11 @@
           <a:lstStyle/>
           <a:p>
             <a:r>
-              <a:rPr lang="en-US" altLang="ko-KR" spc="-150" dirty="0" err="1">
-                <a:latin typeface="Consolas" panose="020B0609020204030204" pitchFamily="49" charset="0"/>
-                <a:cs typeface="Consolas" panose="020B0609020204030204" pitchFamily="49" charset="0"/>
-              </a:rPr>
-              <a:t>str</a:t>
-            </a:r>
-            <a:r>
-              <a:rPr lang="en-US" altLang="ko-KR" spc="-150" dirty="0" smtClean="0">
-                <a:latin typeface="Consolas" panose="020B0609020204030204" pitchFamily="49" charset="0"/>
-                <a:cs typeface="Consolas" panose="020B0609020204030204" pitchFamily="49" charset="0"/>
-              </a:rPr>
-              <a:t>()</a:t>
+              <a:rPr lang="en-US" altLang="ko-KR" spc="-150" dirty="0" smtClean="0">
+                <a:latin typeface="Consolas" panose="020B0609020204030204" pitchFamily="49" charset="0"/>
+                <a:cs typeface="Consolas" panose="020B0609020204030204" pitchFamily="49" charset="0"/>
+              </a:rPr>
+              <a:t>lower(), upper()</a:t>
             </a:r>
             <a:endParaRPr lang="ko-KR" altLang="en-US" spc="-150" dirty="0">
               <a:latin typeface="Consolas" panose="020B0609020204030204" pitchFamily="49" charset="0"/>
@@ -7823,246 +7730,148 @@
         </p:nvSpPr>
         <p:spPr/>
         <p:txBody>
-          <a:bodyPr>
-            <a:normAutofit lnSpcReduction="10000"/>
-          </a:bodyPr>
-          <a:lstStyle/>
-          <a:p>
-            <a:r>
-              <a:rPr lang="ko-KR" altLang="en-US" dirty="0"/>
-              <a:t>다른 </a:t>
-            </a:r>
-            <a:r>
-              <a:rPr lang="ko-KR" altLang="en-US" dirty="0" err="1"/>
-              <a:t>데이터형을</a:t>
-            </a:r>
-            <a:r>
-              <a:rPr lang="ko-KR" altLang="en-US" dirty="0"/>
-              <a:t> 문자열로 </a:t>
-            </a:r>
-            <a:r>
-              <a:rPr lang="ko-KR" altLang="en-US" dirty="0" smtClean="0"/>
-              <a:t>바꾸기</a:t>
+          <a:bodyPr/>
+          <a:lstStyle/>
+          <a:p>
+            <a:r>
+              <a:rPr lang="ko-KR" altLang="en-US" dirty="0" smtClean="0"/>
+              <a:t>소문자 혹은 대문자로 바꾸어주는 </a:t>
+            </a:r>
+            <a:r>
+              <a:rPr lang="en-US" altLang="ko-KR" dirty="0" smtClean="0"/>
+              <a:t>method</a:t>
+            </a:r>
+          </a:p>
+          <a:p>
+            <a:r>
+              <a:rPr lang="ko-KR" altLang="en-US" dirty="0" smtClean="0"/>
+              <a:t>문자열 뒤에 마침표</a:t>
+            </a:r>
+            <a:r>
+              <a:rPr lang="en-US" altLang="ko-KR" dirty="0" smtClean="0"/>
+              <a:t>(.)</a:t>
+            </a:r>
+            <a:r>
+              <a:rPr lang="ko-KR" altLang="en-US" dirty="0" smtClean="0"/>
+              <a:t>와 함께 사용</a:t>
             </a:r>
             <a:endParaRPr lang="en-US" altLang="ko-KR" dirty="0" smtClean="0"/>
           </a:p>
           <a:p>
+            <a:pPr lvl="1"/>
+            <a:r>
+              <a:rPr lang="en-US" altLang="ko-KR" spc="-150" dirty="0" smtClean="0">
+                <a:latin typeface="Consolas" panose="020B0609020204030204" pitchFamily="49" charset="0"/>
+                <a:cs typeface="Consolas" panose="020B0609020204030204" pitchFamily="49" charset="0"/>
+              </a:rPr>
+              <a:t>lower(), upper() </a:t>
+            </a:r>
+            <a:r>
+              <a:rPr lang="ko-KR" altLang="en-US" dirty="0" smtClean="0"/>
+              <a:t>등은 생성한 문자열에 종속된 </a:t>
+            </a:r>
+            <a:r>
+              <a:rPr lang="en-US" altLang="ko-KR" dirty="0" smtClean="0"/>
+              <a:t>method</a:t>
+            </a:r>
+            <a:r>
+              <a:rPr lang="ko-KR" altLang="en-US" dirty="0" smtClean="0"/>
+              <a:t>로써 </a:t>
+            </a:r>
+            <a:r>
+              <a:rPr lang="en-US" altLang="ko-KR" dirty="0" smtClean="0"/>
+              <a:t>python</a:t>
+            </a:r>
+            <a:r>
+              <a:rPr lang="ko-KR" altLang="en-US" dirty="0" smtClean="0"/>
+              <a:t>에서 제공함</a:t>
+            </a:r>
+            <a:endParaRPr lang="en-US" altLang="ko-KR" dirty="0" smtClean="0"/>
+          </a:p>
+          <a:p>
+            <a:r>
+              <a:rPr lang="en-US" altLang="ko-KR" spc="-150" dirty="0" smtClean="0">
+                <a:latin typeface="Consolas" panose="020B0609020204030204" pitchFamily="49" charset="0"/>
+                <a:cs typeface="Consolas" panose="020B0609020204030204" pitchFamily="49" charset="0"/>
+              </a:rPr>
+              <a:t>print "</a:t>
+            </a:r>
             <a:r>
               <a:rPr lang="en-US" altLang="ko-KR" spc="-150" dirty="0" err="1" smtClean="0">
                 <a:latin typeface="Consolas" panose="020B0609020204030204" pitchFamily="49" charset="0"/>
                 <a:cs typeface="Consolas" panose="020B0609020204030204" pitchFamily="49" charset="0"/>
               </a:rPr>
-              <a:t>this_year</a:t>
-            </a:r>
-            <a:r>
-              <a:rPr lang="en-US" altLang="ko-KR" spc="-150" dirty="0" smtClean="0">
-                <a:latin typeface="Consolas" panose="020B0609020204030204" pitchFamily="49" charset="0"/>
-                <a:cs typeface="Consolas" panose="020B0609020204030204" pitchFamily="49" charset="0"/>
-              </a:rPr>
-              <a:t> = 2016</a:t>
+              <a:t>EGG".lower</a:t>
+            </a:r>
+            <a:r>
+              <a:rPr lang="en-US" altLang="ko-KR" spc="-150" dirty="0" smtClean="0">
+                <a:latin typeface="Consolas" panose="020B0609020204030204" pitchFamily="49" charset="0"/>
+                <a:cs typeface="Consolas" panose="020B0609020204030204" pitchFamily="49" charset="0"/>
+              </a:rPr>
+              <a:t>()</a:t>
             </a:r>
           </a:p>
           <a:p>
             <a:pPr lvl="1"/>
             <a:r>
+              <a:rPr lang="en-US" altLang="ko-KR" spc="-150" dirty="0" smtClean="0">
+                <a:latin typeface="Consolas" panose="020B0609020204030204" pitchFamily="49" charset="0"/>
+                <a:cs typeface="Consolas" panose="020B0609020204030204" pitchFamily="49" charset="0"/>
+              </a:rPr>
+              <a:t>egg</a:t>
+            </a:r>
+          </a:p>
+          <a:p>
+            <a:r>
               <a:rPr lang="en-US" altLang="ko-KR" spc="-150" dirty="0" err="1" smtClean="0">
                 <a:latin typeface="Consolas" panose="020B0609020204030204" pitchFamily="49" charset="0"/>
                 <a:cs typeface="Consolas" panose="020B0609020204030204" pitchFamily="49" charset="0"/>
               </a:rPr>
-              <a:t>this_year</a:t>
-            </a:r>
-            <a:r>
-              <a:rPr lang="ko-KR" altLang="en-US" dirty="0" smtClean="0"/>
-              <a:t>는 </a:t>
-            </a:r>
-            <a:r>
-              <a:rPr lang="en-US" altLang="ko-KR" spc="-150" dirty="0" smtClean="0">
-                <a:latin typeface="Consolas" panose="020B0609020204030204" pitchFamily="49" charset="0"/>
-                <a:cs typeface="Consolas" panose="020B0609020204030204" pitchFamily="49" charset="0"/>
-              </a:rPr>
-              <a:t>2016</a:t>
-            </a:r>
-            <a:r>
-              <a:rPr lang="ko-KR" altLang="en-US" dirty="0" smtClean="0"/>
-              <a:t>이라는 값을 지닌 정수형 데이터</a:t>
-            </a:r>
-            <a:endParaRPr lang="en-US" altLang="ko-KR" dirty="0" smtClean="0"/>
+              <a:t>my_string</a:t>
+            </a:r>
+            <a:r>
+              <a:rPr lang="en-US" altLang="ko-KR" spc="-150" dirty="0" smtClean="0">
+                <a:latin typeface="Consolas" panose="020B0609020204030204" pitchFamily="49" charset="0"/>
+                <a:cs typeface="Consolas" panose="020B0609020204030204" pitchFamily="49" charset="0"/>
+              </a:rPr>
+              <a:t> = "spam"</a:t>
+            </a:r>
+            <a:br>
+              <a:rPr lang="en-US" altLang="ko-KR" spc="-150" dirty="0" smtClean="0">
+                <a:latin typeface="Consolas" panose="020B0609020204030204" pitchFamily="49" charset="0"/>
+                <a:cs typeface="Consolas" panose="020B0609020204030204" pitchFamily="49" charset="0"/>
+              </a:rPr>
+            </a:br>
+            <a:r>
+              <a:rPr lang="en-US" altLang="ko-KR" spc="-150" dirty="0" smtClean="0">
+                <a:latin typeface="Consolas" panose="020B0609020204030204" pitchFamily="49" charset="0"/>
+                <a:cs typeface="Consolas" panose="020B0609020204030204" pitchFamily="49" charset="0"/>
+              </a:rPr>
+              <a:t>print </a:t>
+            </a:r>
+            <a:r>
+              <a:rPr lang="en-US" altLang="ko-KR" spc="-150" dirty="0" err="1" smtClean="0">
+                <a:latin typeface="Consolas" panose="020B0609020204030204" pitchFamily="49" charset="0"/>
+                <a:cs typeface="Consolas" panose="020B0609020204030204" pitchFamily="49" charset="0"/>
+              </a:rPr>
+              <a:t>my_string.upper</a:t>
+            </a:r>
+            <a:r>
+              <a:rPr lang="en-US" altLang="ko-KR" spc="-150" dirty="0" smtClean="0">
+                <a:latin typeface="Consolas" panose="020B0609020204030204" pitchFamily="49" charset="0"/>
+                <a:cs typeface="Consolas" panose="020B0609020204030204" pitchFamily="49" charset="0"/>
+              </a:rPr>
+              <a:t>()</a:t>
+            </a:r>
           </a:p>
           <a:p>
             <a:pPr lvl="1"/>
             <a:r>
-              <a:rPr lang="ko-KR" altLang="en-US" dirty="0" smtClean="0"/>
-              <a:t>이를 정수가 아닌 문자열로 바꾸고 싶을 때</a:t>
-            </a:r>
-            <a:endParaRPr lang="en-US" altLang="ko-KR" dirty="0" smtClean="0"/>
-          </a:p>
-          <a:p>
-            <a:pPr lvl="1"/>
-            <a:r>
-              <a:rPr lang="en-US" altLang="ko-KR" spc="-150" dirty="0" err="1" smtClean="0">
-                <a:latin typeface="Consolas" panose="020B0609020204030204" pitchFamily="49" charset="0"/>
-                <a:cs typeface="Consolas" panose="020B0609020204030204" pitchFamily="49" charset="0"/>
-              </a:rPr>
-              <a:t>this_year_string</a:t>
-            </a:r>
-            <a:r>
-              <a:rPr lang="en-US" altLang="ko-KR" spc="-150" dirty="0" smtClean="0">
-                <a:latin typeface="Consolas" panose="020B0609020204030204" pitchFamily="49" charset="0"/>
-                <a:cs typeface="Consolas" panose="020B0609020204030204" pitchFamily="49" charset="0"/>
-              </a:rPr>
-              <a:t> = </a:t>
-            </a:r>
-            <a:r>
-              <a:rPr lang="en-US" altLang="ko-KR" spc="-150" dirty="0" err="1" smtClean="0">
-                <a:latin typeface="Consolas" panose="020B0609020204030204" pitchFamily="49" charset="0"/>
-                <a:cs typeface="Consolas" panose="020B0609020204030204" pitchFamily="49" charset="0"/>
-              </a:rPr>
-              <a:t>str</a:t>
-            </a:r>
-            <a:r>
-              <a:rPr lang="en-US" altLang="ko-KR" spc="-150" dirty="0" smtClean="0">
-                <a:latin typeface="Consolas" panose="020B0609020204030204" pitchFamily="49" charset="0"/>
-                <a:cs typeface="Consolas" panose="020B0609020204030204" pitchFamily="49" charset="0"/>
-              </a:rPr>
-              <a:t>(</a:t>
-            </a:r>
-            <a:r>
-              <a:rPr lang="en-US" altLang="ko-KR" spc="-150" dirty="0" err="1" smtClean="0">
-                <a:latin typeface="Consolas" panose="020B0609020204030204" pitchFamily="49" charset="0"/>
-                <a:cs typeface="Consolas" panose="020B0609020204030204" pitchFamily="49" charset="0"/>
-              </a:rPr>
-              <a:t>this_year</a:t>
-            </a:r>
-            <a:r>
-              <a:rPr lang="en-US" altLang="ko-KR" spc="-150" dirty="0" smtClean="0">
-                <a:latin typeface="Consolas" panose="020B0609020204030204" pitchFamily="49" charset="0"/>
-                <a:cs typeface="Consolas" panose="020B0609020204030204" pitchFamily="49" charset="0"/>
-              </a:rPr>
-              <a:t>)</a:t>
-            </a:r>
-          </a:p>
-          <a:p>
-            <a:pPr lvl="1"/>
-            <a:endParaRPr lang="en-US" altLang="ko-KR" dirty="0"/>
-          </a:p>
-          <a:p>
-            <a:r>
-              <a:rPr lang="en-US" altLang="ko-KR" spc="-150" dirty="0" err="1" smtClean="0">
-                <a:latin typeface="Consolas" panose="020B0609020204030204" pitchFamily="49" charset="0"/>
-                <a:cs typeface="Consolas" panose="020B0609020204030204" pitchFamily="49" charset="0"/>
-              </a:rPr>
-              <a:t>this_year</a:t>
-            </a:r>
-            <a:r>
-              <a:rPr lang="en-US" altLang="ko-KR" spc="-150" dirty="0" smtClean="0">
-                <a:latin typeface="Consolas" panose="020B0609020204030204" pitchFamily="49" charset="0"/>
-                <a:cs typeface="Consolas" panose="020B0609020204030204" pitchFamily="49" charset="0"/>
-              </a:rPr>
-              <a:t> = 2016</a:t>
-            </a:r>
-            <a:r>
-              <a:rPr lang="ko-KR" altLang="en-US" dirty="0" smtClean="0"/>
-              <a:t>이고 </a:t>
-            </a:r>
-            <a:r>
-              <a:rPr lang="en-US" altLang="ko-KR" spc="-150" dirty="0" err="1" smtClean="0">
-                <a:latin typeface="Consolas" panose="020B0609020204030204" pitchFamily="49" charset="0"/>
-                <a:cs typeface="Consolas" panose="020B0609020204030204" pitchFamily="49" charset="0"/>
-              </a:rPr>
-              <a:t>this_year_string</a:t>
-            </a:r>
-            <a:r>
-              <a:rPr lang="en-US" altLang="ko-KR" spc="-150" dirty="0" smtClean="0">
-                <a:latin typeface="Consolas" panose="020B0609020204030204" pitchFamily="49" charset="0"/>
-                <a:cs typeface="Consolas" panose="020B0609020204030204" pitchFamily="49" charset="0"/>
-              </a:rPr>
-              <a:t> = "2016"</a:t>
-            </a:r>
-            <a:r>
-              <a:rPr lang="ko-KR" altLang="en-US" dirty="0" smtClean="0"/>
-              <a:t>으로 </a:t>
-            </a:r>
-            <a:r>
-              <a:rPr lang="ko-KR" altLang="en-US" dirty="0" err="1" smtClean="0"/>
-              <a:t>데이터형이</a:t>
-            </a:r>
-            <a:r>
-              <a:rPr lang="ko-KR" altLang="en-US" dirty="0" smtClean="0"/>
-              <a:t> 다름에 주의</a:t>
-            </a:r>
-            <a:endParaRPr lang="en-US" altLang="ko-KR" dirty="0" smtClean="0"/>
-          </a:p>
-          <a:p>
-            <a:r>
-              <a:rPr lang="ko-KR" altLang="en-US" dirty="0" smtClean="0"/>
-              <a:t>다음의 값이 무엇이 나올지 상상해 보자</a:t>
-            </a:r>
-            <a:endParaRPr lang="en-US" altLang="ko-KR" dirty="0" smtClean="0"/>
-          </a:p>
-          <a:p>
-            <a:pPr lvl="1"/>
-            <a:r>
-              <a:rPr lang="en-US" altLang="ko-KR" spc="-150" dirty="0" smtClean="0">
-                <a:latin typeface="Consolas" panose="020B0609020204030204" pitchFamily="49" charset="0"/>
-                <a:cs typeface="Consolas" panose="020B0609020204030204" pitchFamily="49" charset="0"/>
-              </a:rPr>
-              <a:t>print </a:t>
-            </a:r>
-            <a:r>
-              <a:rPr lang="en-US" altLang="ko-KR" spc="-150" dirty="0" err="1" smtClean="0">
-                <a:latin typeface="Consolas" panose="020B0609020204030204" pitchFamily="49" charset="0"/>
-                <a:cs typeface="Consolas" panose="020B0609020204030204" pitchFamily="49" charset="0"/>
-              </a:rPr>
-              <a:t>this_year</a:t>
-            </a:r>
-            <a:r>
-              <a:rPr lang="en-US" altLang="ko-KR" spc="-150" dirty="0" smtClean="0">
-                <a:latin typeface="Consolas" panose="020B0609020204030204" pitchFamily="49" charset="0"/>
-                <a:cs typeface="Consolas" panose="020B0609020204030204" pitchFamily="49" charset="0"/>
-              </a:rPr>
-              <a:t> + </a:t>
-            </a:r>
-            <a:r>
-              <a:rPr lang="en-US" altLang="ko-KR" spc="-150" dirty="0" err="1" smtClean="0">
-                <a:latin typeface="Consolas" panose="020B0609020204030204" pitchFamily="49" charset="0"/>
-                <a:cs typeface="Consolas" panose="020B0609020204030204" pitchFamily="49" charset="0"/>
-              </a:rPr>
-              <a:t>this_year</a:t>
-            </a:r>
-            <a:endParaRPr lang="en-US" altLang="ko-KR" spc="-150" dirty="0" smtClean="0">
-              <a:latin typeface="Consolas" panose="020B0609020204030204" pitchFamily="49" charset="0"/>
-              <a:cs typeface="Consolas" panose="020B0609020204030204" pitchFamily="49" charset="0"/>
-            </a:endParaRPr>
-          </a:p>
-          <a:p>
-            <a:pPr lvl="1"/>
-            <a:r>
-              <a:rPr lang="en-US" altLang="ko-KR" spc="-150" dirty="0" smtClean="0">
-                <a:latin typeface="Consolas" panose="020B0609020204030204" pitchFamily="49" charset="0"/>
-                <a:cs typeface="Consolas" panose="020B0609020204030204" pitchFamily="49" charset="0"/>
-              </a:rPr>
-              <a:t>print </a:t>
-            </a:r>
-            <a:r>
-              <a:rPr lang="en-US" altLang="ko-KR" spc="-150" dirty="0" err="1" smtClean="0">
-                <a:latin typeface="Consolas" panose="020B0609020204030204" pitchFamily="49" charset="0"/>
-                <a:cs typeface="Consolas" panose="020B0609020204030204" pitchFamily="49" charset="0"/>
-              </a:rPr>
-              <a:t>this_year_string</a:t>
-            </a:r>
-            <a:r>
-              <a:rPr lang="en-US" altLang="ko-KR" spc="-150" dirty="0" smtClean="0">
-                <a:latin typeface="Consolas" panose="020B0609020204030204" pitchFamily="49" charset="0"/>
-                <a:cs typeface="Consolas" panose="020B0609020204030204" pitchFamily="49" charset="0"/>
-              </a:rPr>
-              <a:t> + </a:t>
-            </a:r>
-            <a:r>
-              <a:rPr lang="en-US" altLang="ko-KR" spc="-150" dirty="0" err="1" smtClean="0">
-                <a:latin typeface="Consolas" panose="020B0609020204030204" pitchFamily="49" charset="0"/>
-                <a:cs typeface="Consolas" panose="020B0609020204030204" pitchFamily="49" charset="0"/>
-              </a:rPr>
-              <a:t>this_year_string</a:t>
+              <a:rPr lang="en-US" altLang="ko-KR" spc="-150" dirty="0" smtClean="0">
+                <a:latin typeface="Consolas" panose="020B0609020204030204" pitchFamily="49" charset="0"/>
+                <a:cs typeface="Consolas" panose="020B0609020204030204" pitchFamily="49" charset="0"/>
+              </a:rPr>
+              <a:t>SPAM</a:t>
             </a:r>
             <a:endParaRPr lang="ko-KR" altLang="en-US" spc="-150" dirty="0">
               <a:latin typeface="Consolas" panose="020B0609020204030204" pitchFamily="49" charset="0"/>
@@ -8074,7 +7883,7 @@
     </p:spTree>
     <p:extLst>
       <p:ext uri="{BB962C8B-B14F-4D97-AF65-F5344CB8AC3E}">
-        <p14:creationId xmlns:p14="http://schemas.microsoft.com/office/powerpoint/2010/main" val="3541825908"/>
+        <p14:creationId xmlns:p14="http://schemas.microsoft.com/office/powerpoint/2010/main" val="4021731051"/>
       </p:ext>
     </p:extLst>
   </p:cSld>
@@ -8117,26 +7926,23 @@
           <a:lstStyle/>
           <a:p>
             <a:r>
-              <a:rPr lang="en-US" altLang="ko-KR" dirty="0" smtClean="0"/>
-              <a:t>.</a:t>
-            </a:r>
-            <a:r>
-              <a:rPr lang="ko-KR" altLang="en-US" dirty="0" smtClean="0"/>
-              <a:t>이 필요한 </a:t>
-            </a:r>
-            <a:r>
-              <a:rPr lang="en-US" altLang="ko-KR" dirty="0" smtClean="0"/>
-              <a:t>method</a:t>
-            </a:r>
-            <a:r>
-              <a:rPr lang="ko-KR" altLang="en-US" dirty="0" smtClean="0"/>
-              <a:t>와 없는 </a:t>
-            </a:r>
-            <a:r>
-              <a:rPr lang="en-US" altLang="ko-KR" dirty="0" smtClean="0"/>
-              <a:t>function</a:t>
-            </a:r>
-            <a:endParaRPr lang="ko-KR" altLang="en-US" dirty="0"/>
+              <a:rPr lang="en-US" altLang="ko-KR" spc="-150" dirty="0" err="1">
+                <a:latin typeface="Consolas" panose="020B0609020204030204" pitchFamily="49" charset="0"/>
+                <a:cs typeface="Consolas" panose="020B0609020204030204" pitchFamily="49" charset="0"/>
+              </a:rPr>
+              <a:t>str</a:t>
+            </a:r>
+            <a:r>
+              <a:rPr lang="en-US" altLang="ko-KR" spc="-150" dirty="0" smtClean="0">
+                <a:latin typeface="Consolas" panose="020B0609020204030204" pitchFamily="49" charset="0"/>
+                <a:cs typeface="Consolas" panose="020B0609020204030204" pitchFamily="49" charset="0"/>
+              </a:rPr>
+              <a:t>()</a:t>
+            </a:r>
+            <a:endParaRPr lang="ko-KR" altLang="en-US" spc="-150" dirty="0">
+              <a:latin typeface="Consolas" panose="020B0609020204030204" pitchFamily="49" charset="0"/>
+              <a:cs typeface="Consolas" panose="020B0609020204030204" pitchFamily="49" charset="0"/>
+            </a:endParaRPr>
           </a:p>
         </p:txBody>
       </p:sp>
@@ -8152,58 +7958,126 @@
         </p:nvSpPr>
         <p:spPr/>
         <p:txBody>
-          <a:bodyPr/>
-          <a:lstStyle/>
-          <a:p>
-            <a:r>
-              <a:rPr lang="en-US" altLang="ko-KR" spc="-150" dirty="0" smtClean="0">
-                <a:latin typeface="Consolas" panose="020B0609020204030204" pitchFamily="49" charset="0"/>
-                <a:cs typeface="Consolas" panose="020B0609020204030204" pitchFamily="49" charset="0"/>
-              </a:rPr>
-              <a:t>lower()</a:t>
-            </a:r>
-            <a:r>
-              <a:rPr lang="ko-KR" altLang="en-US" dirty="0" smtClean="0"/>
-              <a:t>와 </a:t>
-            </a:r>
-            <a:r>
-              <a:rPr lang="en-US" altLang="ko-KR" spc="-150" dirty="0" smtClean="0"/>
-              <a:t>upper() </a:t>
-            </a:r>
-            <a:r>
-              <a:rPr lang="ko-KR" altLang="en-US" dirty="0" smtClean="0"/>
-              <a:t>등의</a:t>
-            </a:r>
-            <a:r>
-              <a:rPr lang="en-US" altLang="ko-KR" dirty="0" smtClean="0"/>
-              <a:t> method</a:t>
+          <a:bodyPr>
+            <a:normAutofit lnSpcReduction="10000"/>
+          </a:bodyPr>
+          <a:lstStyle/>
+          <a:p>
+            <a:r>
+              <a:rPr lang="ko-KR" altLang="en-US" dirty="0"/>
+              <a:t>다른 </a:t>
+            </a:r>
+            <a:r>
+              <a:rPr lang="ko-KR" altLang="en-US" dirty="0" err="1"/>
+              <a:t>데이터형을</a:t>
+            </a:r>
+            <a:r>
+              <a:rPr lang="ko-KR" altLang="en-US" dirty="0"/>
+              <a:t> 문자열로 </a:t>
+            </a:r>
+            <a:r>
+              <a:rPr lang="ko-KR" altLang="en-US" dirty="0" smtClean="0"/>
+              <a:t>바꾸기</a:t>
+            </a:r>
+            <a:endParaRPr lang="en-US" altLang="ko-KR" dirty="0" smtClean="0"/>
+          </a:p>
+          <a:p>
+            <a:r>
+              <a:rPr lang="en-US" altLang="ko-KR" spc="-150" dirty="0" err="1" smtClean="0">
+                <a:latin typeface="Consolas" panose="020B0609020204030204" pitchFamily="49" charset="0"/>
+                <a:cs typeface="Consolas" panose="020B0609020204030204" pitchFamily="49" charset="0"/>
+              </a:rPr>
+              <a:t>this_year</a:t>
+            </a:r>
+            <a:r>
+              <a:rPr lang="en-US" altLang="ko-KR" spc="-150" dirty="0" smtClean="0">
+                <a:latin typeface="Consolas" panose="020B0609020204030204" pitchFamily="49" charset="0"/>
+                <a:cs typeface="Consolas" panose="020B0609020204030204" pitchFamily="49" charset="0"/>
+              </a:rPr>
+              <a:t> = 2016</a:t>
+            </a:r>
+          </a:p>
+          <a:p>
+            <a:pPr lvl="1"/>
+            <a:r>
+              <a:rPr lang="en-US" altLang="ko-KR" spc="-150" dirty="0" err="1" smtClean="0">
+                <a:latin typeface="Consolas" panose="020B0609020204030204" pitchFamily="49" charset="0"/>
+                <a:cs typeface="Consolas" panose="020B0609020204030204" pitchFamily="49" charset="0"/>
+              </a:rPr>
+              <a:t>this_year</a:t>
             </a:r>
             <a:r>
               <a:rPr lang="ko-KR" altLang="en-US" dirty="0" smtClean="0"/>
               <a:t>는 </a:t>
             </a:r>
             <a:r>
-              <a:rPr lang="en-US" altLang="ko-KR" dirty="0" smtClean="0"/>
-              <a:t>dot(.)</a:t>
-            </a:r>
-            <a:r>
-              <a:rPr lang="ko-KR" altLang="en-US" dirty="0" smtClean="0"/>
-              <a:t>을 이용하며 </a:t>
-            </a:r>
-            <a:r>
-              <a:rPr lang="en-US" altLang="ko-KR" dirty="0" smtClean="0"/>
-              <a:t>string</a:t>
-            </a:r>
-            <a:r>
-              <a:rPr lang="ko-KR" altLang="en-US" dirty="0" smtClean="0"/>
-              <a:t>에 종속된 </a:t>
-            </a:r>
-            <a:r>
-              <a:rPr lang="en-US" altLang="ko-KR" dirty="0" smtClean="0"/>
-              <a:t>method</a:t>
-            </a:r>
-          </a:p>
-          <a:p>
+              <a:rPr lang="en-US" altLang="ko-KR" spc="-150" dirty="0" smtClean="0">
+                <a:latin typeface="Consolas" panose="020B0609020204030204" pitchFamily="49" charset="0"/>
+                <a:cs typeface="Consolas" panose="020B0609020204030204" pitchFamily="49" charset="0"/>
+              </a:rPr>
+              <a:t>2016</a:t>
+            </a:r>
+            <a:r>
+              <a:rPr lang="ko-KR" altLang="en-US" dirty="0" smtClean="0"/>
+              <a:t>이라는 값을 지닌 정수형 데이터</a:t>
+            </a:r>
+            <a:endParaRPr lang="en-US" altLang="ko-KR" dirty="0" smtClean="0"/>
+          </a:p>
+          <a:p>
+            <a:pPr lvl="1"/>
+            <a:r>
+              <a:rPr lang="ko-KR" altLang="en-US" dirty="0" smtClean="0"/>
+              <a:t>이를 정수가 아닌 문자열로 바꾸고 싶을 때</a:t>
+            </a:r>
+            <a:endParaRPr lang="en-US" altLang="ko-KR" dirty="0" smtClean="0"/>
+          </a:p>
+          <a:p>
+            <a:pPr lvl="1"/>
+            <a:r>
+              <a:rPr lang="en-US" altLang="ko-KR" spc="-150" dirty="0" err="1" smtClean="0">
+                <a:latin typeface="Consolas" panose="020B0609020204030204" pitchFamily="49" charset="0"/>
+                <a:cs typeface="Consolas" panose="020B0609020204030204" pitchFamily="49" charset="0"/>
+              </a:rPr>
+              <a:t>this_year_string</a:t>
+            </a:r>
+            <a:r>
+              <a:rPr lang="en-US" altLang="ko-KR" spc="-150" dirty="0" smtClean="0">
+                <a:latin typeface="Consolas" panose="020B0609020204030204" pitchFamily="49" charset="0"/>
+                <a:cs typeface="Consolas" panose="020B0609020204030204" pitchFamily="49" charset="0"/>
+              </a:rPr>
+              <a:t> = </a:t>
+            </a:r>
+            <a:r>
+              <a:rPr lang="en-US" altLang="ko-KR" spc="-150" dirty="0" err="1" smtClean="0">
+                <a:latin typeface="Consolas" panose="020B0609020204030204" pitchFamily="49" charset="0"/>
+                <a:cs typeface="Consolas" panose="020B0609020204030204" pitchFamily="49" charset="0"/>
+              </a:rPr>
+              <a:t>str</a:t>
+            </a:r>
+            <a:r>
+              <a:rPr lang="en-US" altLang="ko-KR" spc="-150" dirty="0" smtClean="0">
+                <a:latin typeface="Consolas" panose="020B0609020204030204" pitchFamily="49" charset="0"/>
+                <a:cs typeface="Consolas" panose="020B0609020204030204" pitchFamily="49" charset="0"/>
+              </a:rPr>
+              <a:t>(</a:t>
+            </a:r>
+            <a:r>
+              <a:rPr lang="en-US" altLang="ko-KR" spc="-150" dirty="0" err="1" smtClean="0">
+                <a:latin typeface="Consolas" panose="020B0609020204030204" pitchFamily="49" charset="0"/>
+                <a:cs typeface="Consolas" panose="020B0609020204030204" pitchFamily="49" charset="0"/>
+              </a:rPr>
+              <a:t>this_year</a:t>
+            </a:r>
+            <a:r>
+              <a:rPr lang="en-US" altLang="ko-KR" spc="-150" dirty="0" smtClean="0">
+                <a:latin typeface="Consolas" panose="020B0609020204030204" pitchFamily="49" charset="0"/>
+                <a:cs typeface="Consolas" panose="020B0609020204030204" pitchFamily="49" charset="0"/>
+              </a:rPr>
+              <a:t>)</a:t>
+            </a:r>
+          </a:p>
+          <a:p>
+            <a:pPr lvl="1"/>
             <a:endParaRPr lang="en-US" altLang="ko-KR" dirty="0"/>
           </a:p>
           <a:p>
@@ -8212,44 +8086,36 @@
                 <a:latin typeface="Consolas" panose="020B0609020204030204" pitchFamily="49" charset="0"/>
                 <a:cs typeface="Consolas" panose="020B0609020204030204" pitchFamily="49" charset="0"/>
               </a:rPr>
-              <a:t>str</a:t>
-            </a:r>
-            <a:r>
-              <a:rPr lang="en-US" altLang="ko-KR" spc="-150" dirty="0" smtClean="0">
-                <a:latin typeface="Consolas" panose="020B0609020204030204" pitchFamily="49" charset="0"/>
-                <a:cs typeface="Consolas" panose="020B0609020204030204" pitchFamily="49" charset="0"/>
-              </a:rPr>
-              <a:t>(), </a:t>
+              <a:t>this_year</a:t>
+            </a:r>
+            <a:r>
+              <a:rPr lang="en-US" altLang="ko-KR" spc="-150" dirty="0" smtClean="0">
+                <a:latin typeface="Consolas" panose="020B0609020204030204" pitchFamily="49" charset="0"/>
+                <a:cs typeface="Consolas" panose="020B0609020204030204" pitchFamily="49" charset="0"/>
+              </a:rPr>
+              <a:t> = 2016</a:t>
+            </a:r>
+            <a:r>
+              <a:rPr lang="ko-KR" altLang="en-US" dirty="0" smtClean="0"/>
+              <a:t>이고 </a:t>
             </a:r>
             <a:r>
               <a:rPr lang="en-US" altLang="ko-KR" spc="-150" dirty="0" err="1" smtClean="0">
                 <a:latin typeface="Consolas" panose="020B0609020204030204" pitchFamily="49" charset="0"/>
                 <a:cs typeface="Consolas" panose="020B0609020204030204" pitchFamily="49" charset="0"/>
               </a:rPr>
-              <a:t>len</a:t>
-            </a:r>
-            <a:r>
-              <a:rPr lang="en-US" altLang="ko-KR" spc="-150" dirty="0" smtClean="0">
-                <a:latin typeface="Consolas" panose="020B0609020204030204" pitchFamily="49" charset="0"/>
-                <a:cs typeface="Consolas" panose="020B0609020204030204" pitchFamily="49" charset="0"/>
-              </a:rPr>
-              <a:t>()</a:t>
-            </a:r>
-            <a:r>
-              <a:rPr lang="en-US" altLang="ko-KR" dirty="0" smtClean="0"/>
-              <a:t> </a:t>
-            </a:r>
-            <a:r>
-              <a:rPr lang="ko-KR" altLang="en-US" dirty="0" smtClean="0"/>
-              <a:t>등은 </a:t>
-            </a:r>
-            <a:r>
-              <a:rPr lang="en-US" altLang="ko-KR" dirty="0" smtClean="0"/>
-              <a:t>dot(.)</a:t>
-            </a:r>
-            <a:r>
-              <a:rPr lang="ko-KR" altLang="en-US" dirty="0" smtClean="0"/>
-              <a:t>을 이용하지 않으며 괄호 안의 인자에 여러 형태의 </a:t>
+              <a:t>this_year_string</a:t>
+            </a:r>
+            <a:r>
+              <a:rPr lang="en-US" altLang="ko-KR" spc="-150" dirty="0" smtClean="0">
+                <a:latin typeface="Consolas" panose="020B0609020204030204" pitchFamily="49" charset="0"/>
+                <a:cs typeface="Consolas" panose="020B0609020204030204" pitchFamily="49" charset="0"/>
+              </a:rPr>
+              <a:t> = "2016"</a:t>
+            </a:r>
+            <a:r>
+              <a:rPr lang="ko-KR" altLang="en-US" dirty="0" smtClean="0"/>
+              <a:t>으로 </a:t>
             </a:r>
             <a:r>
               <a:rPr lang="ko-KR" altLang="en-US" dirty="0" err="1" smtClean="0"/>
@@ -8257,38 +8123,93 @@
             </a:r>
             <a:r>
               <a:rPr lang="ko-KR" altLang="en-US" dirty="0" smtClean="0"/>
-              <a:t> 올 수 있음</a:t>
+              <a:t> 다름에 주의</a:t>
             </a:r>
             <a:endParaRPr lang="en-US" altLang="ko-KR" dirty="0" smtClean="0"/>
           </a:p>
           <a:p>
-            <a:endParaRPr lang="en-US" altLang="ko-KR" dirty="0"/>
-          </a:p>
-          <a:p>
-            <a:r>
-              <a:rPr lang="en-US" altLang="ko-KR" dirty="0" smtClean="0"/>
-              <a:t>method</a:t>
-            </a:r>
-            <a:r>
-              <a:rPr lang="ko-KR" altLang="en-US" dirty="0" smtClean="0"/>
-              <a:t>와 </a:t>
-            </a:r>
-            <a:r>
-              <a:rPr lang="en-US" altLang="ko-KR" dirty="0" smtClean="0"/>
-              <a:t>function</a:t>
-            </a:r>
-            <a:r>
-              <a:rPr lang="ko-KR" altLang="en-US" dirty="0" smtClean="0"/>
-              <a:t>에 대해 다음에 더 자세히 알아보자</a:t>
-            </a:r>
-            <a:endParaRPr lang="ko-KR" altLang="en-US" dirty="0"/>
+            <a:r>
+              <a:rPr lang="ko-KR" altLang="en-US" dirty="0" smtClean="0"/>
+              <a:t>다음의 값이 무엇이 나올지 상상해 보자</a:t>
+            </a:r>
+            <a:endParaRPr lang="en-US" altLang="ko-KR" dirty="0" smtClean="0"/>
+          </a:p>
+          <a:p>
+            <a:pPr lvl="1"/>
+            <a:r>
+              <a:rPr lang="en-US" altLang="ko-KR" spc="-150" dirty="0" smtClean="0">
+                <a:latin typeface="Consolas" panose="020B0609020204030204" pitchFamily="49" charset="0"/>
+                <a:cs typeface="Consolas" panose="020B0609020204030204" pitchFamily="49" charset="0"/>
+              </a:rPr>
+              <a:t>print </a:t>
+            </a:r>
+            <a:r>
+              <a:rPr lang="en-US" altLang="ko-KR" spc="-150" dirty="0" err="1" smtClean="0">
+                <a:latin typeface="Consolas" panose="020B0609020204030204" pitchFamily="49" charset="0"/>
+                <a:cs typeface="Consolas" panose="020B0609020204030204" pitchFamily="49" charset="0"/>
+              </a:rPr>
+              <a:t>this_year</a:t>
+            </a:r>
+            <a:r>
+              <a:rPr lang="en-US" altLang="ko-KR" spc="-150" dirty="0" smtClean="0">
+                <a:latin typeface="Consolas" panose="020B0609020204030204" pitchFamily="49" charset="0"/>
+                <a:cs typeface="Consolas" panose="020B0609020204030204" pitchFamily="49" charset="0"/>
+              </a:rPr>
+              <a:t> + </a:t>
+            </a:r>
+            <a:r>
+              <a:rPr lang="en-US" altLang="ko-KR" spc="-150" dirty="0" err="1" smtClean="0">
+                <a:latin typeface="Consolas" panose="020B0609020204030204" pitchFamily="49" charset="0"/>
+                <a:cs typeface="Consolas" panose="020B0609020204030204" pitchFamily="49" charset="0"/>
+              </a:rPr>
+              <a:t>this_year</a:t>
+            </a:r>
+            <a:endParaRPr lang="en-US" altLang="ko-KR" spc="-150" dirty="0" smtClean="0">
+              <a:latin typeface="Consolas" panose="020B0609020204030204" pitchFamily="49" charset="0"/>
+              <a:cs typeface="Consolas" panose="020B0609020204030204" pitchFamily="49" charset="0"/>
+            </a:endParaRPr>
+          </a:p>
+          <a:p>
+            <a:pPr lvl="1"/>
+            <a:r>
+              <a:rPr lang="en-US" altLang="ko-KR" spc="-150" dirty="0" smtClean="0">
+                <a:latin typeface="Consolas" panose="020B0609020204030204" pitchFamily="49" charset="0"/>
+                <a:cs typeface="Consolas" panose="020B0609020204030204" pitchFamily="49" charset="0"/>
+              </a:rPr>
+              <a:t>print </a:t>
+            </a:r>
+            <a:r>
+              <a:rPr lang="en-US" altLang="ko-KR" spc="-150" dirty="0" err="1" smtClean="0">
+                <a:latin typeface="Consolas" panose="020B0609020204030204" pitchFamily="49" charset="0"/>
+                <a:cs typeface="Consolas" panose="020B0609020204030204" pitchFamily="49" charset="0"/>
+              </a:rPr>
+              <a:t>this_year_string</a:t>
+            </a:r>
+            <a:r>
+              <a:rPr lang="en-US" altLang="ko-KR" spc="-150" dirty="0" smtClean="0">
+                <a:latin typeface="Consolas" panose="020B0609020204030204" pitchFamily="49" charset="0"/>
+                <a:cs typeface="Consolas" panose="020B0609020204030204" pitchFamily="49" charset="0"/>
+              </a:rPr>
+              <a:t> + </a:t>
+            </a:r>
+            <a:r>
+              <a:rPr lang="en-US" altLang="ko-KR" spc="-150" dirty="0" err="1" smtClean="0">
+                <a:latin typeface="Consolas" panose="020B0609020204030204" pitchFamily="49" charset="0"/>
+                <a:cs typeface="Consolas" panose="020B0609020204030204" pitchFamily="49" charset="0"/>
+              </a:rPr>
+              <a:t>this_year_string</a:t>
+            </a:r>
+            <a:endParaRPr lang="ko-KR" altLang="en-US" spc="-150" dirty="0">
+              <a:latin typeface="Consolas" panose="020B0609020204030204" pitchFamily="49" charset="0"/>
+              <a:cs typeface="Consolas" panose="020B0609020204030204" pitchFamily="49" charset="0"/>
+            </a:endParaRPr>
           </a:p>
         </p:txBody>
       </p:sp>
     </p:spTree>
     <p:extLst>
       <p:ext uri="{BB962C8B-B14F-4D97-AF65-F5344CB8AC3E}">
-        <p14:creationId xmlns:p14="http://schemas.microsoft.com/office/powerpoint/2010/main" val="170748335"/>
+        <p14:creationId xmlns:p14="http://schemas.microsoft.com/office/powerpoint/2010/main" val="3541825908"/>
       </p:ext>
     </p:extLst>
   </p:cSld>
@@ -8331,15 +8252,24 @@
           <a:lstStyle/>
           <a:p>
             <a:r>
-              <a:rPr lang="en-US" altLang="ko-KR" spc="-150" dirty="0" smtClean="0">
-                <a:latin typeface="Consolas" panose="020B0609020204030204" pitchFamily="49" charset="0"/>
-                <a:cs typeface="Consolas" panose="020B0609020204030204" pitchFamily="49" charset="0"/>
-              </a:rPr>
-              <a:t>%s</a:t>
-            </a:r>
-            <a:r>
-              <a:rPr lang="ko-KR" altLang="en-US" dirty="0" smtClean="0"/>
-              <a:t>를 이용한 문자열 출력</a:t>
+              <a:rPr lang="en-US" altLang="ko-KR" dirty="0" smtClean="0"/>
+              <a:t>.</a:t>
+            </a:r>
+            <a:r>
+              <a:rPr lang="ko-KR" altLang="en-US" dirty="0" smtClean="0"/>
+              <a:t>이 필요한 </a:t>
+            </a:r>
+            <a:r>
+              <a:rPr lang="en-US" altLang="ko-KR" dirty="0" smtClean="0"/>
+              <a:t>method</a:t>
+            </a:r>
+            <a:r>
+              <a:rPr lang="ko-KR" altLang="en-US" dirty="0" smtClean="0"/>
+              <a:t>와 없는 </a:t>
+            </a:r>
+            <a:r>
+              <a:rPr lang="en-US" altLang="ko-KR" dirty="0" smtClean="0"/>
+              <a:t>function</a:t>
             </a:r>
             <a:endParaRPr lang="ko-KR" altLang="en-US" dirty="0"/>
           </a:p>
@@ -8365,33 +8295,47 @@
                 <a:latin typeface="Consolas" panose="020B0609020204030204" pitchFamily="49" charset="0"/>
                 <a:cs typeface="Consolas" panose="020B0609020204030204" pitchFamily="49" charset="0"/>
               </a:rPr>
-              <a:t>name = "Tom"</a:t>
-            </a:r>
-            <a:br>
-              <a:rPr lang="en-US" altLang="ko-KR" spc="-150" dirty="0" smtClean="0">
-                <a:latin typeface="Consolas" panose="020B0609020204030204" pitchFamily="49" charset="0"/>
-                <a:cs typeface="Consolas" panose="020B0609020204030204" pitchFamily="49" charset="0"/>
-              </a:rPr>
-            </a:br>
-            <a:r>
-              <a:rPr lang="en-US" altLang="ko-KR" spc="-150" dirty="0" smtClean="0">
-                <a:latin typeface="Consolas" panose="020B0609020204030204" pitchFamily="49" charset="0"/>
-                <a:cs typeface="Consolas" panose="020B0609020204030204" pitchFamily="49" charset="0"/>
-              </a:rPr>
-              <a:t>home = "New York"</a:t>
-            </a:r>
-            <a:br>
-              <a:rPr lang="en-US" altLang="ko-KR" spc="-150" dirty="0" smtClean="0">
-                <a:latin typeface="Consolas" panose="020B0609020204030204" pitchFamily="49" charset="0"/>
-                <a:cs typeface="Consolas" panose="020B0609020204030204" pitchFamily="49" charset="0"/>
-              </a:rPr>
-            </a:br>
-            <a:r>
-              <a:rPr lang="en-US" altLang="ko-KR" spc="-150" dirty="0" smtClean="0">
-                <a:latin typeface="Consolas" panose="020B0609020204030204" pitchFamily="49" charset="0"/>
-                <a:cs typeface="Consolas" panose="020B0609020204030204" pitchFamily="49" charset="0"/>
-              </a:rPr>
-              <a:t>print "My name is %s and I am from %s." %(name, home)</a:t>
+              <a:t>lower()</a:t>
+            </a:r>
+            <a:r>
+              <a:rPr lang="ko-KR" altLang="en-US" dirty="0" smtClean="0"/>
+              <a:t>와 </a:t>
+            </a:r>
+            <a:r>
+              <a:rPr lang="en-US" altLang="ko-KR" spc="-150" dirty="0" smtClean="0"/>
+              <a:t>upper() </a:t>
+            </a:r>
+            <a:r>
+              <a:rPr lang="ko-KR" altLang="en-US" dirty="0" smtClean="0"/>
+              <a:t>등의</a:t>
+            </a:r>
+            <a:r>
+              <a:rPr lang="en-US" altLang="ko-KR" dirty="0" smtClean="0"/>
+              <a:t> method</a:t>
+            </a:r>
+            <a:r>
+              <a:rPr lang="ko-KR" altLang="en-US" dirty="0" smtClean="0"/>
+              <a:t>는 </a:t>
+            </a:r>
+            <a:r>
+              <a:rPr lang="en-US" altLang="ko-KR" dirty="0" smtClean="0"/>
+              <a:t>dot(.)</a:t>
+            </a:r>
+            <a:r>
+              <a:rPr lang="ko-KR" altLang="en-US" dirty="0" smtClean="0"/>
+              <a:t>을 이용하며 </a:t>
+            </a:r>
+            <a:r>
+              <a:rPr lang="en-US" altLang="ko-KR" dirty="0" smtClean="0"/>
+              <a:t>string</a:t>
+            </a:r>
+            <a:r>
+              <a:rPr lang="ko-KR" altLang="en-US" dirty="0" smtClean="0"/>
+              <a:t>에 종속된 </a:t>
+            </a:r>
+            <a:r>
+              <a:rPr lang="en-US" altLang="ko-KR" dirty="0" smtClean="0"/>
+              <a:t>method</a:t>
             </a:r>
           </a:p>
           <a:p>
@@ -8399,37 +8343,78 @@
           </a:p>
           <a:p>
             <a:r>
-              <a:rPr lang="en-US" altLang="ko-KR" spc="-150" dirty="0" smtClean="0">
-                <a:latin typeface="Consolas" panose="020B0609020204030204" pitchFamily="49" charset="0"/>
-                <a:cs typeface="Consolas" panose="020B0609020204030204" pitchFamily="49" charset="0"/>
-              </a:rPr>
-              <a:t>%s</a:t>
-            </a:r>
-            <a:r>
-              <a:rPr lang="ko-KR" altLang="en-US" dirty="0" smtClean="0"/>
-              <a:t>의 자리에 뒤에 따라오는 </a:t>
-            </a:r>
-            <a:r>
-              <a:rPr lang="en-US" altLang="ko-KR" dirty="0" smtClean="0">
-                <a:latin typeface="Consolas" panose="020B0609020204030204" pitchFamily="49" charset="0"/>
-                <a:cs typeface="Consolas" panose="020B0609020204030204" pitchFamily="49" charset="0"/>
-              </a:rPr>
-              <a:t>name</a:t>
-            </a:r>
-            <a:r>
-              <a:rPr lang="ko-KR" altLang="en-US" dirty="0" smtClean="0"/>
-              <a:t>과 </a:t>
-            </a:r>
-            <a:r>
-              <a:rPr lang="en-US" altLang="ko-KR" dirty="0" smtClean="0">
-                <a:latin typeface="Consolas" panose="020B0609020204030204" pitchFamily="49" charset="0"/>
-                <a:cs typeface="Consolas" panose="020B0609020204030204" pitchFamily="49" charset="0"/>
-              </a:rPr>
-              <a:t>home</a:t>
-            </a:r>
-            <a:r>
-              <a:rPr lang="ko-KR" altLang="en-US" dirty="0" smtClean="0"/>
-              <a:t>의 문자열이 들어감</a:t>
+              <a:rPr lang="en-US" altLang="ko-KR" spc="-150" dirty="0" err="1" smtClean="0">
+                <a:latin typeface="Consolas" panose="020B0609020204030204" pitchFamily="49" charset="0"/>
+                <a:cs typeface="Consolas" panose="020B0609020204030204" pitchFamily="49" charset="0"/>
+              </a:rPr>
+              <a:t>str</a:t>
+            </a:r>
+            <a:r>
+              <a:rPr lang="en-US" altLang="ko-KR" spc="-150" dirty="0" smtClean="0">
+                <a:latin typeface="Consolas" panose="020B0609020204030204" pitchFamily="49" charset="0"/>
+                <a:cs typeface="Consolas" panose="020B0609020204030204" pitchFamily="49" charset="0"/>
+              </a:rPr>
+              <a:t>(), </a:t>
+            </a:r>
+            <a:r>
+              <a:rPr lang="en-US" altLang="ko-KR" spc="-150" dirty="0" err="1" smtClean="0">
+                <a:latin typeface="Consolas" panose="020B0609020204030204" pitchFamily="49" charset="0"/>
+                <a:cs typeface="Consolas" panose="020B0609020204030204" pitchFamily="49" charset="0"/>
+              </a:rPr>
+              <a:t>len</a:t>
+            </a:r>
+            <a:r>
+              <a:rPr lang="en-US" altLang="ko-KR" spc="-150" dirty="0" smtClean="0">
+                <a:latin typeface="Consolas" panose="020B0609020204030204" pitchFamily="49" charset="0"/>
+                <a:cs typeface="Consolas" panose="020B0609020204030204" pitchFamily="49" charset="0"/>
+              </a:rPr>
+              <a:t>()</a:t>
+            </a:r>
+            <a:r>
+              <a:rPr lang="en-US" altLang="ko-KR" dirty="0" smtClean="0"/>
+              <a:t> </a:t>
+            </a:r>
+            <a:r>
+              <a:rPr lang="ko-KR" altLang="en-US" dirty="0" smtClean="0"/>
+              <a:t>등은 </a:t>
+            </a:r>
+            <a:r>
+              <a:rPr lang="en-US" altLang="ko-KR" dirty="0" smtClean="0"/>
+              <a:t>dot(.)</a:t>
+            </a:r>
+            <a:r>
+              <a:rPr lang="ko-KR" altLang="en-US" dirty="0" smtClean="0"/>
+              <a:t>을 이용하지 않으며 괄호 안의 인자에 여러 형태의 </a:t>
+            </a:r>
+            <a:r>
+              <a:rPr lang="ko-KR" altLang="en-US" dirty="0" err="1" smtClean="0"/>
+              <a:t>데이터형이</a:t>
+            </a:r>
+            <a:r>
+              <a:rPr lang="ko-KR" altLang="en-US" dirty="0" smtClean="0"/>
+              <a:t> 올 수 있음</a:t>
+            </a:r>
+            <a:endParaRPr lang="en-US" altLang="ko-KR" dirty="0" smtClean="0"/>
+          </a:p>
+          <a:p>
+            <a:endParaRPr lang="en-US" altLang="ko-KR" dirty="0"/>
+          </a:p>
+          <a:p>
+            <a:r>
+              <a:rPr lang="en-US" altLang="ko-KR" dirty="0" smtClean="0"/>
+              <a:t>method</a:t>
+            </a:r>
+            <a:r>
+              <a:rPr lang="ko-KR" altLang="en-US" dirty="0" smtClean="0"/>
+              <a:t>와 </a:t>
+            </a:r>
+            <a:r>
+              <a:rPr lang="en-US" altLang="ko-KR" dirty="0" smtClean="0"/>
+              <a:t>function</a:t>
+            </a:r>
+            <a:r>
+              <a:rPr lang="ko-KR" altLang="en-US" dirty="0" smtClean="0"/>
+              <a:t>에 대해 다음에 더 자세히 알아보자</a:t>
             </a:r>
             <a:endParaRPr lang="ko-KR" altLang="en-US" dirty="0"/>
           </a:p>
@@ -8438,7 +8423,7 @@
     </p:spTree>
     <p:extLst>
       <p:ext uri="{BB962C8B-B14F-4D97-AF65-F5344CB8AC3E}">
-        <p14:creationId xmlns:p14="http://schemas.microsoft.com/office/powerpoint/2010/main" val="1376357628"/>
+        <p14:creationId xmlns:p14="http://schemas.microsoft.com/office/powerpoint/2010/main" val="170748335"/>
       </p:ext>
     </p:extLst>
   </p:cSld>
@@ -8481,8 +8466,15 @@
           <a:lstStyle/>
           <a:p>
             <a:r>
-              <a:rPr lang="ko-KR" altLang="en-US" dirty="0" smtClean="0"/>
-              <a:t>문자열 입력</a:t>
+              <a:rPr lang="en-US" altLang="ko-KR" spc="-150" dirty="0" smtClean="0">
+                <a:latin typeface="Consolas" panose="020B0609020204030204" pitchFamily="49" charset="0"/>
+                <a:cs typeface="Consolas" panose="020B0609020204030204" pitchFamily="49" charset="0"/>
+              </a:rPr>
+              <a:t>%s</a:t>
+            </a:r>
+            <a:r>
+              <a:rPr lang="ko-KR" altLang="en-US" dirty="0" smtClean="0"/>
+              <a:t>를 이용한 문자열 출력</a:t>
             </a:r>
             <a:endParaRPr lang="ko-KR" altLang="en-US" dirty="0"/>
           </a:p>
@@ -8504,60 +8496,37 @@
           <a:lstStyle/>
           <a:p>
             <a:r>
-              <a:rPr lang="en-US" altLang="ko-KR" dirty="0" smtClean="0"/>
-              <a:t>Python 2.x </a:t>
-            </a:r>
-            <a:r>
-              <a:rPr lang="ko-KR" altLang="en-US" dirty="0" smtClean="0"/>
-              <a:t>에서는 </a:t>
-            </a:r>
-            <a:r>
-              <a:rPr lang="en-US" altLang="ko-KR" spc="-150" dirty="0" err="1" smtClean="0">
-                <a:latin typeface="Consolas" panose="020B0609020204030204" pitchFamily="49" charset="0"/>
-              </a:rPr>
-              <a:t>raw_input</a:t>
-            </a:r>
-            <a:r>
-              <a:rPr lang="en-US" altLang="ko-KR" dirty="0"/>
-              <a:t> </a:t>
-            </a:r>
-            <a:r>
-              <a:rPr lang="ko-KR" altLang="en-US" dirty="0" smtClean="0"/>
-              <a:t>함수를 이용하여 문자열을 </a:t>
-            </a:r>
-            <a:r>
-              <a:rPr lang="ko-KR" altLang="en-US" dirty="0" err="1" smtClean="0"/>
-              <a:t>입력받는다</a:t>
-            </a:r>
-            <a:r>
-              <a:rPr lang="en-US" altLang="ko-KR" dirty="0" smtClean="0"/>
-              <a:t>.</a:t>
-            </a:r>
-          </a:p>
-          <a:p>
-            <a:r>
-              <a:rPr lang="en-US" altLang="ko-KR" spc="-150" dirty="0" err="1" smtClean="0">
-                <a:latin typeface="Consolas" panose="020B0609020204030204" pitchFamily="49" charset="0"/>
-              </a:rPr>
-              <a:t>raw_input</a:t>
-            </a:r>
-            <a:r>
-              <a:rPr lang="en-US" altLang="ko-KR" spc="-150" dirty="0" smtClean="0">
-                <a:latin typeface="Consolas" panose="020B0609020204030204" pitchFamily="49" charset="0"/>
-              </a:rPr>
-              <a:t>()</a:t>
-            </a:r>
-            <a:r>
-              <a:rPr lang="ko-KR" altLang="en-US" spc="-150" dirty="0" smtClean="0">
-                <a:latin typeface="Consolas" panose="020B0609020204030204" pitchFamily="49" charset="0"/>
-              </a:rPr>
-              <a:t>의 괄호 안에는 문자열 입력 전 화면에 보여주고 싶은 문장을 입력한다</a:t>
-            </a:r>
-            <a:r>
-              <a:rPr lang="en-US" altLang="ko-KR" spc="-150" dirty="0" smtClean="0">
-                <a:latin typeface="Consolas" panose="020B0609020204030204" pitchFamily="49" charset="0"/>
-              </a:rPr>
-              <a:t>.</a:t>
+              <a:rPr lang="en-US" altLang="ko-KR" spc="-150" dirty="0" smtClean="0">
+                <a:latin typeface="Consolas" panose="020B0609020204030204" pitchFamily="49" charset="0"/>
+                <a:cs typeface="Consolas" panose="020B0609020204030204" pitchFamily="49" charset="0"/>
+              </a:rPr>
+              <a:t>name = "Tom"</a:t>
+            </a:r>
+            <a:br>
+              <a:rPr lang="en-US" altLang="ko-KR" spc="-150" dirty="0" smtClean="0">
+                <a:latin typeface="Consolas" panose="020B0609020204030204" pitchFamily="49" charset="0"/>
+                <a:cs typeface="Consolas" panose="020B0609020204030204" pitchFamily="49" charset="0"/>
+              </a:rPr>
+            </a:br>
+            <a:r>
+              <a:rPr lang="en-US" altLang="ko-KR" spc="-150" dirty="0" smtClean="0">
+                <a:latin typeface="Consolas" panose="020B0609020204030204" pitchFamily="49" charset="0"/>
+                <a:cs typeface="Consolas" panose="020B0609020204030204" pitchFamily="49" charset="0"/>
+              </a:rPr>
+              <a:t>home = "New York"</a:t>
+            </a:r>
+            <a:br>
+              <a:rPr lang="en-US" altLang="ko-KR" spc="-150" dirty="0" smtClean="0">
+                <a:latin typeface="Consolas" panose="020B0609020204030204" pitchFamily="49" charset="0"/>
+                <a:cs typeface="Consolas" panose="020B0609020204030204" pitchFamily="49" charset="0"/>
+              </a:rPr>
+            </a:br>
+            <a:r>
+              <a:rPr lang="en-US" altLang="ko-KR" spc="-150" dirty="0" smtClean="0">
+                <a:latin typeface="Consolas" panose="020B0609020204030204" pitchFamily="49" charset="0"/>
+                <a:cs typeface="Consolas" panose="020B0609020204030204" pitchFamily="49" charset="0"/>
+              </a:rPr>
+              <a:t>print "My name is %s and I am from %s." %(name, home)</a:t>
             </a:r>
           </a:p>
           <a:p>
@@ -8567,48 +8536,44 @@
             <a:r>
               <a:rPr lang="en-US" altLang="ko-KR" spc="-150" dirty="0" smtClean="0">
                 <a:latin typeface="Consolas" panose="020B0609020204030204" pitchFamily="49" charset="0"/>
-              </a:rPr>
-              <a:t>name = </a:t>
-            </a:r>
-            <a:r>
-              <a:rPr lang="en-US" altLang="ko-KR" spc="-150" dirty="0" err="1" smtClean="0">
-                <a:latin typeface="Consolas" panose="020B0609020204030204" pitchFamily="49" charset="0"/>
-              </a:rPr>
-              <a:t>raw_input</a:t>
-            </a:r>
-            <a:r>
-              <a:rPr lang="en-US" altLang="ko-KR" spc="-150" dirty="0" smtClean="0">
-                <a:latin typeface="Consolas" panose="020B0609020204030204" pitchFamily="49" charset="0"/>
-              </a:rPr>
-              <a:t>('Enter your name: ')</a:t>
-            </a:r>
-            <a:r>
-              <a:rPr lang="en-US" altLang="ko-KR" spc="-150" dirty="0">
-                <a:latin typeface="Consolas" panose="020B0609020204030204" pitchFamily="49" charset="0"/>
-              </a:rPr>
-              <a:t/>
-            </a:r>
-            <a:br>
-              <a:rPr lang="en-US" altLang="ko-KR" spc="-150" dirty="0">
-                <a:latin typeface="Consolas" panose="020B0609020204030204" pitchFamily="49" charset="0"/>
-              </a:rPr>
-            </a:br>
-            <a:r>
-              <a:rPr lang="en-US" altLang="ko-KR" spc="-150" dirty="0" smtClean="0">
-                <a:latin typeface="Consolas" panose="020B0609020204030204" pitchFamily="49" charset="0"/>
-              </a:rPr>
-              <a:t>print 'Are you really ' + name + '?'</a:t>
-            </a:r>
-            <a:endParaRPr lang="ko-KR" altLang="en-US" spc="-150" dirty="0">
-              <a:latin typeface="Consolas" panose="020B0609020204030204" pitchFamily="49" charset="0"/>
-            </a:endParaRPr>
+                <a:cs typeface="Consolas" panose="020B0609020204030204" pitchFamily="49" charset="0"/>
+              </a:rPr>
+              <a:t>%s</a:t>
+            </a:r>
+            <a:r>
+              <a:rPr lang="ko-KR" altLang="en-US" dirty="0" smtClean="0"/>
+              <a:t>의 자리에 뒤에 따라오는 </a:t>
+            </a:r>
+            <a:r>
+              <a:rPr lang="en-US" altLang="ko-KR" dirty="0" smtClean="0">
+                <a:latin typeface="Consolas" panose="020B0609020204030204" pitchFamily="49" charset="0"/>
+                <a:cs typeface="Consolas" panose="020B0609020204030204" pitchFamily="49" charset="0"/>
+              </a:rPr>
+              <a:t>name</a:t>
+            </a:r>
+            <a:r>
+              <a:rPr lang="ko-KR" altLang="en-US" dirty="0" smtClean="0"/>
+              <a:t>과 </a:t>
+            </a:r>
+            <a:r>
+              <a:rPr lang="en-US" altLang="ko-KR" dirty="0" smtClean="0">
+                <a:latin typeface="Consolas" panose="020B0609020204030204" pitchFamily="49" charset="0"/>
+                <a:cs typeface="Consolas" panose="020B0609020204030204" pitchFamily="49" charset="0"/>
+              </a:rPr>
+              <a:t>home</a:t>
+            </a:r>
+            <a:r>
+              <a:rPr lang="ko-KR" altLang="en-US" dirty="0" smtClean="0"/>
+              <a:t>의 문자열이 들어감</a:t>
+            </a:r>
+            <a:endParaRPr lang="ko-KR" altLang="en-US" dirty="0"/>
           </a:p>
         </p:txBody>
       </p:sp>
     </p:spTree>
     <p:extLst>
       <p:ext uri="{BB962C8B-B14F-4D97-AF65-F5344CB8AC3E}">
-        <p14:creationId xmlns:p14="http://schemas.microsoft.com/office/powerpoint/2010/main" val="1128069983"/>
+        <p14:creationId xmlns:p14="http://schemas.microsoft.com/office/powerpoint/2010/main" val="1376357628"/>
       </p:ext>
     </p:extLst>
   </p:cSld>
@@ -8652,6 +8617,176 @@
           <a:p>
             <a:r>
               <a:rPr lang="ko-KR" altLang="en-US" dirty="0" smtClean="0"/>
+              <a:t>문자열 입력</a:t>
+            </a:r>
+            <a:endParaRPr lang="ko-KR" altLang="en-US" dirty="0"/>
+          </a:p>
+        </p:txBody>
+      </p:sp>
+      <p:sp>
+        <p:nvSpPr>
+          <p:cNvPr id="3" name="내용 개체 틀 2"/>
+          <p:cNvSpPr>
+            <a:spLocks noGrp="1"/>
+          </p:cNvSpPr>
+          <p:nvPr>
+            <p:ph idx="1"/>
+          </p:nvPr>
+        </p:nvSpPr>
+        <p:spPr/>
+        <p:txBody>
+          <a:bodyPr/>
+          <a:lstStyle/>
+          <a:p>
+            <a:r>
+              <a:rPr lang="en-US" altLang="ko-KR" dirty="0" smtClean="0"/>
+              <a:t>Python 2.x </a:t>
+            </a:r>
+            <a:r>
+              <a:rPr lang="ko-KR" altLang="en-US" dirty="0" smtClean="0"/>
+              <a:t>에서는 </a:t>
+            </a:r>
+            <a:r>
+              <a:rPr lang="en-US" altLang="ko-KR" spc="-150" dirty="0" err="1" smtClean="0">
+                <a:latin typeface="Consolas" panose="020B0609020204030204" pitchFamily="49" charset="0"/>
+              </a:rPr>
+              <a:t>raw_input</a:t>
+            </a:r>
+            <a:r>
+              <a:rPr lang="en-US" altLang="ko-KR" dirty="0"/>
+              <a:t> </a:t>
+            </a:r>
+            <a:r>
+              <a:rPr lang="ko-KR" altLang="en-US" dirty="0" smtClean="0"/>
+              <a:t>함수를 이용하여 문자열을 </a:t>
+            </a:r>
+            <a:r>
+              <a:rPr lang="ko-KR" altLang="en-US" dirty="0" err="1" smtClean="0"/>
+              <a:t>입력받는다</a:t>
+            </a:r>
+            <a:r>
+              <a:rPr lang="en-US" altLang="ko-KR" dirty="0" smtClean="0"/>
+              <a:t>.</a:t>
+            </a:r>
+          </a:p>
+          <a:p>
+            <a:r>
+              <a:rPr lang="en-US" altLang="ko-KR" spc="-150" dirty="0" err="1" smtClean="0">
+                <a:latin typeface="Consolas" panose="020B0609020204030204" pitchFamily="49" charset="0"/>
+              </a:rPr>
+              <a:t>raw_input</a:t>
+            </a:r>
+            <a:r>
+              <a:rPr lang="en-US" altLang="ko-KR" spc="-150" dirty="0" smtClean="0">
+                <a:latin typeface="Consolas" panose="020B0609020204030204" pitchFamily="49" charset="0"/>
+              </a:rPr>
+              <a:t>()</a:t>
+            </a:r>
+            <a:r>
+              <a:rPr lang="ko-KR" altLang="en-US" spc="-150" dirty="0" smtClean="0">
+                <a:latin typeface="Consolas" panose="020B0609020204030204" pitchFamily="49" charset="0"/>
+              </a:rPr>
+              <a:t>의 괄호 안에는 문자열 입력 전 화면에 보여주고 싶은 문장을 입력한다</a:t>
+            </a:r>
+            <a:r>
+              <a:rPr lang="en-US" altLang="ko-KR" spc="-150" dirty="0" smtClean="0">
+                <a:latin typeface="Consolas" panose="020B0609020204030204" pitchFamily="49" charset="0"/>
+              </a:rPr>
+              <a:t>.</a:t>
+            </a:r>
+          </a:p>
+          <a:p>
+            <a:endParaRPr lang="en-US" altLang="ko-KR" dirty="0"/>
+          </a:p>
+          <a:p>
+            <a:r>
+              <a:rPr lang="en-US" altLang="ko-KR" spc="-150" dirty="0" smtClean="0">
+                <a:latin typeface="Consolas" panose="020B0609020204030204" pitchFamily="49" charset="0"/>
+              </a:rPr>
+              <a:t>name = </a:t>
+            </a:r>
+            <a:r>
+              <a:rPr lang="en-US" altLang="ko-KR" spc="-150" dirty="0" err="1" smtClean="0">
+                <a:latin typeface="Consolas" panose="020B0609020204030204" pitchFamily="49" charset="0"/>
+              </a:rPr>
+              <a:t>raw_input</a:t>
+            </a:r>
+            <a:r>
+              <a:rPr lang="en-US" altLang="ko-KR" spc="-150" dirty="0" smtClean="0">
+                <a:latin typeface="Consolas" panose="020B0609020204030204" pitchFamily="49" charset="0"/>
+              </a:rPr>
+              <a:t>('Enter your name: ')</a:t>
+            </a:r>
+            <a:r>
+              <a:rPr lang="en-US" altLang="ko-KR" spc="-150" dirty="0">
+                <a:latin typeface="Consolas" panose="020B0609020204030204" pitchFamily="49" charset="0"/>
+              </a:rPr>
+              <a:t/>
+            </a:r>
+            <a:br>
+              <a:rPr lang="en-US" altLang="ko-KR" spc="-150" dirty="0">
+                <a:latin typeface="Consolas" panose="020B0609020204030204" pitchFamily="49" charset="0"/>
+              </a:rPr>
+            </a:br>
+            <a:r>
+              <a:rPr lang="en-US" altLang="ko-KR" spc="-150" dirty="0" smtClean="0">
+                <a:latin typeface="Consolas" panose="020B0609020204030204" pitchFamily="49" charset="0"/>
+              </a:rPr>
+              <a:t>print 'Are you really ' + name + '?'</a:t>
+            </a:r>
+            <a:endParaRPr lang="ko-KR" altLang="en-US" spc="-150" dirty="0">
+              <a:latin typeface="Consolas" panose="020B0609020204030204" pitchFamily="49" charset="0"/>
+            </a:endParaRPr>
+          </a:p>
+        </p:txBody>
+      </p:sp>
+    </p:spTree>
+    <p:extLst>
+      <p:ext uri="{BB962C8B-B14F-4D97-AF65-F5344CB8AC3E}">
+        <p14:creationId xmlns:p14="http://schemas.microsoft.com/office/powerpoint/2010/main" val="1128069983"/>
+      </p:ext>
+    </p:extLst>
+  </p:cSld>
+  <p:clrMapOvr>
+    <a:masterClrMapping/>
+  </p:clrMapOvr>
+</p:sld>
+</file>
+
+<file path=ppt/slides/slide35.xml><?xml version="1.0" encoding="utf-8"?>
+<p:sld xmlns:a="http://schemas.openxmlformats.org/drawingml/2006/main" xmlns:r="http://schemas.openxmlformats.org/officeDocument/2006/relationships" xmlns:p="http://schemas.openxmlformats.org/presentationml/2006/main">
+  <p:cSld>
+    <p:spTree>
+      <p:nvGrpSpPr>
+        <p:cNvPr id="1" name=""/>
+        <p:cNvGrpSpPr/>
+        <p:nvPr/>
+      </p:nvGrpSpPr>
+      <p:grpSpPr>
+        <a:xfrm>
+          <a:off x="0" y="0"/>
+          <a:ext cx="0" cy="0"/>
+          <a:chOff x="0" y="0"/>
+          <a:chExt cx="0" cy="0"/>
+        </a:xfrm>
+      </p:grpSpPr>
+      <p:sp>
+        <p:nvSpPr>
+          <p:cNvPr id="2" name="제목 1"/>
+          <p:cNvSpPr>
+            <a:spLocks noGrp="1"/>
+          </p:cNvSpPr>
+          <p:nvPr>
+            <p:ph type="title"/>
+          </p:nvPr>
+        </p:nvSpPr>
+        <p:spPr/>
+        <p:txBody>
+          <a:bodyPr/>
+          <a:lstStyle/>
+          <a:p>
+            <a:r>
+              <a:rPr lang="ko-KR" altLang="en-US" dirty="0" smtClean="0"/>
               <a:t>입력 받은 문자열 </a:t>
             </a:r>
             <a:r>
@@ -8891,7 +9026,7 @@
 </p:sld>
 </file>
 
-<file path=ppt/slides/slide35.xml><?xml version="1.0" encoding="utf-8"?>
+<file path=ppt/slides/slide36.xml><?xml version="1.0" encoding="utf-8"?>
 <p:sld xmlns:a="http://schemas.openxmlformats.org/drawingml/2006/main" xmlns:r="http://schemas.openxmlformats.org/officeDocument/2006/relationships" xmlns:p="http://schemas.openxmlformats.org/presentationml/2006/main">
   <p:cSld>
     <p:spTree>
@@ -9194,7 +9329,7 @@
 </p:sld>
 </file>
 
-<file path=ppt/slides/slide36.xml><?xml version="1.0" encoding="utf-8"?>
+<file path=ppt/slides/slide37.xml><?xml version="1.0" encoding="utf-8"?>
 <p:sld xmlns:a="http://schemas.openxmlformats.org/drawingml/2006/main" xmlns:r="http://schemas.openxmlformats.org/officeDocument/2006/relationships" xmlns:p="http://schemas.openxmlformats.org/presentationml/2006/main">
   <p:cSld>
     <p:spTree>
@@ -9406,147 +9541,121 @@
         </p:spPr>
         <p:txBody>
           <a:bodyPr>
-            <a:normAutofit fontScale="92500" lnSpcReduction="10000"/>
+            <a:normAutofit lnSpcReduction="10000"/>
           </a:bodyPr>
           <a:lstStyle/>
           <a:p>
             <a:r>
-              <a:rPr lang="ko-KR" altLang="en-US" dirty="0" err="1" smtClean="0"/>
+              <a:rPr lang="ko-KR" altLang="en-US" sz="2000" dirty="0" err="1" smtClean="0"/>
               <a:t>숫자형</a:t>
             </a:r>
             <a:r>
-              <a:rPr lang="ko-KR" altLang="en-US" dirty="0" smtClean="0"/>
+              <a:rPr lang="ko-KR" altLang="en-US" sz="2000" dirty="0" smtClean="0"/>
               <a:t> 데이터에 적용되는 연산</a:t>
             </a:r>
-            <a:endParaRPr lang="en-US" altLang="ko-KR" dirty="0" smtClean="0"/>
-          </a:p>
-          <a:p>
-            <a:r>
-              <a:rPr lang="ko-KR" altLang="en-US" dirty="0" smtClean="0"/>
+            <a:endParaRPr lang="en-US" altLang="ko-KR" sz="2000" dirty="0" smtClean="0"/>
+          </a:p>
+          <a:p>
+            <a:r>
+              <a:rPr lang="ko-KR" altLang="en-US" sz="2000" dirty="0" smtClean="0"/>
               <a:t>사칙연산</a:t>
             </a:r>
-            <a:endParaRPr lang="en-US" altLang="ko-KR" dirty="0" smtClean="0"/>
+            <a:endParaRPr lang="en-US" altLang="ko-KR" sz="2000" dirty="0" smtClean="0"/>
           </a:p>
           <a:p>
             <a:pPr lvl="1"/>
-            <a:r>
-              <a:rPr lang="en-US" altLang="ko-KR" dirty="0" smtClean="0">
-                <a:latin typeface="Consolas" panose="020B0609020204030204" pitchFamily="49" charset="0"/>
-                <a:cs typeface="Consolas" panose="020B0609020204030204" pitchFamily="49" charset="0"/>
-              </a:rPr>
-              <a:t>3+4</a:t>
-            </a:r>
-          </a:p>
-          <a:p>
-            <a:pPr lvl="2"/>
-            <a:r>
-              <a:rPr lang="en-US" altLang="ko-KR" dirty="0" smtClean="0">
-                <a:latin typeface="Consolas" panose="020B0609020204030204" pitchFamily="49" charset="0"/>
-                <a:cs typeface="Consolas" panose="020B0609020204030204" pitchFamily="49" charset="0"/>
-              </a:rPr>
-              <a:t>7</a:t>
-            </a:r>
+            <a:endParaRPr lang="en-US" altLang="ko-KR" sz="2000" dirty="0" smtClean="0">
+              <a:latin typeface="Consolas" panose="020B0609020204030204" pitchFamily="49" charset="0"/>
+              <a:cs typeface="Consolas" panose="020B0609020204030204" pitchFamily="49" charset="0"/>
+            </a:endParaRPr>
           </a:p>
           <a:p>
             <a:pPr lvl="1"/>
-            <a:r>
-              <a:rPr lang="en-US" altLang="ko-KR" dirty="0" smtClean="0">
-                <a:latin typeface="Consolas" panose="020B0609020204030204" pitchFamily="49" charset="0"/>
-                <a:cs typeface="Consolas" panose="020B0609020204030204" pitchFamily="49" charset="0"/>
-              </a:rPr>
-              <a:t>3-4</a:t>
-            </a:r>
-          </a:p>
-          <a:p>
-            <a:pPr lvl="2"/>
-            <a:r>
-              <a:rPr lang="en-US" altLang="ko-KR" dirty="0" smtClean="0">
-                <a:latin typeface="Consolas" panose="020B0609020204030204" pitchFamily="49" charset="0"/>
-                <a:cs typeface="Consolas" panose="020B0609020204030204" pitchFamily="49" charset="0"/>
-              </a:rPr>
-              <a:t>-1</a:t>
-            </a:r>
+            <a:endParaRPr lang="en-US" altLang="ko-KR" sz="2000" dirty="0">
+              <a:latin typeface="Consolas" panose="020B0609020204030204" pitchFamily="49" charset="0"/>
+              <a:cs typeface="Consolas" panose="020B0609020204030204" pitchFamily="49" charset="0"/>
+            </a:endParaRPr>
           </a:p>
           <a:p>
             <a:pPr lvl="1"/>
-            <a:r>
-              <a:rPr lang="en-US" altLang="ko-KR" dirty="0" smtClean="0">
-                <a:latin typeface="Consolas" panose="020B0609020204030204" pitchFamily="49" charset="0"/>
-                <a:cs typeface="Consolas" panose="020B0609020204030204" pitchFamily="49" charset="0"/>
-              </a:rPr>
-              <a:t>3*4</a:t>
-            </a:r>
-          </a:p>
-          <a:p>
-            <a:pPr lvl="2"/>
-            <a:r>
-              <a:rPr lang="en-US" altLang="ko-KR" dirty="0" smtClean="0">
-                <a:latin typeface="Consolas" panose="020B0609020204030204" pitchFamily="49" charset="0"/>
-                <a:cs typeface="Consolas" panose="020B0609020204030204" pitchFamily="49" charset="0"/>
-              </a:rPr>
-              <a:t>12</a:t>
-            </a:r>
+            <a:endParaRPr lang="en-US" altLang="ko-KR" sz="2000" dirty="0" smtClean="0">
+              <a:latin typeface="Consolas" panose="020B0609020204030204" pitchFamily="49" charset="0"/>
+              <a:cs typeface="Consolas" panose="020B0609020204030204" pitchFamily="49" charset="0"/>
+            </a:endParaRPr>
           </a:p>
           <a:p>
             <a:pPr lvl="1"/>
-            <a:r>
-              <a:rPr lang="en-US" altLang="ko-KR" dirty="0" smtClean="0">
-                <a:latin typeface="Consolas" panose="020B0609020204030204" pitchFamily="49" charset="0"/>
-                <a:cs typeface="Consolas" panose="020B0609020204030204" pitchFamily="49" charset="0"/>
-              </a:rPr>
-              <a:t>3/4</a:t>
-            </a:r>
-          </a:p>
-          <a:p>
-            <a:pPr lvl="2"/>
-            <a:r>
-              <a:rPr lang="en-US" altLang="ko-KR" dirty="0" smtClean="0">
-                <a:latin typeface="Consolas" panose="020B0609020204030204" pitchFamily="49" charset="0"/>
-                <a:cs typeface="Consolas" panose="020B0609020204030204" pitchFamily="49" charset="0"/>
-              </a:rPr>
-              <a:t>0</a:t>
-            </a:r>
+            <a:endParaRPr lang="en-US" altLang="ko-KR" sz="2000" dirty="0">
+              <a:latin typeface="Consolas" panose="020B0609020204030204" pitchFamily="49" charset="0"/>
+              <a:cs typeface="Consolas" panose="020B0609020204030204" pitchFamily="49" charset="0"/>
+            </a:endParaRPr>
           </a:p>
           <a:p>
             <a:pPr lvl="1"/>
-            <a:r>
-              <a:rPr lang="en-US" altLang="ko-KR" dirty="0" smtClean="0">
-                <a:latin typeface="Consolas" panose="020B0609020204030204" pitchFamily="49" charset="0"/>
-                <a:cs typeface="Consolas" panose="020B0609020204030204" pitchFamily="49" charset="0"/>
-              </a:rPr>
-              <a:t>3/4.0 </a:t>
-            </a:r>
-          </a:p>
-          <a:p>
-            <a:pPr lvl="2"/>
-            <a:r>
-              <a:rPr lang="en-US" altLang="ko-KR" dirty="0" smtClean="0">
-                <a:latin typeface="Consolas" panose="020B0609020204030204" pitchFamily="49" charset="0"/>
-                <a:cs typeface="Consolas" panose="020B0609020204030204" pitchFamily="49" charset="0"/>
-              </a:rPr>
-              <a:t>0.75</a:t>
-            </a:r>
+            <a:endParaRPr lang="en-US" altLang="ko-KR" sz="2000" dirty="0" smtClean="0">
+              <a:latin typeface="Consolas" panose="020B0609020204030204" pitchFamily="49" charset="0"/>
+              <a:cs typeface="Consolas" panose="020B0609020204030204" pitchFamily="49" charset="0"/>
+            </a:endParaRPr>
           </a:p>
           <a:p>
             <a:pPr lvl="1"/>
-            <a:r>
-              <a:rPr lang="en-US" altLang="ko-KR" dirty="0" smtClean="0">
-                <a:latin typeface="Consolas" panose="020B0609020204030204" pitchFamily="49" charset="0"/>
-                <a:cs typeface="Consolas" panose="020B0609020204030204" pitchFamily="49" charset="0"/>
-              </a:rPr>
-              <a:t>3.0/4</a:t>
-            </a:r>
-          </a:p>
-          <a:p>
-            <a:pPr lvl="2"/>
-            <a:r>
-              <a:rPr lang="en-US" altLang="ko-KR" dirty="0" smtClean="0">
-                <a:latin typeface="Consolas" panose="020B0609020204030204" pitchFamily="49" charset="0"/>
-                <a:cs typeface="Consolas" panose="020B0609020204030204" pitchFamily="49" charset="0"/>
-              </a:rPr>
-              <a:t>0.75</a:t>
-            </a:r>
-            <a:endParaRPr lang="ko-KR" altLang="en-US" dirty="0">
+            <a:endParaRPr lang="en-US" altLang="ko-KR" sz="2000" dirty="0">
+              <a:latin typeface="Consolas" panose="020B0609020204030204" pitchFamily="49" charset="0"/>
+              <a:cs typeface="Consolas" panose="020B0609020204030204" pitchFamily="49" charset="0"/>
+            </a:endParaRPr>
+          </a:p>
+          <a:p>
+            <a:pPr lvl="1"/>
+            <a:endParaRPr lang="en-US" altLang="ko-KR" sz="2000" dirty="0" smtClean="0">
+              <a:latin typeface="Consolas" panose="020B0609020204030204" pitchFamily="49" charset="0"/>
+              <a:cs typeface="Consolas" panose="020B0609020204030204" pitchFamily="49" charset="0"/>
+            </a:endParaRPr>
+          </a:p>
+          <a:p>
+            <a:pPr lvl="1"/>
+            <a:endParaRPr lang="en-US" altLang="ko-KR" sz="2000" dirty="0" smtClean="0">
+              <a:latin typeface="Consolas" panose="020B0609020204030204" pitchFamily="49" charset="0"/>
+              <a:cs typeface="Consolas" panose="020B0609020204030204" pitchFamily="49" charset="0"/>
+            </a:endParaRPr>
+          </a:p>
+          <a:p>
+            <a:pPr lvl="1"/>
+            <a:endParaRPr lang="en-US" altLang="ko-KR" sz="2000" dirty="0">
+              <a:latin typeface="Consolas" panose="020B0609020204030204" pitchFamily="49" charset="0"/>
+              <a:cs typeface="Consolas" panose="020B0609020204030204" pitchFamily="49" charset="0"/>
+            </a:endParaRPr>
+          </a:p>
+          <a:p>
+            <a:pPr lvl="1"/>
+            <a:endParaRPr lang="en-US" altLang="ko-KR" sz="2000" dirty="0" smtClean="0">
+              <a:latin typeface="Consolas" panose="020B0609020204030204" pitchFamily="49" charset="0"/>
+              <a:cs typeface="Consolas" panose="020B0609020204030204" pitchFamily="49" charset="0"/>
+            </a:endParaRPr>
+          </a:p>
+          <a:p>
+            <a:pPr lvl="1"/>
+            <a:endParaRPr lang="en-US" altLang="ko-KR" sz="1800" dirty="0" smtClean="0">
+              <a:latin typeface="Consolas" panose="020B0609020204030204" pitchFamily="49" charset="0"/>
+              <a:cs typeface="Consolas" panose="020B0609020204030204" pitchFamily="49" charset="0"/>
+            </a:endParaRPr>
+          </a:p>
+          <a:p>
+            <a:pPr lvl="1"/>
+            <a:endParaRPr lang="en-US" altLang="ko-KR" sz="1800" dirty="0" smtClean="0">
+              <a:latin typeface="Consolas" panose="020B0609020204030204" pitchFamily="49" charset="0"/>
+              <a:cs typeface="Consolas" panose="020B0609020204030204" pitchFamily="49" charset="0"/>
+            </a:endParaRPr>
+          </a:p>
+          <a:p>
+            <a:pPr lvl="1"/>
+            <a:r>
+              <a:rPr lang="ko-KR" altLang="en-US" sz="1800" dirty="0" smtClean="0">
+                <a:latin typeface="Consolas" panose="020B0609020204030204" pitchFamily="49" charset="0"/>
+                <a:cs typeface="Consolas" panose="020B0609020204030204" pitchFamily="49" charset="0"/>
+              </a:rPr>
+              <a:t>나누기는 뒷장에</a:t>
+            </a:r>
+            <a:endParaRPr lang="en-US" altLang="ko-KR" sz="1800" dirty="0" smtClean="0">
               <a:latin typeface="Consolas" panose="020B0609020204030204" pitchFamily="49" charset="0"/>
               <a:cs typeface="Consolas" panose="020B0609020204030204" pitchFamily="49" charset="0"/>
             </a:endParaRPr>
@@ -9571,95 +9680,68 @@
         </p:spPr>
         <p:txBody>
           <a:bodyPr>
-            <a:normAutofit fontScale="92500" lnSpcReduction="10000"/>
+            <a:normAutofit lnSpcReduction="10000"/>
           </a:bodyPr>
           <a:lstStyle/>
           <a:p>
-            <a:r>
-              <a:rPr lang="ko-KR" altLang="en-US" dirty="0" smtClean="0"/>
-              <a:t>나머지</a:t>
-            </a:r>
-            <a:endParaRPr lang="en-US" altLang="ko-KR" dirty="0" smtClean="0"/>
-          </a:p>
-          <a:p>
-            <a:pPr lvl="1"/>
-            <a:r>
-              <a:rPr lang="en-US" altLang="ko-KR" dirty="0" smtClean="0">
-                <a:latin typeface="Consolas" panose="020B0609020204030204" pitchFamily="49" charset="0"/>
-                <a:cs typeface="Consolas" panose="020B0609020204030204" pitchFamily="49" charset="0"/>
-              </a:rPr>
-              <a:t>5%2</a:t>
-            </a:r>
-          </a:p>
-          <a:p>
-            <a:pPr lvl="2"/>
-            <a:r>
-              <a:rPr lang="en-US" altLang="ko-KR" dirty="0" smtClean="0">
-                <a:latin typeface="Consolas" panose="020B0609020204030204" pitchFamily="49" charset="0"/>
-                <a:cs typeface="Consolas" panose="020B0609020204030204" pitchFamily="49" charset="0"/>
-              </a:rPr>
-              <a:t>1</a:t>
-            </a:r>
-          </a:p>
-          <a:p>
-            <a:r>
-              <a:rPr lang="ko-KR" altLang="en-US" dirty="0" smtClean="0"/>
-              <a:t>제곱</a:t>
-            </a:r>
-            <a:endParaRPr lang="en-US" altLang="ko-KR" dirty="0" smtClean="0"/>
-          </a:p>
-          <a:p>
-            <a:pPr lvl="1"/>
-            <a:r>
-              <a:rPr lang="en-US" altLang="ko-KR" dirty="0" smtClean="0">
-                <a:latin typeface="Consolas" panose="020B0609020204030204" pitchFamily="49" charset="0"/>
-                <a:cs typeface="Consolas" panose="020B0609020204030204" pitchFamily="49" charset="0"/>
-              </a:rPr>
-              <a:t>5**2</a:t>
-            </a:r>
-          </a:p>
-          <a:p>
-            <a:pPr lvl="2"/>
-            <a:r>
-              <a:rPr lang="en-US" altLang="ko-KR" dirty="0" smtClean="0">
-                <a:latin typeface="Consolas" panose="020B0609020204030204" pitchFamily="49" charset="0"/>
-                <a:cs typeface="Consolas" panose="020B0609020204030204" pitchFamily="49" charset="0"/>
-              </a:rPr>
-              <a:t>25</a:t>
-            </a:r>
-          </a:p>
-          <a:p>
-            <a:pPr lvl="1"/>
-            <a:r>
-              <a:rPr lang="en-US" altLang="ko-KR" dirty="0" smtClean="0">
-                <a:latin typeface="Consolas" panose="020B0609020204030204" pitchFamily="49" charset="0"/>
-                <a:cs typeface="Consolas" panose="020B0609020204030204" pitchFamily="49" charset="0"/>
-              </a:rPr>
-              <a:t>2**3</a:t>
-            </a:r>
-          </a:p>
-          <a:p>
-            <a:pPr lvl="2"/>
-            <a:r>
-              <a:rPr lang="en-US" altLang="ko-KR" dirty="0" smtClean="0">
-                <a:latin typeface="Consolas" panose="020B0609020204030204" pitchFamily="49" charset="0"/>
-                <a:cs typeface="Consolas" panose="020B0609020204030204" pitchFamily="49" charset="0"/>
-              </a:rPr>
-              <a:t>8</a:t>
-            </a:r>
-          </a:p>
-          <a:p>
-            <a:endParaRPr lang="en-US" altLang="ko-KR" dirty="0"/>
-          </a:p>
-          <a:p>
-            <a:r>
-              <a:rPr lang="ko-KR" altLang="en-US" dirty="0" smtClean="0"/>
-              <a:t>우선순위는 수학 규칙을 적용</a:t>
-            </a:r>
-            <a:endParaRPr lang="ko-KR" altLang="en-US" dirty="0"/>
-          </a:p>
-        </p:txBody>
-      </p:sp>
+            <a:endParaRPr lang="en-US" altLang="ko-KR" sz="2400" dirty="0"/>
+          </a:p>
+          <a:p>
+            <a:endParaRPr lang="en-US" altLang="ko-KR" sz="2400" dirty="0" smtClean="0"/>
+          </a:p>
+          <a:p>
+            <a:endParaRPr lang="en-US" altLang="ko-KR" sz="2400" dirty="0"/>
+          </a:p>
+        </p:txBody>
+      </p:sp>
+      <p:pic>
+        <p:nvPicPr>
+          <p:cNvPr id="5" name="그림 4"/>
+          <p:cNvPicPr>
+            <a:picLocks noChangeAspect="1"/>
+          </p:cNvPicPr>
+          <p:nvPr/>
+        </p:nvPicPr>
+        <p:blipFill>
+          <a:blip r:embed="rId2"/>
+          <a:stretch>
+            <a:fillRect/>
+          </a:stretch>
+        </p:blipFill>
+        <p:spPr>
+          <a:xfrm>
+            <a:off x="938393" y="2248810"/>
+            <a:ext cx="2065892" cy="3330502"/>
+          </a:xfrm>
+          <a:prstGeom prst="rect">
+            <a:avLst/>
+          </a:prstGeom>
+        </p:spPr>
+      </p:pic>
+      <p:pic>
+        <p:nvPicPr>
+          <p:cNvPr id="9" name="그림 8"/>
+          <p:cNvPicPr>
+            <a:picLocks noChangeAspect="1"/>
+          </p:cNvPicPr>
+          <p:nvPr/>
+        </p:nvPicPr>
+        <p:blipFill>
+          <a:blip r:embed="rId3"/>
+          <a:stretch>
+            <a:fillRect/>
+          </a:stretch>
+        </p:blipFill>
+        <p:spPr>
+          <a:xfrm>
+            <a:off x="5898719" y="1425146"/>
+            <a:ext cx="6202014" cy="4679253"/>
+          </a:xfrm>
+          <a:prstGeom prst="rect">
+            <a:avLst/>
+          </a:prstGeom>
+        </p:spPr>
+      </p:pic>
     </p:spTree>
     <p:extLst>
       <p:ext uri="{BB962C8B-B14F-4D97-AF65-F5344CB8AC3E}">
@@ -9700,19 +9782,14 @@
             <p:ph type="title"/>
           </p:nvPr>
         </p:nvSpPr>
-        <p:spPr>
-          <a:xfrm>
-            <a:off x="838200" y="365126"/>
-            <a:ext cx="10515600" cy="911740"/>
-          </a:xfrm>
-        </p:spPr>
+        <p:spPr/>
         <p:txBody>
           <a:bodyPr/>
           <a:lstStyle/>
           <a:p>
             <a:r>
               <a:rPr lang="ko-KR" altLang="en-US" dirty="0" smtClean="0"/>
-              <a:t>변수</a:t>
+              <a:t>나누기</a:t>
             </a:r>
             <a:endParaRPr lang="ko-KR" altLang="en-US" dirty="0"/>
           </a:p>
@@ -9725,225 +9802,157 @@
             <a:spLocks noGrp="1"/>
           </p:cNvSpPr>
           <p:nvPr>
-            <p:ph idx="1"/>
-          </p:nvPr>
-        </p:nvSpPr>
-        <p:spPr>
-          <a:xfrm>
-            <a:off x="838200" y="1474573"/>
-            <a:ext cx="10515600" cy="4702390"/>
-          </a:xfrm>
-        </p:spPr>
+            <p:ph sz="half" idx="1"/>
+          </p:nvPr>
+        </p:nvSpPr>
+        <p:spPr/>
         <p:txBody>
           <a:bodyPr>
-            <a:normAutofit fontScale="92500" lnSpcReduction="20000"/>
+            <a:normAutofit/>
           </a:bodyPr>
           <a:lstStyle/>
           <a:p>
             <a:r>
-              <a:rPr lang="ko-KR" altLang="en-US" sz="2400" dirty="0" smtClean="0"/>
-              <a:t>수학에서 </a:t>
+              <a:rPr lang="en-US" altLang="ko-KR" sz="2400" dirty="0"/>
+              <a:t>Python 2.x</a:t>
+            </a:r>
+            <a:r>
+              <a:rPr lang="ko-KR" altLang="en-US" sz="2400" dirty="0"/>
+              <a:t>에서는 </a:t>
+            </a:r>
+            <a:r>
+              <a:rPr lang="ko-KR" altLang="en-US" sz="2400" dirty="0" err="1"/>
+              <a:t>정수끼리</a:t>
+            </a:r>
+            <a:r>
+              <a:rPr lang="ko-KR" altLang="en-US" sz="2400" dirty="0"/>
+              <a:t> 나누기 연산의 결과는 정수로 나타난다</a:t>
+            </a:r>
+            <a:r>
+              <a:rPr lang="en-US" altLang="ko-KR" sz="2400" dirty="0"/>
+              <a:t>. </a:t>
+            </a:r>
+            <a:r>
+              <a:rPr lang="ko-KR" altLang="en-US" sz="2400" dirty="0"/>
+              <a:t>소수점 아래의 숫자는 버린다</a:t>
             </a:r>
             <a:r>
               <a:rPr lang="en-US" altLang="ko-KR" sz="2400" dirty="0" smtClean="0"/>
-              <a:t>x = 10 </a:t>
-            </a:r>
-            <a:r>
-              <a:rPr lang="ko-KR" altLang="en-US" sz="2400" dirty="0" smtClean="0"/>
-              <a:t>과 같이 변수와 그 값을 지정하듯이</a:t>
-            </a:r>
-            <a:r>
-              <a:rPr lang="en-US" altLang="ko-KR" sz="2400" dirty="0" smtClean="0"/>
-              <a:t>, </a:t>
-            </a:r>
-          </a:p>
-          <a:p>
-            <a:r>
-              <a:rPr lang="en-US" altLang="ko-KR" sz="2400" dirty="0" smtClean="0"/>
-              <a:t>Python</a:t>
-            </a:r>
-            <a:r>
-              <a:rPr lang="ko-KR" altLang="en-US" sz="2400" dirty="0" smtClean="0"/>
-              <a:t>에서도 등호</a:t>
-            </a:r>
-            <a:r>
-              <a:rPr lang="en-US" altLang="ko-KR" sz="2400" dirty="0" smtClean="0"/>
-              <a:t>(=)</a:t>
-            </a:r>
-            <a:r>
-              <a:rPr lang="ko-KR" altLang="en-US" sz="2400" dirty="0" smtClean="0"/>
-              <a:t>를 이용하여 변수의 값 지정</a:t>
-            </a:r>
-            <a:endParaRPr lang="en-US" altLang="ko-KR" sz="2400" dirty="0" smtClean="0"/>
-          </a:p>
-          <a:p>
-            <a:endParaRPr lang="en-US" altLang="ko-KR" dirty="0" smtClean="0"/>
-          </a:p>
-          <a:p>
-            <a:r>
-              <a:rPr lang="en-US" altLang="ko-KR" dirty="0" err="1" smtClean="0"/>
-              <a:t>IPython</a:t>
-            </a:r>
-            <a:r>
-              <a:rPr lang="en-US" altLang="ko-KR" dirty="0" smtClean="0"/>
-              <a:t> console</a:t>
-            </a:r>
-            <a:r>
-              <a:rPr lang="ko-KR" altLang="en-US" dirty="0" smtClean="0"/>
-              <a:t>에서 다음의 표현들을 입력해 보자</a:t>
-            </a:r>
-            <a:r>
-              <a:rPr lang="en-US" altLang="ko-KR" dirty="0" smtClean="0"/>
-              <a:t>. (</a:t>
-            </a:r>
-            <a:r>
-              <a:rPr lang="ko-KR" altLang="en-US" dirty="0" err="1" smtClean="0"/>
-              <a:t>변수명이</a:t>
-            </a:r>
-            <a:r>
-              <a:rPr lang="ko-KR" altLang="en-US" dirty="0" smtClean="0"/>
-              <a:t> 왼쪽</a:t>
-            </a:r>
-            <a:r>
-              <a:rPr lang="en-US" altLang="ko-KR" dirty="0" smtClean="0"/>
-              <a:t>)</a:t>
-            </a:r>
-            <a:endParaRPr lang="en-US" altLang="ko-KR" dirty="0"/>
-          </a:p>
-          <a:p>
-            <a:r>
-              <a:rPr lang="en-US" altLang="ko-KR" spc="-150" dirty="0" err="1" smtClean="0">
-                <a:latin typeface="Consolas" panose="020B0609020204030204" pitchFamily="49" charset="0"/>
-                <a:cs typeface="Consolas" panose="020B0609020204030204" pitchFamily="49" charset="0"/>
-              </a:rPr>
-              <a:t>my_integer</a:t>
-            </a:r>
-            <a:r>
-              <a:rPr lang="en-US" altLang="ko-KR" spc="-150" dirty="0" smtClean="0">
-                <a:latin typeface="Consolas" panose="020B0609020204030204" pitchFamily="49" charset="0"/>
-                <a:cs typeface="Consolas" panose="020B0609020204030204" pitchFamily="49" charset="0"/>
-              </a:rPr>
-              <a:t> = 10</a:t>
+              <a:t>.</a:t>
+            </a:r>
+          </a:p>
+          <a:p>
+            <a:r>
+              <a:rPr lang="en-US" altLang="ko-KR" dirty="0" smtClean="0">
+                <a:latin typeface="Consolas" panose="020B0609020204030204" pitchFamily="49" charset="0"/>
+                <a:cs typeface="Consolas" panose="020B0609020204030204" pitchFamily="49" charset="0"/>
+              </a:rPr>
+              <a:t>3/4</a:t>
             </a:r>
           </a:p>
           <a:p>
             <a:pPr lvl="1"/>
             <a:r>
-              <a:rPr lang="ko-KR" altLang="en-US" dirty="0" smtClean="0"/>
-              <a:t>정수형 변수 지정</a:t>
-            </a:r>
-            <a:endParaRPr lang="en-US" altLang="ko-KR" dirty="0" smtClean="0"/>
-          </a:p>
-          <a:p>
-            <a:r>
-              <a:rPr lang="en-US" altLang="ko-KR" spc="-150" dirty="0" err="1" smtClean="0">
-                <a:latin typeface="Consolas" panose="020B0609020204030204" pitchFamily="49" charset="0"/>
-                <a:cs typeface="Consolas" panose="020B0609020204030204" pitchFamily="49" charset="0"/>
-              </a:rPr>
-              <a:t>my_number</a:t>
-            </a:r>
-            <a:r>
-              <a:rPr lang="en-US" altLang="ko-KR" spc="-150" dirty="0" smtClean="0">
-                <a:latin typeface="Consolas" panose="020B0609020204030204" pitchFamily="49" charset="0"/>
-                <a:cs typeface="Consolas" panose="020B0609020204030204" pitchFamily="49" charset="0"/>
-              </a:rPr>
-              <a:t> = 5.2</a:t>
+              <a:rPr lang="en-US" altLang="ko-KR" dirty="0" smtClean="0">
+                <a:latin typeface="Consolas" panose="020B0609020204030204" pitchFamily="49" charset="0"/>
+                <a:cs typeface="Consolas" panose="020B0609020204030204" pitchFamily="49" charset="0"/>
+              </a:rPr>
+              <a:t>0</a:t>
+            </a:r>
+            <a:endParaRPr lang="en-US" altLang="ko-KR" dirty="0">
+              <a:latin typeface="Consolas" panose="020B0609020204030204" pitchFamily="49" charset="0"/>
+              <a:cs typeface="Consolas" panose="020B0609020204030204" pitchFamily="49" charset="0"/>
+            </a:endParaRPr>
+          </a:p>
+          <a:p>
+            <a:r>
+              <a:rPr lang="en-US" altLang="ko-KR" dirty="0">
+                <a:latin typeface="Consolas" panose="020B0609020204030204" pitchFamily="49" charset="0"/>
+                <a:cs typeface="Consolas" panose="020B0609020204030204" pitchFamily="49" charset="0"/>
+              </a:rPr>
+              <a:t>3/4.0 </a:t>
             </a:r>
           </a:p>
           <a:p>
             <a:pPr lvl="1"/>
             <a:r>
-              <a:rPr lang="ko-KR" altLang="en-US" dirty="0" err="1" smtClean="0"/>
-              <a:t>실수형</a:t>
-            </a:r>
-            <a:r>
-              <a:rPr lang="ko-KR" altLang="en-US" dirty="0" smtClean="0"/>
-              <a:t> 변수 지정</a:t>
-            </a:r>
-            <a:endParaRPr lang="en-US" altLang="ko-KR" dirty="0" smtClean="0"/>
-          </a:p>
-          <a:p>
-            <a:r>
-              <a:rPr lang="en-US" altLang="ko-KR" spc="-150" dirty="0" err="1" smtClean="0">
-                <a:latin typeface="Consolas" panose="020B0609020204030204" pitchFamily="49" charset="0"/>
-                <a:cs typeface="Consolas" panose="020B0609020204030204" pitchFamily="49" charset="0"/>
-              </a:rPr>
-              <a:t>my_string</a:t>
-            </a:r>
-            <a:r>
-              <a:rPr lang="en-US" altLang="ko-KR" spc="-150" dirty="0" smtClean="0">
-                <a:latin typeface="Consolas" panose="020B0609020204030204" pitchFamily="49" charset="0"/>
-                <a:cs typeface="Consolas" panose="020B0609020204030204" pitchFamily="49" charset="0"/>
-              </a:rPr>
-              <a:t> = "Statistics"</a:t>
+              <a:rPr lang="en-US" altLang="ko-KR" dirty="0">
+                <a:latin typeface="Consolas" panose="020B0609020204030204" pitchFamily="49" charset="0"/>
+                <a:cs typeface="Consolas" panose="020B0609020204030204" pitchFamily="49" charset="0"/>
+              </a:rPr>
+              <a:t>0.75</a:t>
+            </a:r>
+          </a:p>
+          <a:p>
+            <a:r>
+              <a:rPr lang="en-US" altLang="ko-KR" dirty="0">
+                <a:latin typeface="Consolas" panose="020B0609020204030204" pitchFamily="49" charset="0"/>
+                <a:cs typeface="Consolas" panose="020B0609020204030204" pitchFamily="49" charset="0"/>
+              </a:rPr>
+              <a:t>3.0/4</a:t>
             </a:r>
           </a:p>
           <a:p>
             <a:pPr lvl="1"/>
             <a:r>
-              <a:rPr lang="ko-KR" altLang="en-US" dirty="0" smtClean="0"/>
-              <a:t>문자열 변수 지정</a:t>
-            </a:r>
-            <a:endParaRPr lang="en-US" altLang="ko-KR" dirty="0" smtClean="0"/>
-          </a:p>
-          <a:p>
-            <a:r>
-              <a:rPr lang="en-US" altLang="ko-KR" spc="-150" dirty="0" err="1" smtClean="0">
-                <a:latin typeface="Consolas" panose="020B0609020204030204" pitchFamily="49" charset="0"/>
-                <a:cs typeface="Consolas" panose="020B0609020204030204" pitchFamily="49" charset="0"/>
-              </a:rPr>
-              <a:t>my_bool</a:t>
-            </a:r>
-            <a:r>
-              <a:rPr lang="en-US" altLang="ko-KR" spc="-150" dirty="0" smtClean="0">
-                <a:latin typeface="Consolas" panose="020B0609020204030204" pitchFamily="49" charset="0"/>
-                <a:cs typeface="Consolas" panose="020B0609020204030204" pitchFamily="49" charset="0"/>
-              </a:rPr>
-              <a:t> = True</a:t>
+              <a:rPr lang="en-US" altLang="ko-KR" dirty="0">
+                <a:latin typeface="Consolas" panose="020B0609020204030204" pitchFamily="49" charset="0"/>
+                <a:cs typeface="Consolas" panose="020B0609020204030204" pitchFamily="49" charset="0"/>
+              </a:rPr>
+              <a:t>0.75</a:t>
+            </a:r>
+            <a:endParaRPr lang="ko-KR" altLang="en-US" dirty="0">
+              <a:latin typeface="Consolas" panose="020B0609020204030204" pitchFamily="49" charset="0"/>
+              <a:cs typeface="Consolas" panose="020B0609020204030204" pitchFamily="49" charset="0"/>
+            </a:endParaRPr>
+          </a:p>
+          <a:p>
+            <a:endParaRPr lang="ko-KR" altLang="en-US" dirty="0"/>
+          </a:p>
+        </p:txBody>
+      </p:sp>
+      <p:sp>
+        <p:nvSpPr>
+          <p:cNvPr id="4" name="내용 개체 틀 3"/>
+          <p:cNvSpPr>
+            <a:spLocks noGrp="1"/>
+          </p:cNvSpPr>
+          <p:nvPr>
+            <p:ph sz="half" idx="2"/>
+          </p:nvPr>
+        </p:nvSpPr>
+        <p:spPr/>
+        <p:txBody>
+          <a:bodyPr>
+            <a:normAutofit/>
+          </a:bodyPr>
+          <a:lstStyle/>
+          <a:p>
+            <a:r>
+              <a:rPr lang="en-US" altLang="ko-KR" dirty="0" smtClean="0"/>
+              <a:t>Python 3.x</a:t>
+            </a:r>
+          </a:p>
+          <a:p>
+            <a:r>
+              <a:rPr lang="en-US" altLang="ko-KR" dirty="0" smtClean="0"/>
+              <a:t>3/4</a:t>
             </a:r>
           </a:p>
           <a:p>
             <a:pPr lvl="1"/>
             <a:r>
-              <a:rPr lang="ko-KR" altLang="en-US" dirty="0" err="1" smtClean="0"/>
-              <a:t>부울형</a:t>
-            </a:r>
-            <a:r>
-              <a:rPr lang="ko-KR" altLang="en-US" dirty="0" smtClean="0"/>
-              <a:t> 변수 지정</a:t>
-            </a:r>
-            <a:endParaRPr lang="en-US" altLang="ko-KR" dirty="0" smtClean="0"/>
-          </a:p>
-        </p:txBody>
-      </p:sp>
-      <p:pic>
-        <p:nvPicPr>
-          <p:cNvPr id="4" name="그림 3"/>
-          <p:cNvPicPr>
-            <a:picLocks noChangeAspect="1"/>
-          </p:cNvPicPr>
-          <p:nvPr/>
-        </p:nvPicPr>
-        <p:blipFill>
-          <a:blip r:embed="rId2"/>
-          <a:stretch>
-            <a:fillRect/>
-          </a:stretch>
-        </p:blipFill>
-        <p:spPr>
-          <a:xfrm>
-            <a:off x="5931242" y="3077768"/>
-            <a:ext cx="5558609" cy="3099195"/>
-          </a:xfrm>
-          <a:prstGeom prst="rect">
-            <a:avLst/>
-          </a:prstGeom>
-        </p:spPr>
-      </p:pic>
+              <a:rPr lang="en-US" altLang="ko-KR" dirty="0" smtClean="0"/>
+              <a:t>0.75</a:t>
+            </a:r>
+            <a:endParaRPr lang="ko-KR" altLang="en-US" dirty="0"/>
+          </a:p>
+        </p:txBody>
+      </p:sp>
     </p:spTree>
     <p:extLst>
       <p:ext uri="{BB962C8B-B14F-4D97-AF65-F5344CB8AC3E}">
-        <p14:creationId xmlns:p14="http://schemas.microsoft.com/office/powerpoint/2010/main" val="405706577"/>
+        <p14:creationId xmlns:p14="http://schemas.microsoft.com/office/powerpoint/2010/main" val="1946221229"/>
       </p:ext>
     </p:extLst>
   </p:cSld>
@@ -9970,77 +9979,15 @@
           <a:chExt cx="0" cy="0"/>
         </a:xfrm>
       </p:grpSpPr>
-      <p:sp>
-        <p:nvSpPr>
-          <p:cNvPr id="2" name="제목 1"/>
-          <p:cNvSpPr>
-            <a:spLocks noGrp="1"/>
-          </p:cNvSpPr>
-          <p:nvPr>
-            <p:ph type="title"/>
-          </p:nvPr>
-        </p:nvSpPr>
-        <p:spPr/>
-        <p:txBody>
-          <a:bodyPr/>
-          <a:lstStyle/>
-          <a:p>
-            <a:r>
-              <a:rPr lang="en-US" altLang="ko-KR" dirty="0" smtClean="0"/>
-              <a:t>Variable explorer</a:t>
-            </a:r>
-            <a:endParaRPr lang="ko-KR" altLang="en-US" dirty="0"/>
-          </a:p>
-        </p:txBody>
-      </p:sp>
-      <p:sp>
-        <p:nvSpPr>
-          <p:cNvPr id="3" name="내용 개체 틀 2"/>
-          <p:cNvSpPr>
-            <a:spLocks noGrp="1"/>
-          </p:cNvSpPr>
-          <p:nvPr>
-            <p:ph idx="1"/>
-          </p:nvPr>
-        </p:nvSpPr>
-        <p:spPr/>
-        <p:txBody>
-          <a:bodyPr/>
-          <a:lstStyle/>
-          <a:p>
-            <a:r>
-              <a:rPr lang="en-US" altLang="ko-KR" dirty="0" smtClean="0"/>
-              <a:t>Variable explorer</a:t>
-            </a:r>
-            <a:r>
-              <a:rPr lang="ko-KR" altLang="en-US" dirty="0" smtClean="0"/>
-              <a:t>를</a:t>
-            </a:r>
-            <a:r>
-              <a:rPr lang="en-US" altLang="ko-KR" dirty="0" smtClean="0"/>
-              <a:t> </a:t>
-            </a:r>
-            <a:r>
-              <a:rPr lang="ko-KR" altLang="en-US" dirty="0" smtClean="0"/>
-              <a:t>이용하여 변수의 내용을 확인해 보자</a:t>
-            </a:r>
-            <a:r>
-              <a:rPr lang="en-US" altLang="ko-KR" dirty="0" smtClean="0"/>
-              <a:t>.</a:t>
-            </a:r>
-          </a:p>
-          <a:p>
-            <a:endParaRPr lang="en-US" altLang="ko-KR" dirty="0" smtClean="0"/>
-          </a:p>
-        </p:txBody>
-      </p:sp>
       <p:pic>
         <p:nvPicPr>
-          <p:cNvPr id="5" name="그림 4"/>
+          <p:cNvPr id="7" name="내용 개체 틀 6"/>
           <p:cNvPicPr>
-            <a:picLocks noChangeAspect="1"/>
+            <a:picLocks noGrp="1" noChangeAspect="1"/>
           </p:cNvPicPr>
-          <p:nvPr/>
+          <p:nvPr>
+            <p:ph idx="1"/>
+          </p:nvPr>
         </p:nvPicPr>
         <p:blipFill>
           <a:blip r:embed="rId2"/>
@@ -10050,8 +9997,8 @@
         </p:blipFill>
         <p:spPr>
           <a:xfrm>
-            <a:off x="1198606" y="2539571"/>
-            <a:ext cx="10058400" cy="3409950"/>
+            <a:off x="261693" y="265376"/>
+            <a:ext cx="11805648" cy="6191407"/>
           </a:xfrm>
           <a:prstGeom prst="rect">
             <a:avLst/>
@@ -10061,13 +10008,20 @@
     </p:spTree>
     <p:extLst>
       <p:ext uri="{BB962C8B-B14F-4D97-AF65-F5344CB8AC3E}">
-        <p14:creationId xmlns:p14="http://schemas.microsoft.com/office/powerpoint/2010/main" val="59052740"/>
+        <p14:creationId xmlns:p14="http://schemas.microsoft.com/office/powerpoint/2010/main" val="2663272072"/>
       </p:ext>
     </p:extLst>
   </p:cSld>
   <p:clrMapOvr>
     <a:masterClrMapping/>
   </p:clrMapOvr>
+  <p:timing>
+    <p:tnLst>
+      <p:par>
+        <p:cTn id="1" dur="indefinite" restart="never" nodeType="tmRoot"/>
+      </p:par>
+    </p:tnLst>
+  </p:timing>
 </p:sld>
 </file>
 
@@ -10104,12 +10058,8 @@
           <a:lstStyle/>
           <a:p>
             <a:r>
-              <a:rPr lang="ko-KR" altLang="en-US" dirty="0" err="1" smtClean="0"/>
-              <a:t>변수명</a:t>
-            </a:r>
-            <a:r>
-              <a:rPr lang="ko-KR" altLang="en-US" dirty="0" smtClean="0"/>
-              <a:t> 규칙</a:t>
+              <a:rPr lang="en-US" altLang="ko-KR" dirty="0" smtClean="0"/>
+              <a:t>Variable explorer</a:t>
             </a:r>
             <a:endParaRPr lang="ko-KR" altLang="en-US" dirty="0"/>
           </a:p>
@@ -10127,250 +10077,79 @@
         </p:nvSpPr>
         <p:spPr/>
         <p:txBody>
-          <a:bodyPr>
-            <a:normAutofit fontScale="77500" lnSpcReduction="20000"/>
-          </a:bodyPr>
-          <a:lstStyle/>
-          <a:p>
-            <a:r>
-              <a:rPr lang="en-US" altLang="ko-KR" dirty="0" smtClean="0"/>
-              <a:t>Python </a:t>
-            </a:r>
-            <a:r>
-              <a:rPr lang="ko-KR" altLang="en-US" dirty="0" err="1" smtClean="0"/>
-              <a:t>변수명은</a:t>
-            </a:r>
-            <a:r>
-              <a:rPr lang="ko-KR" altLang="en-US" dirty="0" smtClean="0"/>
-              <a:t> 문자나 </a:t>
-            </a:r>
-            <a:r>
-              <a:rPr lang="en-US" altLang="ko-KR" dirty="0" smtClean="0"/>
-              <a:t>_</a:t>
-            </a:r>
-            <a:r>
-              <a:rPr lang="ko-KR" altLang="en-US" dirty="0" smtClean="0"/>
-              <a:t>로 시작</a:t>
-            </a:r>
+          <a:bodyPr/>
+          <a:lstStyle/>
+          <a:p>
+            <a:r>
+              <a:rPr lang="ko-KR" altLang="en-US" dirty="0"/>
+              <a:t>만약 </a:t>
+            </a:r>
+            <a:r>
+              <a:rPr lang="en-US" altLang="ko-KR" dirty="0" err="1"/>
+              <a:t>Spyder</a:t>
+            </a:r>
+            <a:r>
+              <a:rPr lang="ko-KR" altLang="en-US" dirty="0"/>
+              <a:t>를 이용 중이라면</a:t>
+            </a:r>
+            <a:r>
+              <a:rPr lang="en-US" altLang="ko-KR" dirty="0" smtClean="0"/>
+              <a:t>Variable </a:t>
+            </a:r>
+            <a:r>
+              <a:rPr lang="en-US" altLang="ko-KR" dirty="0" smtClean="0"/>
+              <a:t>explorer</a:t>
+            </a:r>
+            <a:r>
+              <a:rPr lang="ko-KR" altLang="en-US" dirty="0" smtClean="0"/>
+              <a:t>를</a:t>
+            </a:r>
+            <a:r>
+              <a:rPr lang="en-US" altLang="ko-KR" dirty="0" smtClean="0"/>
+              <a:t> </a:t>
+            </a:r>
+            <a:r>
+              <a:rPr lang="ko-KR" altLang="en-US" dirty="0" smtClean="0"/>
+              <a:t>이용하여 변수의 내용을 확인해 보자</a:t>
+            </a:r>
+            <a:r>
+              <a:rPr lang="en-US" altLang="ko-KR" dirty="0" smtClean="0"/>
+              <a:t>.</a:t>
+            </a:r>
+          </a:p>
+          <a:p>
             <a:endParaRPr lang="en-US" altLang="ko-KR" dirty="0" smtClean="0"/>
           </a:p>
-          <a:p>
-            <a:pPr lvl="1"/>
-            <a:r>
-              <a:rPr lang="en-US" altLang="ko-KR" spc="-150" dirty="0" smtClean="0">
-                <a:latin typeface="Consolas" panose="020B0609020204030204" pitchFamily="49" charset="0"/>
-              </a:rPr>
-              <a:t>_</a:t>
-            </a:r>
-            <a:r>
-              <a:rPr lang="en-US" altLang="ko-KR" spc="-150" dirty="0" err="1" smtClean="0">
-                <a:latin typeface="Consolas" panose="020B0609020204030204" pitchFamily="49" charset="0"/>
-              </a:rPr>
-              <a:t>the_string</a:t>
-            </a:r>
-            <a:endParaRPr lang="en-US" altLang="ko-KR" spc="-150" dirty="0" smtClean="0">
-              <a:latin typeface="Consolas" panose="020B0609020204030204" pitchFamily="49" charset="0"/>
-            </a:endParaRPr>
-          </a:p>
-          <a:p>
-            <a:pPr lvl="1"/>
-            <a:r>
-              <a:rPr lang="en-US" altLang="ko-KR" spc="-150" dirty="0" err="1" smtClean="0">
-                <a:latin typeface="Consolas" panose="020B0609020204030204" pitchFamily="49" charset="0"/>
-              </a:rPr>
-              <a:t>my_variable</a:t>
-            </a:r>
-            <a:endParaRPr lang="en-US" altLang="ko-KR" spc="-150" dirty="0" smtClean="0">
-              <a:latin typeface="Consolas" panose="020B0609020204030204" pitchFamily="49" charset="0"/>
-            </a:endParaRPr>
-          </a:p>
-          <a:p>
-            <a:r>
-              <a:rPr lang="ko-KR" altLang="en-US" dirty="0" smtClean="0"/>
-              <a:t>첫 글자가 아닌 나머지 부분은 문자</a:t>
-            </a:r>
-            <a:r>
-              <a:rPr lang="en-US" altLang="ko-KR" dirty="0" smtClean="0"/>
-              <a:t>, </a:t>
-            </a:r>
-            <a:r>
-              <a:rPr lang="ko-KR" altLang="en-US" dirty="0" smtClean="0"/>
-              <a:t>숫자</a:t>
-            </a:r>
-            <a:r>
-              <a:rPr lang="en-US" altLang="ko-KR" dirty="0" smtClean="0"/>
-              <a:t>, _</a:t>
-            </a:r>
-            <a:r>
-              <a:rPr lang="ko-KR" altLang="en-US" dirty="0" smtClean="0"/>
-              <a:t>가 올 수 있음</a:t>
-            </a:r>
-            <a:endParaRPr lang="en-US" altLang="ko-KR" dirty="0" smtClean="0"/>
-          </a:p>
-          <a:p>
-            <a:pPr lvl="1"/>
-            <a:r>
-              <a:rPr lang="en-US" altLang="ko-KR" spc="-150" dirty="0" smtClean="0">
-                <a:latin typeface="Consolas" panose="020B0609020204030204" pitchFamily="49" charset="0"/>
-              </a:rPr>
-              <a:t>password1</a:t>
-            </a:r>
-          </a:p>
-          <a:p>
-            <a:pPr lvl="1"/>
-            <a:r>
-              <a:rPr lang="en-US" altLang="ko-KR" spc="-150" dirty="0" smtClean="0">
-                <a:latin typeface="Consolas" panose="020B0609020204030204" pitchFamily="49" charset="0"/>
-              </a:rPr>
-              <a:t>n00b</a:t>
-            </a:r>
-          </a:p>
-          <a:p>
-            <a:pPr lvl="1"/>
-            <a:r>
-              <a:rPr lang="en-US" altLang="ko-KR" spc="-150" dirty="0" err="1" smtClean="0">
-                <a:latin typeface="Consolas" panose="020B0609020204030204" pitchFamily="49" charset="0"/>
-              </a:rPr>
-              <a:t>un_der_score</a:t>
-            </a:r>
-            <a:endParaRPr lang="en-US" altLang="ko-KR" spc="-150" dirty="0" smtClean="0">
-              <a:latin typeface="Consolas" panose="020B0609020204030204" pitchFamily="49" charset="0"/>
-            </a:endParaRPr>
-          </a:p>
-          <a:p>
-            <a:r>
-              <a:rPr lang="ko-KR" altLang="en-US" dirty="0" smtClean="0"/>
-              <a:t>대소문자 구별 </a:t>
-            </a:r>
-            <a:r>
-              <a:rPr lang="en-US" altLang="ko-KR" dirty="0" smtClean="0"/>
-              <a:t>: X</a:t>
-            </a:r>
-            <a:r>
-              <a:rPr lang="ko-KR" altLang="en-US" dirty="0" smtClean="0"/>
-              <a:t>와 </a:t>
-            </a:r>
-            <a:r>
-              <a:rPr lang="en-US" altLang="ko-KR" dirty="0" smtClean="0"/>
-              <a:t>x</a:t>
-            </a:r>
-            <a:r>
-              <a:rPr lang="ko-KR" altLang="en-US" dirty="0" smtClean="0"/>
-              <a:t>는 서로 다른 변수</a:t>
-            </a:r>
-            <a:endParaRPr lang="en-US" altLang="ko-KR" dirty="0" smtClean="0"/>
-          </a:p>
-          <a:p>
-            <a:endParaRPr lang="en-US" altLang="ko-KR" dirty="0" smtClean="0"/>
-          </a:p>
-          <a:p>
-            <a:r>
-              <a:rPr lang="ko-KR" altLang="en-US" dirty="0" err="1" smtClean="0"/>
-              <a:t>변수명을</a:t>
-            </a:r>
-            <a:r>
-              <a:rPr lang="ko-KR" altLang="en-US" dirty="0" smtClean="0"/>
-              <a:t> 짓는 방법</a:t>
-            </a:r>
-            <a:endParaRPr lang="en-US" altLang="ko-KR" dirty="0" smtClean="0"/>
-          </a:p>
-          <a:p>
-            <a:pPr lvl="1"/>
-            <a:r>
-              <a:rPr lang="ko-KR" altLang="en-US" dirty="0" smtClean="0"/>
-              <a:t>알아보기 쉽게 짓는다</a:t>
-            </a:r>
-            <a:r>
-              <a:rPr lang="en-US" altLang="ko-KR" dirty="0" smtClean="0"/>
-              <a:t>.</a:t>
-            </a:r>
-          </a:p>
-          <a:p>
-            <a:pPr lvl="2"/>
-            <a:r>
-              <a:rPr lang="en-US" altLang="ko-KR" dirty="0" err="1" smtClean="0">
-                <a:latin typeface="Consolas" panose="020B0609020204030204" pitchFamily="49" charset="0"/>
-              </a:rPr>
-              <a:t>apartmentname</a:t>
-            </a:r>
-            <a:r>
-              <a:rPr lang="en-US" altLang="ko-KR" dirty="0" smtClean="0"/>
-              <a:t> -&gt; </a:t>
-            </a:r>
-            <a:r>
-              <a:rPr lang="en-US" altLang="ko-KR" dirty="0" err="1" smtClean="0"/>
-              <a:t>apartment_name</a:t>
-            </a:r>
-            <a:r>
-              <a:rPr lang="en-US" altLang="ko-KR" dirty="0" smtClean="0"/>
-              <a:t> </a:t>
-            </a:r>
-            <a:r>
-              <a:rPr lang="ko-KR" altLang="en-US" dirty="0" smtClean="0"/>
-              <a:t>혹은 </a:t>
-            </a:r>
-            <a:r>
-              <a:rPr lang="en-US" altLang="ko-KR" dirty="0" err="1" smtClean="0"/>
-              <a:t>apartmentName</a:t>
-            </a:r>
-            <a:endParaRPr lang="en-US" altLang="ko-KR" dirty="0" smtClean="0"/>
-          </a:p>
-          <a:p>
-            <a:pPr lvl="1"/>
-            <a:r>
-              <a:rPr lang="ko-KR" altLang="en-US" dirty="0" smtClean="0"/>
-              <a:t>무슨 변수를 나타내는지 알아보도록 짓는다</a:t>
-            </a:r>
-            <a:r>
-              <a:rPr lang="en-US" altLang="ko-KR" dirty="0" smtClean="0"/>
-              <a:t>.</a:t>
-            </a:r>
-          </a:p>
-          <a:p>
-            <a:pPr lvl="2"/>
-            <a:r>
-              <a:rPr lang="en-US" altLang="ko-KR" dirty="0" err="1" smtClean="0"/>
-              <a:t>afmowpv</a:t>
-            </a:r>
-            <a:r>
-              <a:rPr lang="en-US" altLang="ko-KR" dirty="0" smtClean="0"/>
-              <a:t> : </a:t>
-            </a:r>
-            <a:r>
-              <a:rPr lang="ko-KR" altLang="en-US" dirty="0" smtClean="0"/>
-              <a:t>아무 의미 없어 보이며 이렇게 짓지 않음</a:t>
-            </a:r>
-            <a:endParaRPr lang="en-US" altLang="ko-KR" dirty="0" smtClean="0"/>
-          </a:p>
-          <a:p>
-            <a:pPr lvl="2"/>
-            <a:r>
-              <a:rPr lang="en-US" altLang="ko-KR" dirty="0" err="1" smtClean="0"/>
-              <a:t>average_num_students</a:t>
-            </a:r>
-            <a:r>
-              <a:rPr lang="en-US" altLang="ko-KR" dirty="0"/>
-              <a:t> </a:t>
-            </a:r>
-            <a:r>
-              <a:rPr lang="en-US" altLang="ko-KR" dirty="0" smtClean="0"/>
-              <a:t>: </a:t>
-            </a:r>
-            <a:r>
-              <a:rPr lang="ko-KR" altLang="en-US" dirty="0" smtClean="0"/>
-              <a:t>학생 수의 평균을 의미하는 것을 알 수 있음</a:t>
-            </a:r>
-            <a:endParaRPr lang="en-US" altLang="ko-KR" dirty="0" smtClean="0"/>
-          </a:p>
-          <a:p>
-            <a:endParaRPr lang="ko-KR" altLang="en-US" dirty="0"/>
-          </a:p>
-        </p:txBody>
-      </p:sp>
+        </p:txBody>
+      </p:sp>
+      <p:pic>
+        <p:nvPicPr>
+          <p:cNvPr id="5" name="그림 4"/>
+          <p:cNvPicPr>
+            <a:picLocks noChangeAspect="1"/>
+          </p:cNvPicPr>
+          <p:nvPr/>
+        </p:nvPicPr>
+        <p:blipFill>
+          <a:blip r:embed="rId2"/>
+          <a:stretch>
+            <a:fillRect/>
+          </a:stretch>
+        </p:blipFill>
+        <p:spPr>
+          <a:xfrm>
+            <a:off x="1066800" y="2767013"/>
+            <a:ext cx="10058400" cy="3409950"/>
+          </a:xfrm>
+          <a:prstGeom prst="rect">
+            <a:avLst/>
+          </a:prstGeom>
+        </p:spPr>
+      </p:pic>
     </p:spTree>
     <p:extLst>
       <p:ext uri="{BB962C8B-B14F-4D97-AF65-F5344CB8AC3E}">
-        <p14:creationId xmlns:p14="http://schemas.microsoft.com/office/powerpoint/2010/main" val="1630774617"/>
+        <p14:creationId xmlns:p14="http://schemas.microsoft.com/office/powerpoint/2010/main" val="59052740"/>
       </p:ext>
     </p:extLst>
   </p:cSld>
@@ -10407,22 +10186,23 @@
             <p:ph type="title"/>
           </p:nvPr>
         </p:nvSpPr>
-        <p:spPr/>
+        <p:spPr>
+          <a:xfrm>
+            <a:off x="838200" y="365125"/>
+            <a:ext cx="10515600" cy="726557"/>
+          </a:xfrm>
+        </p:spPr>
         <p:txBody>
           <a:bodyPr/>
           <a:lstStyle/>
           <a:p>
             <a:r>
-              <a:rPr lang="ko-KR" altLang="en-US" dirty="0" smtClean="0"/>
-              <a:t>변수 지정에 있어 </a:t>
-            </a:r>
-            <a:r>
-              <a:rPr lang="en-US" altLang="ko-KR" dirty="0" smtClean="0"/>
-              <a:t>Python</a:t>
-            </a:r>
-            <a:r>
-              <a:rPr lang="ko-KR" altLang="en-US" dirty="0" smtClean="0"/>
-              <a:t>의 특징</a:t>
+              <a:rPr lang="ko-KR" altLang="en-US" dirty="0" err="1" smtClean="0"/>
+              <a:t>변수명</a:t>
+            </a:r>
+            <a:r>
+              <a:rPr lang="ko-KR" altLang="en-US" dirty="0" smtClean="0"/>
+              <a:t> 규칙</a:t>
             </a:r>
             <a:endParaRPr lang="ko-KR" altLang="en-US" dirty="0"/>
           </a:p>
@@ -10438,156 +10218,257 @@
             <p:ph idx="1"/>
           </p:nvPr>
         </p:nvSpPr>
-        <p:spPr/>
+        <p:spPr>
+          <a:xfrm>
+            <a:off x="838200" y="1184988"/>
+            <a:ext cx="10515600" cy="4991975"/>
+          </a:xfrm>
+        </p:spPr>
         <p:txBody>
           <a:bodyPr>
-            <a:normAutofit lnSpcReduction="10000"/>
+            <a:normAutofit fontScale="85000" lnSpcReduction="20000"/>
           </a:bodyPr>
           <a:lstStyle/>
           <a:p>
             <a:r>
-              <a:rPr lang="ko-KR" altLang="en-US" dirty="0" smtClean="0"/>
-              <a:t>많은 다른 프로그래밍 언어의 경우 변수형을 따로 명시해 주어야 함</a:t>
-            </a:r>
-            <a:r>
-              <a:rPr lang="en-US" altLang="ko-KR" dirty="0" smtClean="0"/>
-              <a:t>. </a:t>
-            </a:r>
-            <a:r>
-              <a:rPr lang="ko-KR" altLang="en-US" dirty="0" smtClean="0"/>
-              <a:t>예를 들어</a:t>
-            </a:r>
-            <a:r>
-              <a:rPr lang="en-US" altLang="ko-KR" dirty="0" smtClean="0"/>
-              <a:t>,</a:t>
-            </a:r>
-            <a:endParaRPr lang="en-US" altLang="ko-KR" dirty="0"/>
+              <a:rPr lang="en-US" altLang="ko-KR" dirty="0" smtClean="0"/>
+              <a:t>Python </a:t>
+            </a:r>
+            <a:r>
+              <a:rPr lang="ko-KR" altLang="en-US" dirty="0" err="1" smtClean="0"/>
+              <a:t>변수명은</a:t>
+            </a:r>
+            <a:r>
+              <a:rPr lang="ko-KR" altLang="en-US" dirty="0" smtClean="0"/>
+              <a:t> 문자나 </a:t>
+            </a:r>
+            <a:r>
+              <a:rPr lang="en-US" altLang="ko-KR" dirty="0" smtClean="0"/>
+              <a:t>_</a:t>
+            </a:r>
+            <a:r>
+              <a:rPr lang="ko-KR" altLang="en-US" dirty="0" smtClean="0"/>
+              <a:t>로 시작</a:t>
+            </a:r>
+            <a:endParaRPr lang="en-US" altLang="ko-KR" dirty="0" smtClean="0"/>
           </a:p>
           <a:p>
             <a:pPr lvl="1"/>
             <a:r>
+              <a:rPr lang="en-US" altLang="ko-KR" spc="-150" dirty="0" smtClean="0">
+                <a:latin typeface="Consolas" panose="020B0609020204030204" pitchFamily="49" charset="0"/>
+              </a:rPr>
+              <a:t>_</a:t>
+            </a:r>
+            <a:r>
               <a:rPr lang="en-US" altLang="ko-KR" spc="-150" dirty="0" err="1" smtClean="0">
                 <a:latin typeface="Consolas" panose="020B0609020204030204" pitchFamily="49" charset="0"/>
               </a:rPr>
-              <a:t>int</a:t>
-            </a:r>
-            <a:r>
-              <a:rPr lang="en-US" altLang="ko-KR" spc="-150" dirty="0" smtClean="0">
-                <a:latin typeface="Consolas" panose="020B0609020204030204" pitchFamily="49" charset="0"/>
-              </a:rPr>
-              <a:t> n = 10</a:t>
+              <a:t>the_string</a:t>
+            </a:r>
+            <a:endParaRPr lang="en-US" altLang="ko-KR" spc="-150" dirty="0" smtClean="0">
+              <a:latin typeface="Consolas" panose="020B0609020204030204" pitchFamily="49" charset="0"/>
+            </a:endParaRPr>
+          </a:p>
+          <a:p>
+            <a:pPr lvl="1"/>
+            <a:r>
+              <a:rPr lang="en-US" altLang="ko-KR" spc="-150" dirty="0" err="1" smtClean="0">
+                <a:latin typeface="Consolas" panose="020B0609020204030204" pitchFamily="49" charset="0"/>
+              </a:rPr>
+              <a:t>my_variable</a:t>
+            </a:r>
+            <a:endParaRPr lang="en-US" altLang="ko-KR" spc="-150" dirty="0" smtClean="0">
+              <a:latin typeface="Consolas" panose="020B0609020204030204" pitchFamily="49" charset="0"/>
+            </a:endParaRPr>
+          </a:p>
+          <a:p>
+            <a:r>
+              <a:rPr lang="ko-KR" altLang="en-US" dirty="0" smtClean="0"/>
+              <a:t>첫 글자가 아닌 나머지 부분은 문자</a:t>
+            </a:r>
+            <a:r>
+              <a:rPr lang="en-US" altLang="ko-KR" dirty="0" smtClean="0"/>
+              <a:t>, </a:t>
+            </a:r>
+            <a:r>
+              <a:rPr lang="ko-KR" altLang="en-US" dirty="0" smtClean="0"/>
+              <a:t>숫자</a:t>
+            </a:r>
+            <a:r>
+              <a:rPr lang="en-US" altLang="ko-KR" dirty="0" smtClean="0"/>
+              <a:t>, _</a:t>
+            </a:r>
+            <a:r>
+              <a:rPr lang="ko-KR" altLang="en-US" dirty="0" smtClean="0"/>
+              <a:t>가 올 수 있음</a:t>
+            </a:r>
+            <a:endParaRPr lang="en-US" altLang="ko-KR" dirty="0" smtClean="0"/>
+          </a:p>
+          <a:p>
+            <a:pPr lvl="1"/>
+            <a:r>
+              <a:rPr lang="en-US" altLang="ko-KR" spc="-150" dirty="0" smtClean="0">
+                <a:latin typeface="Consolas" panose="020B0609020204030204" pitchFamily="49" charset="0"/>
+              </a:rPr>
+              <a:t>password1</a:t>
+            </a:r>
+          </a:p>
+          <a:p>
+            <a:pPr lvl="1"/>
+            <a:r>
+              <a:rPr lang="en-US" altLang="ko-KR" spc="-150" dirty="0" smtClean="0">
+                <a:latin typeface="Consolas" panose="020B0609020204030204" pitchFamily="49" charset="0"/>
+              </a:rPr>
+              <a:t>n00b</a:t>
+            </a:r>
+          </a:p>
+          <a:p>
+            <a:pPr lvl="1"/>
+            <a:r>
+              <a:rPr lang="en-US" altLang="ko-KR" spc="-150" dirty="0" err="1" smtClean="0">
+                <a:latin typeface="Consolas" panose="020B0609020204030204" pitchFamily="49" charset="0"/>
+              </a:rPr>
+              <a:t>un_der_score</a:t>
+            </a:r>
+            <a:endParaRPr lang="en-US" altLang="ko-KR" spc="-150" dirty="0" smtClean="0">
+              <a:latin typeface="Consolas" panose="020B0609020204030204" pitchFamily="49" charset="0"/>
+            </a:endParaRPr>
+          </a:p>
+          <a:p>
+            <a:r>
+              <a:rPr lang="ko-KR" altLang="en-US" dirty="0" smtClean="0"/>
+              <a:t>대소문자 구별 </a:t>
+            </a:r>
+            <a:r>
+              <a:rPr lang="en-US" altLang="ko-KR" dirty="0" smtClean="0"/>
+              <a:t>: X</a:t>
+            </a:r>
+            <a:r>
+              <a:rPr lang="ko-KR" altLang="en-US" dirty="0" smtClean="0"/>
+              <a:t>와 </a:t>
+            </a:r>
+            <a:r>
+              <a:rPr lang="en-US" altLang="ko-KR" dirty="0" smtClean="0"/>
+              <a:t>x</a:t>
+            </a:r>
+            <a:r>
+              <a:rPr lang="ko-KR" altLang="en-US" dirty="0" smtClean="0"/>
+              <a:t>는 서로 다른 변수</a:t>
+            </a:r>
+            <a:endParaRPr lang="en-US" altLang="ko-KR" dirty="0" smtClean="0"/>
+          </a:p>
+          <a:p>
+            <a:endParaRPr lang="en-US" altLang="ko-KR" dirty="0" smtClean="0"/>
+          </a:p>
+          <a:p>
+            <a:r>
+              <a:rPr lang="ko-KR" altLang="en-US" dirty="0" err="1" smtClean="0"/>
+              <a:t>변수명을</a:t>
+            </a:r>
+            <a:r>
+              <a:rPr lang="ko-KR" altLang="en-US" dirty="0" smtClean="0"/>
+              <a:t> 짓는 방법</a:t>
+            </a:r>
+            <a:endParaRPr lang="en-US" altLang="ko-KR" dirty="0" smtClean="0"/>
+          </a:p>
+          <a:p>
+            <a:pPr lvl="1"/>
+            <a:r>
+              <a:rPr lang="ko-KR" altLang="en-US" dirty="0" smtClean="0"/>
+              <a:t>알아보기 쉽게 짓는다</a:t>
+            </a:r>
+            <a:r>
+              <a:rPr lang="en-US" altLang="ko-KR" dirty="0" smtClean="0"/>
+              <a:t>.</a:t>
             </a:r>
           </a:p>
           <a:p>
             <a:pPr lvl="2"/>
             <a:r>
-              <a:rPr lang="ko-KR" altLang="en-US" dirty="0" smtClean="0"/>
-              <a:t>정수</a:t>
-            </a:r>
-            <a:r>
-              <a:rPr lang="en-US" altLang="ko-KR" dirty="0" smtClean="0"/>
-              <a:t>(integer)</a:t>
-            </a:r>
-            <a:r>
-              <a:rPr lang="ko-KR" altLang="en-US" dirty="0" smtClean="0"/>
-              <a:t>형 변수</a:t>
+              <a:rPr lang="en-US" altLang="ko-KR" dirty="0" err="1" smtClean="0">
+                <a:latin typeface="Consolas" panose="020B0609020204030204" pitchFamily="49" charset="0"/>
+              </a:rPr>
+              <a:t>apartmentname</a:t>
+            </a:r>
+            <a:r>
+              <a:rPr lang="en-US" altLang="ko-KR" dirty="0" smtClean="0"/>
+              <a:t> -&gt; </a:t>
+            </a:r>
+            <a:r>
+              <a:rPr lang="en-US" altLang="ko-KR" dirty="0" err="1" smtClean="0"/>
+              <a:t>apartment_name</a:t>
+            </a:r>
+            <a:r>
+              <a:rPr lang="en-US" altLang="ko-KR" dirty="0" smtClean="0"/>
+              <a:t> </a:t>
+            </a:r>
+            <a:r>
+              <a:rPr lang="ko-KR" altLang="en-US" dirty="0" smtClean="0"/>
+              <a:t>혹은 </a:t>
+            </a:r>
+            <a:r>
+              <a:rPr lang="en-US" altLang="ko-KR" dirty="0" err="1" smtClean="0"/>
+              <a:t>apartmentName</a:t>
             </a:r>
             <a:endParaRPr lang="en-US" altLang="ko-KR" dirty="0" smtClean="0"/>
           </a:p>
           <a:p>
             <a:pPr lvl="1"/>
             <a:r>
-              <a:rPr lang="en-US" altLang="ko-KR" spc="-150" dirty="0" smtClean="0">
-                <a:latin typeface="Consolas" panose="020B0609020204030204" pitchFamily="49" charset="0"/>
-              </a:rPr>
-              <a:t>double x = 2.12</a:t>
+              <a:rPr lang="ko-KR" altLang="en-US" dirty="0" smtClean="0"/>
+              <a:t>무슨 변수를 나타내는지 알아보도록 짓는다</a:t>
+            </a:r>
+            <a:r>
+              <a:rPr lang="en-US" altLang="ko-KR" dirty="0" smtClean="0"/>
+              <a:t>.</a:t>
             </a:r>
           </a:p>
           <a:p>
             <a:pPr lvl="2"/>
             <a:r>
-              <a:rPr lang="en-US" altLang="ko-KR" dirty="0" smtClean="0"/>
-              <a:t>double precision</a:t>
-            </a:r>
-            <a:r>
-              <a:rPr lang="ko-KR" altLang="en-US" dirty="0" smtClean="0"/>
-              <a:t>을 가지는 </a:t>
-            </a:r>
-            <a:r>
-              <a:rPr lang="ko-KR" altLang="en-US" dirty="0" err="1" smtClean="0"/>
-              <a:t>실수형</a:t>
-            </a:r>
-            <a:r>
-              <a:rPr lang="ko-KR" altLang="en-US" dirty="0" smtClean="0"/>
-              <a:t> 변수</a:t>
+              <a:rPr lang="en-US" altLang="ko-KR" dirty="0" err="1" smtClean="0"/>
+              <a:t>afmowpv</a:t>
+            </a:r>
+            <a:r>
+              <a:rPr lang="en-US" altLang="ko-KR" dirty="0" smtClean="0"/>
+              <a:t> : </a:t>
+            </a:r>
+            <a:r>
+              <a:rPr lang="ko-KR" altLang="en-US" dirty="0" smtClean="0"/>
+              <a:t>아무 의미 없어 보이며 이렇게 짓지 않음</a:t>
             </a:r>
             <a:endParaRPr lang="en-US" altLang="ko-KR" dirty="0" smtClean="0"/>
           </a:p>
           <a:p>
-            <a:pPr lvl="1"/>
-            <a:r>
-              <a:rPr lang="en-US" altLang="ko-KR" spc="-150" dirty="0" smtClean="0">
-                <a:latin typeface="Consolas" panose="020B0609020204030204" pitchFamily="49" charset="0"/>
-              </a:rPr>
-              <a:t>char c = 'a'</a:t>
-            </a:r>
-          </a:p>
-          <a:p>
             <a:pPr lvl="2"/>
             <a:r>
-              <a:rPr lang="ko-KR" altLang="en-US" dirty="0" smtClean="0"/>
-              <a:t>문자</a:t>
-            </a:r>
-            <a:r>
-              <a:rPr lang="en-US" altLang="ko-KR" dirty="0" smtClean="0"/>
-              <a:t>(character)</a:t>
-            </a:r>
-            <a:r>
-              <a:rPr lang="ko-KR" altLang="en-US" dirty="0" smtClean="0"/>
-              <a:t>형 변수</a:t>
+              <a:rPr lang="en-US" altLang="ko-KR" dirty="0" err="1" smtClean="0"/>
+              <a:t>average_num_students</a:t>
+            </a:r>
+            <a:r>
+              <a:rPr lang="en-US" altLang="ko-KR" dirty="0"/>
+              <a:t> </a:t>
+            </a:r>
+            <a:r>
+              <a:rPr lang="en-US" altLang="ko-KR" dirty="0" smtClean="0"/>
+              <a:t>: </a:t>
+            </a:r>
+            <a:r>
+              <a:rPr lang="ko-KR" altLang="en-US" dirty="0" smtClean="0"/>
+              <a:t>학생 수의 평균을 의미하는 것을 알 수 있음</a:t>
             </a:r>
             <a:endParaRPr lang="en-US" altLang="ko-KR" dirty="0" smtClean="0"/>
           </a:p>
           <a:p>
-            <a:endParaRPr lang="en-US" altLang="ko-KR" dirty="0"/>
-          </a:p>
-          <a:p>
-            <a:r>
-              <a:rPr lang="en-US" altLang="ko-KR" dirty="0" smtClean="0"/>
-              <a:t>Python</a:t>
-            </a:r>
-            <a:r>
-              <a:rPr lang="ko-KR" altLang="en-US" dirty="0" smtClean="0"/>
-              <a:t>은 </a:t>
-            </a:r>
-            <a:r>
-              <a:rPr lang="en-US" altLang="ko-KR" dirty="0" err="1" smtClean="0"/>
-              <a:t>int</a:t>
-            </a:r>
-            <a:r>
-              <a:rPr lang="en-US" altLang="ko-KR" dirty="0" smtClean="0"/>
-              <a:t>, double, char </a:t>
-            </a:r>
-            <a:r>
-              <a:rPr lang="ko-KR" altLang="en-US" dirty="0" smtClean="0"/>
-              <a:t>등과 같은 변수형에 대한 </a:t>
-            </a:r>
-            <a:r>
-              <a:rPr lang="en-US" altLang="ko-KR" dirty="0" smtClean="0"/>
-              <a:t>keyword</a:t>
-            </a:r>
-            <a:r>
-              <a:rPr lang="ko-KR" altLang="en-US" dirty="0" smtClean="0"/>
-              <a:t>를 따로 지정해 주지 않음</a:t>
-            </a:r>
-            <a:endParaRPr lang="en-US" altLang="ko-KR" dirty="0" smtClean="0"/>
+            <a:endParaRPr lang="ko-KR" altLang="en-US" dirty="0"/>
           </a:p>
         </p:txBody>
       </p:sp>
     </p:spTree>
     <p:extLst>
       <p:ext uri="{BB962C8B-B14F-4D97-AF65-F5344CB8AC3E}">
-        <p14:creationId xmlns:p14="http://schemas.microsoft.com/office/powerpoint/2010/main" val="3259688045"/>
+        <p14:creationId xmlns:p14="http://schemas.microsoft.com/office/powerpoint/2010/main" val="1630774617"/>
       </p:ext>
     </p:extLst>
   </p:cSld>
@@ -10630,8 +10511,16 @@
           <a:lstStyle/>
           <a:p>
             <a:r>
-              <a:rPr lang="en-US" altLang="ko-KR" dirty="0" smtClean="0"/>
-              <a:t>Dynamic types</a:t>
+              <a:rPr lang="ko-KR" altLang="en-US" dirty="0" smtClean="0"/>
+              <a:t>변수 지정에 있어 </a:t>
+            </a:r>
+            <a:r>
+              <a:rPr lang="en-US" altLang="ko-KR" dirty="0" smtClean="0"/>
+              <a:t>Python</a:t>
+            </a:r>
+            <a:r>
+              <a:rPr lang="ko-KR" altLang="en-US" dirty="0" smtClean="0"/>
+              <a:t>의 특징</a:t>
             </a:r>
             <a:endParaRPr lang="ko-KR" altLang="en-US" dirty="0"/>
           </a:p>
@@ -10650,127 +10539,160 @@
         <p:spPr/>
         <p:txBody>
           <a:bodyPr>
-            <a:normAutofit/>
+            <a:normAutofit lnSpcReduction="10000"/>
           </a:bodyPr>
           <a:lstStyle/>
           <a:p>
             <a:r>
+              <a:rPr lang="ko-KR" altLang="en-US" dirty="0" smtClean="0"/>
+              <a:t>많은 </a:t>
+            </a:r>
+            <a:r>
+              <a:rPr lang="ko-KR" altLang="en-US" i="1" dirty="0" smtClean="0"/>
+              <a:t>다른</a:t>
+            </a:r>
+            <a:r>
+              <a:rPr lang="ko-KR" altLang="en-US" dirty="0" smtClean="0"/>
+              <a:t> </a:t>
+            </a:r>
+            <a:r>
+              <a:rPr lang="ko-KR" altLang="en-US" i="1" dirty="0" smtClean="0"/>
+              <a:t>프로그래밍 언어</a:t>
+            </a:r>
+            <a:r>
+              <a:rPr lang="ko-KR" altLang="en-US" dirty="0" smtClean="0"/>
+              <a:t>의 경우 변수형을 따로 명시해 주어야 함</a:t>
+            </a:r>
+            <a:r>
+              <a:rPr lang="en-US" altLang="ko-KR" dirty="0" smtClean="0"/>
+              <a:t>. </a:t>
+            </a:r>
+            <a:r>
+              <a:rPr lang="ko-KR" altLang="en-US" dirty="0" smtClean="0"/>
+              <a:t>예를 들어</a:t>
+            </a:r>
+            <a:r>
+              <a:rPr lang="en-US" altLang="ko-KR" dirty="0" smtClean="0"/>
+              <a:t>,</a:t>
+            </a:r>
+            <a:endParaRPr lang="en-US" altLang="ko-KR" dirty="0"/>
+          </a:p>
+          <a:p>
+            <a:pPr lvl="1"/>
+            <a:r>
+              <a:rPr lang="en-US" altLang="ko-KR" spc="-150" dirty="0" err="1" smtClean="0">
+                <a:latin typeface="Consolas" panose="020B0609020204030204" pitchFamily="49" charset="0"/>
+              </a:rPr>
+              <a:t>int</a:t>
+            </a:r>
+            <a:r>
+              <a:rPr lang="en-US" altLang="ko-KR" spc="-150" dirty="0" smtClean="0">
+                <a:latin typeface="Consolas" panose="020B0609020204030204" pitchFamily="49" charset="0"/>
+              </a:rPr>
+              <a:t> n = 10</a:t>
+            </a:r>
+          </a:p>
+          <a:p>
+            <a:pPr lvl="2"/>
+            <a:r>
+              <a:rPr lang="ko-KR" altLang="en-US" dirty="0" smtClean="0"/>
+              <a:t>정수</a:t>
+            </a:r>
+            <a:r>
+              <a:rPr lang="en-US" altLang="ko-KR" dirty="0" smtClean="0"/>
+              <a:t>(integer)</a:t>
+            </a:r>
+            <a:r>
+              <a:rPr lang="ko-KR" altLang="en-US" dirty="0" smtClean="0"/>
+              <a:t>형 변수</a:t>
+            </a:r>
+            <a:endParaRPr lang="en-US" altLang="ko-KR" dirty="0" smtClean="0"/>
+          </a:p>
+          <a:p>
+            <a:pPr lvl="1"/>
+            <a:r>
+              <a:rPr lang="en-US" altLang="ko-KR" spc="-150" dirty="0" smtClean="0">
+                <a:latin typeface="Consolas" panose="020B0609020204030204" pitchFamily="49" charset="0"/>
+              </a:rPr>
+              <a:t>double x = 2.12</a:t>
+            </a:r>
+          </a:p>
+          <a:p>
+            <a:pPr lvl="2"/>
+            <a:r>
+              <a:rPr lang="en-US" altLang="ko-KR" dirty="0" smtClean="0"/>
+              <a:t>double precision</a:t>
+            </a:r>
+            <a:r>
+              <a:rPr lang="ko-KR" altLang="en-US" dirty="0" smtClean="0"/>
+              <a:t>을 가지는 </a:t>
+            </a:r>
+            <a:r>
+              <a:rPr lang="ko-KR" altLang="en-US" dirty="0" err="1" smtClean="0"/>
+              <a:t>실수형</a:t>
+            </a:r>
+            <a:r>
+              <a:rPr lang="ko-KR" altLang="en-US" dirty="0" smtClean="0"/>
+              <a:t> 변수</a:t>
+            </a:r>
+            <a:endParaRPr lang="en-US" altLang="ko-KR" dirty="0" smtClean="0"/>
+          </a:p>
+          <a:p>
+            <a:pPr lvl="1"/>
+            <a:r>
+              <a:rPr lang="en-US" altLang="ko-KR" spc="-150" dirty="0" smtClean="0">
+                <a:latin typeface="Consolas" panose="020B0609020204030204" pitchFamily="49" charset="0"/>
+              </a:rPr>
+              <a:t>char c = 'a'</a:t>
+            </a:r>
+          </a:p>
+          <a:p>
+            <a:pPr lvl="2"/>
+            <a:r>
+              <a:rPr lang="ko-KR" altLang="en-US" dirty="0" smtClean="0"/>
+              <a:t>문자</a:t>
+            </a:r>
+            <a:r>
+              <a:rPr lang="en-US" altLang="ko-KR" dirty="0" smtClean="0"/>
+              <a:t>(character)</a:t>
+            </a:r>
+            <a:r>
+              <a:rPr lang="ko-KR" altLang="en-US" dirty="0" smtClean="0"/>
+              <a:t>형 변수</a:t>
+            </a:r>
+            <a:endParaRPr lang="en-US" altLang="ko-KR" dirty="0" smtClean="0"/>
+          </a:p>
+          <a:p>
+            <a:endParaRPr lang="en-US" altLang="ko-KR" dirty="0"/>
+          </a:p>
+          <a:p>
+            <a:r>
               <a:rPr lang="en-US" altLang="ko-KR" dirty="0" smtClean="0"/>
               <a:t>Python</a:t>
             </a:r>
             <a:r>
               <a:rPr lang="ko-KR" altLang="en-US" dirty="0" smtClean="0"/>
-              <a:t>에서는 데이터 </a:t>
-            </a:r>
-            <a:r>
-              <a:rPr lang="en-US" altLang="ko-KR" dirty="0" smtClean="0"/>
-              <a:t>type</a:t>
-            </a:r>
-            <a:r>
-              <a:rPr lang="ko-KR" altLang="en-US" dirty="0" smtClean="0"/>
-              <a:t>을 따로 명시하는 것이 아니기 때문에</a:t>
-            </a:r>
-            <a:r>
-              <a:rPr lang="en-US" altLang="ko-KR" dirty="0" smtClean="0"/>
-              <a:t>, </a:t>
-            </a:r>
-            <a:r>
-              <a:rPr lang="ko-KR" altLang="en-US" dirty="0" smtClean="0"/>
-              <a:t>프로그램 중간에 데이터 </a:t>
-            </a:r>
-            <a:r>
-              <a:rPr lang="en-US" altLang="ko-KR" dirty="0" smtClean="0"/>
-              <a:t>type</a:t>
-            </a:r>
-            <a:r>
-              <a:rPr lang="ko-KR" altLang="en-US" dirty="0" smtClean="0"/>
-              <a:t>이 바뀔 수 있음</a:t>
-            </a:r>
-            <a:endParaRPr lang="en-US" altLang="ko-KR" dirty="0" smtClean="0"/>
-          </a:p>
-          <a:p>
-            <a:pPr lvl="1"/>
-            <a:r>
-              <a:rPr lang="en-US" altLang="ko-KR" spc="-150" dirty="0" smtClean="0">
-                <a:latin typeface="Consolas" panose="020B0609020204030204" pitchFamily="49" charset="0"/>
-                <a:cs typeface="Consolas" panose="020B0609020204030204" pitchFamily="49" charset="0"/>
-              </a:rPr>
-              <a:t>x = 10</a:t>
-            </a:r>
-            <a:r>
-              <a:rPr lang="en-US" altLang="ko-KR" dirty="0" smtClean="0"/>
-              <a:t/>
-            </a:r>
-            <a:br>
-              <a:rPr lang="en-US" altLang="ko-KR" dirty="0" smtClean="0"/>
-            </a:br>
-            <a:r>
-              <a:rPr lang="en-US" altLang="ko-KR" dirty="0" smtClean="0"/>
-              <a:t>…</a:t>
-            </a:r>
-            <a:br>
-              <a:rPr lang="en-US" altLang="ko-KR" dirty="0" smtClean="0"/>
-            </a:br>
-            <a:r>
-              <a:rPr lang="en-US" altLang="ko-KR" spc="-150" dirty="0" smtClean="0">
-                <a:latin typeface="Consolas" panose="020B0609020204030204" pitchFamily="49" charset="0"/>
-                <a:cs typeface="Consolas" panose="020B0609020204030204" pitchFamily="49" charset="0"/>
-              </a:rPr>
-              <a:t>x = 'John'</a:t>
-            </a:r>
-            <a:br>
-              <a:rPr lang="en-US" altLang="ko-KR" spc="-150" dirty="0" smtClean="0">
-                <a:latin typeface="Consolas" panose="020B0609020204030204" pitchFamily="49" charset="0"/>
-                <a:cs typeface="Consolas" panose="020B0609020204030204" pitchFamily="49" charset="0"/>
-              </a:rPr>
-            </a:br>
-            <a:r>
-              <a:rPr lang="en-US" altLang="ko-KR" dirty="0" smtClean="0"/>
-              <a:t>…</a:t>
-            </a:r>
-            <a:br>
-              <a:rPr lang="en-US" altLang="ko-KR" dirty="0" smtClean="0"/>
-            </a:br>
-            <a:r>
-              <a:rPr lang="en-US" altLang="ko-KR" spc="-150" dirty="0" smtClean="0">
-                <a:latin typeface="Consolas" panose="020B0609020204030204" pitchFamily="49" charset="0"/>
-                <a:cs typeface="Consolas" panose="020B0609020204030204" pitchFamily="49" charset="0"/>
-              </a:rPr>
-              <a:t>x = True</a:t>
-            </a:r>
-          </a:p>
-          <a:p>
-            <a:pPr lvl="1"/>
-            <a:endParaRPr lang="en-US" altLang="ko-KR" dirty="0"/>
-          </a:p>
-          <a:p>
-            <a:r>
-              <a:rPr lang="ko-KR" altLang="en-US" spc="-150" dirty="0" smtClean="0"/>
-              <a:t>그러나</a:t>
-            </a:r>
-            <a:r>
-              <a:rPr lang="en-US" altLang="ko-KR" spc="-150" dirty="0" smtClean="0"/>
-              <a:t>, </a:t>
-            </a:r>
-            <a:r>
-              <a:rPr lang="ko-KR" altLang="en-US" spc="-150" dirty="0" smtClean="0"/>
-              <a:t>하나의 변수가 한 프로그램 내에서 데이터 타입이 변하는 것은 바람직하지 않으며</a:t>
-            </a:r>
-            <a:r>
-              <a:rPr lang="en-US" altLang="ko-KR" spc="-150" dirty="0" smtClean="0"/>
-              <a:t>, </a:t>
-            </a:r>
-            <a:r>
-              <a:rPr lang="ko-KR" altLang="en-US" spc="-150" dirty="0" smtClean="0"/>
-              <a:t>동일한 데이터 타입을 유지하도록 함</a:t>
-            </a:r>
-            <a:endParaRPr lang="en-US" altLang="ko-KR" spc="-150" dirty="0" smtClean="0"/>
-          </a:p>
-          <a:p>
-            <a:pPr lvl="1"/>
-            <a:r>
-              <a:rPr lang="ko-KR" altLang="en-US" dirty="0" smtClean="0"/>
-              <a:t>반면 변수의 값은 계속 변할 수 있음</a:t>
+              <a:t>은 </a:t>
+            </a:r>
+            <a:r>
+              <a:rPr lang="en-US" altLang="ko-KR" dirty="0" err="1" smtClean="0"/>
+              <a:t>int</a:t>
+            </a:r>
+            <a:r>
+              <a:rPr lang="en-US" altLang="ko-KR" dirty="0" smtClean="0"/>
+              <a:t>, double, char </a:t>
+            </a:r>
+            <a:r>
+              <a:rPr lang="ko-KR" altLang="en-US" dirty="0" smtClean="0"/>
+              <a:t>등과 같은 변수형에 대한 </a:t>
+            </a:r>
+            <a:r>
+              <a:rPr lang="en-US" altLang="ko-KR" dirty="0" smtClean="0"/>
+              <a:t>keyword</a:t>
+            </a:r>
+            <a:r>
+              <a:rPr lang="ko-KR" altLang="en-US" dirty="0" smtClean="0"/>
+              <a:t>를 따로 지정해 주지 않음</a:t>
             </a:r>
             <a:endParaRPr lang="en-US" altLang="ko-KR" dirty="0" smtClean="0"/>
           </a:p>
@@ -10779,7 +10701,7 @@
     </p:spTree>
     <p:extLst>
       <p:ext uri="{BB962C8B-B14F-4D97-AF65-F5344CB8AC3E}">
-        <p14:creationId xmlns:p14="http://schemas.microsoft.com/office/powerpoint/2010/main" val="1148200273"/>
+        <p14:creationId xmlns:p14="http://schemas.microsoft.com/office/powerpoint/2010/main" val="3259688045"/>
       </p:ext>
     </p:extLst>
   </p:cSld>

--- a/ppt/Python_2_기본.pptx
+++ b/ppt/Python_2_기본.pptx
@@ -19,29 +19,28 @@
     <p:sldId id="290" r:id="rId13"/>
     <p:sldId id="291" r:id="rId14"/>
     <p:sldId id="278" r:id="rId15"/>
-    <p:sldId id="282" r:id="rId16"/>
-    <p:sldId id="260" r:id="rId17"/>
-    <p:sldId id="263" r:id="rId18"/>
-    <p:sldId id="281" r:id="rId19"/>
-    <p:sldId id="264" r:id="rId20"/>
-    <p:sldId id="265" r:id="rId21"/>
-    <p:sldId id="266" r:id="rId22"/>
-    <p:sldId id="267" r:id="rId23"/>
-    <p:sldId id="280" r:id="rId24"/>
-    <p:sldId id="279" r:id="rId25"/>
-    <p:sldId id="293" r:id="rId26"/>
-    <p:sldId id="294" r:id="rId27"/>
-    <p:sldId id="268" r:id="rId28"/>
-    <p:sldId id="269" r:id="rId29"/>
-    <p:sldId id="270" r:id="rId30"/>
-    <p:sldId id="271" r:id="rId31"/>
-    <p:sldId id="272" r:id="rId32"/>
-    <p:sldId id="273" r:id="rId33"/>
-    <p:sldId id="275" r:id="rId34"/>
-    <p:sldId id="295" r:id="rId35"/>
-    <p:sldId id="296" r:id="rId36"/>
-    <p:sldId id="283" r:id="rId37"/>
-    <p:sldId id="285" r:id="rId38"/>
+    <p:sldId id="301" r:id="rId16"/>
+    <p:sldId id="302" r:id="rId17"/>
+    <p:sldId id="303" r:id="rId18"/>
+    <p:sldId id="264" r:id="rId19"/>
+    <p:sldId id="304" r:id="rId20"/>
+    <p:sldId id="266" r:id="rId21"/>
+    <p:sldId id="305" r:id="rId22"/>
+    <p:sldId id="306" r:id="rId23"/>
+    <p:sldId id="307" r:id="rId24"/>
+    <p:sldId id="308" r:id="rId25"/>
+    <p:sldId id="294" r:id="rId26"/>
+    <p:sldId id="309" r:id="rId27"/>
+    <p:sldId id="310" r:id="rId28"/>
+    <p:sldId id="311" r:id="rId29"/>
+    <p:sldId id="312" r:id="rId30"/>
+    <p:sldId id="273" r:id="rId31"/>
+    <p:sldId id="275" r:id="rId32"/>
+    <p:sldId id="313" r:id="rId33"/>
+    <p:sldId id="314" r:id="rId34"/>
+    <p:sldId id="315" r:id="rId35"/>
+    <p:sldId id="283" r:id="rId36"/>
+    <p:sldId id="285" r:id="rId37"/>
   </p:sldIdLst>
   <p:sldSz cx="12192000" cy="6858000"/>
   <p:notesSz cx="6858000" cy="9144000"/>
@@ -3487,63 +3486,34 @@
             <a:endParaRPr lang="en-US" altLang="ko-KR" dirty="0"/>
           </a:p>
           <a:p>
-            <a:r>
-              <a:rPr lang="en-US" altLang="ko-KR" spc="-150" dirty="0" smtClean="0">
-                <a:latin typeface="Consolas" panose="020B0609020204030204" pitchFamily="49" charset="0"/>
-              </a:rPr>
-              <a:t>x, y = 2, 3</a:t>
-            </a:r>
-          </a:p>
-          <a:p>
-            <a:r>
-              <a:rPr lang="en-US" altLang="ko-KR" spc="-150" dirty="0" smtClean="0">
-                <a:latin typeface="Consolas" panose="020B0609020204030204" pitchFamily="49" charset="0"/>
-              </a:rPr>
-              <a:t>x, y = y, x</a:t>
-            </a:r>
-          </a:p>
-          <a:p>
-            <a:r>
-              <a:rPr lang="en-US" altLang="ko-KR" spc="-150" dirty="0" smtClean="0">
-                <a:latin typeface="Consolas" panose="020B0609020204030204" pitchFamily="49" charset="0"/>
-              </a:rPr>
-              <a:t>print 'x = ', x</a:t>
-            </a:r>
-          </a:p>
-          <a:p>
-            <a:r>
-              <a:rPr lang="en-US" altLang="ko-KR" spc="-150" dirty="0">
-                <a:latin typeface="Consolas" panose="020B0609020204030204" pitchFamily="49" charset="0"/>
-              </a:rPr>
-              <a:t>print </a:t>
-            </a:r>
-            <a:r>
-              <a:rPr lang="en-US" altLang="ko-KR" spc="-150" dirty="0" smtClean="0">
-                <a:latin typeface="Consolas" panose="020B0609020204030204" pitchFamily="49" charset="0"/>
-              </a:rPr>
-              <a:t>'y </a:t>
-            </a:r>
-            <a:r>
-              <a:rPr lang="en-US" altLang="ko-KR" spc="-150" dirty="0">
-                <a:latin typeface="Consolas" panose="020B0609020204030204" pitchFamily="49" charset="0"/>
-              </a:rPr>
-              <a:t>= ', </a:t>
-            </a:r>
-            <a:r>
-              <a:rPr lang="en-US" altLang="ko-KR" spc="-150" dirty="0" smtClean="0">
-                <a:latin typeface="Consolas" panose="020B0609020204030204" pitchFamily="49" charset="0"/>
-              </a:rPr>
-              <a:t>y</a:t>
-            </a:r>
-            <a:endParaRPr lang="en-US" altLang="ko-KR" spc="-150" dirty="0">
-              <a:latin typeface="Consolas" panose="020B0609020204030204" pitchFamily="49" charset="0"/>
-            </a:endParaRPr>
-          </a:p>
-          <a:p>
             <a:endParaRPr lang="ko-KR" altLang="en-US" dirty="0"/>
           </a:p>
         </p:txBody>
       </p:sp>
+      <p:pic>
+        <p:nvPicPr>
+          <p:cNvPr id="4" name="그림 3"/>
+          <p:cNvPicPr>
+            <a:picLocks noChangeAspect="1"/>
+          </p:cNvPicPr>
+          <p:nvPr/>
+        </p:nvPicPr>
+        <p:blipFill>
+          <a:blip r:embed="rId2"/>
+          <a:stretch>
+            <a:fillRect/>
+          </a:stretch>
+        </p:blipFill>
+        <p:spPr>
+          <a:xfrm>
+            <a:off x="1085481" y="2737756"/>
+            <a:ext cx="5160877" cy="3346675"/>
+          </a:xfrm>
+          <a:prstGeom prst="rect">
+            <a:avLst/>
+          </a:prstGeom>
+        </p:spPr>
+      </p:pic>
     </p:spTree>
     <p:extLst>
       <p:ext uri="{BB962C8B-B14F-4D97-AF65-F5344CB8AC3E}">
@@ -3584,7 +3554,12 @@
             <p:ph type="title"/>
           </p:nvPr>
         </p:nvSpPr>
-        <p:spPr/>
+        <p:spPr>
+          <a:xfrm>
+            <a:off x="838200" y="365126"/>
+            <a:ext cx="10515600" cy="1022804"/>
+          </a:xfrm>
+        </p:spPr>
         <p:txBody>
           <a:bodyPr/>
           <a:lstStyle/>
@@ -3607,9 +3582,16 @@
             <p:ph idx="1"/>
           </p:nvPr>
         </p:nvSpPr>
-        <p:spPr/>
-        <p:txBody>
-          <a:bodyPr/>
+        <p:spPr>
+          <a:xfrm>
+            <a:off x="838200" y="1611086"/>
+            <a:ext cx="10515600" cy="4565877"/>
+          </a:xfrm>
+        </p:spPr>
+        <p:txBody>
+          <a:bodyPr>
+            <a:normAutofit lnSpcReduction="10000"/>
+          </a:bodyPr>
           <a:lstStyle/>
           <a:p>
             <a:r>
@@ -3619,71 +3601,110 @@
             <a:endParaRPr lang="en-US" altLang="ko-KR" dirty="0" smtClean="0"/>
           </a:p>
           <a:p>
-            <a:r>
-              <a:rPr lang="en-US" altLang="ko-KR" spc="-150" dirty="0" smtClean="0">
-                <a:latin typeface="Consolas" panose="020B0609020204030204" pitchFamily="49" charset="0"/>
-                <a:cs typeface="Consolas" panose="020B0609020204030204" pitchFamily="49" charset="0"/>
-              </a:rPr>
-              <a:t>print "Hello, world!"</a:t>
-            </a:r>
-          </a:p>
-          <a:p>
-            <a:r>
-              <a:rPr lang="en-US" altLang="ko-KR" spc="-150" dirty="0" smtClean="0">
-                <a:latin typeface="Consolas" panose="020B0609020204030204" pitchFamily="49" charset="0"/>
-                <a:cs typeface="Consolas" panose="020B0609020204030204" pitchFamily="49" charset="0"/>
-              </a:rPr>
-              <a:t>print 'Hello, world!'</a:t>
-            </a:r>
-          </a:p>
-          <a:p>
-            <a:r>
-              <a:rPr lang="ko-KR" altLang="en-US" dirty="0" smtClean="0"/>
-              <a:t>따옴표는 문자열을 의미</a:t>
-            </a:r>
+            <a:endParaRPr lang="en-US" altLang="ko-KR" dirty="0"/>
+          </a:p>
+          <a:p>
             <a:endParaRPr lang="en-US" altLang="ko-KR" dirty="0" smtClean="0"/>
           </a:p>
           <a:p>
+            <a:endParaRPr lang="en-US" altLang="ko-KR" dirty="0" smtClean="0"/>
+          </a:p>
+          <a:p>
+            <a:endParaRPr lang="en-US" altLang="ko-KR" dirty="0"/>
+          </a:p>
+          <a:p>
+            <a:r>
+              <a:rPr lang="ko-KR" altLang="en-US" dirty="0"/>
+              <a:t>따옴표로 둘러싸여 있는 부분은 문자열을 의미하며 </a:t>
+            </a:r>
+            <a:r>
+              <a:rPr lang="en-US" altLang="ko-KR" dirty="0"/>
+              <a:t>print </a:t>
+            </a:r>
+            <a:r>
+              <a:rPr lang="ko-KR" altLang="en-US" dirty="0"/>
+              <a:t>명령을 통해 해당 문자열 </a:t>
+            </a:r>
+            <a:r>
+              <a:rPr lang="en-US" altLang="ko-KR" dirty="0"/>
+              <a:t>- </a:t>
+            </a:r>
+            <a:r>
+              <a:rPr lang="ko-KR" altLang="en-US" dirty="0"/>
+              <a:t>여기서는 </a:t>
+            </a:r>
+            <a:r>
+              <a:rPr lang="en-US" altLang="ko-KR" dirty="0"/>
+              <a:t>Hello, world! - </a:t>
+            </a:r>
+            <a:r>
+              <a:rPr lang="ko-KR" altLang="en-US" dirty="0"/>
+              <a:t>을 화면에 출력하라는 뜻이다</a:t>
+            </a:r>
+            <a:r>
+              <a:rPr lang="en-US" altLang="ko-KR" dirty="0"/>
+              <a:t>.</a:t>
+            </a:r>
+          </a:p>
+          <a:p>
             <a:pPr lvl="1"/>
             <a:r>
-              <a:rPr lang="ko-KR" altLang="en-US" dirty="0" smtClean="0"/>
+              <a:rPr lang="ko-KR" altLang="en-US" dirty="0"/>
               <a:t>큰 따옴표</a:t>
             </a:r>
             <a:r>
+              <a:rPr lang="en-US" altLang="ko-KR" dirty="0"/>
+              <a:t>, </a:t>
+            </a:r>
+            <a:r>
+              <a:rPr lang="ko-KR" altLang="en-US" dirty="0"/>
+              <a:t>작은 따옴표 모두 </a:t>
+            </a:r>
+            <a:r>
+              <a:rPr lang="ko-KR" altLang="en-US" dirty="0" smtClean="0"/>
+              <a:t>가능</a:t>
+            </a:r>
+            <a:endParaRPr lang="en-US" altLang="ko-KR" dirty="0" smtClean="0"/>
+          </a:p>
+          <a:p>
+            <a:r>
+              <a:rPr lang="en-US" altLang="ko-KR" dirty="0"/>
+              <a:t>P</a:t>
+            </a:r>
+            <a:r>
               <a:rPr lang="en-US" altLang="ko-KR" dirty="0" smtClean="0"/>
-              <a:t>,</a:t>
-            </a:r>
-            <a:r>
-              <a:rPr lang="ko-KR" altLang="en-US" dirty="0" smtClean="0"/>
-              <a:t> 작은 따옴표 모두 가능</a:t>
-            </a:r>
+              <a:t>ython 2.x</a:t>
+            </a:r>
+            <a:r>
+              <a:rPr lang="ko-KR" altLang="en-US" dirty="0" smtClean="0"/>
+              <a:t>에서는 괄호 생략 가능</a:t>
+            </a:r>
+            <a:r>
+              <a:rPr lang="en-US" altLang="ko-KR" dirty="0" smtClean="0"/>
+              <a:t>, </a:t>
+            </a:r>
+            <a:r>
+              <a:rPr lang="en-US" altLang="ko-KR" dirty="0"/>
+              <a:t>Python </a:t>
+            </a:r>
+            <a:r>
+              <a:rPr lang="en-US" altLang="ko-KR" dirty="0" smtClean="0"/>
+              <a:t>3.x</a:t>
+            </a:r>
+            <a:r>
+              <a:rPr lang="ko-KR" altLang="en-US" dirty="0" smtClean="0"/>
+              <a:t>에서는 불가</a:t>
+            </a:r>
+            <a:endParaRPr lang="ko-KR" altLang="en-US" dirty="0"/>
+          </a:p>
+          <a:p>
             <a:endParaRPr lang="en-US" altLang="ko-KR" dirty="0" smtClean="0"/>
           </a:p>
           <a:p>
-            <a:r>
-              <a:rPr lang="en-US" altLang="ko-KR" spc="-150" dirty="0" smtClean="0">
-                <a:latin typeface="Consolas" panose="020B0609020204030204" pitchFamily="49" charset="0"/>
-              </a:rPr>
-              <a:t>print</a:t>
-            </a:r>
-            <a:r>
-              <a:rPr lang="ko-KR" altLang="en-US" dirty="0"/>
-              <a:t> </a:t>
-            </a:r>
-            <a:r>
-              <a:rPr lang="ko-KR" altLang="en-US" dirty="0" smtClean="0"/>
-              <a:t>명령에 괄호를 사용할 수도 있음</a:t>
-            </a:r>
-            <a:endParaRPr lang="en-US" altLang="ko-KR" dirty="0" smtClean="0"/>
-          </a:p>
-          <a:p>
-            <a:r>
-              <a:rPr lang="en-US" altLang="ko-KR" spc="-150" dirty="0" smtClean="0">
-                <a:latin typeface="Consolas" panose="020B0609020204030204" pitchFamily="49" charset="0"/>
-                <a:cs typeface="Consolas" panose="020B0609020204030204" pitchFamily="49" charset="0"/>
-              </a:rPr>
-              <a:t>print("Hello, world!")</a:t>
-            </a:r>
+            <a:pPr marL="0" indent="0">
+              <a:buNone/>
+            </a:pPr>
+            <a:endParaRPr lang="en-US" altLang="ko-KR" dirty="0"/>
           </a:p>
           <a:p>
             <a:pPr marL="0" indent="0">
@@ -3693,6 +3714,30 @@
           </a:p>
         </p:txBody>
       </p:sp>
+      <p:pic>
+        <p:nvPicPr>
+          <p:cNvPr id="5" name="그림 4"/>
+          <p:cNvPicPr>
+            <a:picLocks noChangeAspect="1"/>
+          </p:cNvPicPr>
+          <p:nvPr/>
+        </p:nvPicPr>
+        <p:blipFill>
+          <a:blip r:embed="rId2"/>
+          <a:stretch>
+            <a:fillRect/>
+          </a:stretch>
+        </p:blipFill>
+        <p:spPr>
+          <a:xfrm>
+            <a:off x="1186542" y="2120417"/>
+            <a:ext cx="5677770" cy="1537184"/>
+          </a:xfrm>
+          <a:prstGeom prst="rect">
+            <a:avLst/>
+          </a:prstGeom>
+        </p:spPr>
+      </p:pic>
     </p:spTree>
     <p:extLst>
       <p:ext uri="{BB962C8B-B14F-4D97-AF65-F5344CB8AC3E}">
@@ -3723,184 +3768,36 @@
           <a:chExt cx="0" cy="0"/>
         </a:xfrm>
       </p:grpSpPr>
-      <p:sp>
-        <p:nvSpPr>
-          <p:cNvPr id="2" name="제목 1"/>
-          <p:cNvSpPr>
-            <a:spLocks noGrp="1"/>
-          </p:cNvSpPr>
-          <p:nvPr>
-            <p:ph type="title"/>
-          </p:nvPr>
-        </p:nvSpPr>
-        <p:spPr/>
-        <p:txBody>
-          <a:bodyPr/>
-          <a:lstStyle/>
-          <a:p>
-            <a:r>
-              <a:rPr lang="ko-KR" altLang="en-US" dirty="0" smtClean="0"/>
-              <a:t>문자열 입력 받기</a:t>
-            </a:r>
-            <a:endParaRPr lang="ko-KR" altLang="en-US" dirty="0"/>
-          </a:p>
-        </p:txBody>
-      </p:sp>
-      <p:sp>
-        <p:nvSpPr>
-          <p:cNvPr id="3" name="내용 개체 틀 2"/>
-          <p:cNvSpPr>
-            <a:spLocks noGrp="1"/>
-          </p:cNvSpPr>
+      <p:pic>
+        <p:nvPicPr>
+          <p:cNvPr id="4" name="내용 개체 틀 3"/>
+          <p:cNvPicPr>
+            <a:picLocks noGrp="1" noChangeAspect="1"/>
+          </p:cNvPicPr>
           <p:nvPr>
             <p:ph idx="1"/>
           </p:nvPr>
-        </p:nvSpPr>
-        <p:spPr/>
-        <p:txBody>
-          <a:bodyPr/>
-          <a:lstStyle/>
-          <a:p>
-            <a:r>
-              <a:rPr lang="en-US" altLang="ko-KR" spc="-150" dirty="0" err="1" smtClean="0">
-                <a:latin typeface="Consolas" panose="020B0609020204030204" pitchFamily="49" charset="0"/>
-                <a:cs typeface="Consolas" panose="020B0609020204030204" pitchFamily="49" charset="0"/>
-              </a:rPr>
-              <a:t>input_string</a:t>
-            </a:r>
-            <a:r>
-              <a:rPr lang="en-US" altLang="ko-KR" spc="-150" dirty="0" smtClean="0">
-                <a:latin typeface="Consolas" panose="020B0609020204030204" pitchFamily="49" charset="0"/>
-                <a:cs typeface="Consolas" panose="020B0609020204030204" pitchFamily="49" charset="0"/>
-              </a:rPr>
-              <a:t> = </a:t>
-            </a:r>
-            <a:r>
-              <a:rPr lang="en-US" altLang="ko-KR" spc="-150" dirty="0" err="1" smtClean="0">
-                <a:latin typeface="Consolas" panose="020B0609020204030204" pitchFamily="49" charset="0"/>
-                <a:cs typeface="Consolas" panose="020B0609020204030204" pitchFamily="49" charset="0"/>
-              </a:rPr>
-              <a:t>raw_input</a:t>
-            </a:r>
-            <a:r>
-              <a:rPr lang="en-US" altLang="ko-KR" spc="-150" dirty="0" smtClean="0">
-                <a:latin typeface="Consolas" panose="020B0609020204030204" pitchFamily="49" charset="0"/>
-                <a:cs typeface="Consolas" panose="020B0609020204030204" pitchFamily="49" charset="0"/>
-              </a:rPr>
-              <a:t>("Input any string : ")</a:t>
-            </a:r>
-            <a:br>
-              <a:rPr lang="en-US" altLang="ko-KR" spc="-150" dirty="0" smtClean="0">
-                <a:latin typeface="Consolas" panose="020B0609020204030204" pitchFamily="49" charset="0"/>
-                <a:cs typeface="Consolas" panose="020B0609020204030204" pitchFamily="49" charset="0"/>
-              </a:rPr>
-            </a:br>
-            <a:r>
-              <a:rPr lang="en-US" altLang="ko-KR" spc="-150" dirty="0" smtClean="0">
-                <a:latin typeface="Consolas" panose="020B0609020204030204" pitchFamily="49" charset="0"/>
-                <a:cs typeface="Consolas" panose="020B0609020204030204" pitchFamily="49" charset="0"/>
-              </a:rPr>
-              <a:t>print </a:t>
-            </a:r>
-            <a:r>
-              <a:rPr lang="en-US" altLang="ko-KR" spc="-150" dirty="0" err="1" smtClean="0">
-                <a:latin typeface="Consolas" panose="020B0609020204030204" pitchFamily="49" charset="0"/>
-                <a:cs typeface="Consolas" panose="020B0609020204030204" pitchFamily="49" charset="0"/>
-              </a:rPr>
-              <a:t>input_string</a:t>
-            </a:r>
-            <a:endParaRPr lang="en-US" altLang="ko-KR" spc="-150" dirty="0" smtClean="0">
-              <a:latin typeface="Consolas" panose="020B0609020204030204" pitchFamily="49" charset="0"/>
-              <a:cs typeface="Consolas" panose="020B0609020204030204" pitchFamily="49" charset="0"/>
-            </a:endParaRPr>
-          </a:p>
-          <a:p>
-            <a:endParaRPr lang="en-US" altLang="ko-KR" dirty="0"/>
-          </a:p>
-          <a:p>
-            <a:r>
-              <a:rPr lang="en-US" altLang="ko-KR" spc="-150" dirty="0" err="1" smtClean="0">
-                <a:latin typeface="Consolas" panose="020B0609020204030204" pitchFamily="49" charset="0"/>
-                <a:cs typeface="Consolas" panose="020B0609020204030204" pitchFamily="49" charset="0"/>
-              </a:rPr>
-              <a:t>raw_input</a:t>
-            </a:r>
-            <a:r>
-              <a:rPr lang="ko-KR" altLang="en-US" dirty="0" smtClean="0"/>
-              <a:t>을 사용하여 콘솔로부터 입력을 받을 수 있음</a:t>
-            </a:r>
-            <a:endParaRPr lang="en-US" altLang="ko-KR" dirty="0" smtClean="0"/>
-          </a:p>
-          <a:p>
-            <a:r>
-              <a:rPr lang="en-US" altLang="ko-KR" dirty="0" smtClean="0"/>
-              <a:t>"</a:t>
-            </a:r>
-            <a:r>
-              <a:rPr lang="en-US" altLang="ko-KR" spc="-150" dirty="0" smtClean="0">
-                <a:latin typeface="Consolas" panose="020B0609020204030204" pitchFamily="49" charset="0"/>
-                <a:cs typeface="Consolas" panose="020B0609020204030204" pitchFamily="49" charset="0"/>
-              </a:rPr>
-              <a:t>Input </a:t>
-            </a:r>
-            <a:r>
-              <a:rPr lang="en-US" altLang="ko-KR" spc="-150" dirty="0">
-                <a:latin typeface="Consolas" panose="020B0609020204030204" pitchFamily="49" charset="0"/>
-                <a:cs typeface="Consolas" panose="020B0609020204030204" pitchFamily="49" charset="0"/>
-              </a:rPr>
-              <a:t>any string : </a:t>
-            </a:r>
-            <a:r>
-              <a:rPr lang="en-US" altLang="ko-KR" spc="-150" dirty="0" smtClean="0">
-                <a:latin typeface="Consolas" panose="020B0609020204030204" pitchFamily="49" charset="0"/>
-                <a:cs typeface="Consolas" panose="020B0609020204030204" pitchFamily="49" charset="0"/>
-              </a:rPr>
-              <a:t>" </a:t>
-            </a:r>
-            <a:r>
-              <a:rPr lang="ko-KR" altLang="en-US" dirty="0" smtClean="0"/>
-              <a:t>부분은 콘솔 창에 나타나는 부분으로 원하는 대로 바꾸어 쓸 수 있음</a:t>
-            </a:r>
-            <a:endParaRPr lang="en-US" altLang="ko-KR" dirty="0" smtClean="0"/>
-          </a:p>
-          <a:p>
-            <a:r>
-              <a:rPr lang="ko-KR" altLang="en-US" dirty="0" smtClean="0"/>
-              <a:t>입력한 문자열은 </a:t>
-            </a:r>
-            <a:r>
-              <a:rPr lang="en-US" altLang="ko-KR" spc="-150" dirty="0" err="1" smtClean="0">
-                <a:latin typeface="Consolas" panose="020B0609020204030204" pitchFamily="49" charset="0"/>
-                <a:cs typeface="Consolas" panose="020B0609020204030204" pitchFamily="49" charset="0"/>
-              </a:rPr>
-              <a:t>input_string</a:t>
-            </a:r>
-            <a:r>
-              <a:rPr lang="ko-KR" altLang="en-US" dirty="0" smtClean="0"/>
-              <a:t>에 저장됨</a:t>
-            </a:r>
-            <a:endParaRPr lang="en-US" altLang="ko-KR" dirty="0" smtClean="0"/>
-          </a:p>
-          <a:p>
-            <a:r>
-              <a:rPr lang="en-US" altLang="ko-KR" spc="-150" dirty="0" smtClean="0">
-                <a:latin typeface="Consolas" panose="020B0609020204030204" pitchFamily="49" charset="0"/>
-                <a:cs typeface="Consolas" panose="020B0609020204030204" pitchFamily="49" charset="0"/>
-              </a:rPr>
-              <a:t>print input</a:t>
-            </a:r>
-            <a:r>
-              <a:rPr lang="ko-KR" altLang="en-US" dirty="0" smtClean="0"/>
-              <a:t>을 이용하여 저장된 내용을 다시 출력</a:t>
-            </a:r>
-            <a:endParaRPr lang="en-US" altLang="ko-KR" dirty="0" smtClean="0"/>
-          </a:p>
-        </p:txBody>
-      </p:sp>
+        </p:nvPicPr>
+        <p:blipFill>
+          <a:blip r:embed="rId2"/>
+          <a:stretch>
+            <a:fillRect/>
+          </a:stretch>
+        </p:blipFill>
+        <p:spPr>
+          <a:xfrm>
+            <a:off x="1630354" y="230868"/>
+            <a:ext cx="8161345" cy="6103978"/>
+          </a:xfrm>
+          <a:prstGeom prst="rect">
+            <a:avLst/>
+          </a:prstGeom>
+        </p:spPr>
+      </p:pic>
     </p:spTree>
     <p:extLst>
       <p:ext uri="{BB962C8B-B14F-4D97-AF65-F5344CB8AC3E}">
-        <p14:creationId xmlns:p14="http://schemas.microsoft.com/office/powerpoint/2010/main" val="1509224185"/>
+        <p14:creationId xmlns:p14="http://schemas.microsoft.com/office/powerpoint/2010/main" val="3249102584"/>
       </p:ext>
     </p:extLst>
   </p:cSld>
@@ -3927,202 +3824,36 @@
           <a:chExt cx="0" cy="0"/>
         </a:xfrm>
       </p:grpSpPr>
-      <p:sp>
-        <p:nvSpPr>
-          <p:cNvPr id="2" name="제목 1"/>
-          <p:cNvSpPr>
-            <a:spLocks noGrp="1"/>
-          </p:cNvSpPr>
-          <p:nvPr>
-            <p:ph type="title"/>
-          </p:nvPr>
-        </p:nvSpPr>
-        <p:spPr/>
-        <p:txBody>
-          <a:bodyPr/>
-          <a:lstStyle/>
-          <a:p>
-            <a:r>
-              <a:rPr lang="ko-KR" altLang="en-US" dirty="0" err="1" smtClean="0"/>
-              <a:t>부울</a:t>
-            </a:r>
-            <a:r>
-              <a:rPr lang="en-US" altLang="ko-KR" dirty="0" smtClean="0"/>
-              <a:t>(Boolean)</a:t>
-            </a:r>
-            <a:r>
-              <a:rPr lang="ko-KR" altLang="en-US" dirty="0" smtClean="0"/>
-              <a:t>형</a:t>
-            </a:r>
-            <a:endParaRPr lang="ko-KR" altLang="en-US" dirty="0"/>
-          </a:p>
-        </p:txBody>
-      </p:sp>
-      <p:sp>
-        <p:nvSpPr>
-          <p:cNvPr id="3" name="내용 개체 틀 2"/>
-          <p:cNvSpPr>
-            <a:spLocks noGrp="1"/>
-          </p:cNvSpPr>
+      <p:pic>
+        <p:nvPicPr>
+          <p:cNvPr id="4" name="내용 개체 틀 3"/>
+          <p:cNvPicPr>
+            <a:picLocks noGrp="1" noChangeAspect="1"/>
+          </p:cNvPicPr>
           <p:nvPr>
             <p:ph idx="1"/>
           </p:nvPr>
-        </p:nvSpPr>
-        <p:spPr/>
-        <p:txBody>
-          <a:bodyPr>
-            <a:normAutofit fontScale="77500" lnSpcReduction="20000"/>
-          </a:bodyPr>
-          <a:lstStyle/>
-          <a:p>
-            <a:r>
-              <a:rPr lang="en-US" altLang="ko-KR" spc="-150" dirty="0" smtClean="0">
-                <a:latin typeface="Consolas" panose="020B0609020204030204" pitchFamily="49" charset="0"/>
-                <a:cs typeface="Consolas" panose="020B0609020204030204" pitchFamily="49" charset="0"/>
-              </a:rPr>
-              <a:t>True</a:t>
-            </a:r>
-            <a:r>
-              <a:rPr lang="en-US" altLang="ko-KR" dirty="0" smtClean="0"/>
-              <a:t> or </a:t>
-            </a:r>
-            <a:r>
-              <a:rPr lang="en-US" altLang="ko-KR" spc="-150" dirty="0" smtClean="0">
-                <a:latin typeface="Consolas" panose="020B0609020204030204" pitchFamily="49" charset="0"/>
-                <a:cs typeface="Consolas" panose="020B0609020204030204" pitchFamily="49" charset="0"/>
-              </a:rPr>
-              <a:t>False</a:t>
-            </a:r>
-          </a:p>
-          <a:p>
-            <a:r>
-              <a:rPr lang="en-US" altLang="ko-KR" dirty="0" smtClean="0"/>
-              <a:t>Boolean type</a:t>
-            </a:r>
-            <a:r>
-              <a:rPr lang="ko-KR" altLang="en-US" dirty="0" smtClean="0"/>
-              <a:t>의 변수는 프로그래밍에서 중요한 역할을 담당</a:t>
-            </a:r>
-            <a:endParaRPr lang="en-US" altLang="ko-KR" dirty="0" smtClean="0"/>
-          </a:p>
-          <a:p>
-            <a:pPr lvl="1"/>
-            <a:r>
-              <a:rPr lang="ko-KR" altLang="en-US" dirty="0" smtClean="0"/>
-              <a:t>조건에 따라 처리를 달리하는 프로그램을 작성할 때 유용</a:t>
-            </a:r>
-            <a:endParaRPr lang="en-US" altLang="ko-KR" dirty="0" smtClean="0"/>
-          </a:p>
-          <a:p>
-            <a:endParaRPr lang="en-US" altLang="ko-KR" dirty="0" smtClean="0"/>
-          </a:p>
-          <a:p>
-            <a:r>
-              <a:rPr lang="en-US" altLang="ko-KR" dirty="0" smtClean="0">
-                <a:latin typeface="Consolas" panose="020B0609020204030204" pitchFamily="49" charset="0"/>
-                <a:cs typeface="Consolas" panose="020B0609020204030204" pitchFamily="49" charset="0"/>
-              </a:rPr>
-              <a:t>2 &gt; 0.9</a:t>
-            </a:r>
-            <a:endParaRPr lang="en-US" altLang="ko-KR" dirty="0" smtClean="0">
-              <a:latin typeface="Consolas" panose="020B0609020204030204" pitchFamily="49" charset="0"/>
-              <a:cs typeface="Consolas" panose="020B0609020204030204" pitchFamily="49" charset="0"/>
-            </a:endParaRPr>
-          </a:p>
-          <a:p>
-            <a:pPr lvl="1"/>
-            <a:r>
-              <a:rPr lang="en-US" altLang="ko-KR" spc="-150" dirty="0" smtClean="0">
-                <a:latin typeface="Consolas" panose="020B0609020204030204" pitchFamily="49" charset="0"/>
-                <a:cs typeface="Consolas" panose="020B0609020204030204" pitchFamily="49" charset="0"/>
-              </a:rPr>
-              <a:t>True</a:t>
-            </a:r>
-          </a:p>
-          <a:p>
-            <a:r>
-              <a:rPr lang="en-US" altLang="ko-KR" dirty="0" smtClean="0">
-                <a:latin typeface="Consolas" panose="020B0609020204030204" pitchFamily="49" charset="0"/>
-                <a:cs typeface="Consolas" panose="020B0609020204030204" pitchFamily="49" charset="0"/>
-              </a:rPr>
-              <a:t>3 &lt; -</a:t>
-            </a:r>
-            <a:r>
-              <a:rPr lang="en-US" altLang="ko-KR" dirty="0" smtClean="0">
-                <a:latin typeface="Consolas" panose="020B0609020204030204" pitchFamily="49" charset="0"/>
-                <a:cs typeface="Consolas" panose="020B0609020204030204" pitchFamily="49" charset="0"/>
-              </a:rPr>
-              <a:t>3</a:t>
-            </a:r>
-          </a:p>
-          <a:p>
-            <a:pPr lvl="1"/>
-            <a:r>
-              <a:rPr lang="en-US" altLang="ko-KR" spc="-150" dirty="0" smtClean="0">
-                <a:latin typeface="Consolas" panose="020B0609020204030204" pitchFamily="49" charset="0"/>
-                <a:cs typeface="Consolas" panose="020B0609020204030204" pitchFamily="49" charset="0"/>
-              </a:rPr>
-              <a:t>False</a:t>
-            </a:r>
-          </a:p>
-          <a:p>
-            <a:endParaRPr lang="en-US" altLang="ko-KR" dirty="0"/>
-          </a:p>
-          <a:p>
-            <a:r>
-              <a:rPr lang="en-US" altLang="ko-KR" spc="-150" dirty="0" smtClean="0">
-                <a:latin typeface="Consolas" panose="020B0609020204030204" pitchFamily="49" charset="0"/>
-                <a:cs typeface="Consolas" panose="020B0609020204030204" pitchFamily="49" charset="0"/>
-              </a:rPr>
-              <a:t>a = True</a:t>
-            </a:r>
-          </a:p>
-          <a:p>
-            <a:pPr lvl="1"/>
-            <a:r>
-              <a:rPr lang="en-US" altLang="ko-KR" dirty="0" smtClean="0"/>
-              <a:t>True</a:t>
-            </a:r>
-            <a:r>
-              <a:rPr lang="ko-KR" altLang="en-US" dirty="0" smtClean="0"/>
-              <a:t>의 값을 가지는 변수 </a:t>
-            </a:r>
-            <a:r>
-              <a:rPr lang="en-US" altLang="ko-KR" dirty="0" smtClean="0"/>
-              <a:t>a</a:t>
-            </a:r>
-          </a:p>
-          <a:p>
-            <a:r>
-              <a:rPr lang="en-US" altLang="ko-KR" spc="-150" dirty="0" smtClean="0">
-                <a:latin typeface="Consolas" panose="020B0609020204030204" pitchFamily="49" charset="0"/>
-                <a:cs typeface="Consolas" panose="020B0609020204030204" pitchFamily="49" charset="0"/>
-              </a:rPr>
-              <a:t>b = False</a:t>
-            </a:r>
-          </a:p>
-          <a:p>
-            <a:pPr lvl="1"/>
-            <a:r>
-              <a:rPr lang="en-US" altLang="ko-KR" dirty="0" smtClean="0"/>
-              <a:t>False</a:t>
-            </a:r>
-            <a:r>
-              <a:rPr lang="ko-KR" altLang="en-US" dirty="0" smtClean="0"/>
-              <a:t>의 값을 가지는 변수 </a:t>
-            </a:r>
-            <a:r>
-              <a:rPr lang="en-US" altLang="ko-KR" dirty="0" smtClean="0"/>
-              <a:t>b</a:t>
-            </a:r>
-            <a:endParaRPr lang="ko-KR" altLang="en-US" dirty="0"/>
-          </a:p>
-        </p:txBody>
-      </p:sp>
+        </p:nvPicPr>
+        <p:blipFill>
+          <a:blip r:embed="rId2"/>
+          <a:stretch>
+            <a:fillRect/>
+          </a:stretch>
+        </p:blipFill>
+        <p:spPr>
+          <a:xfrm>
+            <a:off x="1124935" y="225423"/>
+            <a:ext cx="7834007" cy="6347786"/>
+          </a:xfrm>
+          <a:prstGeom prst="rect">
+            <a:avLst/>
+          </a:prstGeom>
+        </p:spPr>
+      </p:pic>
     </p:spTree>
     <p:extLst>
       <p:ext uri="{BB962C8B-B14F-4D97-AF65-F5344CB8AC3E}">
-        <p14:creationId xmlns:p14="http://schemas.microsoft.com/office/powerpoint/2010/main" val="2079799512"/>
+        <p14:creationId xmlns:p14="http://schemas.microsoft.com/office/powerpoint/2010/main" val="732373772"/>
       </p:ext>
     </p:extLst>
   </p:cSld>
@@ -4149,225 +3880,36 @@
           <a:chExt cx="0" cy="0"/>
         </a:xfrm>
       </p:grpSpPr>
-      <p:sp>
-        <p:nvSpPr>
-          <p:cNvPr id="5" name="제목 4"/>
-          <p:cNvSpPr>
-            <a:spLocks noGrp="1"/>
-          </p:cNvSpPr>
-          <p:nvPr>
-            <p:ph type="title"/>
-          </p:nvPr>
-        </p:nvSpPr>
-        <p:spPr/>
-        <p:txBody>
-          <a:bodyPr/>
-          <a:lstStyle/>
-          <a:p>
-            <a:r>
-              <a:rPr lang="ko-KR" altLang="en-US" dirty="0" smtClean="0"/>
-              <a:t>비교연산과 대입연산</a:t>
-            </a:r>
-            <a:endParaRPr lang="ko-KR" altLang="en-US" dirty="0"/>
-          </a:p>
-        </p:txBody>
-      </p:sp>
-      <p:sp>
-        <p:nvSpPr>
-          <p:cNvPr id="6" name="내용 개체 틀 5"/>
-          <p:cNvSpPr>
-            <a:spLocks noGrp="1"/>
-          </p:cNvSpPr>
+      <p:pic>
+        <p:nvPicPr>
+          <p:cNvPr id="4" name="내용 개체 틀 3"/>
+          <p:cNvPicPr>
+            <a:picLocks noGrp="1" noChangeAspect="1"/>
+          </p:cNvPicPr>
           <p:nvPr>
             <p:ph idx="1"/>
           </p:nvPr>
-        </p:nvSpPr>
-        <p:spPr/>
-        <p:txBody>
-          <a:bodyPr>
-            <a:normAutofit lnSpcReduction="10000"/>
-          </a:bodyPr>
-          <a:lstStyle/>
-          <a:p>
-            <a:r>
-              <a:rPr lang="ko-KR" altLang="en-US" dirty="0" smtClean="0"/>
-              <a:t>등호를 하나만 사용하는 경우 이를 대입연산자라 함</a:t>
-            </a:r>
-            <a:endParaRPr lang="en-US" altLang="ko-KR" dirty="0" smtClean="0"/>
-          </a:p>
-          <a:p>
-            <a:pPr lvl="1"/>
-            <a:r>
-              <a:rPr lang="en-US" altLang="ko-KR" spc="-150" dirty="0" smtClean="0">
-                <a:latin typeface="Consolas" panose="020B0609020204030204" pitchFamily="49" charset="0"/>
-                <a:cs typeface="Consolas" panose="020B0609020204030204" pitchFamily="49" charset="0"/>
-              </a:rPr>
-              <a:t>x = 5</a:t>
-            </a:r>
-            <a:endParaRPr lang="en-US" altLang="ko-KR" spc="-150" dirty="0" smtClean="0">
-              <a:latin typeface="Consolas" panose="020B0609020204030204" pitchFamily="49" charset="0"/>
-              <a:cs typeface="Consolas" panose="020B0609020204030204" pitchFamily="49" charset="0"/>
-            </a:endParaRPr>
-          </a:p>
-          <a:p>
-            <a:pPr lvl="1"/>
-            <a:r>
-              <a:rPr lang="en-US" altLang="ko-KR" spc="-150" dirty="0" smtClean="0">
-                <a:latin typeface="Consolas" panose="020B0609020204030204" pitchFamily="49" charset="0"/>
-                <a:cs typeface="Consolas" panose="020B0609020204030204" pitchFamily="49" charset="0"/>
-              </a:rPr>
-              <a:t>x</a:t>
-            </a:r>
-            <a:r>
-              <a:rPr lang="ko-KR" altLang="en-US" dirty="0" smtClean="0"/>
-              <a:t>라는 변수에 </a:t>
-            </a:r>
-            <a:r>
-              <a:rPr lang="en-US" altLang="ko-KR" spc="-150" dirty="0" smtClean="0">
-                <a:latin typeface="Consolas" panose="020B0609020204030204" pitchFamily="49" charset="0"/>
-                <a:cs typeface="Consolas" panose="020B0609020204030204" pitchFamily="49" charset="0"/>
-              </a:rPr>
-              <a:t>5</a:t>
-            </a:r>
-            <a:r>
-              <a:rPr lang="ko-KR" altLang="en-US" dirty="0" smtClean="0"/>
-              <a:t>라는 정수를 대입</a:t>
-            </a:r>
-            <a:endParaRPr lang="en-US" altLang="ko-KR" dirty="0" smtClean="0"/>
-          </a:p>
-          <a:p>
-            <a:r>
-              <a:rPr lang="ko-KR" altLang="en-US" dirty="0" smtClean="0"/>
-              <a:t>따라서 </a:t>
-            </a:r>
-            <a:r>
-              <a:rPr lang="en-US" altLang="ko-KR" dirty="0" smtClean="0"/>
-              <a:t>4 = 4</a:t>
-            </a:r>
-            <a:r>
-              <a:rPr lang="ko-KR" altLang="en-US" dirty="0" smtClean="0"/>
-              <a:t>와 같은 문장은 잘못된 문장</a:t>
-            </a:r>
-            <a:endParaRPr lang="en-US" altLang="ko-KR" dirty="0" smtClean="0"/>
-          </a:p>
-          <a:p>
-            <a:pPr lvl="1"/>
-            <a:r>
-              <a:rPr lang="en-US" altLang="ko-KR" dirty="0" smtClean="0"/>
-              <a:t>4</a:t>
-            </a:r>
-            <a:r>
-              <a:rPr lang="ko-KR" altLang="en-US" dirty="0" smtClean="0"/>
-              <a:t>에 </a:t>
-            </a:r>
-            <a:r>
-              <a:rPr lang="en-US" altLang="ko-KR" dirty="0" smtClean="0"/>
-              <a:t>4</a:t>
-            </a:r>
-            <a:r>
-              <a:rPr lang="ko-KR" altLang="en-US" dirty="0" smtClean="0"/>
-              <a:t>를 대입할 수 없음</a:t>
-            </a:r>
-            <a:endParaRPr lang="en-US" altLang="ko-KR" dirty="0" smtClean="0"/>
-          </a:p>
-          <a:p>
-            <a:pPr lvl="1"/>
-            <a:endParaRPr lang="en-US" altLang="ko-KR" dirty="0"/>
-          </a:p>
-          <a:p>
-            <a:r>
-              <a:rPr lang="ko-KR" altLang="en-US" dirty="0" smtClean="0"/>
-              <a:t>등호를 두 개를 연속해서 사용하는 경우 </a:t>
-            </a:r>
-            <a:r>
-              <a:rPr lang="en-US" altLang="ko-KR" dirty="0" smtClean="0"/>
-              <a:t>: </a:t>
-            </a:r>
-            <a:r>
-              <a:rPr lang="ko-KR" altLang="en-US" dirty="0" smtClean="0"/>
-              <a:t>비교연산</a:t>
-            </a:r>
-            <a:endParaRPr lang="en-US" altLang="ko-KR" dirty="0" smtClean="0"/>
-          </a:p>
-          <a:p>
-            <a:pPr lvl="1"/>
-            <a:r>
-              <a:rPr lang="en-US" altLang="ko-KR" spc="-150" dirty="0" smtClean="0">
-                <a:latin typeface="Consolas" panose="020B0609020204030204" pitchFamily="49" charset="0"/>
-                <a:cs typeface="Consolas" panose="020B0609020204030204" pitchFamily="49" charset="0"/>
-              </a:rPr>
-              <a:t>4 == 4</a:t>
-            </a:r>
-            <a:endParaRPr lang="en-US" altLang="ko-KR" spc="-150" dirty="0" smtClean="0">
-              <a:latin typeface="Consolas" panose="020B0609020204030204" pitchFamily="49" charset="0"/>
-              <a:cs typeface="Consolas" panose="020B0609020204030204" pitchFamily="49" charset="0"/>
-            </a:endParaRPr>
-          </a:p>
-          <a:p>
-            <a:pPr lvl="2"/>
-            <a:r>
-              <a:rPr lang="en-US" altLang="ko-KR" spc="-150" dirty="0" smtClean="0">
-                <a:latin typeface="Consolas" panose="020B0609020204030204" pitchFamily="49" charset="0"/>
-                <a:cs typeface="Consolas" panose="020B0609020204030204" pitchFamily="49" charset="0"/>
-              </a:rPr>
-              <a:t>True</a:t>
-            </a:r>
-          </a:p>
-          <a:p>
-            <a:pPr lvl="1"/>
-            <a:r>
-              <a:rPr lang="en-US" altLang="ko-KR" spc="-150" dirty="0" smtClean="0">
-                <a:latin typeface="Consolas" panose="020B0609020204030204" pitchFamily="49" charset="0"/>
-                <a:cs typeface="Consolas" panose="020B0609020204030204" pitchFamily="49" charset="0"/>
-              </a:rPr>
-              <a:t>"Korea" </a:t>
-            </a:r>
-            <a:r>
-              <a:rPr lang="en-US" altLang="ko-KR" sz="2700" spc="-150" dirty="0">
-                <a:latin typeface="Consolas" panose="020B0609020204030204" pitchFamily="49" charset="0"/>
-                <a:cs typeface="Consolas" panose="020B0609020204030204" pitchFamily="49" charset="0"/>
-              </a:rPr>
-              <a:t>==</a:t>
-            </a:r>
-            <a:r>
-              <a:rPr lang="en-US" altLang="ko-KR" spc="-150" dirty="0">
-                <a:latin typeface="Consolas" panose="020B0609020204030204" pitchFamily="49" charset="0"/>
-                <a:cs typeface="Consolas" panose="020B0609020204030204" pitchFamily="49" charset="0"/>
-              </a:rPr>
-              <a:t> </a:t>
-            </a:r>
-            <a:r>
-              <a:rPr lang="en-US" altLang="ko-KR" spc="-150" dirty="0" smtClean="0">
-                <a:latin typeface="Consolas" panose="020B0609020204030204" pitchFamily="49" charset="0"/>
-                <a:cs typeface="Consolas" panose="020B0609020204030204" pitchFamily="49" charset="0"/>
-              </a:rPr>
-              <a:t>"Japan"</a:t>
-            </a:r>
-            <a:endParaRPr lang="en-US" altLang="ko-KR" spc="-150" dirty="0">
-              <a:latin typeface="Consolas" panose="020B0609020204030204" pitchFamily="49" charset="0"/>
-              <a:cs typeface="Consolas" panose="020B0609020204030204" pitchFamily="49" charset="0"/>
-            </a:endParaRPr>
-          </a:p>
-          <a:p>
-            <a:pPr lvl="2"/>
-            <a:r>
-              <a:rPr lang="en-US" altLang="ko-KR" spc="-150" dirty="0">
-                <a:latin typeface="Consolas" panose="020B0609020204030204" pitchFamily="49" charset="0"/>
-                <a:cs typeface="Consolas" panose="020B0609020204030204" pitchFamily="49" charset="0"/>
-              </a:rPr>
-              <a:t>False</a:t>
-            </a:r>
-          </a:p>
-          <a:p>
-            <a:pPr lvl="1"/>
-            <a:endParaRPr lang="en-US" altLang="ko-KR" dirty="0" smtClean="0"/>
-          </a:p>
-        </p:txBody>
-      </p:sp>
+        </p:nvPicPr>
+        <p:blipFill>
+          <a:blip r:embed="rId2"/>
+          <a:stretch>
+            <a:fillRect/>
+          </a:stretch>
+        </p:blipFill>
+        <p:spPr>
+          <a:xfrm>
+            <a:off x="326571" y="668682"/>
+            <a:ext cx="10755086" cy="5333697"/>
+          </a:xfrm>
+          <a:prstGeom prst="rect">
+            <a:avLst/>
+          </a:prstGeom>
+        </p:spPr>
+      </p:pic>
     </p:spTree>
     <p:extLst>
       <p:ext uri="{BB962C8B-B14F-4D97-AF65-F5344CB8AC3E}">
-        <p14:creationId xmlns:p14="http://schemas.microsoft.com/office/powerpoint/2010/main" val="3873822549"/>
+        <p14:creationId xmlns:p14="http://schemas.microsoft.com/office/powerpoint/2010/main" val="1775517881"/>
       </p:ext>
     </p:extLst>
   </p:cSld>
@@ -4404,14 +3946,19 @@
             <p:ph type="title"/>
           </p:nvPr>
         </p:nvSpPr>
-        <p:spPr/>
+        <p:spPr>
+          <a:xfrm>
+            <a:off x="838200" y="365126"/>
+            <a:ext cx="10515600" cy="745218"/>
+          </a:xfrm>
+        </p:spPr>
         <p:txBody>
           <a:bodyPr/>
           <a:lstStyle/>
           <a:p>
             <a:r>
               <a:rPr lang="ko-KR" altLang="en-US" dirty="0" smtClean="0"/>
-              <a:t>대입연산 예제</a:t>
+              <a:t>비교연산</a:t>
             </a:r>
             <a:endParaRPr lang="ko-KR" altLang="en-US" dirty="0"/>
           </a:p>
@@ -4424,149 +3971,15 @@
             <a:spLocks noGrp="1"/>
           </p:cNvSpPr>
           <p:nvPr>
-            <p:ph idx="1"/>
-          </p:nvPr>
-        </p:nvSpPr>
-        <p:spPr/>
-        <p:txBody>
-          <a:bodyPr>
-            <a:normAutofit lnSpcReduction="10000"/>
-          </a:bodyPr>
-          <a:lstStyle/>
-          <a:p>
-            <a:r>
-              <a:rPr lang="ko-KR" altLang="en-US" dirty="0" smtClean="0"/>
-              <a:t>다음의 결과들을 순차적으로 생각해 보자</a:t>
-            </a:r>
-            <a:endParaRPr lang="en-US" altLang="ko-KR" dirty="0" smtClean="0"/>
-          </a:p>
-          <a:p>
-            <a:endParaRPr lang="en-US" altLang="ko-KR" dirty="0" smtClean="0"/>
-          </a:p>
-          <a:p>
-            <a:r>
-              <a:rPr lang="en-US" altLang="ko-KR" spc="-150" dirty="0" smtClean="0">
-                <a:latin typeface="Consolas" panose="020B0609020204030204" pitchFamily="49" charset="0"/>
-                <a:cs typeface="Consolas" panose="020B0609020204030204" pitchFamily="49" charset="0"/>
-              </a:rPr>
-              <a:t>x = 2</a:t>
-            </a:r>
-          </a:p>
-          <a:p>
-            <a:endParaRPr lang="en-US" altLang="ko-KR" spc="-150" dirty="0">
-              <a:latin typeface="Consolas" panose="020B0609020204030204" pitchFamily="49" charset="0"/>
-              <a:cs typeface="Consolas" panose="020B0609020204030204" pitchFamily="49" charset="0"/>
-            </a:endParaRPr>
-          </a:p>
-          <a:p>
-            <a:r>
-              <a:rPr lang="en-US" altLang="ko-KR" spc="-150" dirty="0" smtClean="0">
-                <a:latin typeface="Consolas" panose="020B0609020204030204" pitchFamily="49" charset="0"/>
-                <a:cs typeface="Consolas" panose="020B0609020204030204" pitchFamily="49" charset="0"/>
-              </a:rPr>
-              <a:t>x = x + 4</a:t>
-            </a:r>
-          </a:p>
-          <a:p>
-            <a:endParaRPr lang="en-US" altLang="ko-KR" spc="-150" dirty="0">
-              <a:latin typeface="Consolas" panose="020B0609020204030204" pitchFamily="49" charset="0"/>
-              <a:cs typeface="Consolas" panose="020B0609020204030204" pitchFamily="49" charset="0"/>
-            </a:endParaRPr>
-          </a:p>
-          <a:p>
-            <a:r>
-              <a:rPr lang="en-US" altLang="ko-KR" spc="-150" dirty="0" smtClean="0">
-                <a:latin typeface="Consolas" panose="020B0609020204030204" pitchFamily="49" charset="0"/>
-                <a:cs typeface="Consolas" panose="020B0609020204030204" pitchFamily="49" charset="0"/>
-              </a:rPr>
-              <a:t>x = x*x</a:t>
-            </a:r>
-          </a:p>
-          <a:p>
-            <a:endParaRPr lang="en-US" altLang="ko-KR" spc="-150" dirty="0">
-              <a:latin typeface="Consolas" panose="020B0609020204030204" pitchFamily="49" charset="0"/>
-              <a:cs typeface="Consolas" panose="020B0609020204030204" pitchFamily="49" charset="0"/>
-            </a:endParaRPr>
-          </a:p>
-          <a:p>
-            <a:r>
-              <a:rPr lang="en-US" altLang="ko-KR" spc="-150" dirty="0" smtClean="0">
-                <a:latin typeface="Consolas" panose="020B0609020204030204" pitchFamily="49" charset="0"/>
-                <a:cs typeface="Consolas" panose="020B0609020204030204" pitchFamily="49" charset="0"/>
-              </a:rPr>
-              <a:t>x = x%5</a:t>
-            </a:r>
-            <a:endParaRPr lang="ko-KR" altLang="en-US" spc="-150" dirty="0">
-              <a:latin typeface="Consolas" panose="020B0609020204030204" pitchFamily="49" charset="0"/>
-              <a:cs typeface="Consolas" panose="020B0609020204030204" pitchFamily="49" charset="0"/>
-            </a:endParaRPr>
-          </a:p>
-        </p:txBody>
-      </p:sp>
-    </p:spTree>
-    <p:extLst>
-      <p:ext uri="{BB962C8B-B14F-4D97-AF65-F5344CB8AC3E}">
-        <p14:creationId xmlns:p14="http://schemas.microsoft.com/office/powerpoint/2010/main" val="1078077584"/>
-      </p:ext>
-    </p:extLst>
-  </p:cSld>
-  <p:clrMapOvr>
-    <a:masterClrMapping/>
-  </p:clrMapOvr>
-</p:sld>
-</file>
-
-<file path=ppt/slides/slide19.xml><?xml version="1.0" encoding="utf-8"?>
-<p:sld xmlns:a="http://schemas.openxmlformats.org/drawingml/2006/main" xmlns:r="http://schemas.openxmlformats.org/officeDocument/2006/relationships" xmlns:p="http://schemas.openxmlformats.org/presentationml/2006/main">
-  <p:cSld>
-    <p:spTree>
-      <p:nvGrpSpPr>
-        <p:cNvPr id="1" name=""/>
-        <p:cNvGrpSpPr/>
-        <p:nvPr/>
-      </p:nvGrpSpPr>
-      <p:grpSpPr>
-        <a:xfrm>
-          <a:off x="0" y="0"/>
-          <a:ext cx="0" cy="0"/>
-          <a:chOff x="0" y="0"/>
-          <a:chExt cx="0" cy="0"/>
-        </a:xfrm>
-      </p:grpSpPr>
-      <p:sp>
-        <p:nvSpPr>
-          <p:cNvPr id="2" name="제목 1"/>
-          <p:cNvSpPr>
-            <a:spLocks noGrp="1"/>
-          </p:cNvSpPr>
-          <p:nvPr>
-            <p:ph type="title"/>
-          </p:nvPr>
-        </p:nvSpPr>
-        <p:spPr/>
-        <p:txBody>
-          <a:bodyPr/>
-          <a:lstStyle/>
-          <a:p>
-            <a:r>
-              <a:rPr lang="ko-KR" altLang="en-US" dirty="0" smtClean="0"/>
-              <a:t>비교연산</a:t>
-            </a:r>
-            <a:endParaRPr lang="ko-KR" altLang="en-US" dirty="0"/>
-          </a:p>
-        </p:txBody>
-      </p:sp>
-      <p:sp>
-        <p:nvSpPr>
-          <p:cNvPr id="3" name="내용 개체 틀 2"/>
-          <p:cNvSpPr>
-            <a:spLocks noGrp="1"/>
-          </p:cNvSpPr>
-          <p:nvPr>
             <p:ph sz="half" idx="1"/>
           </p:nvPr>
         </p:nvSpPr>
-        <p:spPr/>
+        <p:spPr>
+          <a:xfrm>
+            <a:off x="838200" y="1415143"/>
+            <a:ext cx="5181600" cy="4761820"/>
+          </a:xfrm>
+        </p:spPr>
         <p:txBody>
           <a:bodyPr/>
           <a:lstStyle/>
@@ -4593,7 +4006,12 @@
             <p:ph sz="half" idx="2"/>
           </p:nvPr>
         </p:nvSpPr>
-        <p:spPr/>
+        <p:spPr>
+          <a:xfrm>
+            <a:off x="6172200" y="1415143"/>
+            <a:ext cx="5181600" cy="4761820"/>
+          </a:xfrm>
+        </p:spPr>
         <p:txBody>
           <a:bodyPr/>
           <a:lstStyle/>
@@ -4635,87 +4053,9 @@
             <a:endParaRPr lang="en-US" altLang="ko-KR" dirty="0" smtClean="0"/>
           </a:p>
           <a:p>
-            <a:r>
-              <a:rPr lang="en-US" altLang="ko-KR" spc="-150" dirty="0" smtClean="0">
-                <a:latin typeface="Consolas" panose="020B0609020204030204" pitchFamily="49" charset="0"/>
-                <a:cs typeface="Consolas" panose="020B0609020204030204" pitchFamily="49" charset="0"/>
-              </a:rPr>
-              <a:t>egg=138</a:t>
-            </a:r>
-            <a:br>
-              <a:rPr lang="en-US" altLang="ko-KR" spc="-150" dirty="0" smtClean="0">
-                <a:latin typeface="Consolas" panose="020B0609020204030204" pitchFamily="49" charset="0"/>
-                <a:cs typeface="Consolas" panose="020B0609020204030204" pitchFamily="49" charset="0"/>
-              </a:rPr>
-            </a:br>
-            <a:r>
-              <a:rPr lang="en-US" altLang="ko-KR" spc="-150" dirty="0" smtClean="0">
-                <a:latin typeface="Consolas" panose="020B0609020204030204" pitchFamily="49" charset="0"/>
-                <a:cs typeface="Consolas" panose="020B0609020204030204" pitchFamily="49" charset="0"/>
-              </a:rPr>
-              <a:t>spam=370</a:t>
-            </a:r>
-            <a:r>
-              <a:rPr lang="en-US" altLang="ko-KR" spc="-150" dirty="0">
-                <a:latin typeface="Consolas" panose="020B0609020204030204" pitchFamily="49" charset="0"/>
-                <a:cs typeface="Consolas" panose="020B0609020204030204" pitchFamily="49" charset="0"/>
-              </a:rPr>
-              <a:t/>
-            </a:r>
-            <a:br>
-              <a:rPr lang="en-US" altLang="ko-KR" spc="-150" dirty="0">
-                <a:latin typeface="Consolas" panose="020B0609020204030204" pitchFamily="49" charset="0"/>
-                <a:cs typeface="Consolas" panose="020B0609020204030204" pitchFamily="49" charset="0"/>
-              </a:rPr>
-            </a:br>
-            <a:r>
-              <a:rPr lang="en-US" altLang="ko-KR" spc="-150" dirty="0" smtClean="0">
-                <a:latin typeface="Consolas" panose="020B0609020204030204" pitchFamily="49" charset="0"/>
-                <a:cs typeface="Consolas" panose="020B0609020204030204" pitchFamily="49" charset="0"/>
-              </a:rPr>
-              <a:t>egg==spam</a:t>
-            </a:r>
-          </a:p>
-          <a:p>
-            <a:pPr lvl="1"/>
-            <a:r>
-              <a:rPr lang="en-US" altLang="ko-KR" spc="-150" dirty="0" smtClean="0">
-                <a:latin typeface="Consolas" panose="020B0609020204030204" pitchFamily="49" charset="0"/>
-                <a:cs typeface="Consolas" panose="020B0609020204030204" pitchFamily="49" charset="0"/>
-              </a:rPr>
-              <a:t>False</a:t>
-            </a:r>
-          </a:p>
-          <a:p>
             <a:pPr marL="0" indent="0">
               <a:buNone/>
             </a:pPr>
-            <a:r>
-              <a:rPr lang="en-US" altLang="ko-KR" spc="-150" dirty="0">
-                <a:latin typeface="Consolas" panose="020B0609020204030204" pitchFamily="49" charset="0"/>
-                <a:cs typeface="Consolas" panose="020B0609020204030204" pitchFamily="49" charset="0"/>
-              </a:rPr>
-              <a:t> </a:t>
-            </a:r>
-            <a:r>
-              <a:rPr lang="en-US" altLang="ko-KR" spc="-150" dirty="0" smtClean="0">
-                <a:latin typeface="Consolas" panose="020B0609020204030204" pitchFamily="49" charset="0"/>
-                <a:cs typeface="Consolas" panose="020B0609020204030204" pitchFamily="49" charset="0"/>
-              </a:rPr>
-              <a:t> egg!=spam</a:t>
-            </a:r>
-          </a:p>
-          <a:p>
-            <a:pPr lvl="1"/>
-            <a:r>
-              <a:rPr lang="en-US" altLang="ko-KR" spc="-150" dirty="0" smtClean="0">
-                <a:latin typeface="Consolas" panose="020B0609020204030204" pitchFamily="49" charset="0"/>
-                <a:cs typeface="Consolas" panose="020B0609020204030204" pitchFamily="49" charset="0"/>
-              </a:rPr>
-              <a:t>True</a:t>
-            </a:r>
-          </a:p>
-          <a:p>
             <a:endParaRPr lang="ko-KR" altLang="en-US" dirty="0"/>
           </a:p>
         </p:txBody>
@@ -4731,13 +4071,13 @@
               <p:nvPr>
                 <p:extLst>
                   <p:ext uri="{D42A27DB-BD31-4B8C-83A1-F6EECF244321}">
-                    <p14:modId xmlns:p14="http://schemas.microsoft.com/office/powerpoint/2010/main" val="4092917361"/>
+                    <p14:modId xmlns:p14="http://schemas.microsoft.com/office/powerpoint/2010/main" val="2833899683"/>
                   </p:ext>
                 </p:extLst>
               </p:nvPr>
             </p:nvGraphicFramePr>
             <p:xfrm>
-              <a:off x="1051698" y="2719040"/>
+              <a:off x="1064794" y="2147540"/>
               <a:ext cx="4475892" cy="2564508"/>
             </p:xfrm>
             <a:graphic>
@@ -5105,13 +4445,13 @@
               <p:nvPr>
                 <p:extLst>
                   <p:ext uri="{D42A27DB-BD31-4B8C-83A1-F6EECF244321}">
-                    <p14:modId xmlns:p14="http://schemas.microsoft.com/office/powerpoint/2010/main" val="4092917361"/>
+                    <p14:modId xmlns:p14="http://schemas.microsoft.com/office/powerpoint/2010/main" val="2833899683"/>
                   </p:ext>
                 </p:extLst>
               </p:nvPr>
             </p:nvGraphicFramePr>
             <p:xfrm>
-              <a:off x="1051698" y="2719040"/>
+              <a:off x="1064794" y="2147540"/>
               <a:ext cx="4475892" cy="2564508"/>
             </p:xfrm>
             <a:graphic>
@@ -5121,8 +4461,20 @@
                     <a:tableStyleId>{5C22544A-7EE6-4342-B048-85BDC9FD1C3A}</a:tableStyleId>
                   </a:tblPr>
                   <a:tblGrid>
-                    <a:gridCol w="2237946"/>
-                    <a:gridCol w="2237946"/>
+                    <a:gridCol w="2237946">
+                      <a:extLst>
+                        <a:ext uri="{9D8B030D-6E8A-4147-A177-3AD203B41FA5}">
+                          <a16:colId xmlns:a16="http://schemas.microsoft.com/office/drawing/2014/main" val="20000"/>
+                        </a:ext>
+                      </a:extLst>
+                    </a:gridCol>
+                    <a:gridCol w="2237946">
+                      <a:extLst>
+                        <a:ext uri="{9D8B030D-6E8A-4147-A177-3AD203B41FA5}">
+                          <a16:colId xmlns:a16="http://schemas.microsoft.com/office/drawing/2014/main" val="20001"/>
+                        </a:ext>
+                      </a:extLst>
+                    </a:gridCol>
                   </a:tblGrid>
                   <a:tr h="365760">
                     <a:tc>
@@ -5155,6 +4507,11 @@
                       </a:txBody>
                       <a:tcPr/>
                     </a:tc>
+                    <a:extLst>
+                      <a:ext uri="{0D108BD9-81ED-4DB2-BD59-A6C34878D82A}">
+                        <a16:rowId xmlns:a16="http://schemas.microsoft.com/office/drawing/2014/main" val="10000"/>
+                      </a:ext>
+                    </a:extLst>
                   </a:tr>
                   <a:tr h="366458">
                     <a:tc>
@@ -5181,14 +4538,19 @@
                         </a:p>
                       </a:txBody>
                       <a:tcPr>
-                        <a:blipFill rotWithShape="0">
+                        <a:blipFill>
                           <a:blip r:embed="rId2"/>
                           <a:stretch>
-                            <a:fillRect l="-100545" t="-108333" r="-1090" b="-528333"/>
+                            <a:fillRect l="-100545" t="-108333" r="-1362" b="-528333"/>
                           </a:stretch>
                         </a:blipFill>
                       </a:tcPr>
                     </a:tc>
+                    <a:extLst>
+                      <a:ext uri="{0D108BD9-81ED-4DB2-BD59-A6C34878D82A}">
+                        <a16:rowId xmlns:a16="http://schemas.microsoft.com/office/drawing/2014/main" val="10001"/>
+                      </a:ext>
+                    </a:extLst>
                   </a:tr>
                   <a:tr h="366458">
                     <a:tc>
@@ -5215,14 +4577,19 @@
                         </a:p>
                       </a:txBody>
                       <a:tcPr>
-                        <a:blipFill rotWithShape="0">
+                        <a:blipFill>
                           <a:blip r:embed="rId2"/>
                           <a:stretch>
-                            <a:fillRect l="-100545" t="-208333" r="-1090" b="-428333"/>
+                            <a:fillRect l="-100545" t="-208333" r="-1362" b="-428333"/>
                           </a:stretch>
                         </a:blipFill>
                       </a:tcPr>
                     </a:tc>
+                    <a:extLst>
+                      <a:ext uri="{0D108BD9-81ED-4DB2-BD59-A6C34878D82A}">
+                        <a16:rowId xmlns:a16="http://schemas.microsoft.com/office/drawing/2014/main" val="10002"/>
+                      </a:ext>
+                    </a:extLst>
                   </a:tr>
                   <a:tr h="366458">
                     <a:tc>
@@ -5249,14 +4616,19 @@
                         </a:p>
                       </a:txBody>
                       <a:tcPr>
-                        <a:blipFill rotWithShape="0">
+                        <a:blipFill>
                           <a:blip r:embed="rId2"/>
                           <a:stretch>
-                            <a:fillRect l="-100545" t="-303279" r="-1090" b="-321311"/>
+                            <a:fillRect l="-100545" t="-303279" r="-1362" b="-321311"/>
                           </a:stretch>
                         </a:blipFill>
                       </a:tcPr>
                     </a:tc>
+                    <a:extLst>
+                      <a:ext uri="{0D108BD9-81ED-4DB2-BD59-A6C34878D82A}">
+                        <a16:rowId xmlns:a16="http://schemas.microsoft.com/office/drawing/2014/main" val="10003"/>
+                      </a:ext>
+                    </a:extLst>
                   </a:tr>
                   <a:tr h="366458">
                     <a:tc>
@@ -5283,14 +4655,19 @@
                         </a:p>
                       </a:txBody>
                       <a:tcPr>
-                        <a:blipFill rotWithShape="0">
+                        <a:blipFill>
                           <a:blip r:embed="rId2"/>
                           <a:stretch>
-                            <a:fillRect l="-100545" t="-410000" r="-1090" b="-226667"/>
+                            <a:fillRect l="-100545" t="-410000" r="-1362" b="-226667"/>
                           </a:stretch>
                         </a:blipFill>
                       </a:tcPr>
                     </a:tc>
+                    <a:extLst>
+                      <a:ext uri="{0D108BD9-81ED-4DB2-BD59-A6C34878D82A}">
+                        <a16:rowId xmlns:a16="http://schemas.microsoft.com/office/drawing/2014/main" val="10004"/>
+                      </a:ext>
+                    </a:extLst>
                   </a:tr>
                   <a:tr h="366458">
                     <a:tc>
@@ -5317,14 +4694,19 @@
                         </a:p>
                       </a:txBody>
                       <a:tcPr>
-                        <a:blipFill rotWithShape="0">
+                        <a:blipFill>
                           <a:blip r:embed="rId2"/>
                           <a:stretch>
-                            <a:fillRect l="-100545" t="-510000" r="-1090" b="-126667"/>
+                            <a:fillRect l="-100545" t="-510000" r="-1362" b="-126667"/>
                           </a:stretch>
                         </a:blipFill>
                       </a:tcPr>
                     </a:tc>
+                    <a:extLst>
+                      <a:ext uri="{0D108BD9-81ED-4DB2-BD59-A6C34878D82A}">
+                        <a16:rowId xmlns:a16="http://schemas.microsoft.com/office/drawing/2014/main" val="10005"/>
+                      </a:ext>
+                    </a:extLst>
                   </a:tr>
                   <a:tr h="366458">
                     <a:tc>
@@ -5351,14 +4733,19 @@
                         </a:p>
                       </a:txBody>
                       <a:tcPr>
-                        <a:blipFill rotWithShape="0">
+                        <a:blipFill>
                           <a:blip r:embed="rId2"/>
                           <a:stretch>
-                            <a:fillRect l="-100545" t="-610000" r="-1090" b="-26667"/>
+                            <a:fillRect l="-100545" t="-610000" r="-1362" b="-26667"/>
                           </a:stretch>
                         </a:blipFill>
                       </a:tcPr>
                     </a:tc>
+                    <a:extLst>
+                      <a:ext uri="{0D108BD9-81ED-4DB2-BD59-A6C34878D82A}">
+                        <a16:rowId xmlns:a16="http://schemas.microsoft.com/office/drawing/2014/main" val="10006"/>
+                      </a:ext>
+                    </a:extLst>
                   </a:tr>
                 </a:tbl>
               </a:graphicData>
@@ -5366,10 +4753,90 @@
           </p:graphicFrame>
         </mc:Fallback>
       </mc:AlternateContent>
+      <p:pic>
+        <p:nvPicPr>
+          <p:cNvPr id="6" name="그림 5"/>
+          <p:cNvPicPr>
+            <a:picLocks noChangeAspect="1"/>
+          </p:cNvPicPr>
+          <p:nvPr/>
+        </p:nvPicPr>
+        <p:blipFill>
+          <a:blip r:embed="rId3"/>
+          <a:stretch>
+            <a:fillRect/>
+          </a:stretch>
+        </p:blipFill>
+        <p:spPr>
+          <a:xfrm>
+            <a:off x="6433743" y="2743199"/>
+            <a:ext cx="2011738" cy="3363006"/>
+          </a:xfrm>
+          <a:prstGeom prst="rect">
+            <a:avLst/>
+          </a:prstGeom>
+        </p:spPr>
+      </p:pic>
     </p:spTree>
     <p:extLst>
       <p:ext uri="{BB962C8B-B14F-4D97-AF65-F5344CB8AC3E}">
         <p14:creationId xmlns:p14="http://schemas.microsoft.com/office/powerpoint/2010/main" val="3836414498"/>
+      </p:ext>
+    </p:extLst>
+  </p:cSld>
+  <p:clrMapOvr>
+    <a:masterClrMapping/>
+  </p:clrMapOvr>
+</p:sld>
+</file>
+
+<file path=ppt/slides/slide19.xml><?xml version="1.0" encoding="utf-8"?>
+<p:sld xmlns:a="http://schemas.openxmlformats.org/drawingml/2006/main" xmlns:r="http://schemas.openxmlformats.org/officeDocument/2006/relationships" xmlns:p="http://schemas.openxmlformats.org/presentationml/2006/main">
+  <p:cSld>
+    <p:spTree>
+      <p:nvGrpSpPr>
+        <p:cNvPr id="1" name=""/>
+        <p:cNvGrpSpPr/>
+        <p:nvPr/>
+      </p:nvGrpSpPr>
+      <p:grpSpPr>
+        <a:xfrm>
+          <a:off x="0" y="0"/>
+          <a:ext cx="0" cy="0"/>
+          <a:chOff x="0" y="0"/>
+          <a:chExt cx="0" cy="0"/>
+        </a:xfrm>
+      </p:grpSpPr>
+      <p:pic>
+        <p:nvPicPr>
+          <p:cNvPr id="7" name="내용 개체 틀 6"/>
+          <p:cNvPicPr>
+            <a:picLocks noGrp="1" noChangeAspect="1"/>
+          </p:cNvPicPr>
+          <p:nvPr>
+            <p:ph idx="1"/>
+          </p:nvPr>
+        </p:nvPicPr>
+        <p:blipFill>
+          <a:blip r:embed="rId2"/>
+          <a:stretch>
+            <a:fillRect/>
+          </a:stretch>
+        </p:blipFill>
+        <p:spPr>
+          <a:xfrm>
+            <a:off x="1650392" y="758824"/>
+            <a:ext cx="7967137" cy="5474076"/>
+          </a:xfrm>
+          <a:prstGeom prst="rect">
+            <a:avLst/>
+          </a:prstGeom>
+        </p:spPr>
+      </p:pic>
+    </p:spTree>
+    <p:extLst>
+      <p:ext uri="{BB962C8B-B14F-4D97-AF65-F5344CB8AC3E}">
+        <p14:creationId xmlns:p14="http://schemas.microsoft.com/office/powerpoint/2010/main" val="248072328"/>
       </p:ext>
     </p:extLst>
   </p:cSld>
@@ -5578,7 +5045,7 @@
       </p:grpSpPr>
       <p:sp>
         <p:nvSpPr>
-          <p:cNvPr id="5" name="제목 4"/>
+          <p:cNvPr id="2" name="제목 1"/>
           <p:cNvSpPr>
             <a:spLocks noGrp="1"/>
           </p:cNvSpPr>
@@ -5593,7 +5060,11 @@
           <a:p>
             <a:r>
               <a:rPr lang="ko-KR" altLang="en-US" dirty="0" smtClean="0"/>
-              <a:t>복합대입연산자</a:t>
+              <a:t>주석</a:t>
+            </a:r>
+            <a:r>
+              <a:rPr lang="en-US" altLang="ko-KR" dirty="0" smtClean="0"/>
+              <a:t>(comment)</a:t>
             </a:r>
             <a:endParaRPr lang="ko-KR" altLang="en-US" dirty="0"/>
           </a:p>
@@ -5601,7 +5072,7 @@
       </p:sp>
       <p:sp>
         <p:nvSpPr>
-          <p:cNvPr id="6" name="내용 개체 틀 5"/>
+          <p:cNvPr id="3" name="내용 개체 틀 2"/>
           <p:cNvSpPr>
             <a:spLocks noGrp="1"/>
           </p:cNvSpPr>
@@ -5616,128 +5087,104 @@
           <a:p>
             <a:r>
               <a:rPr lang="ko-KR" altLang="en-US" dirty="0" smtClean="0"/>
-              <a:t>연산과 대입을 동시에 할 수 있음</a:t>
+              <a:t>코드에 설명을 넣고 싶을 때</a:t>
             </a:r>
             <a:endParaRPr lang="en-US" altLang="ko-KR" dirty="0" smtClean="0"/>
           </a:p>
           <a:p>
             <a:r>
-              <a:rPr lang="en-US" altLang="ko-KR" dirty="0" err="1" smtClean="0">
+              <a:rPr lang="ko-KR" altLang="en-US" dirty="0" smtClean="0"/>
+              <a:t>한 줄로 주석 넣기</a:t>
+            </a:r>
+            <a:r>
+              <a:rPr lang="en-US" altLang="ko-KR" dirty="0" smtClean="0"/>
+              <a:t>, #</a:t>
+            </a:r>
+            <a:r>
+              <a:rPr lang="ko-KR" altLang="en-US" dirty="0" smtClean="0"/>
+              <a:t>으로 시작</a:t>
+            </a:r>
+            <a:endParaRPr lang="en-US" altLang="ko-KR" dirty="0" smtClean="0"/>
+          </a:p>
+          <a:p>
+            <a:pPr lvl="1"/>
+            <a:r>
+              <a:rPr lang="en-US" altLang="ko-KR" spc="-150" dirty="0" smtClean="0">
                 <a:latin typeface="Consolas" panose="020B0609020204030204" pitchFamily="49" charset="0"/>
                 <a:cs typeface="Consolas" panose="020B0609020204030204" pitchFamily="49" charset="0"/>
               </a:rPr>
-              <a:t>i</a:t>
-            </a:r>
-            <a:r>
-              <a:rPr lang="en-US" altLang="ko-KR" dirty="0" smtClean="0">
+              <a:t># This code solves the P vs NP problem.</a:t>
+            </a:r>
+          </a:p>
+          <a:p>
+            <a:r>
+              <a:rPr lang="ko-KR" altLang="en-US" dirty="0" smtClean="0"/>
+              <a:t>여러 줄에 걸쳐 주석을 넣을 때</a:t>
+            </a:r>
+            <a:r>
+              <a:rPr lang="en-US" altLang="ko-KR" dirty="0" smtClean="0"/>
+              <a:t>, """</a:t>
+            </a:r>
+            <a:r>
+              <a:rPr lang="ko-KR" altLang="en-US" dirty="0" smtClean="0"/>
+              <a:t>를 이용</a:t>
+            </a:r>
+            <a:endParaRPr lang="en-US" altLang="ko-KR" dirty="0" smtClean="0"/>
+          </a:p>
+          <a:p>
+            <a:pPr lvl="1"/>
+            <a:r>
+              <a:rPr lang="en-US" altLang="ko-KR" dirty="0" smtClean="0"/>
+              <a:t>"""</a:t>
+            </a:r>
+            <a:br>
+              <a:rPr lang="en-US" altLang="ko-KR" dirty="0" smtClean="0"/>
+            </a:br>
+            <a:r>
+              <a:rPr lang="en-US" altLang="ko-KR" spc="-150" dirty="0" smtClean="0">
                 <a:latin typeface="Consolas" panose="020B0609020204030204" pitchFamily="49" charset="0"/>
                 <a:cs typeface="Consolas" panose="020B0609020204030204" pitchFamily="49" charset="0"/>
               </a:rPr>
-              <a:t> = 1</a:t>
-            </a:r>
-            <a:endParaRPr lang="en-US" altLang="ko-KR" dirty="0" smtClean="0">
-              <a:latin typeface="Consolas" panose="020B0609020204030204" pitchFamily="49" charset="0"/>
-              <a:cs typeface="Consolas" panose="020B0609020204030204" pitchFamily="49" charset="0"/>
-            </a:endParaRPr>
-          </a:p>
-          <a:p>
-            <a:r>
-              <a:rPr lang="en-US" altLang="ko-KR" dirty="0" err="1" smtClean="0">
+              <a:t>Turing used this code to crack the Enigma.</a:t>
+            </a:r>
+            <a:br>
+              <a:rPr lang="en-US" altLang="ko-KR" spc="-150" dirty="0" smtClean="0">
                 <a:latin typeface="Consolas" panose="020B0609020204030204" pitchFamily="49" charset="0"/>
                 <a:cs typeface="Consolas" panose="020B0609020204030204" pitchFamily="49" charset="0"/>
               </a:rPr>
-              <a:t>i</a:t>
-            </a:r>
-            <a:r>
-              <a:rPr lang="en-US" altLang="ko-KR" dirty="0" smtClean="0">
+            </a:br>
+            <a:r>
+              <a:rPr lang="en-US" altLang="ko-KR" spc="-150" dirty="0" smtClean="0">
                 <a:latin typeface="Consolas" panose="020B0609020204030204" pitchFamily="49" charset="0"/>
                 <a:cs typeface="Consolas" panose="020B0609020204030204" pitchFamily="49" charset="0"/>
               </a:rPr>
-              <a:t> += 2</a:t>
-            </a:r>
-            <a:endParaRPr lang="en-US" altLang="ko-KR" dirty="0" smtClean="0">
-              <a:latin typeface="Consolas" panose="020B0609020204030204" pitchFamily="49" charset="0"/>
-              <a:cs typeface="Consolas" panose="020B0609020204030204" pitchFamily="49" charset="0"/>
-            </a:endParaRPr>
-          </a:p>
-          <a:p>
-            <a:r>
-              <a:rPr lang="en-US" altLang="ko-KR" dirty="0">
+              <a:t>With this code, anybody hack a server like a pro.</a:t>
+            </a:r>
+            <a:br>
+              <a:rPr lang="en-US" altLang="ko-KR" spc="-150" dirty="0" smtClean="0">
                 <a:latin typeface="Consolas" panose="020B0609020204030204" pitchFamily="49" charset="0"/>
                 <a:cs typeface="Consolas" panose="020B0609020204030204" pitchFamily="49" charset="0"/>
               </a:rPr>
-              <a:t>i</a:t>
-            </a:r>
-            <a:endParaRPr lang="en-US" altLang="ko-KR" dirty="0" smtClean="0">
-              <a:latin typeface="Consolas" panose="020B0609020204030204" pitchFamily="49" charset="0"/>
-              <a:cs typeface="Consolas" panose="020B0609020204030204" pitchFamily="49" charset="0"/>
-            </a:endParaRPr>
+            </a:br>
+            <a:r>
+              <a:rPr lang="en-US" altLang="ko-KR" dirty="0" smtClean="0"/>
+              <a:t>"""</a:t>
+            </a:r>
+            <a:br>
+              <a:rPr lang="en-US" altLang="ko-KR" dirty="0" smtClean="0"/>
+            </a:br>
+            <a:endParaRPr lang="en-US" altLang="ko-KR" dirty="0" smtClean="0"/>
           </a:p>
           <a:p>
             <a:pPr lvl="1"/>
-            <a:r>
-              <a:rPr lang="en-US" altLang="ko-KR" dirty="0" smtClean="0">
-                <a:latin typeface="Consolas" panose="020B0609020204030204" pitchFamily="49" charset="0"/>
-                <a:cs typeface="Consolas" panose="020B0609020204030204" pitchFamily="49" charset="0"/>
-              </a:rPr>
-              <a:t>3</a:t>
-            </a:r>
-          </a:p>
-          <a:p>
-            <a:r>
-              <a:rPr lang="en-US" altLang="ko-KR" dirty="0" smtClean="0">
-                <a:latin typeface="Consolas" panose="020B0609020204030204" pitchFamily="49" charset="0"/>
-                <a:cs typeface="Consolas" panose="020B0609020204030204" pitchFamily="49" charset="0"/>
-              </a:rPr>
-              <a:t>j = 10</a:t>
-            </a:r>
-            <a:endParaRPr lang="en-US" altLang="ko-KR" dirty="0" smtClean="0">
-              <a:latin typeface="Consolas" panose="020B0609020204030204" pitchFamily="49" charset="0"/>
-              <a:cs typeface="Consolas" panose="020B0609020204030204" pitchFamily="49" charset="0"/>
-            </a:endParaRPr>
-          </a:p>
-          <a:p>
-            <a:r>
-              <a:rPr lang="en-US" altLang="ko-KR" dirty="0" smtClean="0">
-                <a:latin typeface="Consolas" panose="020B0609020204030204" pitchFamily="49" charset="0"/>
-                <a:cs typeface="Consolas" panose="020B0609020204030204" pitchFamily="49" charset="0"/>
-              </a:rPr>
-              <a:t>j -= 1</a:t>
-            </a:r>
-            <a:endParaRPr lang="en-US" altLang="ko-KR" dirty="0" smtClean="0">
-              <a:latin typeface="Consolas" panose="020B0609020204030204" pitchFamily="49" charset="0"/>
-              <a:cs typeface="Consolas" panose="020B0609020204030204" pitchFamily="49" charset="0"/>
-            </a:endParaRPr>
-          </a:p>
-          <a:p>
-            <a:r>
-              <a:rPr lang="en-US" altLang="ko-KR" dirty="0" smtClean="0">
-                <a:latin typeface="Consolas" panose="020B0609020204030204" pitchFamily="49" charset="0"/>
-                <a:cs typeface="Consolas" panose="020B0609020204030204" pitchFamily="49" charset="0"/>
-              </a:rPr>
-              <a:t>j</a:t>
-            </a:r>
-          </a:p>
-          <a:p>
-            <a:pPr lvl="1"/>
-            <a:r>
-              <a:rPr lang="en-US" altLang="ko-KR" dirty="0">
-                <a:latin typeface="Consolas" panose="020B0609020204030204" pitchFamily="49" charset="0"/>
-                <a:cs typeface="Consolas" panose="020B0609020204030204" pitchFamily="49" charset="0"/>
-              </a:rPr>
-              <a:t>9</a:t>
-            </a:r>
-            <a:endParaRPr lang="en-US" altLang="ko-KR" dirty="0" smtClean="0">
-              <a:latin typeface="Consolas" panose="020B0609020204030204" pitchFamily="49" charset="0"/>
-              <a:cs typeface="Consolas" panose="020B0609020204030204" pitchFamily="49" charset="0"/>
-            </a:endParaRPr>
+            <a:endParaRPr lang="ko-KR" altLang="en-US" dirty="0"/>
           </a:p>
         </p:txBody>
       </p:sp>
     </p:spTree>
     <p:extLst>
       <p:ext uri="{BB962C8B-B14F-4D97-AF65-F5344CB8AC3E}">
-        <p14:creationId xmlns:p14="http://schemas.microsoft.com/office/powerpoint/2010/main" val="2049289581"/>
+        <p14:creationId xmlns:p14="http://schemas.microsoft.com/office/powerpoint/2010/main" val="1721104066"/>
       </p:ext>
     </p:extLst>
   </p:cSld>
@@ -5764,148 +5211,36 @@
           <a:chExt cx="0" cy="0"/>
         </a:xfrm>
       </p:grpSpPr>
-      <p:sp>
-        <p:nvSpPr>
-          <p:cNvPr id="2" name="제목 1"/>
-          <p:cNvSpPr>
-            <a:spLocks noGrp="1"/>
-          </p:cNvSpPr>
-          <p:nvPr>
-            <p:ph type="title"/>
-          </p:nvPr>
-        </p:nvSpPr>
-        <p:spPr/>
-        <p:txBody>
-          <a:bodyPr/>
-          <a:lstStyle/>
-          <a:p>
-            <a:r>
-              <a:rPr lang="ko-KR" altLang="en-US" dirty="0" smtClean="0"/>
-              <a:t>주석</a:t>
-            </a:r>
-            <a:r>
-              <a:rPr lang="en-US" altLang="ko-KR" dirty="0" smtClean="0"/>
-              <a:t>(comment)</a:t>
-            </a:r>
-            <a:endParaRPr lang="ko-KR" altLang="en-US" dirty="0"/>
-          </a:p>
-        </p:txBody>
-      </p:sp>
-      <p:sp>
-        <p:nvSpPr>
-          <p:cNvPr id="3" name="내용 개체 틀 2"/>
-          <p:cNvSpPr>
-            <a:spLocks noGrp="1"/>
-          </p:cNvSpPr>
+      <p:pic>
+        <p:nvPicPr>
+          <p:cNvPr id="5" name="내용 개체 틀 4"/>
+          <p:cNvPicPr>
+            <a:picLocks noGrp="1" noChangeAspect="1"/>
+          </p:cNvPicPr>
           <p:nvPr>
             <p:ph idx="1"/>
           </p:nvPr>
-        </p:nvSpPr>
-        <p:spPr/>
-        <p:txBody>
-          <a:bodyPr/>
-          <a:lstStyle/>
-          <a:p>
-            <a:r>
-              <a:rPr lang="ko-KR" altLang="en-US" dirty="0" smtClean="0"/>
-              <a:t>코드에 설명을 넣고 싶을 때</a:t>
-            </a:r>
-            <a:endParaRPr lang="en-US" altLang="ko-KR" dirty="0" smtClean="0"/>
-          </a:p>
-          <a:p>
-            <a:r>
-              <a:rPr lang="ko-KR" altLang="en-US" dirty="0" smtClean="0"/>
-              <a:t>한 줄로 주석 넣기</a:t>
-            </a:r>
-            <a:r>
-              <a:rPr lang="en-US" altLang="ko-KR" dirty="0" smtClean="0"/>
-              <a:t>, #</a:t>
-            </a:r>
-            <a:r>
-              <a:rPr lang="ko-KR" altLang="en-US" dirty="0" smtClean="0"/>
-              <a:t>으로 시작</a:t>
-            </a:r>
-            <a:endParaRPr lang="en-US" altLang="ko-KR" dirty="0" smtClean="0"/>
-          </a:p>
-          <a:p>
-            <a:pPr lvl="1"/>
-            <a:r>
-              <a:rPr lang="en-US" altLang="ko-KR" spc="-150" dirty="0" smtClean="0">
-                <a:latin typeface="Consolas" panose="020B0609020204030204" pitchFamily="49" charset="0"/>
-                <a:cs typeface="Consolas" panose="020B0609020204030204" pitchFamily="49" charset="0"/>
-              </a:rPr>
-              <a:t># This code solves the P vs NP problem.</a:t>
-            </a:r>
-          </a:p>
-          <a:p>
-            <a:r>
-              <a:rPr lang="ko-KR" altLang="en-US" dirty="0" smtClean="0"/>
-              <a:t>여러 줄에 걸쳐 주석을 넣을 때</a:t>
-            </a:r>
-            <a:r>
-              <a:rPr lang="en-US" altLang="ko-KR" dirty="0" smtClean="0"/>
-              <a:t>, """</a:t>
-            </a:r>
-            <a:r>
-              <a:rPr lang="ko-KR" altLang="en-US" dirty="0" smtClean="0"/>
-              <a:t>를 이용</a:t>
-            </a:r>
-            <a:endParaRPr lang="en-US" altLang="ko-KR" dirty="0" smtClean="0"/>
-          </a:p>
-          <a:p>
-            <a:pPr lvl="1"/>
-            <a:r>
-              <a:rPr lang="en-US" altLang="ko-KR" dirty="0" smtClean="0"/>
-              <a:t>"""</a:t>
-            </a:r>
-            <a:br>
-              <a:rPr lang="en-US" altLang="ko-KR" dirty="0" smtClean="0"/>
-            </a:br>
-            <a:r>
-              <a:rPr lang="en-US" altLang="ko-KR" spc="-150" dirty="0" smtClean="0">
-                <a:latin typeface="Consolas" panose="020B0609020204030204" pitchFamily="49" charset="0"/>
-                <a:cs typeface="Consolas" panose="020B0609020204030204" pitchFamily="49" charset="0"/>
-              </a:rPr>
-              <a:t>Turing used this code to crack the Enigma.</a:t>
-            </a:r>
-            <a:br>
-              <a:rPr lang="en-US" altLang="ko-KR" spc="-150" dirty="0" smtClean="0">
-                <a:latin typeface="Consolas" panose="020B0609020204030204" pitchFamily="49" charset="0"/>
-                <a:cs typeface="Consolas" panose="020B0609020204030204" pitchFamily="49" charset="0"/>
-              </a:rPr>
-            </a:br>
-            <a:r>
-              <a:rPr lang="en-US" altLang="ko-KR" spc="-150" dirty="0" smtClean="0">
-                <a:latin typeface="Consolas" panose="020B0609020204030204" pitchFamily="49" charset="0"/>
-                <a:cs typeface="Consolas" panose="020B0609020204030204" pitchFamily="49" charset="0"/>
-              </a:rPr>
-              <a:t>With this code, anybody hack a server like a pro.</a:t>
-            </a:r>
-            <a:br>
-              <a:rPr lang="en-US" altLang="ko-KR" spc="-150" dirty="0" smtClean="0">
-                <a:latin typeface="Consolas" panose="020B0609020204030204" pitchFamily="49" charset="0"/>
-                <a:cs typeface="Consolas" panose="020B0609020204030204" pitchFamily="49" charset="0"/>
-              </a:rPr>
-            </a:br>
-            <a:r>
-              <a:rPr lang="en-US" altLang="ko-KR" dirty="0" smtClean="0"/>
-              <a:t>"""</a:t>
-            </a:r>
-            <a:br>
-              <a:rPr lang="en-US" altLang="ko-KR" dirty="0" smtClean="0"/>
-            </a:br>
-            <a:endParaRPr lang="en-US" altLang="ko-KR" dirty="0" smtClean="0"/>
-          </a:p>
-          <a:p>
-            <a:pPr lvl="1"/>
-            <a:endParaRPr lang="ko-KR" altLang="en-US" dirty="0"/>
-          </a:p>
-        </p:txBody>
-      </p:sp>
+        </p:nvPicPr>
+        <p:blipFill>
+          <a:blip r:embed="rId2"/>
+          <a:stretch>
+            <a:fillRect/>
+          </a:stretch>
+        </p:blipFill>
+        <p:spPr>
+          <a:xfrm>
+            <a:off x="690326" y="508453"/>
+            <a:ext cx="10796962" cy="5870575"/>
+          </a:xfrm>
+          <a:prstGeom prst="rect">
+            <a:avLst/>
+          </a:prstGeom>
+        </p:spPr>
+      </p:pic>
     </p:spTree>
     <p:extLst>
       <p:ext uri="{BB962C8B-B14F-4D97-AF65-F5344CB8AC3E}">
-        <p14:creationId xmlns:p14="http://schemas.microsoft.com/office/powerpoint/2010/main" val="1721104066"/>
+        <p14:creationId xmlns:p14="http://schemas.microsoft.com/office/powerpoint/2010/main" val="1661147357"/>
       </p:ext>
     </p:extLst>
   </p:cSld>
@@ -5932,155 +5267,36 @@
           <a:chExt cx="0" cy="0"/>
         </a:xfrm>
       </p:grpSpPr>
-      <p:sp>
-        <p:nvSpPr>
-          <p:cNvPr id="2" name="제목 1"/>
-          <p:cNvSpPr>
-            <a:spLocks noGrp="1"/>
-          </p:cNvSpPr>
-          <p:nvPr>
-            <p:ph type="title"/>
-          </p:nvPr>
-        </p:nvSpPr>
-        <p:spPr/>
-        <p:txBody>
-          <a:bodyPr/>
-          <a:lstStyle/>
-          <a:p>
-            <a:r>
-              <a:rPr lang="ko-KR" altLang="en-US" dirty="0" smtClean="0"/>
-              <a:t>문자열</a:t>
-            </a:r>
-            <a:r>
-              <a:rPr lang="en-US" altLang="ko-KR" dirty="0" smtClean="0"/>
-              <a:t>(string)</a:t>
-            </a:r>
-            <a:endParaRPr lang="ko-KR" altLang="en-US" dirty="0"/>
-          </a:p>
-        </p:txBody>
-      </p:sp>
-      <p:sp>
-        <p:nvSpPr>
-          <p:cNvPr id="3" name="내용 개체 틀 2"/>
-          <p:cNvSpPr>
-            <a:spLocks noGrp="1"/>
-          </p:cNvSpPr>
+      <p:pic>
+        <p:nvPicPr>
+          <p:cNvPr id="6" name="내용 개체 틀 5"/>
+          <p:cNvPicPr>
+            <a:picLocks noGrp="1" noChangeAspect="1"/>
+          </p:cNvPicPr>
           <p:nvPr>
             <p:ph idx="1"/>
           </p:nvPr>
-        </p:nvSpPr>
-        <p:spPr/>
-        <p:txBody>
-          <a:bodyPr/>
-          <a:lstStyle/>
-          <a:p>
-            <a:r>
-              <a:rPr lang="ko-KR" altLang="en-US" dirty="0" err="1" smtClean="0"/>
-              <a:t>파이썬에서는</a:t>
-            </a:r>
-            <a:r>
-              <a:rPr lang="ko-KR" altLang="en-US" dirty="0" smtClean="0"/>
-              <a:t> 문자열</a:t>
-            </a:r>
-            <a:r>
-              <a:rPr lang="en-US" altLang="ko-KR" dirty="0" smtClean="0"/>
-              <a:t>(string)</a:t>
-            </a:r>
-            <a:r>
-              <a:rPr lang="ko-KR" altLang="en-US" dirty="0" smtClean="0"/>
-              <a:t>을 쉽게 다룰 수 있다</a:t>
-            </a:r>
-            <a:r>
-              <a:rPr lang="en-US" altLang="ko-KR" dirty="0" smtClean="0"/>
-              <a:t>.</a:t>
-            </a:r>
-          </a:p>
-          <a:p>
-            <a:r>
-              <a:rPr lang="en-US" altLang="ko-KR" spc="-150" dirty="0" smtClean="0">
-                <a:latin typeface="Consolas" panose="020B0609020204030204" pitchFamily="49" charset="0"/>
-                <a:cs typeface="Consolas" panose="020B0609020204030204" pitchFamily="49" charset="0"/>
-              </a:rPr>
-              <a:t>name = "</a:t>
-            </a:r>
-            <a:r>
-              <a:rPr lang="en-US" altLang="ko-KR" spc="-150" dirty="0" err="1" smtClean="0">
-                <a:latin typeface="Consolas" panose="020B0609020204030204" pitchFamily="49" charset="0"/>
-                <a:cs typeface="Consolas" panose="020B0609020204030204" pitchFamily="49" charset="0"/>
-              </a:rPr>
-              <a:t>Kyungsub</a:t>
-            </a:r>
-            <a:r>
-              <a:rPr lang="en-US" altLang="ko-KR" spc="-150" dirty="0" smtClean="0">
-                <a:latin typeface="Consolas" panose="020B0609020204030204" pitchFamily="49" charset="0"/>
-                <a:cs typeface="Consolas" panose="020B0609020204030204" pitchFamily="49" charset="0"/>
-              </a:rPr>
-              <a:t> Lee"</a:t>
-            </a:r>
-          </a:p>
-          <a:p>
-            <a:r>
-              <a:rPr lang="en-US" altLang="ko-KR" spc="-150" dirty="0" smtClean="0">
-                <a:latin typeface="Consolas" panose="020B0609020204030204" pitchFamily="49" charset="0"/>
-                <a:cs typeface="Consolas" panose="020B0609020204030204" pitchFamily="49" charset="0"/>
-              </a:rPr>
-              <a:t>print name</a:t>
-            </a:r>
-          </a:p>
-          <a:p>
-            <a:endParaRPr lang="en-US" altLang="ko-KR" dirty="0" smtClean="0"/>
-          </a:p>
-          <a:p>
-            <a:r>
-              <a:rPr lang="ko-KR" altLang="en-US" spc="-150" dirty="0" smtClean="0"/>
-              <a:t>다음은 숫자 </a:t>
-            </a:r>
-            <a:r>
-              <a:rPr lang="en-US" altLang="ko-KR" spc="-150" dirty="0" smtClean="0"/>
-              <a:t>45</a:t>
-            </a:r>
-            <a:r>
-              <a:rPr lang="ko-KR" altLang="en-US" spc="-150" dirty="0" smtClean="0"/>
-              <a:t>가 아니라 문자열로서 </a:t>
-            </a:r>
-            <a:r>
-              <a:rPr lang="en-US" altLang="ko-KR" spc="-150" dirty="0" smtClean="0"/>
-              <a:t>"45"</a:t>
-            </a:r>
-            <a:r>
-              <a:rPr lang="ko-KR" altLang="en-US" spc="-150" dirty="0" smtClean="0"/>
-              <a:t>로 사용되었음을 유의</a:t>
-            </a:r>
-            <a:endParaRPr lang="en-US" altLang="ko-KR" spc="-150" dirty="0"/>
-          </a:p>
-          <a:p>
-            <a:r>
-              <a:rPr lang="en-US" altLang="ko-KR" spc="-150" dirty="0" smtClean="0">
-                <a:latin typeface="Consolas" panose="020B0609020204030204" pitchFamily="49" charset="0"/>
-                <a:cs typeface="Consolas" panose="020B0609020204030204" pitchFamily="49" charset="0"/>
-              </a:rPr>
-              <a:t>age = "45"</a:t>
-            </a:r>
-          </a:p>
-          <a:p>
-            <a:r>
-              <a:rPr lang="en-US" altLang="ko-KR" spc="-150" dirty="0" smtClean="0">
-                <a:latin typeface="Consolas" panose="020B0609020204030204" pitchFamily="49" charset="0"/>
-                <a:cs typeface="Consolas" panose="020B0609020204030204" pitchFamily="49" charset="0"/>
-              </a:rPr>
-              <a:t>print age</a:t>
-            </a:r>
-            <a:endParaRPr lang="ko-KR" altLang="en-US" spc="-150" dirty="0">
-              <a:latin typeface="Consolas" panose="020B0609020204030204" pitchFamily="49" charset="0"/>
-              <a:cs typeface="Consolas" panose="020B0609020204030204" pitchFamily="49" charset="0"/>
-            </a:endParaRPr>
-          </a:p>
-        </p:txBody>
-      </p:sp>
+        </p:nvPicPr>
+        <p:blipFill>
+          <a:blip r:embed="rId2"/>
+          <a:stretch>
+            <a:fillRect/>
+          </a:stretch>
+        </p:blipFill>
+        <p:spPr>
+          <a:xfrm>
+            <a:off x="201386" y="980171"/>
+            <a:ext cx="11576958" cy="4770544"/>
+          </a:xfrm>
+          <a:prstGeom prst="rect">
+            <a:avLst/>
+          </a:prstGeom>
+        </p:spPr>
+      </p:pic>
     </p:spTree>
     <p:extLst>
       <p:ext uri="{BB962C8B-B14F-4D97-AF65-F5344CB8AC3E}">
-        <p14:creationId xmlns:p14="http://schemas.microsoft.com/office/powerpoint/2010/main" val="2954657317"/>
+        <p14:creationId xmlns:p14="http://schemas.microsoft.com/office/powerpoint/2010/main" val="4148974598"/>
       </p:ext>
     </p:extLst>
   </p:cSld>
@@ -6107,238 +5323,36 @@
           <a:chExt cx="0" cy="0"/>
         </a:xfrm>
       </p:grpSpPr>
-      <p:sp>
-        <p:nvSpPr>
-          <p:cNvPr id="2" name="제목 1"/>
-          <p:cNvSpPr>
-            <a:spLocks noGrp="1"/>
-          </p:cNvSpPr>
-          <p:nvPr>
-            <p:ph type="title"/>
-          </p:nvPr>
-        </p:nvSpPr>
-        <p:spPr/>
-        <p:txBody>
-          <a:bodyPr/>
-          <a:lstStyle/>
-          <a:p>
-            <a:r>
-              <a:rPr lang="ko-KR" altLang="en-US" dirty="0" smtClean="0"/>
-              <a:t>문자열</a:t>
-            </a:r>
-            <a:r>
-              <a:rPr lang="en-US" altLang="ko-KR" dirty="0" smtClean="0"/>
-              <a:t> </a:t>
-            </a:r>
-            <a:r>
-              <a:rPr lang="ko-KR" altLang="en-US" dirty="0" smtClean="0"/>
-              <a:t>연결 </a:t>
-            </a:r>
-            <a:r>
-              <a:rPr lang="en-US" altLang="ko-KR" dirty="0" smtClean="0"/>
-              <a:t>(concatenation)</a:t>
-            </a:r>
-            <a:endParaRPr lang="ko-KR" altLang="en-US" dirty="0"/>
-          </a:p>
-        </p:txBody>
-      </p:sp>
-      <p:sp>
-        <p:nvSpPr>
-          <p:cNvPr id="3" name="내용 개체 틀 2"/>
-          <p:cNvSpPr>
-            <a:spLocks noGrp="1"/>
-          </p:cNvSpPr>
+      <p:pic>
+        <p:nvPicPr>
+          <p:cNvPr id="4" name="내용 개체 틀 3"/>
+          <p:cNvPicPr>
+            <a:picLocks noGrp="1" noChangeAspect="1"/>
+          </p:cNvPicPr>
           <p:nvPr>
             <p:ph idx="1"/>
           </p:nvPr>
-        </p:nvSpPr>
-        <p:spPr/>
-        <p:txBody>
-          <a:bodyPr/>
-          <a:lstStyle/>
-          <a:p>
-            <a:r>
-              <a:rPr lang="en-US" altLang="ko-KR" dirty="0" smtClean="0"/>
-              <a:t>Python</a:t>
-            </a:r>
-            <a:r>
-              <a:rPr lang="ko-KR" altLang="en-US" dirty="0" smtClean="0"/>
-              <a:t>에서 문자열은 </a:t>
-            </a:r>
-            <a:r>
-              <a:rPr lang="en-US" altLang="ko-KR" dirty="0" smtClean="0"/>
-              <a:t>+ </a:t>
-            </a:r>
-            <a:r>
-              <a:rPr lang="ko-KR" altLang="en-US" dirty="0" smtClean="0"/>
-              <a:t>기호를 이용하여 쉽게 연결할 수 있다</a:t>
-            </a:r>
-            <a:r>
-              <a:rPr lang="en-US" altLang="ko-KR" dirty="0" smtClean="0"/>
-              <a:t>.</a:t>
-            </a:r>
-          </a:p>
-          <a:p>
-            <a:endParaRPr lang="en-US" altLang="ko-KR" dirty="0"/>
-          </a:p>
-          <a:p>
-            <a:r>
-              <a:rPr lang="en-US" altLang="ko-KR" spc="-150" dirty="0" err="1" smtClean="0">
-                <a:latin typeface="Consolas" panose="020B0609020204030204" pitchFamily="49" charset="0"/>
-                <a:cs typeface="Consolas" panose="020B0609020204030204" pitchFamily="49" charset="0"/>
-              </a:rPr>
-              <a:t>first_name</a:t>
-            </a:r>
-            <a:r>
-              <a:rPr lang="en-US" altLang="ko-KR" spc="-150" dirty="0" smtClean="0">
-                <a:latin typeface="Consolas" panose="020B0609020204030204" pitchFamily="49" charset="0"/>
-                <a:cs typeface="Consolas" panose="020B0609020204030204" pitchFamily="49" charset="0"/>
-              </a:rPr>
-              <a:t> = "</a:t>
-            </a:r>
-            <a:r>
-              <a:rPr lang="en-US" altLang="ko-KR" spc="-150" dirty="0" err="1" smtClean="0">
-                <a:latin typeface="Consolas" panose="020B0609020204030204" pitchFamily="49" charset="0"/>
-                <a:cs typeface="Consolas" panose="020B0609020204030204" pitchFamily="49" charset="0"/>
-              </a:rPr>
-              <a:t>Kyungsub</a:t>
-            </a:r>
-            <a:r>
-              <a:rPr lang="en-US" altLang="ko-KR" spc="-150" dirty="0" smtClean="0">
-                <a:latin typeface="Consolas" panose="020B0609020204030204" pitchFamily="49" charset="0"/>
-                <a:cs typeface="Consolas" panose="020B0609020204030204" pitchFamily="49" charset="0"/>
-              </a:rPr>
-              <a:t>"</a:t>
-            </a:r>
-            <a:br>
-              <a:rPr lang="en-US" altLang="ko-KR" spc="-150" dirty="0" smtClean="0">
-                <a:latin typeface="Consolas" panose="020B0609020204030204" pitchFamily="49" charset="0"/>
-                <a:cs typeface="Consolas" panose="020B0609020204030204" pitchFamily="49" charset="0"/>
-              </a:rPr>
-            </a:br>
-            <a:r>
-              <a:rPr lang="en-US" altLang="ko-KR" spc="-150" dirty="0" err="1" smtClean="0">
-                <a:latin typeface="Consolas" panose="020B0609020204030204" pitchFamily="49" charset="0"/>
-                <a:cs typeface="Consolas" panose="020B0609020204030204" pitchFamily="49" charset="0"/>
-              </a:rPr>
-              <a:t>family_name</a:t>
-            </a:r>
-            <a:r>
-              <a:rPr lang="en-US" altLang="ko-KR" spc="-150" dirty="0" smtClean="0">
-                <a:latin typeface="Consolas" panose="020B0609020204030204" pitchFamily="49" charset="0"/>
-                <a:cs typeface="Consolas" panose="020B0609020204030204" pitchFamily="49" charset="0"/>
-              </a:rPr>
-              <a:t> = "Lee"</a:t>
-            </a:r>
-            <a:br>
-              <a:rPr lang="en-US" altLang="ko-KR" spc="-150" dirty="0" smtClean="0">
-                <a:latin typeface="Consolas" panose="020B0609020204030204" pitchFamily="49" charset="0"/>
-                <a:cs typeface="Consolas" panose="020B0609020204030204" pitchFamily="49" charset="0"/>
-              </a:rPr>
-            </a:br>
-            <a:r>
-              <a:rPr lang="en-US" altLang="ko-KR" spc="-150" dirty="0" err="1" smtClean="0">
-                <a:latin typeface="Consolas" panose="020B0609020204030204" pitchFamily="49" charset="0"/>
-                <a:cs typeface="Consolas" panose="020B0609020204030204" pitchFamily="49" charset="0"/>
-              </a:rPr>
-              <a:t>full_name</a:t>
-            </a:r>
-            <a:r>
-              <a:rPr lang="en-US" altLang="ko-KR" spc="-150" dirty="0" smtClean="0">
-                <a:latin typeface="Consolas" panose="020B0609020204030204" pitchFamily="49" charset="0"/>
-                <a:cs typeface="Consolas" panose="020B0609020204030204" pitchFamily="49" charset="0"/>
-              </a:rPr>
-              <a:t> = </a:t>
-            </a:r>
-            <a:r>
-              <a:rPr lang="en-US" altLang="ko-KR" spc="-150" dirty="0" err="1" smtClean="0">
-                <a:latin typeface="Consolas" panose="020B0609020204030204" pitchFamily="49" charset="0"/>
-                <a:cs typeface="Consolas" panose="020B0609020204030204" pitchFamily="49" charset="0"/>
-              </a:rPr>
-              <a:t>first_name</a:t>
-            </a:r>
-            <a:r>
-              <a:rPr lang="en-US" altLang="ko-KR" spc="-150" dirty="0" smtClean="0">
-                <a:latin typeface="Consolas" panose="020B0609020204030204" pitchFamily="49" charset="0"/>
-                <a:cs typeface="Consolas" panose="020B0609020204030204" pitchFamily="49" charset="0"/>
-              </a:rPr>
-              <a:t> + " " + </a:t>
-            </a:r>
-            <a:r>
-              <a:rPr lang="en-US" altLang="ko-KR" spc="-150" dirty="0" err="1" smtClean="0">
-                <a:latin typeface="Consolas" panose="020B0609020204030204" pitchFamily="49" charset="0"/>
-                <a:cs typeface="Consolas" panose="020B0609020204030204" pitchFamily="49" charset="0"/>
-              </a:rPr>
-              <a:t>family_name</a:t>
-            </a:r>
-            <a:r>
-              <a:rPr lang="en-US" altLang="ko-KR" spc="-150" dirty="0">
-                <a:latin typeface="Consolas" panose="020B0609020204030204" pitchFamily="49" charset="0"/>
-                <a:cs typeface="Consolas" panose="020B0609020204030204" pitchFamily="49" charset="0"/>
-              </a:rPr>
-              <a:t/>
-            </a:r>
-            <a:br>
-              <a:rPr lang="en-US" altLang="ko-KR" spc="-150" dirty="0">
-                <a:latin typeface="Consolas" panose="020B0609020204030204" pitchFamily="49" charset="0"/>
-                <a:cs typeface="Consolas" panose="020B0609020204030204" pitchFamily="49" charset="0"/>
-              </a:rPr>
-            </a:br>
-            <a:r>
-              <a:rPr lang="en-US" altLang="ko-KR" spc="-150" dirty="0" smtClean="0">
-                <a:latin typeface="Consolas" panose="020B0609020204030204" pitchFamily="49" charset="0"/>
-                <a:cs typeface="Consolas" panose="020B0609020204030204" pitchFamily="49" charset="0"/>
-              </a:rPr>
-              <a:t>print </a:t>
-            </a:r>
-            <a:r>
-              <a:rPr lang="en-US" altLang="ko-KR" spc="-150" dirty="0" err="1" smtClean="0">
-                <a:latin typeface="Consolas" panose="020B0609020204030204" pitchFamily="49" charset="0"/>
-                <a:cs typeface="Consolas" panose="020B0609020204030204" pitchFamily="49" charset="0"/>
-              </a:rPr>
-              <a:t>full_name</a:t>
-            </a:r>
-            <a:endParaRPr lang="en-US" altLang="ko-KR" spc="-150" dirty="0" smtClean="0">
-              <a:latin typeface="Consolas" panose="020B0609020204030204" pitchFamily="49" charset="0"/>
-              <a:cs typeface="Consolas" panose="020B0609020204030204" pitchFamily="49" charset="0"/>
-            </a:endParaRPr>
-          </a:p>
-          <a:p>
-            <a:endParaRPr lang="en-US" altLang="ko-KR" dirty="0"/>
-          </a:p>
-          <a:p>
-            <a:r>
-              <a:rPr lang="en-US" altLang="ko-KR" spc="-150" dirty="0" smtClean="0">
-                <a:latin typeface="Consolas" panose="020B0609020204030204" pitchFamily="49" charset="0"/>
-                <a:cs typeface="Consolas" panose="020B0609020204030204" pitchFamily="49" charset="0"/>
-              </a:rPr>
-              <a:t>print "My age is " + </a:t>
-            </a:r>
-            <a:r>
-              <a:rPr lang="en-US" altLang="ko-KR" spc="-150" dirty="0" err="1" smtClean="0">
-                <a:latin typeface="Consolas" panose="020B0609020204030204" pitchFamily="49" charset="0"/>
-                <a:cs typeface="Consolas" panose="020B0609020204030204" pitchFamily="49" charset="0"/>
-              </a:rPr>
-              <a:t>str</a:t>
-            </a:r>
-            <a:r>
-              <a:rPr lang="en-US" altLang="ko-KR" spc="-150" dirty="0" smtClean="0">
-                <a:latin typeface="Consolas" panose="020B0609020204030204" pitchFamily="49" charset="0"/>
-                <a:cs typeface="Consolas" panose="020B0609020204030204" pitchFamily="49" charset="0"/>
-              </a:rPr>
-              <a:t>(20) + "."</a:t>
-            </a:r>
-            <a:endParaRPr lang="ko-KR" altLang="en-US" spc="-150" dirty="0">
-              <a:latin typeface="Consolas" panose="020B0609020204030204" pitchFamily="49" charset="0"/>
-              <a:cs typeface="Consolas" panose="020B0609020204030204" pitchFamily="49" charset="0"/>
-            </a:endParaRPr>
-          </a:p>
-        </p:txBody>
-      </p:sp>
+        </p:nvPicPr>
+        <p:blipFill>
+          <a:blip r:embed="rId2"/>
+          <a:stretch>
+            <a:fillRect/>
+          </a:stretch>
+        </p:blipFill>
+        <p:spPr>
+          <a:xfrm>
+            <a:off x="1134679" y="372381"/>
+            <a:ext cx="10022628" cy="6120947"/>
+          </a:xfrm>
+          <a:prstGeom prst="rect">
+            <a:avLst/>
+          </a:prstGeom>
+        </p:spPr>
+      </p:pic>
     </p:spTree>
     <p:extLst>
       <p:ext uri="{BB962C8B-B14F-4D97-AF65-F5344CB8AC3E}">
-        <p14:creationId xmlns:p14="http://schemas.microsoft.com/office/powerpoint/2010/main" val="1016620266"/>
+        <p14:creationId xmlns:p14="http://schemas.microsoft.com/office/powerpoint/2010/main" val="3353886392"/>
       </p:ext>
     </p:extLst>
   </p:cSld>
@@ -6365,147 +5379,36 @@
           <a:chExt cx="0" cy="0"/>
         </a:xfrm>
       </p:grpSpPr>
-      <p:sp>
-        <p:nvSpPr>
-          <p:cNvPr id="2" name="제목 1"/>
-          <p:cNvSpPr>
-            <a:spLocks noGrp="1"/>
-          </p:cNvSpPr>
-          <p:nvPr>
-            <p:ph type="title"/>
-          </p:nvPr>
-        </p:nvSpPr>
-        <p:spPr/>
-        <p:txBody>
-          <a:bodyPr/>
-          <a:lstStyle/>
-          <a:p>
-            <a:r>
-              <a:rPr lang="ko-KR" altLang="en-US" dirty="0" smtClean="0"/>
-              <a:t>문자열 관련 예제</a:t>
-            </a:r>
-            <a:endParaRPr lang="ko-KR" altLang="en-US" dirty="0"/>
-          </a:p>
-        </p:txBody>
-      </p:sp>
-      <p:sp>
-        <p:nvSpPr>
-          <p:cNvPr id="3" name="내용 개체 틀 2"/>
-          <p:cNvSpPr>
-            <a:spLocks noGrp="1"/>
-          </p:cNvSpPr>
+      <p:pic>
+        <p:nvPicPr>
+          <p:cNvPr id="4" name="내용 개체 틀 3"/>
+          <p:cNvPicPr>
+            <a:picLocks noGrp="1" noChangeAspect="1"/>
+          </p:cNvPicPr>
           <p:nvPr>
             <p:ph idx="1"/>
           </p:nvPr>
-        </p:nvSpPr>
-        <p:spPr/>
-        <p:txBody>
-          <a:bodyPr>
-            <a:normAutofit fontScale="85000" lnSpcReduction="20000"/>
-          </a:bodyPr>
-          <a:lstStyle/>
-          <a:p>
-            <a:r>
-              <a:rPr lang="ko-KR" altLang="en-US" dirty="0" smtClean="0"/>
-              <a:t>다음의 결과를 테스트해 보자</a:t>
-            </a:r>
-            <a:endParaRPr lang="en-US" altLang="ko-KR" dirty="0" smtClean="0"/>
-          </a:p>
-          <a:p>
-            <a:endParaRPr lang="en-US" altLang="ko-KR" dirty="0" smtClean="0"/>
-          </a:p>
-          <a:p>
-            <a:r>
-              <a:rPr lang="en-US" altLang="ko-KR" spc="-150" dirty="0" smtClean="0">
-                <a:latin typeface="Consolas" panose="020B0609020204030204" pitchFamily="49" charset="0"/>
-                <a:cs typeface="Consolas" panose="020B0609020204030204" pitchFamily="49" charset="0"/>
-              </a:rPr>
-              <a:t>'a'+'</a:t>
-            </a:r>
-            <a:r>
-              <a:rPr lang="en-US" altLang="ko-KR" spc="-150" dirty="0" err="1" smtClean="0">
-                <a:latin typeface="Consolas" panose="020B0609020204030204" pitchFamily="49" charset="0"/>
-                <a:cs typeface="Consolas" panose="020B0609020204030204" pitchFamily="49" charset="0"/>
-              </a:rPr>
-              <a:t>bcde</a:t>
-            </a:r>
-            <a:r>
-              <a:rPr lang="en-US" altLang="ko-KR" spc="-150" dirty="0" smtClean="0">
-                <a:latin typeface="Consolas" panose="020B0609020204030204" pitchFamily="49" charset="0"/>
-                <a:cs typeface="Consolas" panose="020B0609020204030204" pitchFamily="49" charset="0"/>
-              </a:rPr>
-              <a:t>'</a:t>
-            </a:r>
-          </a:p>
-          <a:p>
-            <a:endParaRPr lang="en-US" altLang="ko-KR" spc="-150" dirty="0" smtClean="0">
-              <a:latin typeface="Consolas" panose="020B0609020204030204" pitchFamily="49" charset="0"/>
-              <a:cs typeface="Consolas" panose="020B0609020204030204" pitchFamily="49" charset="0"/>
-            </a:endParaRPr>
-          </a:p>
-          <a:p>
-            <a:r>
-              <a:rPr lang="en-US" altLang="ko-KR" spc="-150" dirty="0" smtClean="0">
-                <a:latin typeface="Consolas" panose="020B0609020204030204" pitchFamily="49" charset="0"/>
-                <a:cs typeface="Consolas" panose="020B0609020204030204" pitchFamily="49" charset="0"/>
-              </a:rPr>
-              <a:t>5*'ab'</a:t>
-            </a:r>
-          </a:p>
-          <a:p>
-            <a:endParaRPr lang="en-US" altLang="ko-KR" spc="-150" dirty="0">
-              <a:latin typeface="Consolas" panose="020B0609020204030204" pitchFamily="49" charset="0"/>
-              <a:cs typeface="Consolas" panose="020B0609020204030204" pitchFamily="49" charset="0"/>
-            </a:endParaRPr>
-          </a:p>
-          <a:p>
-            <a:r>
-              <a:rPr lang="en-US" altLang="ko-KR" spc="-150" dirty="0" smtClean="0">
-                <a:latin typeface="Consolas" panose="020B0609020204030204" pitchFamily="49" charset="0"/>
-                <a:cs typeface="Consolas" panose="020B0609020204030204" pitchFamily="49" charset="0"/>
-              </a:rPr>
-              <a:t>3+'three'</a:t>
-            </a:r>
-          </a:p>
-          <a:p>
-            <a:endParaRPr lang="en-US" altLang="ko-KR" spc="-150" dirty="0">
-              <a:latin typeface="Consolas" panose="020B0609020204030204" pitchFamily="49" charset="0"/>
-              <a:cs typeface="Consolas" panose="020B0609020204030204" pitchFamily="49" charset="0"/>
-            </a:endParaRPr>
-          </a:p>
-          <a:p>
-            <a:r>
-              <a:rPr lang="en-US" altLang="ko-KR" spc="-150" dirty="0" smtClean="0">
-                <a:latin typeface="Consolas" panose="020B0609020204030204" pitchFamily="49" charset="0"/>
-                <a:cs typeface="Consolas" panose="020B0609020204030204" pitchFamily="49" charset="0"/>
-              </a:rPr>
-              <a:t>'a' &lt; 3</a:t>
-            </a:r>
-          </a:p>
-          <a:p>
-            <a:endParaRPr lang="en-US" altLang="ko-KR" spc="-150" dirty="0">
-              <a:latin typeface="Consolas" panose="020B0609020204030204" pitchFamily="49" charset="0"/>
-              <a:cs typeface="Consolas" panose="020B0609020204030204" pitchFamily="49" charset="0"/>
-            </a:endParaRPr>
-          </a:p>
-          <a:p>
-            <a:r>
-              <a:rPr lang="en-US" altLang="ko-KR" spc="-150" dirty="0" smtClean="0">
-                <a:latin typeface="Consolas" panose="020B0609020204030204" pitchFamily="49" charset="0"/>
-                <a:cs typeface="Consolas" panose="020B0609020204030204" pitchFamily="49" charset="0"/>
-              </a:rPr>
-              <a:t>'3' &gt; 3</a:t>
-            </a:r>
-          </a:p>
-          <a:p>
-            <a:endParaRPr lang="ko-KR" altLang="en-US" dirty="0"/>
-          </a:p>
-        </p:txBody>
-      </p:sp>
+        </p:nvPicPr>
+        <p:blipFill>
+          <a:blip r:embed="rId2"/>
+          <a:stretch>
+            <a:fillRect/>
+          </a:stretch>
+        </p:blipFill>
+        <p:spPr>
+          <a:xfrm>
+            <a:off x="468231" y="497568"/>
+            <a:ext cx="10957343" cy="5718176"/>
+          </a:xfrm>
+          <a:prstGeom prst="rect">
+            <a:avLst/>
+          </a:prstGeom>
+        </p:spPr>
+      </p:pic>
     </p:spTree>
     <p:extLst>
       <p:ext uri="{BB962C8B-B14F-4D97-AF65-F5344CB8AC3E}">
-        <p14:creationId xmlns:p14="http://schemas.microsoft.com/office/powerpoint/2010/main" val="3901863653"/>
+        <p14:creationId xmlns:p14="http://schemas.microsoft.com/office/powerpoint/2010/main" val="3741341401"/>
       </p:ext>
     </p:extLst>
   </p:cSld>
@@ -6549,7 +5452,7 @@
           <a:p>
             <a:r>
               <a:rPr lang="en-US" altLang="ko-KR" dirty="0" smtClean="0"/>
-              <a:t>overloading</a:t>
+              <a:t>type checking</a:t>
             </a:r>
             <a:endParaRPr lang="ko-KR" altLang="en-US" dirty="0"/>
           </a:p>
@@ -6570,88 +5473,77 @@
           <a:bodyPr/>
           <a:lstStyle/>
           <a:p>
-            <a:r>
-              <a:rPr lang="en-US" altLang="ko-KR" dirty="0" smtClean="0"/>
-              <a:t>+ </a:t>
-            </a:r>
-            <a:r>
-              <a:rPr lang="ko-KR" altLang="en-US" dirty="0" smtClean="0"/>
-              <a:t>기호는 연산되는 변수의 타입에 따라 다르게 작동한다</a:t>
-            </a:r>
-            <a:r>
-              <a:rPr lang="en-US" altLang="ko-KR" dirty="0" smtClean="0"/>
+            <a:pPr marL="457200" lvl="1" indent="0">
+              <a:buNone/>
+            </a:pPr>
+            <a:endParaRPr lang="en-US" altLang="ko-KR" spc="-150" dirty="0">
+              <a:latin typeface="Consolas" panose="020B0609020204030204" pitchFamily="49" charset="0"/>
+            </a:endParaRPr>
+          </a:p>
+          <a:p>
+            <a:endParaRPr lang="en-US" altLang="ko-KR" spc="-150" dirty="0" smtClean="0"/>
+          </a:p>
+          <a:p>
+            <a:endParaRPr lang="en-US" altLang="ko-KR" spc="-150" dirty="0"/>
+          </a:p>
+          <a:p>
+            <a:endParaRPr lang="en-US" altLang="ko-KR" spc="-150" dirty="0" smtClean="0"/>
+          </a:p>
+          <a:p>
+            <a:endParaRPr lang="en-US" altLang="ko-KR" spc="-150" dirty="0"/>
+          </a:p>
+          <a:p>
+            <a:endParaRPr lang="en-US" altLang="ko-KR" spc="-150" dirty="0" smtClean="0"/>
+          </a:p>
+          <a:p>
+            <a:r>
+              <a:rPr lang="ko-KR" altLang="en-US" spc="-150" dirty="0" smtClean="0"/>
+              <a:t>실수로  잘못 입력된 형태의 </a:t>
+            </a:r>
+            <a:r>
+              <a:rPr lang="en-US" altLang="ko-KR" spc="-150" dirty="0" smtClean="0"/>
+              <a:t>type</a:t>
+            </a:r>
+            <a:r>
+              <a:rPr lang="ko-KR" altLang="en-US" spc="-150" dirty="0" smtClean="0"/>
+              <a:t>을 찾아준다</a:t>
+            </a:r>
+            <a:r>
+              <a:rPr lang="en-US" altLang="ko-KR" spc="-150" dirty="0" smtClean="0"/>
               <a:t>.</a:t>
             </a:r>
-          </a:p>
-          <a:p>
-            <a:pPr lvl="1"/>
-            <a:r>
-              <a:rPr lang="en-US" altLang="ko-KR" dirty="0" smtClean="0"/>
-              <a:t> 3+4 : </a:t>
-            </a:r>
-            <a:r>
-              <a:rPr lang="ko-KR" altLang="en-US" dirty="0" smtClean="0"/>
-              <a:t>덧셈</a:t>
-            </a:r>
-            <a:endParaRPr lang="en-US" altLang="ko-KR" dirty="0" smtClean="0"/>
-          </a:p>
-          <a:p>
-            <a:pPr lvl="1"/>
-            <a:r>
-              <a:rPr lang="en-US" altLang="ko-KR" dirty="0" smtClean="0"/>
-              <a:t>"</a:t>
-            </a:r>
-            <a:r>
-              <a:rPr lang="en-US" altLang="ko-KR" dirty="0" err="1" smtClean="0"/>
-              <a:t>ab"+"cd</a:t>
-            </a:r>
-            <a:r>
-              <a:rPr lang="en-US" altLang="ko-KR" dirty="0" smtClean="0"/>
-              <a:t>" : </a:t>
-            </a:r>
-            <a:r>
-              <a:rPr lang="ko-KR" altLang="en-US" dirty="0" smtClean="0"/>
-              <a:t>문자열 연결</a:t>
-            </a:r>
-            <a:endParaRPr lang="en-US" altLang="ko-KR" dirty="0" smtClean="0"/>
-          </a:p>
-          <a:p>
-            <a:endParaRPr lang="en-US" altLang="ko-KR" dirty="0"/>
-          </a:p>
-          <a:p>
-            <a:r>
-              <a:rPr lang="ko-KR" altLang="en-US" dirty="0" smtClean="0"/>
-              <a:t>이를 연산자 </a:t>
-            </a:r>
-            <a:r>
-              <a:rPr lang="en-US" altLang="ko-KR" smtClean="0"/>
-              <a:t>overloading</a:t>
-            </a:r>
-            <a:r>
-              <a:rPr lang="ko-KR" altLang="en-US" smtClean="0"/>
-              <a:t>라고 </a:t>
-            </a:r>
-            <a:r>
-              <a:rPr lang="ko-KR" altLang="en-US" dirty="0" smtClean="0"/>
-              <a:t>한다</a:t>
-            </a:r>
-            <a:r>
-              <a:rPr lang="en-US" altLang="ko-KR" dirty="0" smtClean="0"/>
-              <a:t>.</a:t>
-            </a:r>
-          </a:p>
-          <a:p>
-            <a:endParaRPr lang="en-US" altLang="ko-KR" dirty="0"/>
-          </a:p>
-          <a:p>
-            <a:endParaRPr lang="ko-KR" altLang="en-US" dirty="0"/>
-          </a:p>
-        </p:txBody>
-      </p:sp>
+            <a:endParaRPr lang="ko-KR" altLang="en-US" spc="-150" dirty="0"/>
+          </a:p>
+        </p:txBody>
+      </p:sp>
+      <p:pic>
+        <p:nvPicPr>
+          <p:cNvPr id="4" name="그림 3"/>
+          <p:cNvPicPr>
+            <a:picLocks noChangeAspect="1"/>
+          </p:cNvPicPr>
+          <p:nvPr/>
+        </p:nvPicPr>
+        <p:blipFill>
+          <a:blip r:embed="rId2"/>
+          <a:stretch>
+            <a:fillRect/>
+          </a:stretch>
+        </p:blipFill>
+        <p:spPr>
+          <a:xfrm>
+            <a:off x="838200" y="1690688"/>
+            <a:ext cx="10177462" cy="2830365"/>
+          </a:xfrm>
+          <a:prstGeom prst="rect">
+            <a:avLst/>
+          </a:prstGeom>
+        </p:spPr>
+      </p:pic>
     </p:spTree>
     <p:extLst>
       <p:ext uri="{BB962C8B-B14F-4D97-AF65-F5344CB8AC3E}">
-        <p14:creationId xmlns:p14="http://schemas.microsoft.com/office/powerpoint/2010/main" val="1231651839"/>
+        <p14:creationId xmlns:p14="http://schemas.microsoft.com/office/powerpoint/2010/main" val="1046390027"/>
       </p:ext>
     </p:extLst>
   </p:cSld>
@@ -6678,121 +5570,36 @@
           <a:chExt cx="0" cy="0"/>
         </a:xfrm>
       </p:grpSpPr>
-      <p:sp>
-        <p:nvSpPr>
-          <p:cNvPr id="2" name="제목 1"/>
-          <p:cNvSpPr>
-            <a:spLocks noGrp="1"/>
-          </p:cNvSpPr>
-          <p:nvPr>
-            <p:ph type="title"/>
-          </p:nvPr>
-        </p:nvSpPr>
-        <p:spPr/>
-        <p:txBody>
-          <a:bodyPr/>
-          <a:lstStyle/>
-          <a:p>
-            <a:r>
-              <a:rPr lang="en-US" altLang="ko-KR" dirty="0" smtClean="0"/>
-              <a:t>type checking</a:t>
-            </a:r>
-            <a:endParaRPr lang="ko-KR" altLang="en-US" dirty="0"/>
-          </a:p>
-        </p:txBody>
-      </p:sp>
-      <p:sp>
-        <p:nvSpPr>
-          <p:cNvPr id="3" name="내용 개체 틀 2"/>
-          <p:cNvSpPr>
-            <a:spLocks noGrp="1"/>
-          </p:cNvSpPr>
+      <p:pic>
+        <p:nvPicPr>
+          <p:cNvPr id="4" name="내용 개체 틀 3"/>
+          <p:cNvPicPr>
+            <a:picLocks noGrp="1" noChangeAspect="1"/>
+          </p:cNvPicPr>
           <p:nvPr>
             <p:ph idx="1"/>
           </p:nvPr>
-        </p:nvSpPr>
-        <p:spPr/>
-        <p:txBody>
-          <a:bodyPr/>
-          <a:lstStyle/>
-          <a:p>
-            <a:r>
-              <a:rPr lang="en-US" altLang="ko-KR" spc="-150" dirty="0" smtClean="0">
-                <a:latin typeface="Consolas" panose="020B0609020204030204" pitchFamily="49" charset="0"/>
-              </a:rPr>
-              <a:t>'a' * 'a'</a:t>
-            </a:r>
-          </a:p>
-          <a:p>
-            <a:pPr lvl="1"/>
-            <a:r>
-              <a:rPr lang="en-US" altLang="ko-KR" spc="-150" dirty="0" err="1">
-                <a:latin typeface="Consolas" panose="020B0609020204030204" pitchFamily="49" charset="0"/>
-              </a:rPr>
-              <a:t>TypeError</a:t>
-            </a:r>
-            <a:r>
-              <a:rPr lang="en-US" altLang="ko-KR" spc="-150" dirty="0">
-                <a:latin typeface="Consolas" panose="020B0609020204030204" pitchFamily="49" charset="0"/>
-              </a:rPr>
-              <a:t>: can't multiply sequence by non-</a:t>
-            </a:r>
-            <a:r>
-              <a:rPr lang="en-US" altLang="ko-KR" spc="-150" dirty="0" err="1">
-                <a:latin typeface="Consolas" panose="020B0609020204030204" pitchFamily="49" charset="0"/>
-              </a:rPr>
-              <a:t>int</a:t>
-            </a:r>
-            <a:r>
-              <a:rPr lang="en-US" altLang="ko-KR" spc="-150" dirty="0">
-                <a:latin typeface="Consolas" panose="020B0609020204030204" pitchFamily="49" charset="0"/>
-              </a:rPr>
-              <a:t> of type '</a:t>
-            </a:r>
-            <a:r>
-              <a:rPr lang="en-US" altLang="ko-KR" spc="-150" dirty="0" err="1">
-                <a:latin typeface="Consolas" panose="020B0609020204030204" pitchFamily="49" charset="0"/>
-              </a:rPr>
-              <a:t>str</a:t>
-            </a:r>
-            <a:r>
-              <a:rPr lang="en-US" altLang="ko-KR" spc="-150" dirty="0" smtClean="0">
-                <a:latin typeface="Consolas" panose="020B0609020204030204" pitchFamily="49" charset="0"/>
-              </a:rPr>
-              <a:t>'</a:t>
-            </a:r>
-          </a:p>
-          <a:p>
-            <a:pPr lvl="1"/>
-            <a:endParaRPr lang="en-US" altLang="ko-KR" spc="-150" dirty="0">
-              <a:latin typeface="Consolas" panose="020B0609020204030204" pitchFamily="49" charset="0"/>
-            </a:endParaRPr>
-          </a:p>
-          <a:p>
-            <a:r>
-              <a:rPr lang="ko-KR" altLang="en-US" spc="-150" dirty="0" smtClean="0"/>
-              <a:t>실수로  잘못 입력된 형태의 </a:t>
-            </a:r>
-            <a:r>
-              <a:rPr lang="en-US" altLang="ko-KR" spc="-150" dirty="0" smtClean="0"/>
-              <a:t>type</a:t>
-            </a:r>
-            <a:r>
-              <a:rPr lang="ko-KR" altLang="en-US" spc="-150" dirty="0" smtClean="0"/>
-              <a:t>을 찾아준다</a:t>
-            </a:r>
-            <a:r>
-              <a:rPr lang="en-US" altLang="ko-KR" spc="-150" smtClean="0"/>
-              <a:t>.</a:t>
-            </a:r>
-            <a:endParaRPr lang="ko-KR" altLang="en-US" spc="-150" dirty="0"/>
-          </a:p>
-        </p:txBody>
-      </p:sp>
+        </p:nvPicPr>
+        <p:blipFill>
+          <a:blip r:embed="rId2"/>
+          <a:stretch>
+            <a:fillRect/>
+          </a:stretch>
+        </p:blipFill>
+        <p:spPr>
+          <a:xfrm>
+            <a:off x="1868240" y="219982"/>
+            <a:ext cx="8179274" cy="6290470"/>
+          </a:xfrm>
+          <a:prstGeom prst="rect">
+            <a:avLst/>
+          </a:prstGeom>
+        </p:spPr>
+      </p:pic>
     </p:spTree>
     <p:extLst>
       <p:ext uri="{BB962C8B-B14F-4D97-AF65-F5344CB8AC3E}">
-        <p14:creationId xmlns:p14="http://schemas.microsoft.com/office/powerpoint/2010/main" val="1046390027"/>
+        <p14:creationId xmlns:p14="http://schemas.microsoft.com/office/powerpoint/2010/main" val="1813035162"/>
       </p:ext>
     </p:extLst>
   </p:cSld>
@@ -6819,219 +5626,36 @@
           <a:chExt cx="0" cy="0"/>
         </a:xfrm>
       </p:grpSpPr>
-      <p:sp>
-        <p:nvSpPr>
-          <p:cNvPr id="2" name="제목 1"/>
-          <p:cNvSpPr>
-            <a:spLocks noGrp="1"/>
-          </p:cNvSpPr>
-          <p:nvPr>
-            <p:ph type="title"/>
-          </p:nvPr>
-        </p:nvSpPr>
-        <p:spPr/>
-        <p:txBody>
-          <a:bodyPr/>
-          <a:lstStyle/>
-          <a:p>
-            <a:r>
-              <a:rPr lang="ko-KR" altLang="en-US" dirty="0" smtClean="0"/>
-              <a:t>확장 문자</a:t>
-            </a:r>
-            <a:r>
-              <a:rPr lang="en-US" altLang="ko-KR" dirty="0" smtClean="0"/>
-              <a:t>(escaping character)</a:t>
-            </a:r>
-            <a:endParaRPr lang="ko-KR" altLang="en-US" dirty="0"/>
-          </a:p>
-        </p:txBody>
-      </p:sp>
-      <p:sp>
-        <p:nvSpPr>
-          <p:cNvPr id="3" name="내용 개체 틀 2"/>
-          <p:cNvSpPr>
-            <a:spLocks noGrp="1"/>
-          </p:cNvSpPr>
+      <p:pic>
+        <p:nvPicPr>
+          <p:cNvPr id="4" name="내용 개체 틀 3"/>
+          <p:cNvPicPr>
+            <a:picLocks noGrp="1" noChangeAspect="1"/>
+          </p:cNvPicPr>
           <p:nvPr>
             <p:ph idx="1"/>
           </p:nvPr>
-        </p:nvSpPr>
-        <p:spPr/>
-        <p:txBody>
-          <a:bodyPr>
-            <a:normAutofit/>
-          </a:bodyPr>
-          <a:lstStyle/>
-          <a:p>
-            <a:r>
-              <a:rPr lang="ko-KR" altLang="en-US" dirty="0" smtClean="0"/>
-              <a:t>문자열 중간에 따옴표 </a:t>
-            </a:r>
-            <a:r>
-              <a:rPr lang="en-US" altLang="ko-KR" dirty="0" smtClean="0"/>
-              <a:t>' </a:t>
-            </a:r>
-            <a:r>
-              <a:rPr lang="ko-KR" altLang="en-US" dirty="0" smtClean="0"/>
-              <a:t>기호를 넣고 싶을 때</a:t>
-            </a:r>
-            <a:endParaRPr lang="en-US" altLang="ko-KR" dirty="0" smtClean="0"/>
-          </a:p>
-          <a:p>
-            <a:r>
-              <a:rPr lang="ko-KR" altLang="en-US" dirty="0" smtClean="0"/>
-              <a:t>잘못된 예</a:t>
-            </a:r>
-            <a:endParaRPr lang="en-US" altLang="ko-KR" dirty="0" smtClean="0"/>
-          </a:p>
-          <a:p>
-            <a:pPr lvl="1"/>
-            <a:r>
-              <a:rPr lang="en-US" altLang="ko-KR" spc="-150" dirty="0" smtClean="0">
-                <a:latin typeface="Consolas" panose="020B0609020204030204" pitchFamily="49" charset="0"/>
-                <a:cs typeface="Consolas" panose="020B0609020204030204" pitchFamily="49" charset="0"/>
-              </a:rPr>
-              <a:t>'This isn't </a:t>
-            </a:r>
-            <a:r>
-              <a:rPr lang="en-US" altLang="ko-KR" spc="-150" dirty="0">
-                <a:latin typeface="Consolas" panose="020B0609020204030204" pitchFamily="49" charset="0"/>
-                <a:cs typeface="Consolas" panose="020B0609020204030204" pitchFamily="49" charset="0"/>
-              </a:rPr>
-              <a:t>flying, this is falling with style</a:t>
-            </a:r>
-            <a:r>
-              <a:rPr lang="en-US" altLang="ko-KR" spc="-150" dirty="0" smtClean="0">
-                <a:latin typeface="Consolas" panose="020B0609020204030204" pitchFamily="49" charset="0"/>
-                <a:cs typeface="Consolas" panose="020B0609020204030204" pitchFamily="49" charset="0"/>
-              </a:rPr>
-              <a:t>!'</a:t>
-            </a:r>
-          </a:p>
-          <a:p>
-            <a:r>
-              <a:rPr lang="ko-KR" altLang="en-US" dirty="0" smtClean="0"/>
-              <a:t>올바른 예 </a:t>
-            </a:r>
-            <a:r>
-              <a:rPr lang="en-US" altLang="ko-KR" dirty="0" smtClean="0"/>
-              <a:t>: backslash </a:t>
-            </a:r>
-            <a:r>
-              <a:rPr lang="en-US" altLang="ko-KR" dirty="0" smtClean="0">
-                <a:latin typeface="Consolas" panose="020B0609020204030204" pitchFamily="49" charset="0"/>
-                <a:cs typeface="Consolas" panose="020B0609020204030204" pitchFamily="49" charset="0"/>
-              </a:rPr>
-              <a:t>\</a:t>
-            </a:r>
-            <a:r>
-              <a:rPr lang="ko-KR" altLang="en-US" dirty="0" smtClean="0"/>
-              <a:t>를 삽입하여 문자열 내의 따옴표 사용임을 알림</a:t>
-            </a:r>
-            <a:endParaRPr lang="en-US" altLang="ko-KR" dirty="0" smtClean="0"/>
-          </a:p>
-          <a:p>
-            <a:pPr lvl="1"/>
-            <a:r>
-              <a:rPr lang="en-US" altLang="ko-KR" spc="-150" dirty="0" smtClean="0">
-                <a:latin typeface="Consolas" panose="020B0609020204030204" pitchFamily="49" charset="0"/>
-                <a:cs typeface="Consolas" panose="020B0609020204030204" pitchFamily="49" charset="0"/>
-              </a:rPr>
-              <a:t>'This </a:t>
-            </a:r>
-            <a:r>
-              <a:rPr lang="en-US" altLang="ko-KR" spc="-150" dirty="0" err="1" smtClean="0">
-                <a:latin typeface="Consolas" panose="020B0609020204030204" pitchFamily="49" charset="0"/>
-                <a:cs typeface="Consolas" panose="020B0609020204030204" pitchFamily="49" charset="0"/>
-              </a:rPr>
-              <a:t>isn</a:t>
-            </a:r>
-            <a:r>
-              <a:rPr lang="en-US" altLang="ko-KR" spc="-150" dirty="0" smtClean="0">
-                <a:latin typeface="Consolas" panose="020B0609020204030204" pitchFamily="49" charset="0"/>
-                <a:cs typeface="Consolas" panose="020B0609020204030204" pitchFamily="49" charset="0"/>
-              </a:rPr>
-              <a:t>\'t </a:t>
-            </a:r>
-            <a:r>
-              <a:rPr lang="en-US" altLang="ko-KR" spc="-150" dirty="0">
-                <a:latin typeface="Consolas" panose="020B0609020204030204" pitchFamily="49" charset="0"/>
-                <a:cs typeface="Consolas" panose="020B0609020204030204" pitchFamily="49" charset="0"/>
-              </a:rPr>
-              <a:t>flying, this is falling with style</a:t>
-            </a:r>
-            <a:r>
-              <a:rPr lang="en-US" altLang="ko-KR" spc="-150" dirty="0" smtClean="0">
-                <a:latin typeface="Consolas" panose="020B0609020204030204" pitchFamily="49" charset="0"/>
-                <a:cs typeface="Consolas" panose="020B0609020204030204" pitchFamily="49" charset="0"/>
-              </a:rPr>
-              <a:t>!'</a:t>
-            </a:r>
-            <a:endParaRPr lang="en-US" altLang="ko-KR" spc="-150" dirty="0">
-              <a:latin typeface="Consolas" panose="020B0609020204030204" pitchFamily="49" charset="0"/>
-              <a:cs typeface="Consolas" panose="020B0609020204030204" pitchFamily="49" charset="0"/>
-            </a:endParaRPr>
-          </a:p>
-          <a:p>
-            <a:pPr lvl="1"/>
-            <a:endParaRPr lang="en-US" altLang="ko-KR" dirty="0" smtClean="0"/>
-          </a:p>
-          <a:p>
-            <a:r>
-              <a:rPr lang="en-US" altLang="ko-KR" dirty="0" smtClean="0">
-                <a:latin typeface="Consolas" panose="020B0609020204030204" pitchFamily="49" charset="0"/>
-                <a:cs typeface="Consolas" panose="020B0609020204030204" pitchFamily="49" charset="0"/>
-              </a:rPr>
-              <a:t>\"</a:t>
-            </a:r>
-            <a:r>
-              <a:rPr lang="en-US" altLang="ko-KR" dirty="0" smtClean="0"/>
-              <a:t> </a:t>
-            </a:r>
-            <a:r>
-              <a:rPr lang="en-US" altLang="ko-KR" dirty="0"/>
-              <a:t>: </a:t>
-            </a:r>
-            <a:r>
-              <a:rPr lang="ko-KR" altLang="en-US" dirty="0"/>
-              <a:t>큰 </a:t>
-            </a:r>
-            <a:r>
-              <a:rPr lang="ko-KR" altLang="en-US" dirty="0" smtClean="0"/>
-              <a:t>따옴표</a:t>
-            </a:r>
-            <a:endParaRPr lang="en-US" altLang="ko-KR" dirty="0" smtClean="0"/>
-          </a:p>
-          <a:p>
-            <a:r>
-              <a:rPr lang="en-US" altLang="ko-KR" dirty="0" smtClean="0">
-                <a:latin typeface="Consolas" panose="020B0609020204030204" pitchFamily="49" charset="0"/>
-                <a:cs typeface="Consolas" panose="020B0609020204030204" pitchFamily="49" charset="0"/>
-              </a:rPr>
-              <a:t>\\</a:t>
-            </a:r>
-            <a:r>
-              <a:rPr lang="en-US" altLang="ko-KR" dirty="0" smtClean="0"/>
-              <a:t> : backslash(</a:t>
-            </a:r>
-            <a:r>
-              <a:rPr lang="en-US" altLang="ko-KR" dirty="0" smtClean="0">
-                <a:latin typeface="Consolas" panose="020B0609020204030204" pitchFamily="49" charset="0"/>
-                <a:cs typeface="Consolas" panose="020B0609020204030204" pitchFamily="49" charset="0"/>
-              </a:rPr>
-              <a:t>\</a:t>
-            </a:r>
-            <a:r>
-              <a:rPr lang="en-US" altLang="ko-KR" dirty="0" smtClean="0"/>
-              <a:t>)</a:t>
-            </a:r>
-          </a:p>
-        </p:txBody>
-      </p:sp>
+        </p:nvPicPr>
+        <p:blipFill>
+          <a:blip r:embed="rId2"/>
+          <a:stretch>
+            <a:fillRect/>
+          </a:stretch>
+        </p:blipFill>
+        <p:spPr>
+          <a:xfrm>
+            <a:off x="667372" y="693510"/>
+            <a:ext cx="11192257" cy="5696403"/>
+          </a:xfrm>
+          <a:prstGeom prst="rect">
+            <a:avLst/>
+          </a:prstGeom>
+        </p:spPr>
+      </p:pic>
     </p:spTree>
     <p:extLst>
       <p:ext uri="{BB962C8B-B14F-4D97-AF65-F5344CB8AC3E}">
-        <p14:creationId xmlns:p14="http://schemas.microsoft.com/office/powerpoint/2010/main" val="3792036375"/>
+        <p14:creationId xmlns:p14="http://schemas.microsoft.com/office/powerpoint/2010/main" val="428904790"/>
       </p:ext>
     </p:extLst>
   </p:cSld>
@@ -7058,258 +5682,36 @@
           <a:chExt cx="0" cy="0"/>
         </a:xfrm>
       </p:grpSpPr>
-      <p:sp>
-        <p:nvSpPr>
-          <p:cNvPr id="2" name="제목 1"/>
-          <p:cNvSpPr>
-            <a:spLocks noGrp="1"/>
-          </p:cNvSpPr>
-          <p:nvPr>
-            <p:ph type="title"/>
-          </p:nvPr>
-        </p:nvSpPr>
-        <p:spPr/>
-        <p:txBody>
-          <a:bodyPr/>
-          <a:lstStyle/>
-          <a:p>
-            <a:r>
-              <a:rPr lang="ko-KR" altLang="en-US" dirty="0" smtClean="0"/>
-              <a:t>인덱스를 통한 특정 문자 접근</a:t>
-            </a:r>
-            <a:endParaRPr lang="ko-KR" altLang="en-US" dirty="0"/>
-          </a:p>
-        </p:txBody>
-      </p:sp>
-      <p:sp>
-        <p:nvSpPr>
-          <p:cNvPr id="3" name="내용 개체 틀 2"/>
-          <p:cNvSpPr>
-            <a:spLocks noGrp="1"/>
-          </p:cNvSpPr>
+      <p:pic>
+        <p:nvPicPr>
+          <p:cNvPr id="4" name="내용 개체 틀 3"/>
+          <p:cNvPicPr>
+            <a:picLocks noGrp="1" noChangeAspect="1"/>
+          </p:cNvPicPr>
           <p:nvPr>
             <p:ph idx="1"/>
           </p:nvPr>
-        </p:nvSpPr>
-        <p:spPr/>
-        <p:txBody>
-          <a:bodyPr/>
-          <a:lstStyle/>
-          <a:p>
-            <a:r>
-              <a:rPr lang="ko-KR" altLang="en-US" dirty="0" smtClean="0"/>
-              <a:t>인덱스를 통하여 문자열의 특정 문자에 쉽게 접근</a:t>
-            </a:r>
-            <a:endParaRPr lang="en-US" altLang="ko-KR" dirty="0" smtClean="0"/>
-          </a:p>
-          <a:p>
-            <a:r>
-              <a:rPr lang="en-US" altLang="ko-KR" spc="-150" dirty="0" err="1" smtClean="0">
-                <a:latin typeface="Consolas" panose="020B0609020204030204" pitchFamily="49" charset="0"/>
-                <a:cs typeface="Consolas" panose="020B0609020204030204" pitchFamily="49" charset="0"/>
-              </a:rPr>
-              <a:t>first_letter</a:t>
-            </a:r>
-            <a:r>
-              <a:rPr lang="en-US" altLang="ko-KR" spc="-150" dirty="0" smtClean="0">
-                <a:latin typeface="Consolas" panose="020B0609020204030204" pitchFamily="49" charset="0"/>
-                <a:cs typeface="Consolas" panose="020B0609020204030204" pitchFamily="49" charset="0"/>
-              </a:rPr>
-              <a:t> = "</a:t>
-            </a:r>
-            <a:r>
-              <a:rPr lang="en-US" altLang="ko-KR" spc="-150" dirty="0" err="1" smtClean="0">
-                <a:latin typeface="Consolas" panose="020B0609020204030204" pitchFamily="49" charset="0"/>
-                <a:cs typeface="Consolas" panose="020B0609020204030204" pitchFamily="49" charset="0"/>
-              </a:rPr>
-              <a:t>uncopywritable</a:t>
-            </a:r>
-            <a:r>
-              <a:rPr lang="en-US" altLang="ko-KR" spc="-150" dirty="0" smtClean="0">
-                <a:latin typeface="Consolas" panose="020B0609020204030204" pitchFamily="49" charset="0"/>
-                <a:cs typeface="Consolas" panose="020B0609020204030204" pitchFamily="49" charset="0"/>
-              </a:rPr>
-              <a:t>"[0]</a:t>
-            </a:r>
-            <a:br>
-              <a:rPr lang="en-US" altLang="ko-KR" spc="-150" dirty="0" smtClean="0">
-                <a:latin typeface="Consolas" panose="020B0609020204030204" pitchFamily="49" charset="0"/>
-                <a:cs typeface="Consolas" panose="020B0609020204030204" pitchFamily="49" charset="0"/>
-              </a:rPr>
-            </a:br>
-            <a:r>
-              <a:rPr lang="en-US" altLang="ko-KR" spc="-150" dirty="0" smtClean="0">
-                <a:latin typeface="Consolas" panose="020B0609020204030204" pitchFamily="49" charset="0"/>
-                <a:cs typeface="Consolas" panose="020B0609020204030204" pitchFamily="49" charset="0"/>
-              </a:rPr>
-              <a:t>print </a:t>
-            </a:r>
-            <a:r>
-              <a:rPr lang="en-US" altLang="ko-KR" spc="-150" dirty="0" err="1" smtClean="0">
-                <a:latin typeface="Consolas" panose="020B0609020204030204" pitchFamily="49" charset="0"/>
-                <a:cs typeface="Consolas" panose="020B0609020204030204" pitchFamily="49" charset="0"/>
-              </a:rPr>
-              <a:t>first_letter</a:t>
-            </a:r>
-            <a:endParaRPr lang="en-US" altLang="ko-KR" spc="-150" dirty="0" smtClean="0">
-              <a:latin typeface="Consolas" panose="020B0609020204030204" pitchFamily="49" charset="0"/>
-              <a:cs typeface="Consolas" panose="020B0609020204030204" pitchFamily="49" charset="0"/>
-            </a:endParaRPr>
-          </a:p>
-          <a:p>
-            <a:pPr lvl="1"/>
-            <a:r>
-              <a:rPr lang="en-US" altLang="ko-KR" spc="-150" dirty="0" smtClean="0">
-                <a:latin typeface="Consolas" panose="020B0609020204030204" pitchFamily="49" charset="0"/>
-                <a:cs typeface="Consolas" panose="020B0609020204030204" pitchFamily="49" charset="0"/>
-              </a:rPr>
-              <a:t>u</a:t>
-            </a:r>
-          </a:p>
-          <a:p>
-            <a:r>
-              <a:rPr lang="en-US" altLang="ko-KR" spc="-150" dirty="0" err="1" smtClean="0">
-                <a:latin typeface="Consolas" panose="020B0609020204030204" pitchFamily="49" charset="0"/>
-                <a:cs typeface="Consolas" panose="020B0609020204030204" pitchFamily="49" charset="0"/>
-              </a:rPr>
-              <a:t>my_word</a:t>
-            </a:r>
-            <a:r>
-              <a:rPr lang="en-US" altLang="ko-KR" spc="-150" dirty="0" smtClean="0">
-                <a:latin typeface="Consolas" panose="020B0609020204030204" pitchFamily="49" charset="0"/>
-                <a:cs typeface="Consolas" panose="020B0609020204030204" pitchFamily="49" charset="0"/>
-              </a:rPr>
-              <a:t> = "</a:t>
-            </a:r>
-            <a:r>
-              <a:rPr lang="en-US" altLang="ko-KR" spc="-150" dirty="0" err="1" smtClean="0">
-                <a:latin typeface="Consolas" panose="020B0609020204030204" pitchFamily="49" charset="0"/>
-                <a:cs typeface="Consolas" panose="020B0609020204030204" pitchFamily="49" charset="0"/>
-              </a:rPr>
-              <a:t>uncopywritable</a:t>
-            </a:r>
-            <a:r>
-              <a:rPr lang="en-US" altLang="ko-KR" spc="-150" dirty="0" smtClean="0">
-                <a:latin typeface="Consolas" panose="020B0609020204030204" pitchFamily="49" charset="0"/>
-                <a:cs typeface="Consolas" panose="020B0609020204030204" pitchFamily="49" charset="0"/>
-              </a:rPr>
-              <a:t>"</a:t>
-            </a:r>
-            <a:r>
-              <a:rPr lang="en-US" altLang="ko-KR" spc="-150" dirty="0">
-                <a:latin typeface="Consolas" panose="020B0609020204030204" pitchFamily="49" charset="0"/>
-                <a:cs typeface="Consolas" panose="020B0609020204030204" pitchFamily="49" charset="0"/>
-              </a:rPr>
-              <a:t/>
-            </a:r>
-            <a:br>
-              <a:rPr lang="en-US" altLang="ko-KR" spc="-150" dirty="0">
-                <a:latin typeface="Consolas" panose="020B0609020204030204" pitchFamily="49" charset="0"/>
-                <a:cs typeface="Consolas" panose="020B0609020204030204" pitchFamily="49" charset="0"/>
-              </a:rPr>
-            </a:br>
-            <a:r>
-              <a:rPr lang="en-US" altLang="ko-KR" spc="-150" dirty="0" err="1" smtClean="0">
-                <a:latin typeface="Consolas" panose="020B0609020204030204" pitchFamily="49" charset="0"/>
-                <a:cs typeface="Consolas" panose="020B0609020204030204" pitchFamily="49" charset="0"/>
-              </a:rPr>
-              <a:t>second_letter</a:t>
-            </a:r>
-            <a:r>
-              <a:rPr lang="en-US" altLang="ko-KR" spc="-150" dirty="0" smtClean="0">
-                <a:latin typeface="Consolas" panose="020B0609020204030204" pitchFamily="49" charset="0"/>
-                <a:cs typeface="Consolas" panose="020B0609020204030204" pitchFamily="49" charset="0"/>
-              </a:rPr>
-              <a:t> = </a:t>
-            </a:r>
-            <a:r>
-              <a:rPr lang="en-US" altLang="ko-KR" spc="-150" dirty="0" err="1" smtClean="0">
-                <a:latin typeface="Consolas" panose="020B0609020204030204" pitchFamily="49" charset="0"/>
-                <a:cs typeface="Consolas" panose="020B0609020204030204" pitchFamily="49" charset="0"/>
-              </a:rPr>
-              <a:t>my_word</a:t>
-            </a:r>
-            <a:r>
-              <a:rPr lang="en-US" altLang="ko-KR" spc="-150" dirty="0" smtClean="0">
-                <a:latin typeface="Consolas" panose="020B0609020204030204" pitchFamily="49" charset="0"/>
-                <a:cs typeface="Consolas" panose="020B0609020204030204" pitchFamily="49" charset="0"/>
-              </a:rPr>
-              <a:t>[1]</a:t>
-            </a:r>
-            <a:r>
-              <a:rPr lang="en-US" altLang="ko-KR" spc="-150" dirty="0">
-                <a:latin typeface="Consolas" panose="020B0609020204030204" pitchFamily="49" charset="0"/>
-                <a:cs typeface="Consolas" panose="020B0609020204030204" pitchFamily="49" charset="0"/>
-              </a:rPr>
-              <a:t/>
-            </a:r>
-            <a:br>
-              <a:rPr lang="en-US" altLang="ko-KR" spc="-150" dirty="0">
-                <a:latin typeface="Consolas" panose="020B0609020204030204" pitchFamily="49" charset="0"/>
-                <a:cs typeface="Consolas" panose="020B0609020204030204" pitchFamily="49" charset="0"/>
-              </a:rPr>
-            </a:br>
-            <a:r>
-              <a:rPr lang="en-US" altLang="ko-KR" spc="-150" dirty="0" smtClean="0">
-                <a:latin typeface="Consolas" panose="020B0609020204030204" pitchFamily="49" charset="0"/>
-                <a:cs typeface="Consolas" panose="020B0609020204030204" pitchFamily="49" charset="0"/>
-              </a:rPr>
-              <a:t>print </a:t>
-            </a:r>
-            <a:r>
-              <a:rPr lang="en-US" altLang="ko-KR" spc="-150" dirty="0" err="1" smtClean="0">
-                <a:latin typeface="Consolas" panose="020B0609020204030204" pitchFamily="49" charset="0"/>
-                <a:cs typeface="Consolas" panose="020B0609020204030204" pitchFamily="49" charset="0"/>
-              </a:rPr>
-              <a:t>second_letter</a:t>
-            </a:r>
-            <a:endParaRPr lang="en-US" altLang="ko-KR" spc="-150" dirty="0" smtClean="0">
-              <a:latin typeface="Consolas" panose="020B0609020204030204" pitchFamily="49" charset="0"/>
-              <a:cs typeface="Consolas" panose="020B0609020204030204" pitchFamily="49" charset="0"/>
-            </a:endParaRPr>
-          </a:p>
-          <a:p>
-            <a:pPr lvl="1"/>
-            <a:r>
-              <a:rPr lang="en-US" altLang="ko-KR" spc="-150" dirty="0" smtClean="0">
-                <a:latin typeface="Consolas" panose="020B0609020204030204" pitchFamily="49" charset="0"/>
-                <a:cs typeface="Consolas" panose="020B0609020204030204" pitchFamily="49" charset="0"/>
-              </a:rPr>
-              <a:t>n</a:t>
-            </a:r>
-          </a:p>
-          <a:p>
-            <a:r>
-              <a:rPr lang="ko-KR" altLang="en-US" dirty="0" smtClean="0"/>
-              <a:t>첫 번째 문자의 인덱스는 </a:t>
-            </a:r>
-            <a:r>
-              <a:rPr lang="en-US" altLang="ko-KR" dirty="0" smtClean="0"/>
-              <a:t>0</a:t>
-            </a:r>
-            <a:r>
-              <a:rPr lang="ko-KR" altLang="en-US" dirty="0" smtClean="0"/>
-              <a:t>부터 시작함 </a:t>
-            </a:r>
-            <a:r>
-              <a:rPr lang="en-US" altLang="ko-KR" dirty="0" smtClean="0"/>
-              <a:t>(1</a:t>
-            </a:r>
-            <a:r>
-              <a:rPr lang="ko-KR" altLang="en-US" dirty="0" smtClean="0"/>
-              <a:t>이 아님</a:t>
-            </a:r>
-            <a:r>
-              <a:rPr lang="en-US" altLang="ko-KR" dirty="0" smtClean="0"/>
-              <a:t>)</a:t>
-            </a:r>
-          </a:p>
-        </p:txBody>
-      </p:sp>
+        </p:nvPicPr>
+        <p:blipFill>
+          <a:blip r:embed="rId2"/>
+          <a:stretch>
+            <a:fillRect/>
+          </a:stretch>
+        </p:blipFill>
+        <p:spPr>
+          <a:xfrm>
+            <a:off x="415475" y="383266"/>
+            <a:ext cx="11271058" cy="6050191"/>
+          </a:xfrm>
+          <a:prstGeom prst="rect">
+            <a:avLst/>
+          </a:prstGeom>
+        </p:spPr>
+      </p:pic>
     </p:spTree>
     <p:extLst>
       <p:ext uri="{BB962C8B-B14F-4D97-AF65-F5344CB8AC3E}">
-        <p14:creationId xmlns:p14="http://schemas.microsoft.com/office/powerpoint/2010/main" val="1693637094"/>
+        <p14:creationId xmlns:p14="http://schemas.microsoft.com/office/powerpoint/2010/main" val="3795446520"/>
       </p:ext>
     </p:extLst>
   </p:cSld>
@@ -7336,150 +5738,36 @@
           <a:chExt cx="0" cy="0"/>
         </a:xfrm>
       </p:grpSpPr>
-      <p:sp>
-        <p:nvSpPr>
-          <p:cNvPr id="2" name="제목 1"/>
-          <p:cNvSpPr>
-            <a:spLocks noGrp="1"/>
-          </p:cNvSpPr>
-          <p:nvPr>
-            <p:ph type="title"/>
-          </p:nvPr>
-        </p:nvSpPr>
-        <p:spPr/>
-        <p:txBody>
-          <a:bodyPr/>
-          <a:lstStyle/>
-          <a:p>
-            <a:r>
-              <a:rPr lang="ko-KR" altLang="en-US" dirty="0" smtClean="0"/>
-              <a:t>길이를 구하는 함수</a:t>
-            </a:r>
-            <a:endParaRPr lang="ko-KR" altLang="en-US" dirty="0"/>
-          </a:p>
-        </p:txBody>
-      </p:sp>
-      <p:sp>
-        <p:nvSpPr>
-          <p:cNvPr id="3" name="내용 개체 틀 2"/>
-          <p:cNvSpPr>
-            <a:spLocks noGrp="1"/>
-          </p:cNvSpPr>
+      <p:pic>
+        <p:nvPicPr>
+          <p:cNvPr id="4" name="내용 개체 틀 3"/>
+          <p:cNvPicPr>
+            <a:picLocks noGrp="1" noChangeAspect="1"/>
+          </p:cNvPicPr>
           <p:nvPr>
             <p:ph idx="1"/>
           </p:nvPr>
-        </p:nvSpPr>
-        <p:spPr/>
-        <p:txBody>
-          <a:bodyPr/>
-          <a:lstStyle/>
-          <a:p>
-            <a:r>
-              <a:rPr lang="en-US" altLang="ko-KR" spc="-150" dirty="0" err="1" smtClean="0">
-                <a:latin typeface="Consolas" panose="020B0609020204030204" pitchFamily="49" charset="0"/>
-                <a:cs typeface="Consolas" panose="020B0609020204030204" pitchFamily="49" charset="0"/>
-              </a:rPr>
-              <a:t>len</a:t>
-            </a:r>
-            <a:r>
-              <a:rPr lang="en-US" altLang="ko-KR" spc="-150" dirty="0" smtClean="0">
-                <a:latin typeface="Consolas" panose="020B0609020204030204" pitchFamily="49" charset="0"/>
-                <a:cs typeface="Consolas" panose="020B0609020204030204" pitchFamily="49" charset="0"/>
-              </a:rPr>
-              <a:t>()</a:t>
-            </a:r>
-          </a:p>
-          <a:p>
-            <a:pPr lvl="1"/>
-            <a:r>
-              <a:rPr lang="en-US" altLang="ko-KR" dirty="0" smtClean="0"/>
-              <a:t>python</a:t>
-            </a:r>
-            <a:r>
-              <a:rPr lang="ko-KR" altLang="en-US" dirty="0" smtClean="0"/>
-              <a:t>에 미리 만들어진 </a:t>
-            </a:r>
-            <a:r>
-              <a:rPr lang="en-US" altLang="ko-KR" dirty="0" smtClean="0"/>
-              <a:t>built-in </a:t>
-            </a:r>
-            <a:r>
-              <a:rPr lang="ko-KR" altLang="en-US" dirty="0" smtClean="0"/>
-              <a:t>함수로 문자열이나 리스트의 길이를 구할 때 사용</a:t>
-            </a:r>
-            <a:endParaRPr lang="en-US" altLang="ko-KR" dirty="0" smtClean="0"/>
-          </a:p>
-          <a:p>
-            <a:pPr lvl="1"/>
-            <a:endParaRPr lang="en-US" altLang="ko-KR" dirty="0"/>
-          </a:p>
-          <a:p>
-            <a:r>
-              <a:rPr lang="en-US" altLang="ko-KR" spc="-150" dirty="0" err="1" smtClean="0">
-                <a:latin typeface="Consolas" panose="020B0609020204030204" pitchFamily="49" charset="0"/>
-                <a:cs typeface="Consolas" panose="020B0609020204030204" pitchFamily="49" charset="0"/>
-              </a:rPr>
-              <a:t>my_name</a:t>
-            </a:r>
-            <a:r>
-              <a:rPr lang="en-US" altLang="ko-KR" spc="-150" dirty="0" smtClean="0">
-                <a:latin typeface="Consolas" panose="020B0609020204030204" pitchFamily="49" charset="0"/>
-                <a:cs typeface="Consolas" panose="020B0609020204030204" pitchFamily="49" charset="0"/>
-              </a:rPr>
-              <a:t> = "KS Lee"</a:t>
-            </a:r>
-            <a:br>
-              <a:rPr lang="en-US" altLang="ko-KR" spc="-150" dirty="0" smtClean="0">
-                <a:latin typeface="Consolas" panose="020B0609020204030204" pitchFamily="49" charset="0"/>
-                <a:cs typeface="Consolas" panose="020B0609020204030204" pitchFamily="49" charset="0"/>
-              </a:rPr>
-            </a:br>
-            <a:r>
-              <a:rPr lang="en-US" altLang="ko-KR" spc="-150" dirty="0" smtClean="0">
-                <a:latin typeface="Consolas" panose="020B0609020204030204" pitchFamily="49" charset="0"/>
-                <a:cs typeface="Consolas" panose="020B0609020204030204" pitchFamily="49" charset="0"/>
-              </a:rPr>
-              <a:t>print </a:t>
-            </a:r>
-            <a:r>
-              <a:rPr lang="en-US" altLang="ko-KR" spc="-150" dirty="0" err="1" smtClean="0">
-                <a:latin typeface="Consolas" panose="020B0609020204030204" pitchFamily="49" charset="0"/>
-                <a:cs typeface="Consolas" panose="020B0609020204030204" pitchFamily="49" charset="0"/>
-              </a:rPr>
-              <a:t>len</a:t>
-            </a:r>
-            <a:r>
-              <a:rPr lang="en-US" altLang="ko-KR" spc="-150" dirty="0" smtClean="0">
-                <a:latin typeface="Consolas" panose="020B0609020204030204" pitchFamily="49" charset="0"/>
-                <a:cs typeface="Consolas" panose="020B0609020204030204" pitchFamily="49" charset="0"/>
-              </a:rPr>
-              <a:t>(</a:t>
-            </a:r>
-            <a:r>
-              <a:rPr lang="en-US" altLang="ko-KR" spc="-150" dirty="0" err="1" smtClean="0">
-                <a:latin typeface="Consolas" panose="020B0609020204030204" pitchFamily="49" charset="0"/>
-                <a:cs typeface="Consolas" panose="020B0609020204030204" pitchFamily="49" charset="0"/>
-              </a:rPr>
-              <a:t>my_name</a:t>
-            </a:r>
-            <a:r>
-              <a:rPr lang="en-US" altLang="ko-KR" spc="-150" dirty="0" smtClean="0">
-                <a:latin typeface="Consolas" panose="020B0609020204030204" pitchFamily="49" charset="0"/>
-                <a:cs typeface="Consolas" panose="020B0609020204030204" pitchFamily="49" charset="0"/>
-              </a:rPr>
-              <a:t>)</a:t>
-            </a:r>
-            <a:endParaRPr lang="ko-KR" altLang="en-US" spc="-150" dirty="0">
-              <a:latin typeface="Consolas" panose="020B0609020204030204" pitchFamily="49" charset="0"/>
-              <a:cs typeface="Consolas" panose="020B0609020204030204" pitchFamily="49" charset="0"/>
-            </a:endParaRPr>
-          </a:p>
-        </p:txBody>
-      </p:sp>
+        </p:nvPicPr>
+        <p:blipFill>
+          <a:blip r:embed="rId2"/>
+          <a:stretch>
+            <a:fillRect/>
+          </a:stretch>
+        </p:blipFill>
+        <p:spPr>
+          <a:xfrm>
+            <a:off x="282089" y="475796"/>
+            <a:ext cx="11569231" cy="5680075"/>
+          </a:xfrm>
+          <a:prstGeom prst="rect">
+            <a:avLst/>
+          </a:prstGeom>
+        </p:spPr>
+      </p:pic>
     </p:spTree>
     <p:extLst>
       <p:ext uri="{BB962C8B-B14F-4D97-AF65-F5344CB8AC3E}">
-        <p14:creationId xmlns:p14="http://schemas.microsoft.com/office/powerpoint/2010/main" val="955882286"/>
+        <p14:creationId xmlns:p14="http://schemas.microsoft.com/office/powerpoint/2010/main" val="3225942974"/>
       </p:ext>
     </p:extLst>
   </p:cSld>
@@ -7705,37 +5993,86 @@
           <a:lstStyle/>
           <a:p>
             <a:r>
+              <a:rPr lang="en-US" altLang="ko-KR" dirty="0" smtClean="0"/>
+              <a:t>.</a:t>
+            </a:r>
+            <a:r>
+              <a:rPr lang="ko-KR" altLang="en-US" dirty="0" smtClean="0"/>
+              <a:t>이 필요한 </a:t>
+            </a:r>
+            <a:r>
+              <a:rPr lang="en-US" altLang="ko-KR" dirty="0" smtClean="0"/>
+              <a:t>method</a:t>
+            </a:r>
+            <a:r>
+              <a:rPr lang="ko-KR" altLang="en-US" dirty="0" smtClean="0"/>
+              <a:t>와 없는 </a:t>
+            </a:r>
+            <a:r>
+              <a:rPr lang="en-US" altLang="ko-KR" dirty="0" smtClean="0"/>
+              <a:t>function</a:t>
+            </a:r>
+            <a:endParaRPr lang="ko-KR" altLang="en-US" dirty="0"/>
+          </a:p>
+        </p:txBody>
+      </p:sp>
+      <p:sp>
+        <p:nvSpPr>
+          <p:cNvPr id="3" name="내용 개체 틀 2"/>
+          <p:cNvSpPr>
+            <a:spLocks noGrp="1"/>
+          </p:cNvSpPr>
+          <p:nvPr>
+            <p:ph idx="1"/>
+          </p:nvPr>
+        </p:nvSpPr>
+        <p:spPr/>
+        <p:txBody>
+          <a:bodyPr/>
+          <a:lstStyle/>
+          <a:p>
+            <a:r>
               <a:rPr lang="en-US" altLang="ko-KR" spc="-150" dirty="0" smtClean="0">
                 <a:latin typeface="Consolas" panose="020B0609020204030204" pitchFamily="49" charset="0"/>
                 <a:cs typeface="Consolas" panose="020B0609020204030204" pitchFamily="49" charset="0"/>
               </a:rPr>
-              <a:t>lower(), upper()</a:t>
-            </a:r>
-            <a:endParaRPr lang="ko-KR" altLang="en-US" spc="-150" dirty="0">
-              <a:latin typeface="Consolas" panose="020B0609020204030204" pitchFamily="49" charset="0"/>
-              <a:cs typeface="Consolas" panose="020B0609020204030204" pitchFamily="49" charset="0"/>
-            </a:endParaRPr>
-          </a:p>
-        </p:txBody>
-      </p:sp>
-      <p:sp>
-        <p:nvSpPr>
-          <p:cNvPr id="3" name="내용 개체 틀 2"/>
-          <p:cNvSpPr>
-            <a:spLocks noGrp="1"/>
-          </p:cNvSpPr>
-          <p:nvPr>
-            <p:ph idx="1"/>
-          </p:nvPr>
-        </p:nvSpPr>
-        <p:spPr/>
-        <p:txBody>
-          <a:bodyPr/>
-          <a:lstStyle/>
-          <a:p>
-            <a:r>
-              <a:rPr lang="ko-KR" altLang="en-US" dirty="0" smtClean="0"/>
-              <a:t>소문자 혹은 대문자로 바꾸어주는 </a:t>
+              <a:t>lower()</a:t>
+            </a:r>
+            <a:r>
+              <a:rPr lang="ko-KR" altLang="en-US" dirty="0" smtClean="0"/>
+              <a:t>와 </a:t>
+            </a:r>
+            <a:r>
+              <a:rPr lang="en-US" altLang="ko-KR" spc="-150" dirty="0" smtClean="0"/>
+              <a:t>upper() </a:t>
+            </a:r>
+            <a:r>
+              <a:rPr lang="ko-KR" altLang="en-US" dirty="0" smtClean="0"/>
+              <a:t>등의</a:t>
+            </a:r>
+            <a:r>
+              <a:rPr lang="en-US" altLang="ko-KR" dirty="0" smtClean="0"/>
+              <a:t> method</a:t>
+            </a:r>
+            <a:r>
+              <a:rPr lang="ko-KR" altLang="en-US" dirty="0" smtClean="0"/>
+              <a:t>는 </a:t>
+            </a:r>
+            <a:r>
+              <a:rPr lang="en-US" altLang="ko-KR" dirty="0" smtClean="0"/>
+              <a:t>dot(.)</a:t>
+            </a:r>
+            <a:r>
+              <a:rPr lang="ko-KR" altLang="en-US" dirty="0" smtClean="0"/>
+              <a:t>을 이용하며 </a:t>
+            </a:r>
+            <a:r>
+              <a:rPr lang="en-US" altLang="ko-KR" dirty="0" smtClean="0"/>
+              <a:t>string</a:t>
+            </a:r>
+            <a:r>
+              <a:rPr lang="ko-KR" altLang="en-US" dirty="0" smtClean="0"/>
+              <a:t>에 종속된 </a:t>
             </a:r>
             <a:r>
               <a:rPr lang="en-US" altLang="ko-KR" dirty="0" smtClean="0"/>
@@ -7743,65 +6080,29 @@
             </a:r>
           </a:p>
           <a:p>
-            <a:r>
-              <a:rPr lang="ko-KR" altLang="en-US" dirty="0" smtClean="0"/>
-              <a:t>문자열 뒤에 마침표</a:t>
-            </a:r>
-            <a:r>
-              <a:rPr lang="en-US" altLang="ko-KR" dirty="0" smtClean="0"/>
-              <a:t>(.)</a:t>
-            </a:r>
-            <a:r>
-              <a:rPr lang="ko-KR" altLang="en-US" dirty="0" smtClean="0"/>
-              <a:t>와 함께 사용</a:t>
-            </a:r>
-            <a:endParaRPr lang="en-US" altLang="ko-KR" dirty="0" smtClean="0"/>
-          </a:p>
-          <a:p>
-            <a:pPr lvl="1"/>
+            <a:endParaRPr lang="en-US" altLang="ko-KR" dirty="0"/>
+          </a:p>
+          <a:p>
+            <a:r>
+              <a:rPr lang="en-US" altLang="ko-KR" spc="-150" dirty="0" err="1" smtClean="0">
+                <a:latin typeface="Consolas" panose="020B0609020204030204" pitchFamily="49" charset="0"/>
+                <a:cs typeface="Consolas" panose="020B0609020204030204" pitchFamily="49" charset="0"/>
+              </a:rPr>
+              <a:t>str</a:t>
+            </a:r>
             <a:r>
               <a:rPr lang="en-US" altLang="ko-KR" spc="-150" dirty="0" smtClean="0">
                 <a:latin typeface="Consolas" panose="020B0609020204030204" pitchFamily="49" charset="0"/>
                 <a:cs typeface="Consolas" panose="020B0609020204030204" pitchFamily="49" charset="0"/>
               </a:rPr>
-              <a:t>lower(), upper() </a:t>
-            </a:r>
-            <a:r>
-              <a:rPr lang="ko-KR" altLang="en-US" dirty="0" smtClean="0"/>
-              <a:t>등은 생성한 문자열에 종속된 </a:t>
-            </a:r>
-            <a:r>
-              <a:rPr lang="en-US" altLang="ko-KR" dirty="0" smtClean="0"/>
-              <a:t>method</a:t>
-            </a:r>
-            <a:r>
-              <a:rPr lang="ko-KR" altLang="en-US" dirty="0" smtClean="0"/>
-              <a:t>로써 </a:t>
-            </a:r>
-            <a:r>
-              <a:rPr lang="en-US" altLang="ko-KR" dirty="0" smtClean="0"/>
-              <a:t>python</a:t>
-            </a:r>
-            <a:r>
-              <a:rPr lang="ko-KR" altLang="en-US" dirty="0" smtClean="0"/>
-              <a:t>에서 제공함</a:t>
-            </a:r>
-            <a:endParaRPr lang="en-US" altLang="ko-KR" dirty="0" smtClean="0"/>
-          </a:p>
-          <a:p>
-            <a:r>
-              <a:rPr lang="en-US" altLang="ko-KR" spc="-150" dirty="0" smtClean="0">
-                <a:latin typeface="Consolas" panose="020B0609020204030204" pitchFamily="49" charset="0"/>
-                <a:cs typeface="Consolas" panose="020B0609020204030204" pitchFamily="49" charset="0"/>
-              </a:rPr>
-              <a:t>print "</a:t>
+              <a:t>(), </a:t>
             </a:r>
             <a:r>
               <a:rPr lang="en-US" altLang="ko-KR" spc="-150" dirty="0" err="1" smtClean="0">
                 <a:latin typeface="Consolas" panose="020B0609020204030204" pitchFamily="49" charset="0"/>
                 <a:cs typeface="Consolas" panose="020B0609020204030204" pitchFamily="49" charset="0"/>
               </a:rPr>
-              <a:t>EGG".lower</a:t>
+              <a:t>len</a:t>
             </a:r>
             <a:r>
               <a:rPr lang="en-US" altLang="ko-KR" spc="-150" dirty="0" smtClean="0">
@@ -7810,80 +6111,60 @@
               </a:rPr>
               <a:t>()</a:t>
             </a:r>
-          </a:p>
-          <a:p>
-            <a:pPr lvl="1"/>
-            <a:r>
-              <a:rPr lang="en-US" altLang="ko-KR" spc="-150" dirty="0" smtClean="0">
-                <a:latin typeface="Consolas" panose="020B0609020204030204" pitchFamily="49" charset="0"/>
-                <a:cs typeface="Consolas" panose="020B0609020204030204" pitchFamily="49" charset="0"/>
-              </a:rPr>
-              <a:t>egg</a:t>
-            </a:r>
-          </a:p>
-          <a:p>
-            <a:r>
-              <a:rPr lang="en-US" altLang="ko-KR" spc="-150" dirty="0" err="1" smtClean="0">
-                <a:latin typeface="Consolas" panose="020B0609020204030204" pitchFamily="49" charset="0"/>
-                <a:cs typeface="Consolas" panose="020B0609020204030204" pitchFamily="49" charset="0"/>
-              </a:rPr>
-              <a:t>my_string</a:t>
-            </a:r>
-            <a:r>
-              <a:rPr lang="en-US" altLang="ko-KR" spc="-150" dirty="0" smtClean="0">
-                <a:latin typeface="Consolas" panose="020B0609020204030204" pitchFamily="49" charset="0"/>
-                <a:cs typeface="Consolas" panose="020B0609020204030204" pitchFamily="49" charset="0"/>
-              </a:rPr>
-              <a:t> = "spam"</a:t>
-            </a:r>
-            <a:br>
-              <a:rPr lang="en-US" altLang="ko-KR" spc="-150" dirty="0" smtClean="0">
-                <a:latin typeface="Consolas" panose="020B0609020204030204" pitchFamily="49" charset="0"/>
-                <a:cs typeface="Consolas" panose="020B0609020204030204" pitchFamily="49" charset="0"/>
-              </a:rPr>
-            </a:br>
-            <a:r>
-              <a:rPr lang="en-US" altLang="ko-KR" spc="-150" dirty="0" smtClean="0">
-                <a:latin typeface="Consolas" panose="020B0609020204030204" pitchFamily="49" charset="0"/>
-                <a:cs typeface="Consolas" panose="020B0609020204030204" pitchFamily="49" charset="0"/>
-              </a:rPr>
-              <a:t>print </a:t>
-            </a:r>
-            <a:r>
-              <a:rPr lang="en-US" altLang="ko-KR" spc="-150" dirty="0" err="1" smtClean="0">
-                <a:latin typeface="Consolas" panose="020B0609020204030204" pitchFamily="49" charset="0"/>
-                <a:cs typeface="Consolas" panose="020B0609020204030204" pitchFamily="49" charset="0"/>
-              </a:rPr>
-              <a:t>my_string.upper</a:t>
-            </a:r>
-            <a:r>
-              <a:rPr lang="en-US" altLang="ko-KR" spc="-150" dirty="0" smtClean="0">
-                <a:latin typeface="Consolas" panose="020B0609020204030204" pitchFamily="49" charset="0"/>
-                <a:cs typeface="Consolas" panose="020B0609020204030204" pitchFamily="49" charset="0"/>
-              </a:rPr>
-              <a:t>()</a:t>
-            </a:r>
-          </a:p>
-          <a:p>
-            <a:pPr lvl="1"/>
-            <a:r>
-              <a:rPr lang="en-US" altLang="ko-KR" spc="-150" dirty="0" smtClean="0">
-                <a:latin typeface="Consolas" panose="020B0609020204030204" pitchFamily="49" charset="0"/>
-                <a:cs typeface="Consolas" panose="020B0609020204030204" pitchFamily="49" charset="0"/>
-              </a:rPr>
-              <a:t>SPAM</a:t>
-            </a:r>
-            <a:endParaRPr lang="ko-KR" altLang="en-US" spc="-150" dirty="0">
-              <a:latin typeface="Consolas" panose="020B0609020204030204" pitchFamily="49" charset="0"/>
-              <a:cs typeface="Consolas" panose="020B0609020204030204" pitchFamily="49" charset="0"/>
-            </a:endParaRPr>
+            <a:r>
+              <a:rPr lang="en-US" altLang="ko-KR" dirty="0" smtClean="0"/>
+              <a:t> </a:t>
+            </a:r>
+            <a:r>
+              <a:rPr lang="ko-KR" altLang="en-US" dirty="0" smtClean="0"/>
+              <a:t>등은 </a:t>
+            </a:r>
+            <a:r>
+              <a:rPr lang="en-US" altLang="ko-KR" dirty="0" smtClean="0"/>
+              <a:t>dot(.)</a:t>
+            </a:r>
+            <a:r>
+              <a:rPr lang="ko-KR" altLang="en-US" dirty="0" smtClean="0"/>
+              <a:t>을 이용하지 않으며 괄호 안의 인자에 여러 형태의 </a:t>
+            </a:r>
+            <a:r>
+              <a:rPr lang="ko-KR" altLang="en-US" dirty="0" err="1" smtClean="0"/>
+              <a:t>데이터형이</a:t>
+            </a:r>
+            <a:r>
+              <a:rPr lang="ko-KR" altLang="en-US" dirty="0" smtClean="0"/>
+              <a:t> 올 수 있음</a:t>
+            </a:r>
+            <a:endParaRPr lang="en-US" altLang="ko-KR" dirty="0" smtClean="0"/>
+          </a:p>
+          <a:p>
+            <a:endParaRPr lang="en-US" altLang="ko-KR" dirty="0"/>
+          </a:p>
+          <a:p>
+            <a:r>
+              <a:rPr lang="en-US" altLang="ko-KR" dirty="0" smtClean="0"/>
+              <a:t>method</a:t>
+            </a:r>
+            <a:r>
+              <a:rPr lang="ko-KR" altLang="en-US" dirty="0" smtClean="0"/>
+              <a:t>와 </a:t>
+            </a:r>
+            <a:r>
+              <a:rPr lang="en-US" altLang="ko-KR" dirty="0" smtClean="0"/>
+              <a:t>function</a:t>
+            </a:r>
+            <a:r>
+              <a:rPr lang="ko-KR" altLang="en-US" dirty="0" smtClean="0"/>
+              <a:t>에 대해 다음에 더 자세히 알아보자</a:t>
+            </a:r>
+            <a:endParaRPr lang="ko-KR" altLang="en-US" dirty="0"/>
           </a:p>
         </p:txBody>
       </p:sp>
     </p:spTree>
     <p:extLst>
       <p:ext uri="{BB962C8B-B14F-4D97-AF65-F5344CB8AC3E}">
-        <p14:creationId xmlns:p14="http://schemas.microsoft.com/office/powerpoint/2010/main" val="4021731051"/>
+        <p14:creationId xmlns:p14="http://schemas.microsoft.com/office/powerpoint/2010/main" val="170748335"/>
       </p:ext>
     </p:extLst>
   </p:cSld>
@@ -7912,304 +6193,129 @@
       </p:grpSpPr>
       <p:sp>
         <p:nvSpPr>
-          <p:cNvPr id="2" name="제목 1"/>
-          <p:cNvSpPr>
-            <a:spLocks noGrp="1"/>
-          </p:cNvSpPr>
-          <p:nvPr>
-            <p:ph type="title"/>
-          </p:nvPr>
-        </p:nvSpPr>
-        <p:spPr/>
+          <p:cNvPr id="3" name="내용 개체 틀 2"/>
+          <p:cNvSpPr>
+            <a:spLocks noGrp="1"/>
+          </p:cNvSpPr>
+          <p:nvPr>
+            <p:ph idx="1"/>
+          </p:nvPr>
+        </p:nvSpPr>
+        <p:spPr>
+          <a:xfrm>
+            <a:off x="838200" y="642257"/>
+            <a:ext cx="10515600" cy="5534706"/>
+          </a:xfrm>
+        </p:spPr>
         <p:txBody>
           <a:bodyPr/>
           <a:lstStyle/>
           <a:p>
-            <a:r>
-              <a:rPr lang="en-US" altLang="ko-KR" spc="-150" dirty="0" err="1">
-                <a:latin typeface="Consolas" panose="020B0609020204030204" pitchFamily="49" charset="0"/>
-                <a:cs typeface="Consolas" panose="020B0609020204030204" pitchFamily="49" charset="0"/>
-              </a:rPr>
-              <a:t>str</a:t>
-            </a:r>
-            <a:r>
-              <a:rPr lang="en-US" altLang="ko-KR" spc="-150" dirty="0" smtClean="0">
-                <a:latin typeface="Consolas" panose="020B0609020204030204" pitchFamily="49" charset="0"/>
-                <a:cs typeface="Consolas" panose="020B0609020204030204" pitchFamily="49" charset="0"/>
-              </a:rPr>
-              <a:t>()</a:t>
-            </a:r>
-            <a:endParaRPr lang="ko-KR" altLang="en-US" spc="-150" dirty="0">
-              <a:latin typeface="Consolas" panose="020B0609020204030204" pitchFamily="49" charset="0"/>
-              <a:cs typeface="Consolas" panose="020B0609020204030204" pitchFamily="49" charset="0"/>
-            </a:endParaRPr>
-          </a:p>
-        </p:txBody>
-      </p:sp>
-      <p:sp>
-        <p:nvSpPr>
-          <p:cNvPr id="3" name="내용 개체 틀 2"/>
-          <p:cNvSpPr>
-            <a:spLocks noGrp="1"/>
-          </p:cNvSpPr>
-          <p:nvPr>
-            <p:ph idx="1"/>
-          </p:nvPr>
-        </p:nvSpPr>
-        <p:spPr/>
-        <p:txBody>
-          <a:bodyPr>
-            <a:normAutofit lnSpcReduction="10000"/>
-          </a:bodyPr>
-          <a:lstStyle/>
-          <a:p>
-            <a:r>
-              <a:rPr lang="ko-KR" altLang="en-US" dirty="0"/>
-              <a:t>다른 </a:t>
-            </a:r>
-            <a:r>
-              <a:rPr lang="ko-KR" altLang="en-US" dirty="0" err="1"/>
-              <a:t>데이터형을</a:t>
-            </a:r>
-            <a:r>
-              <a:rPr lang="ko-KR" altLang="en-US" dirty="0"/>
-              <a:t> 문자열로 </a:t>
-            </a:r>
-            <a:r>
-              <a:rPr lang="ko-KR" altLang="en-US" dirty="0" smtClean="0"/>
-              <a:t>바꾸기</a:t>
-            </a:r>
-            <a:endParaRPr lang="en-US" altLang="ko-KR" dirty="0" smtClean="0"/>
-          </a:p>
-          <a:p>
-            <a:r>
-              <a:rPr lang="en-US" altLang="ko-KR" spc="-150" dirty="0" err="1" smtClean="0">
-                <a:latin typeface="Consolas" panose="020B0609020204030204" pitchFamily="49" charset="0"/>
-                <a:cs typeface="Consolas" panose="020B0609020204030204" pitchFamily="49" charset="0"/>
-              </a:rPr>
-              <a:t>this_year</a:t>
-            </a:r>
-            <a:r>
-              <a:rPr lang="en-US" altLang="ko-KR" spc="-150" dirty="0" smtClean="0">
-                <a:latin typeface="Consolas" panose="020B0609020204030204" pitchFamily="49" charset="0"/>
-                <a:cs typeface="Consolas" panose="020B0609020204030204" pitchFamily="49" charset="0"/>
-              </a:rPr>
-              <a:t> = 2016</a:t>
-            </a:r>
-          </a:p>
-          <a:p>
-            <a:pPr lvl="1"/>
-            <a:r>
-              <a:rPr lang="en-US" altLang="ko-KR" spc="-150" dirty="0" err="1" smtClean="0">
-                <a:latin typeface="Consolas" panose="020B0609020204030204" pitchFamily="49" charset="0"/>
-                <a:cs typeface="Consolas" panose="020B0609020204030204" pitchFamily="49" charset="0"/>
-              </a:rPr>
-              <a:t>this_year</a:t>
-            </a:r>
-            <a:r>
-              <a:rPr lang="ko-KR" altLang="en-US" dirty="0" smtClean="0"/>
-              <a:t>는 </a:t>
-            </a:r>
-            <a:r>
-              <a:rPr lang="en-US" altLang="ko-KR" spc="-150" dirty="0" smtClean="0">
-                <a:latin typeface="Consolas" panose="020B0609020204030204" pitchFamily="49" charset="0"/>
-                <a:cs typeface="Consolas" panose="020B0609020204030204" pitchFamily="49" charset="0"/>
-              </a:rPr>
-              <a:t>2016</a:t>
-            </a:r>
-            <a:r>
-              <a:rPr lang="ko-KR" altLang="en-US" dirty="0" smtClean="0"/>
-              <a:t>이라는 값을 지닌 정수형 데이터</a:t>
-            </a:r>
-            <a:endParaRPr lang="en-US" altLang="ko-KR" dirty="0" smtClean="0"/>
-          </a:p>
-          <a:p>
-            <a:pPr lvl="1"/>
-            <a:r>
-              <a:rPr lang="ko-KR" altLang="en-US" dirty="0" smtClean="0"/>
-              <a:t>이를 정수가 아닌 문자열로 바꾸고 싶을 때</a:t>
-            </a:r>
-            <a:endParaRPr lang="en-US" altLang="ko-KR" dirty="0" smtClean="0"/>
-          </a:p>
-          <a:p>
-            <a:pPr lvl="1"/>
-            <a:r>
-              <a:rPr lang="en-US" altLang="ko-KR" spc="-150" dirty="0" err="1" smtClean="0">
-                <a:latin typeface="Consolas" panose="020B0609020204030204" pitchFamily="49" charset="0"/>
-                <a:cs typeface="Consolas" panose="020B0609020204030204" pitchFamily="49" charset="0"/>
-              </a:rPr>
-              <a:t>this_year_string</a:t>
-            </a:r>
-            <a:r>
-              <a:rPr lang="en-US" altLang="ko-KR" spc="-150" dirty="0" smtClean="0">
-                <a:latin typeface="Consolas" panose="020B0609020204030204" pitchFamily="49" charset="0"/>
-                <a:cs typeface="Consolas" panose="020B0609020204030204" pitchFamily="49" charset="0"/>
-              </a:rPr>
-              <a:t> = </a:t>
-            </a:r>
-            <a:r>
-              <a:rPr lang="en-US" altLang="ko-KR" spc="-150" dirty="0" err="1" smtClean="0">
-                <a:latin typeface="Consolas" panose="020B0609020204030204" pitchFamily="49" charset="0"/>
-                <a:cs typeface="Consolas" panose="020B0609020204030204" pitchFamily="49" charset="0"/>
-              </a:rPr>
-              <a:t>str</a:t>
-            </a:r>
-            <a:r>
-              <a:rPr lang="en-US" altLang="ko-KR" spc="-150" dirty="0" smtClean="0">
-                <a:latin typeface="Consolas" panose="020B0609020204030204" pitchFamily="49" charset="0"/>
-                <a:cs typeface="Consolas" panose="020B0609020204030204" pitchFamily="49" charset="0"/>
-              </a:rPr>
-              <a:t>(</a:t>
-            </a:r>
-            <a:r>
-              <a:rPr lang="en-US" altLang="ko-KR" spc="-150" dirty="0" err="1" smtClean="0">
-                <a:latin typeface="Consolas" panose="020B0609020204030204" pitchFamily="49" charset="0"/>
-                <a:cs typeface="Consolas" panose="020B0609020204030204" pitchFamily="49" charset="0"/>
-              </a:rPr>
-              <a:t>this_year</a:t>
-            </a:r>
-            <a:r>
-              <a:rPr lang="en-US" altLang="ko-KR" spc="-150" dirty="0" smtClean="0">
-                <a:latin typeface="Consolas" panose="020B0609020204030204" pitchFamily="49" charset="0"/>
-                <a:cs typeface="Consolas" panose="020B0609020204030204" pitchFamily="49" charset="0"/>
-              </a:rPr>
-              <a:t>)</a:t>
-            </a:r>
-          </a:p>
-          <a:p>
-            <a:pPr lvl="1"/>
             <a:endParaRPr lang="en-US" altLang="ko-KR" dirty="0"/>
           </a:p>
           <a:p>
-            <a:r>
-              <a:rPr lang="en-US" altLang="ko-KR" spc="-150" dirty="0" err="1" smtClean="0">
-                <a:latin typeface="Consolas" panose="020B0609020204030204" pitchFamily="49" charset="0"/>
-                <a:cs typeface="Consolas" panose="020B0609020204030204" pitchFamily="49" charset="0"/>
-              </a:rPr>
-              <a:t>this_year</a:t>
-            </a:r>
-            <a:r>
-              <a:rPr lang="en-US" altLang="ko-KR" spc="-150" dirty="0" smtClean="0">
-                <a:latin typeface="Consolas" panose="020B0609020204030204" pitchFamily="49" charset="0"/>
-                <a:cs typeface="Consolas" panose="020B0609020204030204" pitchFamily="49" charset="0"/>
-              </a:rPr>
-              <a:t> = 2016</a:t>
-            </a:r>
-            <a:r>
-              <a:rPr lang="ko-KR" altLang="en-US" dirty="0" smtClean="0"/>
-              <a:t>이고 </a:t>
-            </a:r>
-            <a:r>
-              <a:rPr lang="en-US" altLang="ko-KR" spc="-150" dirty="0" err="1" smtClean="0">
-                <a:latin typeface="Consolas" panose="020B0609020204030204" pitchFamily="49" charset="0"/>
-                <a:cs typeface="Consolas" panose="020B0609020204030204" pitchFamily="49" charset="0"/>
-              </a:rPr>
-              <a:t>this_year_string</a:t>
-            </a:r>
-            <a:r>
-              <a:rPr lang="en-US" altLang="ko-KR" spc="-150" dirty="0" smtClean="0">
-                <a:latin typeface="Consolas" panose="020B0609020204030204" pitchFamily="49" charset="0"/>
-                <a:cs typeface="Consolas" panose="020B0609020204030204" pitchFamily="49" charset="0"/>
-              </a:rPr>
-              <a:t> = "2016"</a:t>
-            </a:r>
-            <a:r>
-              <a:rPr lang="ko-KR" altLang="en-US" dirty="0" smtClean="0"/>
-              <a:t>으로 </a:t>
-            </a:r>
-            <a:r>
-              <a:rPr lang="ko-KR" altLang="en-US" dirty="0" err="1" smtClean="0"/>
-              <a:t>데이터형이</a:t>
-            </a:r>
-            <a:r>
-              <a:rPr lang="ko-KR" altLang="en-US" dirty="0" smtClean="0"/>
-              <a:t> 다름에 주의</a:t>
-            </a:r>
-            <a:endParaRPr lang="en-US" altLang="ko-KR" dirty="0" smtClean="0"/>
-          </a:p>
-          <a:p>
-            <a:r>
-              <a:rPr lang="ko-KR" altLang="en-US" dirty="0" smtClean="0"/>
-              <a:t>다음의 값이 무엇이 나올지 상상해 보자</a:t>
-            </a:r>
-            <a:endParaRPr lang="en-US" altLang="ko-KR" dirty="0" smtClean="0"/>
-          </a:p>
-          <a:p>
-            <a:pPr lvl="1"/>
-            <a:r>
-              <a:rPr lang="en-US" altLang="ko-KR" spc="-150" dirty="0" smtClean="0">
-                <a:latin typeface="Consolas" panose="020B0609020204030204" pitchFamily="49" charset="0"/>
-                <a:cs typeface="Consolas" panose="020B0609020204030204" pitchFamily="49" charset="0"/>
-              </a:rPr>
-              <a:t>print </a:t>
-            </a:r>
-            <a:r>
-              <a:rPr lang="en-US" altLang="ko-KR" spc="-150" dirty="0" err="1" smtClean="0">
-                <a:latin typeface="Consolas" panose="020B0609020204030204" pitchFamily="49" charset="0"/>
-                <a:cs typeface="Consolas" panose="020B0609020204030204" pitchFamily="49" charset="0"/>
-              </a:rPr>
-              <a:t>this_year</a:t>
-            </a:r>
-            <a:r>
-              <a:rPr lang="en-US" altLang="ko-KR" spc="-150" dirty="0" smtClean="0">
-                <a:latin typeface="Consolas" panose="020B0609020204030204" pitchFamily="49" charset="0"/>
-                <a:cs typeface="Consolas" panose="020B0609020204030204" pitchFamily="49" charset="0"/>
-              </a:rPr>
-              <a:t> + </a:t>
-            </a:r>
-            <a:r>
-              <a:rPr lang="en-US" altLang="ko-KR" spc="-150" dirty="0" err="1" smtClean="0">
-                <a:latin typeface="Consolas" panose="020B0609020204030204" pitchFamily="49" charset="0"/>
-                <a:cs typeface="Consolas" panose="020B0609020204030204" pitchFamily="49" charset="0"/>
-              </a:rPr>
-              <a:t>this_year</a:t>
-            </a:r>
             <a:endParaRPr lang="en-US" altLang="ko-KR" spc="-150" dirty="0" smtClean="0">
               <a:latin typeface="Consolas" panose="020B0609020204030204" pitchFamily="49" charset="0"/>
               <a:cs typeface="Consolas" panose="020B0609020204030204" pitchFamily="49" charset="0"/>
             </a:endParaRPr>
           </a:p>
           <a:p>
+            <a:endParaRPr lang="en-US" altLang="ko-KR" spc="-150" dirty="0">
+              <a:latin typeface="Consolas" panose="020B0609020204030204" pitchFamily="49" charset="0"/>
+              <a:cs typeface="Consolas" panose="020B0609020204030204" pitchFamily="49" charset="0"/>
+            </a:endParaRPr>
+          </a:p>
+          <a:p>
+            <a:endParaRPr lang="en-US" altLang="ko-KR" spc="-150" dirty="0" smtClean="0">
+              <a:latin typeface="Consolas" panose="020B0609020204030204" pitchFamily="49" charset="0"/>
+              <a:cs typeface="Consolas" panose="020B0609020204030204" pitchFamily="49" charset="0"/>
+            </a:endParaRPr>
+          </a:p>
+          <a:p>
+            <a:endParaRPr lang="en-US" altLang="ko-KR" spc="-150" dirty="0">
+              <a:latin typeface="Consolas" panose="020B0609020204030204" pitchFamily="49" charset="0"/>
+              <a:cs typeface="Consolas" panose="020B0609020204030204" pitchFamily="49" charset="0"/>
+            </a:endParaRPr>
+          </a:p>
+          <a:p>
+            <a:endParaRPr lang="en-US" altLang="ko-KR" spc="-150" dirty="0" smtClean="0">
+              <a:latin typeface="Consolas" panose="020B0609020204030204" pitchFamily="49" charset="0"/>
+              <a:cs typeface="Consolas" panose="020B0609020204030204" pitchFamily="49" charset="0"/>
+            </a:endParaRPr>
+          </a:p>
+          <a:p>
+            <a:endParaRPr lang="en-US" altLang="ko-KR" spc="-150" dirty="0">
+              <a:latin typeface="Consolas" panose="020B0609020204030204" pitchFamily="49" charset="0"/>
+              <a:cs typeface="Consolas" panose="020B0609020204030204" pitchFamily="49" charset="0"/>
+            </a:endParaRPr>
+          </a:p>
+          <a:p>
             <a:pPr lvl="1"/>
             <a:r>
-              <a:rPr lang="en-US" altLang="ko-KR" spc="-150" dirty="0" smtClean="0">
+              <a:rPr lang="en-US" altLang="ko-KR" sz="2000" spc="-150" dirty="0" smtClean="0">
                 <a:latin typeface="Consolas" panose="020B0609020204030204" pitchFamily="49" charset="0"/>
                 <a:cs typeface="Consolas" panose="020B0609020204030204" pitchFamily="49" charset="0"/>
               </a:rPr>
-              <a:t>print </a:t>
-            </a:r>
-            <a:r>
-              <a:rPr lang="en-US" altLang="ko-KR" spc="-150" dirty="0" err="1" smtClean="0">
+              <a:t>%s</a:t>
+            </a:r>
+            <a:r>
+              <a:rPr lang="ko-KR" altLang="en-US" sz="2000" dirty="0" smtClean="0"/>
+              <a:t>의 자리에 뒤에 따라오는 </a:t>
+            </a:r>
+            <a:r>
+              <a:rPr lang="en-US" altLang="ko-KR" sz="2000" dirty="0" smtClean="0">
                 <a:latin typeface="Consolas" panose="020B0609020204030204" pitchFamily="49" charset="0"/>
                 <a:cs typeface="Consolas" panose="020B0609020204030204" pitchFamily="49" charset="0"/>
               </a:rPr>
-              <a:t>this_year_string</a:t>
-            </a:r>
-            <a:r>
-              <a:rPr lang="en-US" altLang="ko-KR" spc="-150" dirty="0" smtClean="0">
+              <a:t>name</a:t>
+            </a:r>
+            <a:r>
+              <a:rPr lang="ko-KR" altLang="en-US" sz="2000" dirty="0" smtClean="0"/>
+              <a:t>과 </a:t>
+            </a:r>
+            <a:r>
+              <a:rPr lang="en-US" altLang="ko-KR" sz="2000" dirty="0" smtClean="0">
                 <a:latin typeface="Consolas" panose="020B0609020204030204" pitchFamily="49" charset="0"/>
                 <a:cs typeface="Consolas" panose="020B0609020204030204" pitchFamily="49" charset="0"/>
               </a:rPr>
-              <a:t> + </a:t>
-            </a:r>
-            <a:r>
-              <a:rPr lang="en-US" altLang="ko-KR" spc="-150" dirty="0" err="1" smtClean="0">
-                <a:latin typeface="Consolas" panose="020B0609020204030204" pitchFamily="49" charset="0"/>
-                <a:cs typeface="Consolas" panose="020B0609020204030204" pitchFamily="49" charset="0"/>
-              </a:rPr>
-              <a:t>this_year_string</a:t>
-            </a:r>
-            <a:endParaRPr lang="ko-KR" altLang="en-US" spc="-150" dirty="0">
-              <a:latin typeface="Consolas" panose="020B0609020204030204" pitchFamily="49" charset="0"/>
-              <a:cs typeface="Consolas" panose="020B0609020204030204" pitchFamily="49" charset="0"/>
-            </a:endParaRPr>
-          </a:p>
-        </p:txBody>
-      </p:sp>
+              <a:t>home</a:t>
+            </a:r>
+            <a:r>
+              <a:rPr lang="ko-KR" altLang="en-US" sz="2000" dirty="0" smtClean="0"/>
+              <a:t>의 문자열이 들어감</a:t>
+            </a:r>
+            <a:endParaRPr lang="ko-KR" altLang="en-US" sz="2000" dirty="0"/>
+          </a:p>
+        </p:txBody>
+      </p:sp>
+      <p:pic>
+        <p:nvPicPr>
+          <p:cNvPr id="4" name="그림 3"/>
+          <p:cNvPicPr>
+            <a:picLocks noChangeAspect="1"/>
+          </p:cNvPicPr>
+          <p:nvPr/>
+        </p:nvPicPr>
+        <p:blipFill>
+          <a:blip r:embed="rId2"/>
+          <a:stretch>
+            <a:fillRect/>
+          </a:stretch>
+        </p:blipFill>
+        <p:spPr>
+          <a:xfrm>
+            <a:off x="206829" y="1126672"/>
+            <a:ext cx="11060382" cy="2476499"/>
+          </a:xfrm>
+          <a:prstGeom prst="rect">
+            <a:avLst/>
+          </a:prstGeom>
+        </p:spPr>
+      </p:pic>
     </p:spTree>
     <p:extLst>
       <p:ext uri="{BB962C8B-B14F-4D97-AF65-F5344CB8AC3E}">
-        <p14:creationId xmlns:p14="http://schemas.microsoft.com/office/powerpoint/2010/main" val="3541825908"/>
+        <p14:creationId xmlns:p14="http://schemas.microsoft.com/office/powerpoint/2010/main" val="1376357628"/>
       </p:ext>
     </p:extLst>
   </p:cSld>
@@ -8252,178 +6358,117 @@
           <a:lstStyle/>
           <a:p>
             <a:r>
-              <a:rPr lang="en-US" altLang="ko-KR" dirty="0" smtClean="0"/>
+              <a:rPr lang="ko-KR" altLang="en-US" dirty="0"/>
+              <a:t>문자열 입력</a:t>
+            </a:r>
+          </a:p>
+        </p:txBody>
+      </p:sp>
+      <p:sp>
+        <p:nvSpPr>
+          <p:cNvPr id="3" name="내용 개체 틀 2"/>
+          <p:cNvSpPr>
+            <a:spLocks noGrp="1"/>
+          </p:cNvSpPr>
+          <p:nvPr>
+            <p:ph idx="1"/>
+          </p:nvPr>
+        </p:nvSpPr>
+        <p:spPr/>
+        <p:txBody>
+          <a:bodyPr/>
+          <a:lstStyle/>
+          <a:p>
+            <a:r>
+              <a:rPr lang="en-US" altLang="ko-KR" sz="2400" dirty="0"/>
+              <a:t>Python 2.x </a:t>
+            </a:r>
+            <a:r>
+              <a:rPr lang="ko-KR" altLang="en-US" sz="2400" dirty="0"/>
+              <a:t>에서는 </a:t>
+            </a:r>
+            <a:r>
+              <a:rPr lang="en-US" altLang="ko-KR" sz="2400" spc="-150" dirty="0" err="1">
+                <a:latin typeface="Consolas" panose="020B0609020204030204" pitchFamily="49" charset="0"/>
+              </a:rPr>
+              <a:t>raw_input</a:t>
+            </a:r>
+            <a:r>
+              <a:rPr lang="en-US" altLang="ko-KR" sz="2400" dirty="0"/>
+              <a:t> </a:t>
+            </a:r>
+            <a:r>
+              <a:rPr lang="ko-KR" altLang="en-US" sz="2400" dirty="0"/>
+              <a:t>함수를 이용하여 문자열을 </a:t>
+            </a:r>
+            <a:r>
+              <a:rPr lang="ko-KR" altLang="en-US" sz="2400" dirty="0" err="1"/>
+              <a:t>입력받는다</a:t>
+            </a:r>
+            <a:r>
+              <a:rPr lang="en-US" altLang="ko-KR" sz="2400" dirty="0"/>
               <a:t>.</a:t>
             </a:r>
-            <a:r>
-              <a:rPr lang="ko-KR" altLang="en-US" dirty="0" smtClean="0"/>
-              <a:t>이 필요한 </a:t>
-            </a:r>
-            <a:r>
-              <a:rPr lang="en-US" altLang="ko-KR" dirty="0" smtClean="0"/>
-              <a:t>method</a:t>
-            </a:r>
-            <a:r>
-              <a:rPr lang="ko-KR" altLang="en-US" dirty="0" smtClean="0"/>
-              <a:t>와 없는 </a:t>
-            </a:r>
-            <a:r>
-              <a:rPr lang="en-US" altLang="ko-KR" dirty="0" smtClean="0"/>
-              <a:t>function</a:t>
-            </a:r>
-            <a:endParaRPr lang="ko-KR" altLang="en-US" dirty="0"/>
-          </a:p>
-        </p:txBody>
-      </p:sp>
-      <p:sp>
-        <p:nvSpPr>
-          <p:cNvPr id="3" name="내용 개체 틀 2"/>
-          <p:cNvSpPr>
-            <a:spLocks noGrp="1"/>
-          </p:cNvSpPr>
-          <p:nvPr>
-            <p:ph idx="1"/>
-          </p:nvPr>
-        </p:nvSpPr>
-        <p:spPr/>
-        <p:txBody>
-          <a:bodyPr/>
-          <a:lstStyle/>
-          <a:p>
-            <a:r>
-              <a:rPr lang="en-US" altLang="ko-KR" spc="-150" dirty="0" smtClean="0">
+          </a:p>
+          <a:p>
+            <a:r>
+              <a:rPr lang="en-US" altLang="ko-KR" sz="2400" spc="-150" dirty="0" err="1">
                 <a:latin typeface="Consolas" panose="020B0609020204030204" pitchFamily="49" charset="0"/>
-                <a:cs typeface="Consolas" panose="020B0609020204030204" pitchFamily="49" charset="0"/>
               </a:rPr>
-              <a:t>lower()</a:t>
-            </a:r>
-            <a:r>
-              <a:rPr lang="ko-KR" altLang="en-US" dirty="0" smtClean="0"/>
-              <a:t>와 </a:t>
-            </a:r>
-            <a:r>
-              <a:rPr lang="en-US" altLang="ko-KR" spc="-150" dirty="0" smtClean="0"/>
-              <a:t>upper() </a:t>
-            </a:r>
-            <a:r>
-              <a:rPr lang="ko-KR" altLang="en-US" dirty="0" smtClean="0"/>
-              <a:t>등의</a:t>
-            </a:r>
-            <a:r>
-              <a:rPr lang="en-US" altLang="ko-KR" dirty="0" smtClean="0"/>
-              <a:t> method</a:t>
-            </a:r>
-            <a:r>
-              <a:rPr lang="ko-KR" altLang="en-US" dirty="0" smtClean="0"/>
-              <a:t>는 </a:t>
-            </a:r>
-            <a:r>
-              <a:rPr lang="en-US" altLang="ko-KR" dirty="0" smtClean="0"/>
-              <a:t>dot(.)</a:t>
-            </a:r>
-            <a:r>
-              <a:rPr lang="ko-KR" altLang="en-US" dirty="0" smtClean="0"/>
-              <a:t>을 이용하며 </a:t>
-            </a:r>
-            <a:r>
-              <a:rPr lang="en-US" altLang="ko-KR" dirty="0" smtClean="0"/>
-              <a:t>string</a:t>
-            </a:r>
-            <a:r>
-              <a:rPr lang="ko-KR" altLang="en-US" dirty="0" smtClean="0"/>
-              <a:t>에 종속된 </a:t>
-            </a:r>
-            <a:r>
-              <a:rPr lang="en-US" altLang="ko-KR" dirty="0" smtClean="0"/>
-              <a:t>method</a:t>
-            </a:r>
-          </a:p>
-          <a:p>
-            <a:endParaRPr lang="en-US" altLang="ko-KR" dirty="0"/>
-          </a:p>
-          <a:p>
-            <a:r>
-              <a:rPr lang="en-US" altLang="ko-KR" spc="-150" dirty="0" err="1" smtClean="0">
+              <a:t>raw_input</a:t>
+            </a:r>
+            <a:r>
+              <a:rPr lang="en-US" altLang="ko-KR" sz="2400" spc="-150" dirty="0">
                 <a:latin typeface="Consolas" panose="020B0609020204030204" pitchFamily="49" charset="0"/>
-                <a:cs typeface="Consolas" panose="020B0609020204030204" pitchFamily="49" charset="0"/>
-              </a:rPr>
-              <a:t>str</a:t>
-            </a:r>
-            <a:r>
-              <a:rPr lang="en-US" altLang="ko-KR" spc="-150" dirty="0" smtClean="0">
-                <a:latin typeface="Consolas" panose="020B0609020204030204" pitchFamily="49" charset="0"/>
-                <a:cs typeface="Consolas" panose="020B0609020204030204" pitchFamily="49" charset="0"/>
-              </a:rPr>
-              <a:t>(), </a:t>
-            </a:r>
-            <a:r>
-              <a:rPr lang="en-US" altLang="ko-KR" spc="-150" dirty="0" err="1" smtClean="0">
-                <a:latin typeface="Consolas" panose="020B0609020204030204" pitchFamily="49" charset="0"/>
-                <a:cs typeface="Consolas" panose="020B0609020204030204" pitchFamily="49" charset="0"/>
-              </a:rPr>
-              <a:t>len</a:t>
-            </a:r>
-            <a:r>
-              <a:rPr lang="en-US" altLang="ko-KR" spc="-150" dirty="0" smtClean="0">
-                <a:latin typeface="Consolas" panose="020B0609020204030204" pitchFamily="49" charset="0"/>
-                <a:cs typeface="Consolas" panose="020B0609020204030204" pitchFamily="49" charset="0"/>
               </a:rPr>
               <a:t>()</a:t>
             </a:r>
             <a:r>
-              <a:rPr lang="en-US" altLang="ko-KR" dirty="0" smtClean="0"/>
-              <a:t> </a:t>
-            </a:r>
-            <a:r>
-              <a:rPr lang="ko-KR" altLang="en-US" dirty="0" smtClean="0"/>
-              <a:t>등은 </a:t>
-            </a:r>
-            <a:r>
-              <a:rPr lang="en-US" altLang="ko-KR" dirty="0" smtClean="0"/>
-              <a:t>dot(.)</a:t>
-            </a:r>
-            <a:r>
-              <a:rPr lang="ko-KR" altLang="en-US" dirty="0" smtClean="0"/>
-              <a:t>을 이용하지 않으며 괄호 안의 인자에 여러 형태의 </a:t>
-            </a:r>
-            <a:r>
-              <a:rPr lang="ko-KR" altLang="en-US" dirty="0" err="1" smtClean="0"/>
-              <a:t>데이터형이</a:t>
-            </a:r>
-            <a:r>
-              <a:rPr lang="ko-KR" altLang="en-US" dirty="0" smtClean="0"/>
-              <a:t> 올 수 있음</a:t>
-            </a:r>
-            <a:endParaRPr lang="en-US" altLang="ko-KR" dirty="0" smtClean="0"/>
-          </a:p>
-          <a:p>
-            <a:endParaRPr lang="en-US" altLang="ko-KR" dirty="0"/>
-          </a:p>
-          <a:p>
-            <a:r>
-              <a:rPr lang="en-US" altLang="ko-KR" dirty="0" smtClean="0"/>
-              <a:t>method</a:t>
-            </a:r>
-            <a:r>
-              <a:rPr lang="ko-KR" altLang="en-US" dirty="0" smtClean="0"/>
-              <a:t>와 </a:t>
-            </a:r>
-            <a:r>
-              <a:rPr lang="en-US" altLang="ko-KR" dirty="0" smtClean="0"/>
-              <a:t>function</a:t>
-            </a:r>
-            <a:r>
-              <a:rPr lang="ko-KR" altLang="en-US" dirty="0" smtClean="0"/>
-              <a:t>에 대해 다음에 더 자세히 알아보자</a:t>
-            </a:r>
+              <a:rPr lang="ko-KR" altLang="en-US" sz="2400" spc="-150" dirty="0">
+                <a:latin typeface="Consolas" panose="020B0609020204030204" pitchFamily="49" charset="0"/>
+              </a:rPr>
+              <a:t>의 괄호 안에는 문자열 입력 전 화면에 보여주고 싶은 문장을 입력한다</a:t>
+            </a:r>
+            <a:r>
+              <a:rPr lang="en-US" altLang="ko-KR" sz="2400" spc="-150" dirty="0">
+                <a:latin typeface="Consolas" panose="020B0609020204030204" pitchFamily="49" charset="0"/>
+              </a:rPr>
+              <a:t>.</a:t>
+            </a:r>
+          </a:p>
+          <a:p>
             <a:endParaRPr lang="ko-KR" altLang="en-US" dirty="0"/>
           </a:p>
         </p:txBody>
       </p:sp>
+      <p:pic>
+        <p:nvPicPr>
+          <p:cNvPr id="6" name="그림 5"/>
+          <p:cNvPicPr>
+            <a:picLocks noChangeAspect="1"/>
+          </p:cNvPicPr>
+          <p:nvPr/>
+        </p:nvPicPr>
+        <p:blipFill>
+          <a:blip r:embed="rId2"/>
+          <a:stretch>
+            <a:fillRect/>
+          </a:stretch>
+        </p:blipFill>
+        <p:spPr>
+          <a:xfrm>
+            <a:off x="740228" y="3112180"/>
+            <a:ext cx="10321536" cy="3199720"/>
+          </a:xfrm>
+          <a:prstGeom prst="rect">
+            <a:avLst/>
+          </a:prstGeom>
+        </p:spPr>
+      </p:pic>
     </p:spTree>
     <p:extLst>
       <p:ext uri="{BB962C8B-B14F-4D97-AF65-F5344CB8AC3E}">
-        <p14:creationId xmlns:p14="http://schemas.microsoft.com/office/powerpoint/2010/main" val="170748335"/>
+        <p14:creationId xmlns:p14="http://schemas.microsoft.com/office/powerpoint/2010/main" val="2640981908"/>
       </p:ext>
     </p:extLst>
   </p:cSld>
@@ -8466,114 +6511,102 @@
           <a:lstStyle/>
           <a:p>
             <a:r>
-              <a:rPr lang="en-US" altLang="ko-KR" spc="-150" dirty="0" smtClean="0">
+              <a:rPr lang="ko-KR" altLang="en-US" dirty="0"/>
+              <a:t>문자열 </a:t>
+            </a:r>
+            <a:r>
+              <a:rPr lang="ko-KR" altLang="en-US" dirty="0" smtClean="0"/>
+              <a:t>입력</a:t>
+            </a:r>
+            <a:r>
+              <a:rPr lang="en-US" altLang="ko-KR" dirty="0" smtClean="0"/>
+              <a:t>(2)</a:t>
+            </a:r>
+            <a:endParaRPr lang="ko-KR" altLang="en-US" dirty="0"/>
+          </a:p>
+        </p:txBody>
+      </p:sp>
+      <p:sp>
+        <p:nvSpPr>
+          <p:cNvPr id="3" name="내용 개체 틀 2"/>
+          <p:cNvSpPr>
+            <a:spLocks noGrp="1"/>
+          </p:cNvSpPr>
+          <p:nvPr>
+            <p:ph idx="1"/>
+          </p:nvPr>
+        </p:nvSpPr>
+        <p:spPr/>
+        <p:txBody>
+          <a:bodyPr/>
+          <a:lstStyle/>
+          <a:p>
+            <a:r>
+              <a:rPr lang="en-US" altLang="ko-KR" sz="2400" dirty="0"/>
+              <a:t>Python </a:t>
+            </a:r>
+            <a:r>
+              <a:rPr lang="en-US" altLang="ko-KR" sz="2400" dirty="0" smtClean="0"/>
+              <a:t>3.x </a:t>
+            </a:r>
+            <a:r>
+              <a:rPr lang="ko-KR" altLang="en-US" sz="2400" dirty="0"/>
+              <a:t>에서는 </a:t>
+            </a:r>
+            <a:r>
+              <a:rPr lang="en-US" altLang="ko-KR" sz="2400" spc="-150" dirty="0" smtClean="0">
                 <a:latin typeface="Consolas" panose="020B0609020204030204" pitchFamily="49" charset="0"/>
-                <a:cs typeface="Consolas" panose="020B0609020204030204" pitchFamily="49" charset="0"/>
               </a:rPr>
-              <a:t>%s</a:t>
-            </a:r>
-            <a:r>
-              <a:rPr lang="ko-KR" altLang="en-US" dirty="0" smtClean="0"/>
-              <a:t>를 이용한 문자열 출력</a:t>
-            </a:r>
-            <a:endParaRPr lang="ko-KR" altLang="en-US" dirty="0"/>
-          </a:p>
-        </p:txBody>
-      </p:sp>
-      <p:sp>
-        <p:nvSpPr>
-          <p:cNvPr id="3" name="내용 개체 틀 2"/>
-          <p:cNvSpPr>
-            <a:spLocks noGrp="1"/>
-          </p:cNvSpPr>
-          <p:nvPr>
-            <p:ph idx="1"/>
-          </p:nvPr>
-        </p:nvSpPr>
-        <p:spPr/>
-        <p:txBody>
-          <a:bodyPr/>
-          <a:lstStyle/>
-          <a:p>
-            <a:r>
-              <a:rPr lang="en-US" altLang="ko-KR" spc="-150" dirty="0" smtClean="0">
-                <a:latin typeface="Consolas" panose="020B0609020204030204" pitchFamily="49" charset="0"/>
-                <a:cs typeface="Consolas" panose="020B0609020204030204" pitchFamily="49" charset="0"/>
-              </a:rPr>
-              <a:t>name = "Tom"</a:t>
-            </a:r>
-            <a:br>
-              <a:rPr lang="en-US" altLang="ko-KR" spc="-150" dirty="0" smtClean="0">
-                <a:latin typeface="Consolas" panose="020B0609020204030204" pitchFamily="49" charset="0"/>
-                <a:cs typeface="Consolas" panose="020B0609020204030204" pitchFamily="49" charset="0"/>
-              </a:rPr>
-            </a:br>
-            <a:r>
-              <a:rPr lang="en-US" altLang="ko-KR" spc="-150" dirty="0" smtClean="0">
-                <a:latin typeface="Consolas" panose="020B0609020204030204" pitchFamily="49" charset="0"/>
-                <a:cs typeface="Consolas" panose="020B0609020204030204" pitchFamily="49" charset="0"/>
-              </a:rPr>
-              <a:t>home = "New York"</a:t>
-            </a:r>
-            <a:br>
-              <a:rPr lang="en-US" altLang="ko-KR" spc="-150" dirty="0" smtClean="0">
-                <a:latin typeface="Consolas" panose="020B0609020204030204" pitchFamily="49" charset="0"/>
-                <a:cs typeface="Consolas" panose="020B0609020204030204" pitchFamily="49" charset="0"/>
-              </a:rPr>
-            </a:br>
-            <a:r>
-              <a:rPr lang="en-US" altLang="ko-KR" spc="-150" dirty="0" smtClean="0">
-                <a:latin typeface="Consolas" panose="020B0609020204030204" pitchFamily="49" charset="0"/>
-                <a:cs typeface="Consolas" panose="020B0609020204030204" pitchFamily="49" charset="0"/>
-              </a:rPr>
-              <a:t>print "My name is %s and I am from %s." %(name, home)</a:t>
-            </a:r>
-          </a:p>
-          <a:p>
-            <a:endParaRPr lang="en-US" altLang="ko-KR" dirty="0"/>
-          </a:p>
-          <a:p>
-            <a:r>
-              <a:rPr lang="en-US" altLang="ko-KR" spc="-150" dirty="0" smtClean="0">
-                <a:latin typeface="Consolas" panose="020B0609020204030204" pitchFamily="49" charset="0"/>
-                <a:cs typeface="Consolas" panose="020B0609020204030204" pitchFamily="49" charset="0"/>
-              </a:rPr>
-              <a:t>%s</a:t>
-            </a:r>
-            <a:r>
-              <a:rPr lang="ko-KR" altLang="en-US" dirty="0" smtClean="0"/>
-              <a:t>의 자리에 뒤에 따라오는 </a:t>
-            </a:r>
-            <a:r>
-              <a:rPr lang="en-US" altLang="ko-KR" dirty="0" smtClean="0">
-                <a:latin typeface="Consolas" panose="020B0609020204030204" pitchFamily="49" charset="0"/>
-                <a:cs typeface="Consolas" panose="020B0609020204030204" pitchFamily="49" charset="0"/>
-              </a:rPr>
-              <a:t>name</a:t>
-            </a:r>
-            <a:r>
-              <a:rPr lang="ko-KR" altLang="en-US" dirty="0" smtClean="0"/>
-              <a:t>과 </a:t>
-            </a:r>
-            <a:r>
-              <a:rPr lang="en-US" altLang="ko-KR" dirty="0" smtClean="0">
-                <a:latin typeface="Consolas" panose="020B0609020204030204" pitchFamily="49" charset="0"/>
-                <a:cs typeface="Consolas" panose="020B0609020204030204" pitchFamily="49" charset="0"/>
-              </a:rPr>
-              <a:t>home</a:t>
-            </a:r>
-            <a:r>
-              <a:rPr lang="ko-KR" altLang="en-US" dirty="0" smtClean="0"/>
-              <a:t>의 문자열이 들어감</a:t>
-            </a:r>
-            <a:endParaRPr lang="ko-KR" altLang="en-US" dirty="0"/>
-          </a:p>
-        </p:txBody>
-      </p:sp>
+              <a:t>input</a:t>
+            </a:r>
+            <a:r>
+              <a:rPr lang="en-US" altLang="ko-KR" sz="2400" dirty="0" smtClean="0"/>
+              <a:t> </a:t>
+            </a:r>
+            <a:r>
+              <a:rPr lang="ko-KR" altLang="en-US" sz="2400" dirty="0"/>
+              <a:t>함수를 이용하여 문자열을 </a:t>
+            </a:r>
+            <a:r>
+              <a:rPr lang="ko-KR" altLang="en-US" sz="2400" dirty="0" err="1"/>
+              <a:t>입력받는다</a:t>
+            </a:r>
+            <a:r>
+              <a:rPr lang="en-US" altLang="ko-KR" sz="2400" dirty="0" smtClean="0"/>
+              <a:t>.</a:t>
+            </a:r>
+            <a:endParaRPr lang="en-US" altLang="ko-KR" sz="2400" dirty="0"/>
+          </a:p>
+        </p:txBody>
+      </p:sp>
+      <p:pic>
+        <p:nvPicPr>
+          <p:cNvPr id="4" name="그림 3"/>
+          <p:cNvPicPr>
+            <a:picLocks noChangeAspect="1"/>
+          </p:cNvPicPr>
+          <p:nvPr/>
+        </p:nvPicPr>
+        <p:blipFill>
+          <a:blip r:embed="rId2"/>
+          <a:stretch>
+            <a:fillRect/>
+          </a:stretch>
+        </p:blipFill>
+        <p:spPr>
+          <a:xfrm>
+            <a:off x="908957" y="2575415"/>
+            <a:ext cx="10591800" cy="3131307"/>
+          </a:xfrm>
+          <a:prstGeom prst="rect">
+            <a:avLst/>
+          </a:prstGeom>
+        </p:spPr>
+      </p:pic>
     </p:spTree>
     <p:extLst>
       <p:ext uri="{BB962C8B-B14F-4D97-AF65-F5344CB8AC3E}">
-        <p14:creationId xmlns:p14="http://schemas.microsoft.com/office/powerpoint/2010/main" val="1376357628"/>
+        <p14:creationId xmlns:p14="http://schemas.microsoft.com/office/powerpoint/2010/main" val="774876753"/>
       </p:ext>
     </p:extLst>
   </p:cSld>
@@ -8600,150 +6633,36 @@
           <a:chExt cx="0" cy="0"/>
         </a:xfrm>
       </p:grpSpPr>
-      <p:sp>
-        <p:nvSpPr>
-          <p:cNvPr id="2" name="제목 1"/>
-          <p:cNvSpPr>
-            <a:spLocks noGrp="1"/>
-          </p:cNvSpPr>
-          <p:nvPr>
-            <p:ph type="title"/>
-          </p:nvPr>
-        </p:nvSpPr>
-        <p:spPr/>
-        <p:txBody>
-          <a:bodyPr/>
-          <a:lstStyle/>
-          <a:p>
-            <a:r>
-              <a:rPr lang="ko-KR" altLang="en-US" dirty="0" smtClean="0"/>
-              <a:t>문자열 입력</a:t>
-            </a:r>
-            <a:endParaRPr lang="ko-KR" altLang="en-US" dirty="0"/>
-          </a:p>
-        </p:txBody>
-      </p:sp>
-      <p:sp>
-        <p:nvSpPr>
-          <p:cNvPr id="3" name="내용 개체 틀 2"/>
-          <p:cNvSpPr>
-            <a:spLocks noGrp="1"/>
-          </p:cNvSpPr>
+      <p:pic>
+        <p:nvPicPr>
+          <p:cNvPr id="4" name="내용 개체 틀 3"/>
+          <p:cNvPicPr>
+            <a:picLocks noGrp="1" noChangeAspect="1"/>
+          </p:cNvPicPr>
           <p:nvPr>
             <p:ph idx="1"/>
           </p:nvPr>
-        </p:nvSpPr>
-        <p:spPr/>
-        <p:txBody>
-          <a:bodyPr/>
-          <a:lstStyle/>
-          <a:p>
-            <a:r>
-              <a:rPr lang="en-US" altLang="ko-KR" dirty="0" smtClean="0"/>
-              <a:t>Python 2.x </a:t>
-            </a:r>
-            <a:r>
-              <a:rPr lang="ko-KR" altLang="en-US" dirty="0" smtClean="0"/>
-              <a:t>에서는 </a:t>
-            </a:r>
-            <a:r>
-              <a:rPr lang="en-US" altLang="ko-KR" spc="-150" dirty="0" err="1" smtClean="0">
-                <a:latin typeface="Consolas" panose="020B0609020204030204" pitchFamily="49" charset="0"/>
-              </a:rPr>
-              <a:t>raw_input</a:t>
-            </a:r>
-            <a:r>
-              <a:rPr lang="en-US" altLang="ko-KR" dirty="0"/>
-              <a:t> </a:t>
-            </a:r>
-            <a:r>
-              <a:rPr lang="ko-KR" altLang="en-US" dirty="0" smtClean="0"/>
-              <a:t>함수를 이용하여 문자열을 </a:t>
-            </a:r>
-            <a:r>
-              <a:rPr lang="ko-KR" altLang="en-US" dirty="0" err="1" smtClean="0"/>
-              <a:t>입력받는다</a:t>
-            </a:r>
-            <a:r>
-              <a:rPr lang="en-US" altLang="ko-KR" dirty="0" smtClean="0"/>
-              <a:t>.</a:t>
-            </a:r>
-          </a:p>
-          <a:p>
-            <a:r>
-              <a:rPr lang="en-US" altLang="ko-KR" spc="-150" dirty="0" err="1" smtClean="0">
-                <a:latin typeface="Consolas" panose="020B0609020204030204" pitchFamily="49" charset="0"/>
-              </a:rPr>
-              <a:t>raw_input</a:t>
-            </a:r>
-            <a:r>
-              <a:rPr lang="en-US" altLang="ko-KR" spc="-150" dirty="0" smtClean="0">
-                <a:latin typeface="Consolas" panose="020B0609020204030204" pitchFamily="49" charset="0"/>
-              </a:rPr>
-              <a:t>()</a:t>
-            </a:r>
-            <a:r>
-              <a:rPr lang="ko-KR" altLang="en-US" spc="-150" dirty="0" smtClean="0">
-                <a:latin typeface="Consolas" panose="020B0609020204030204" pitchFamily="49" charset="0"/>
-              </a:rPr>
-              <a:t>의 괄호 안에는 문자열 입력 전 화면에 보여주고 싶은 문장을 입력한다</a:t>
-            </a:r>
-            <a:r>
-              <a:rPr lang="en-US" altLang="ko-KR" spc="-150" dirty="0" smtClean="0">
-                <a:latin typeface="Consolas" panose="020B0609020204030204" pitchFamily="49" charset="0"/>
-              </a:rPr>
-              <a:t>.</a:t>
-            </a:r>
-          </a:p>
-          <a:p>
-            <a:endParaRPr lang="en-US" altLang="ko-KR" dirty="0"/>
-          </a:p>
-          <a:p>
-            <a:r>
-              <a:rPr lang="en-US" altLang="ko-KR" spc="-150" dirty="0" smtClean="0">
-                <a:latin typeface="Consolas" panose="020B0609020204030204" pitchFamily="49" charset="0"/>
-              </a:rPr>
-              <a:t>name = </a:t>
-            </a:r>
-            <a:r>
-              <a:rPr lang="en-US" altLang="ko-KR" spc="-150" dirty="0" err="1" smtClean="0">
-                <a:latin typeface="Consolas" panose="020B0609020204030204" pitchFamily="49" charset="0"/>
-              </a:rPr>
-              <a:t>raw_input</a:t>
-            </a:r>
-            <a:r>
-              <a:rPr lang="en-US" altLang="ko-KR" spc="-150" dirty="0" smtClean="0">
-                <a:latin typeface="Consolas" panose="020B0609020204030204" pitchFamily="49" charset="0"/>
-              </a:rPr>
-              <a:t>('Enter your name: ')</a:t>
-            </a:r>
-            <a:r>
-              <a:rPr lang="en-US" altLang="ko-KR" spc="-150" dirty="0">
-                <a:latin typeface="Consolas" panose="020B0609020204030204" pitchFamily="49" charset="0"/>
-              </a:rPr>
-              <a:t/>
-            </a:r>
-            <a:br>
-              <a:rPr lang="en-US" altLang="ko-KR" spc="-150" dirty="0">
-                <a:latin typeface="Consolas" panose="020B0609020204030204" pitchFamily="49" charset="0"/>
-              </a:rPr>
-            </a:br>
-            <a:r>
-              <a:rPr lang="en-US" altLang="ko-KR" spc="-150" dirty="0" smtClean="0">
-                <a:latin typeface="Consolas" panose="020B0609020204030204" pitchFamily="49" charset="0"/>
-              </a:rPr>
-              <a:t>print 'Are you really ' + name + '?'</a:t>
-            </a:r>
-            <a:endParaRPr lang="ko-KR" altLang="en-US" spc="-150" dirty="0">
-              <a:latin typeface="Consolas" panose="020B0609020204030204" pitchFamily="49" charset="0"/>
-            </a:endParaRPr>
-          </a:p>
-        </p:txBody>
-      </p:sp>
+        </p:nvPicPr>
+        <p:blipFill>
+          <a:blip r:embed="rId2"/>
+          <a:stretch>
+            <a:fillRect/>
+          </a:stretch>
+        </p:blipFill>
+        <p:spPr>
+          <a:xfrm>
+            <a:off x="304799" y="1126442"/>
+            <a:ext cx="11550249" cy="4354516"/>
+          </a:xfrm>
+          <a:prstGeom prst="rect">
+            <a:avLst/>
+          </a:prstGeom>
+        </p:spPr>
+      </p:pic>
     </p:spTree>
     <p:extLst>
       <p:ext uri="{BB962C8B-B14F-4D97-AF65-F5344CB8AC3E}">
-        <p14:creationId xmlns:p14="http://schemas.microsoft.com/office/powerpoint/2010/main" val="1128069983"/>
+        <p14:creationId xmlns:p14="http://schemas.microsoft.com/office/powerpoint/2010/main" val="2351923205"/>
       </p:ext>
     </p:extLst>
   </p:cSld>
@@ -8780,279 +6699,6 @@
             <p:ph type="title"/>
           </p:nvPr>
         </p:nvSpPr>
-        <p:spPr/>
-        <p:txBody>
-          <a:bodyPr/>
-          <a:lstStyle/>
-          <a:p>
-            <a:r>
-              <a:rPr lang="ko-KR" altLang="en-US" dirty="0" smtClean="0"/>
-              <a:t>입력 받은 문자열 </a:t>
-            </a:r>
-            <a:r>
-              <a:rPr lang="en-US" altLang="ko-KR" dirty="0" smtClean="0"/>
-              <a:t>type </a:t>
-            </a:r>
-            <a:r>
-              <a:rPr lang="ko-KR" altLang="en-US" dirty="0" smtClean="0"/>
-              <a:t>변경</a:t>
-            </a:r>
-            <a:endParaRPr lang="ko-KR" altLang="en-US" dirty="0"/>
-          </a:p>
-        </p:txBody>
-      </p:sp>
-      <p:sp>
-        <p:nvSpPr>
-          <p:cNvPr id="3" name="내용 개체 틀 2"/>
-          <p:cNvSpPr>
-            <a:spLocks noGrp="1"/>
-          </p:cNvSpPr>
-          <p:nvPr>
-            <p:ph idx="1"/>
-          </p:nvPr>
-        </p:nvSpPr>
-        <p:spPr/>
-        <p:txBody>
-          <a:bodyPr/>
-          <a:lstStyle/>
-          <a:p>
-            <a:r>
-              <a:rPr lang="ko-KR" altLang="en-US" spc="-150" dirty="0" smtClean="0">
-                <a:latin typeface="Consolas" panose="020B0609020204030204" pitchFamily="49" charset="0"/>
-              </a:rPr>
-              <a:t>만약 입력 받은 문자열을 숫자로 활용하고자 하면 </a:t>
-            </a:r>
-            <a:r>
-              <a:rPr lang="en-US" altLang="ko-KR" spc="-150" dirty="0" err="1" smtClean="0">
-                <a:latin typeface="Consolas" panose="020B0609020204030204" pitchFamily="49" charset="0"/>
-              </a:rPr>
-              <a:t>int</a:t>
-            </a:r>
-            <a:r>
-              <a:rPr lang="ko-KR" altLang="en-US" spc="-150" dirty="0" smtClean="0">
-                <a:latin typeface="Consolas" panose="020B0609020204030204" pitchFamily="49" charset="0"/>
-              </a:rPr>
-              <a:t>나 </a:t>
-            </a:r>
-            <a:r>
-              <a:rPr lang="en-US" altLang="ko-KR" spc="-150" dirty="0" smtClean="0">
-                <a:latin typeface="Consolas" panose="020B0609020204030204" pitchFamily="49" charset="0"/>
-              </a:rPr>
-              <a:t>float </a:t>
-            </a:r>
-            <a:r>
-              <a:rPr lang="ko-KR" altLang="en-US" spc="-150" dirty="0" smtClean="0">
-                <a:latin typeface="Consolas" panose="020B0609020204030204" pitchFamily="49" charset="0"/>
-              </a:rPr>
-              <a:t>함수를 이용하여 </a:t>
-            </a:r>
-            <a:r>
-              <a:rPr lang="en-US" altLang="ko-KR" spc="-150" dirty="0" smtClean="0">
-                <a:latin typeface="Consolas" panose="020B0609020204030204" pitchFamily="49" charset="0"/>
-              </a:rPr>
-              <a:t>type</a:t>
-            </a:r>
-            <a:r>
-              <a:rPr lang="ko-KR" altLang="en-US" spc="-150" dirty="0" smtClean="0">
-                <a:latin typeface="Consolas" panose="020B0609020204030204" pitchFamily="49" charset="0"/>
-              </a:rPr>
-              <a:t>을 변경</a:t>
-            </a:r>
-            <a:endParaRPr lang="en-US" altLang="ko-KR" spc="-150" dirty="0" smtClean="0">
-              <a:latin typeface="Consolas" panose="020B0609020204030204" pitchFamily="49" charset="0"/>
-            </a:endParaRPr>
-          </a:p>
-          <a:p>
-            <a:endParaRPr lang="en-US" altLang="ko-KR" spc="-150" dirty="0">
-              <a:latin typeface="Consolas" panose="020B0609020204030204" pitchFamily="49" charset="0"/>
-            </a:endParaRPr>
-          </a:p>
-          <a:p>
-            <a:r>
-              <a:rPr lang="en-US" altLang="ko-KR" spc="-150" dirty="0" err="1" smtClean="0">
-                <a:latin typeface="Consolas" panose="020B0609020204030204" pitchFamily="49" charset="0"/>
-              </a:rPr>
-              <a:t>num</a:t>
-            </a:r>
-            <a:r>
-              <a:rPr lang="en-US" altLang="ko-KR" spc="-150" dirty="0" smtClean="0">
-                <a:latin typeface="Consolas" panose="020B0609020204030204" pitchFamily="49" charset="0"/>
-              </a:rPr>
-              <a:t> </a:t>
-            </a:r>
-            <a:r>
-              <a:rPr lang="en-US" altLang="ko-KR" spc="-150" dirty="0">
-                <a:latin typeface="Consolas" panose="020B0609020204030204" pitchFamily="49" charset="0"/>
-              </a:rPr>
-              <a:t>= </a:t>
-            </a:r>
-            <a:r>
-              <a:rPr lang="en-US" altLang="ko-KR" spc="-150" dirty="0" err="1">
-                <a:latin typeface="Consolas" panose="020B0609020204030204" pitchFamily="49" charset="0"/>
-              </a:rPr>
-              <a:t>raw_input</a:t>
-            </a:r>
-            <a:r>
-              <a:rPr lang="en-US" altLang="ko-KR" spc="-150" dirty="0">
-                <a:latin typeface="Consolas" panose="020B0609020204030204" pitchFamily="49" charset="0"/>
-              </a:rPr>
-              <a:t>(</a:t>
-            </a:r>
-            <a:r>
-              <a:rPr lang="en-US" altLang="ko-KR" spc="-150" dirty="0" smtClean="0">
-                <a:latin typeface="Consolas" panose="020B0609020204030204" pitchFamily="49" charset="0"/>
-              </a:rPr>
-              <a:t>'Input any number: ')</a:t>
-            </a:r>
-            <a:br>
-              <a:rPr lang="en-US" altLang="ko-KR" spc="-150" dirty="0" smtClean="0">
-                <a:latin typeface="Consolas" panose="020B0609020204030204" pitchFamily="49" charset="0"/>
-              </a:rPr>
-            </a:br>
-            <a:r>
-              <a:rPr lang="en-US" altLang="ko-KR" spc="-150" dirty="0" err="1" smtClean="0">
-                <a:latin typeface="Consolas" panose="020B0609020204030204" pitchFamily="49" charset="0"/>
-              </a:rPr>
-              <a:t>sqr</a:t>
-            </a:r>
-            <a:r>
-              <a:rPr lang="en-US" altLang="ko-KR" spc="-150" dirty="0" smtClean="0">
-                <a:latin typeface="Consolas" panose="020B0609020204030204" pitchFamily="49" charset="0"/>
-              </a:rPr>
-              <a:t> = float(</a:t>
-            </a:r>
-            <a:r>
-              <a:rPr lang="en-US" altLang="ko-KR" spc="-150" dirty="0" err="1" smtClean="0">
-                <a:latin typeface="Consolas" panose="020B0609020204030204" pitchFamily="49" charset="0"/>
-              </a:rPr>
-              <a:t>num</a:t>
-            </a:r>
-            <a:r>
-              <a:rPr lang="en-US" altLang="ko-KR" spc="-150" dirty="0" smtClean="0">
-                <a:latin typeface="Consolas" panose="020B0609020204030204" pitchFamily="49" charset="0"/>
-              </a:rPr>
-              <a:t>)*float(</a:t>
-            </a:r>
-            <a:r>
-              <a:rPr lang="en-US" altLang="ko-KR" spc="-150" dirty="0" err="1" smtClean="0">
-                <a:latin typeface="Consolas" panose="020B0609020204030204" pitchFamily="49" charset="0"/>
-              </a:rPr>
-              <a:t>num</a:t>
-            </a:r>
-            <a:r>
-              <a:rPr lang="en-US" altLang="ko-KR" spc="-150" dirty="0">
-                <a:latin typeface="Consolas" panose="020B0609020204030204" pitchFamily="49" charset="0"/>
-              </a:rPr>
-              <a:t>)</a:t>
-            </a:r>
-            <a:r>
-              <a:rPr lang="en-US" altLang="ko-KR" spc="-150" dirty="0" smtClean="0">
-                <a:latin typeface="Consolas" panose="020B0609020204030204" pitchFamily="49" charset="0"/>
-              </a:rPr>
-              <a:t/>
-            </a:r>
-            <a:br>
-              <a:rPr lang="en-US" altLang="ko-KR" spc="-150" dirty="0" smtClean="0">
-                <a:latin typeface="Consolas" panose="020B0609020204030204" pitchFamily="49" charset="0"/>
-              </a:rPr>
-            </a:br>
-            <a:r>
-              <a:rPr lang="en-US" altLang="ko-KR" spc="-150" dirty="0" smtClean="0">
-                <a:latin typeface="Consolas" panose="020B0609020204030204" pitchFamily="49" charset="0"/>
-              </a:rPr>
-              <a:t>print 'The square of ' + </a:t>
-            </a:r>
-            <a:r>
-              <a:rPr lang="en-US" altLang="ko-KR" spc="-150" smtClean="0">
-                <a:latin typeface="Consolas" panose="020B0609020204030204" pitchFamily="49" charset="0"/>
-              </a:rPr>
-              <a:t>num </a:t>
-            </a:r>
-            <a:r>
-              <a:rPr lang="en-US" altLang="ko-KR" spc="-150" dirty="0" smtClean="0">
-                <a:latin typeface="Consolas" panose="020B0609020204030204" pitchFamily="49" charset="0"/>
-              </a:rPr>
-              <a:t>+ ' is ' + </a:t>
-            </a:r>
-            <a:r>
-              <a:rPr lang="en-US" altLang="ko-KR" spc="-150" dirty="0" err="1" smtClean="0">
-                <a:latin typeface="Consolas" panose="020B0609020204030204" pitchFamily="49" charset="0"/>
-              </a:rPr>
-              <a:t>str</a:t>
-            </a:r>
-            <a:r>
-              <a:rPr lang="en-US" altLang="ko-KR" spc="-150" dirty="0" smtClean="0">
-                <a:latin typeface="Consolas" panose="020B0609020204030204" pitchFamily="49" charset="0"/>
-              </a:rPr>
-              <a:t>(</a:t>
-            </a:r>
-            <a:r>
-              <a:rPr lang="en-US" altLang="ko-KR" spc="-150" dirty="0" err="1" smtClean="0">
-                <a:latin typeface="Consolas" panose="020B0609020204030204" pitchFamily="49" charset="0"/>
-              </a:rPr>
-              <a:t>sqr</a:t>
-            </a:r>
-            <a:r>
-              <a:rPr lang="en-US" altLang="ko-KR" spc="-150" dirty="0" smtClean="0">
-                <a:latin typeface="Consolas" panose="020B0609020204030204" pitchFamily="49" charset="0"/>
-              </a:rPr>
-              <a:t>)</a:t>
-            </a:r>
-            <a:r>
-              <a:rPr lang="en-US" altLang="ko-KR" spc="-150" dirty="0">
-                <a:latin typeface="Consolas" panose="020B0609020204030204" pitchFamily="49" charset="0"/>
-              </a:rPr>
-              <a:t/>
-            </a:r>
-            <a:br>
-              <a:rPr lang="en-US" altLang="ko-KR" spc="-150" dirty="0">
-                <a:latin typeface="Consolas" panose="020B0609020204030204" pitchFamily="49" charset="0"/>
-              </a:rPr>
-            </a:br>
-            <a:endParaRPr lang="ko-KR" altLang="en-US" dirty="0"/>
-          </a:p>
-        </p:txBody>
-      </p:sp>
-    </p:spTree>
-    <p:extLst>
-      <p:ext uri="{BB962C8B-B14F-4D97-AF65-F5344CB8AC3E}">
-        <p14:creationId xmlns:p14="http://schemas.microsoft.com/office/powerpoint/2010/main" val="2425357913"/>
-      </p:ext>
-    </p:extLst>
-  </p:cSld>
-  <p:clrMapOvr>
-    <a:masterClrMapping/>
-  </p:clrMapOvr>
-</p:sld>
-</file>
-
-<file path=ppt/slides/slide36.xml><?xml version="1.0" encoding="utf-8"?>
-<p:sld xmlns:a="http://schemas.openxmlformats.org/drawingml/2006/main" xmlns:r="http://schemas.openxmlformats.org/officeDocument/2006/relationships" xmlns:p="http://schemas.openxmlformats.org/presentationml/2006/main">
-  <p:cSld>
-    <p:spTree>
-      <p:nvGrpSpPr>
-        <p:cNvPr id="1" name=""/>
-        <p:cNvGrpSpPr/>
-        <p:nvPr/>
-      </p:nvGrpSpPr>
-      <p:grpSpPr>
-        <a:xfrm>
-          <a:off x="0" y="0"/>
-          <a:ext cx="0" cy="0"/>
-          <a:chOff x="0" y="0"/>
-          <a:chExt cx="0" cy="0"/>
-        </a:xfrm>
-      </p:grpSpPr>
-      <p:sp>
-        <p:nvSpPr>
-          <p:cNvPr id="2" name="제목 1"/>
-          <p:cNvSpPr>
-            <a:spLocks noGrp="1"/>
-          </p:cNvSpPr>
-          <p:nvPr>
-            <p:ph type="title"/>
-          </p:nvPr>
-        </p:nvSpPr>
         <p:spPr>
           <a:xfrm>
             <a:off x="838200" y="365126"/>
@@ -9064,8 +6710,12 @@
           <a:lstStyle/>
           <a:p>
             <a:r>
-              <a:rPr lang="ko-KR" altLang="en-US" dirty="0" smtClean="0"/>
-              <a:t>스크립트</a:t>
+              <a:rPr lang="en-US" altLang="ko-KR" dirty="0" err="1" smtClean="0"/>
+              <a:t>Spyder</a:t>
+            </a:r>
+            <a:r>
+              <a:rPr lang="ko-KR" altLang="en-US" smtClean="0"/>
+              <a:t>에서 스크립트 작성하기</a:t>
             </a:r>
             <a:endParaRPr lang="ko-KR" altLang="en-US" dirty="0"/>
           </a:p>
@@ -9329,7 +6979,7 @@
 </p:sld>
 </file>
 
-<file path=ppt/slides/slide37.xml><?xml version="1.0" encoding="utf-8"?>
+<file path=ppt/slides/slide36.xml><?xml version="1.0" encoding="utf-8"?>
 <p:sld xmlns:a="http://schemas.openxmlformats.org/drawingml/2006/main" xmlns:r="http://schemas.openxmlformats.org/officeDocument/2006/relationships" xmlns:p="http://schemas.openxmlformats.org/presentationml/2006/main">
   <p:cSld>
     <p:spTree>
@@ -10090,15 +7740,15 @@
             </a:r>
             <a:r>
               <a:rPr lang="ko-KR" altLang="en-US" dirty="0"/>
-              <a:t>를 이용 중이라면</a:t>
+              <a:t>를 이용 </a:t>
+            </a:r>
+            <a:r>
+              <a:rPr lang="ko-KR" altLang="en-US" dirty="0" smtClean="0"/>
+              <a:t>중이라면 </a:t>
             </a:r>
             <a:r>
               <a:rPr lang="en-US" altLang="ko-KR" dirty="0" smtClean="0"/>
-              <a:t>Variable </a:t>
-            </a:r>
-            <a:r>
-              <a:rPr lang="en-US" altLang="ko-KR" dirty="0" smtClean="0"/>
-              <a:t>explorer</a:t>
+              <a:t>Variable explorer</a:t>
             </a:r>
             <a:r>
               <a:rPr lang="ko-KR" altLang="en-US" dirty="0" smtClean="0"/>

--- a/ppt/Python_2_기본.pptx
+++ b/ppt/Python_2_기본.pptx
@@ -5325,7 +5325,7 @@
       </p:grpSpPr>
       <p:pic>
         <p:nvPicPr>
-          <p:cNvPr id="4" name="내용 개체 틀 3"/>
+          <p:cNvPr id="3" name="내용 개체 틀 2"/>
           <p:cNvPicPr>
             <a:picLocks noGrp="1" noChangeAspect="1"/>
           </p:cNvPicPr>
@@ -5341,8 +5341,8 @@
         </p:blipFill>
         <p:spPr>
           <a:xfrm>
-            <a:off x="1134679" y="372381"/>
-            <a:ext cx="10022628" cy="6120947"/>
+            <a:off x="657571" y="366939"/>
+            <a:ext cx="11120771" cy="5949384"/>
           </a:xfrm>
           <a:prstGeom prst="rect">
             <a:avLst/>
